--- a/reports/presentation_draft_v1.pptx
+++ b/reports/presentation_draft_v1.pptx
@@ -110,6 +110,11 @@
       </a:defRPr>
     </a:lvl9pPr>
   </p:defaultTextStyle>
+  <p:extLst>
+    <p:ext uri="{EFAFB233-063F-42B5-8137-9DF3F51BA10A}">
+      <p15:sldGuideLst xmlns:p15="http://schemas.microsoft.com/office/powerpoint/2012/main"/>
+    </p:ext>
+  </p:extLst>
 </p:presentation>
 </file>
 
@@ -155,7 +160,7 @@
           </a:lstStyle>
           <a:p>
             <a:r>
-              <a:rPr lang="en-US" smtClean="0"/>
+              <a:rPr lang="en-US"/>
               <a:t>Click to edit Master title style</a:t>
             </a:r>
             <a:endParaRPr lang="de-DE"/>
@@ -220,7 +225,7 @@
           </a:lstStyle>
           <a:p>
             <a:r>
-              <a:rPr lang="en-US" smtClean="0"/>
+              <a:rPr lang="en-US"/>
               <a:t>Click to edit Master subtitle style</a:t>
             </a:r>
             <a:endParaRPr lang="de-DE"/>
@@ -244,7 +249,7 @@
           <a:p>
             <a:fld id="{69429407-18D6-4C3E-AB7D-24EBE31151B0}" type="datetimeFigureOut">
               <a:rPr lang="de-DE" smtClean="0"/>
-              <a:t>14.01.2020</a:t>
+              <a:t>16.01.2020</a:t>
             </a:fld>
             <a:endParaRPr lang="de-DE"/>
           </a:p>
@@ -286,7 +291,7 @@
           <a:p>
             <a:fld id="{8C4DBA3F-B391-4629-989C-BD13335FBCD6}" type="slidenum">
               <a:rPr lang="de-DE" smtClean="0"/>
-              <a:t>‹#›</a:t>
+              <a:t>‹Nr.›</a:t>
             </a:fld>
             <a:endParaRPr lang="de-DE"/>
           </a:p>
@@ -338,7 +343,7 @@
           <a:lstStyle/>
           <a:p>
             <a:r>
-              <a:rPr lang="en-US" smtClean="0"/>
+              <a:rPr lang="en-US"/>
               <a:t>Click to edit Master title style</a:t>
             </a:r>
             <a:endParaRPr lang="de-DE"/>
@@ -362,35 +367,35 @@
           <a:p>
             <a:pPr lvl="0"/>
             <a:r>
-              <a:rPr lang="en-US" smtClean="0"/>
+              <a:rPr lang="en-US"/>
               <a:t>Edit Master text styles</a:t>
             </a:r>
           </a:p>
           <a:p>
             <a:pPr lvl="1"/>
             <a:r>
-              <a:rPr lang="en-US" smtClean="0"/>
+              <a:rPr lang="en-US"/>
               <a:t>Second level</a:t>
             </a:r>
           </a:p>
           <a:p>
             <a:pPr lvl="2"/>
             <a:r>
-              <a:rPr lang="en-US" smtClean="0"/>
+              <a:rPr lang="en-US"/>
               <a:t>Third level</a:t>
             </a:r>
           </a:p>
           <a:p>
             <a:pPr lvl="3"/>
             <a:r>
-              <a:rPr lang="en-US" smtClean="0"/>
+              <a:rPr lang="en-US"/>
               <a:t>Fourth level</a:t>
             </a:r>
           </a:p>
           <a:p>
             <a:pPr lvl="4"/>
             <a:r>
-              <a:rPr lang="en-US" smtClean="0"/>
+              <a:rPr lang="en-US"/>
               <a:t>Fifth level</a:t>
             </a:r>
             <a:endParaRPr lang="de-DE"/>
@@ -414,7 +419,7 @@
           <a:p>
             <a:fld id="{69429407-18D6-4C3E-AB7D-24EBE31151B0}" type="datetimeFigureOut">
               <a:rPr lang="de-DE" smtClean="0"/>
-              <a:t>14.01.2020</a:t>
+              <a:t>16.01.2020</a:t>
             </a:fld>
             <a:endParaRPr lang="de-DE"/>
           </a:p>
@@ -456,7 +461,7 @@
           <a:p>
             <a:fld id="{8C4DBA3F-B391-4629-989C-BD13335FBCD6}" type="slidenum">
               <a:rPr lang="de-DE" smtClean="0"/>
-              <a:t>‹#›</a:t>
+              <a:t>‹Nr.›</a:t>
             </a:fld>
             <a:endParaRPr lang="de-DE"/>
           </a:p>
@@ -513,7 +518,7 @@
           <a:lstStyle/>
           <a:p>
             <a:r>
-              <a:rPr lang="en-US" smtClean="0"/>
+              <a:rPr lang="en-US"/>
               <a:t>Click to edit Master title style</a:t>
             </a:r>
             <a:endParaRPr lang="de-DE"/>
@@ -542,35 +547,35 @@
           <a:p>
             <a:pPr lvl="0"/>
             <a:r>
-              <a:rPr lang="en-US" smtClean="0"/>
+              <a:rPr lang="en-US"/>
               <a:t>Edit Master text styles</a:t>
             </a:r>
           </a:p>
           <a:p>
             <a:pPr lvl="1"/>
             <a:r>
-              <a:rPr lang="en-US" smtClean="0"/>
+              <a:rPr lang="en-US"/>
               <a:t>Second level</a:t>
             </a:r>
           </a:p>
           <a:p>
             <a:pPr lvl="2"/>
             <a:r>
-              <a:rPr lang="en-US" smtClean="0"/>
+              <a:rPr lang="en-US"/>
               <a:t>Third level</a:t>
             </a:r>
           </a:p>
           <a:p>
             <a:pPr lvl="3"/>
             <a:r>
-              <a:rPr lang="en-US" smtClean="0"/>
+              <a:rPr lang="en-US"/>
               <a:t>Fourth level</a:t>
             </a:r>
           </a:p>
           <a:p>
             <a:pPr lvl="4"/>
             <a:r>
-              <a:rPr lang="en-US" smtClean="0"/>
+              <a:rPr lang="en-US"/>
               <a:t>Fifth level</a:t>
             </a:r>
             <a:endParaRPr lang="de-DE"/>
@@ -594,7 +599,7 @@
           <a:p>
             <a:fld id="{69429407-18D6-4C3E-AB7D-24EBE31151B0}" type="datetimeFigureOut">
               <a:rPr lang="de-DE" smtClean="0"/>
-              <a:t>14.01.2020</a:t>
+              <a:t>16.01.2020</a:t>
             </a:fld>
             <a:endParaRPr lang="de-DE"/>
           </a:p>
@@ -636,7 +641,7 @@
           <a:p>
             <a:fld id="{8C4DBA3F-B391-4629-989C-BD13335FBCD6}" type="slidenum">
               <a:rPr lang="de-DE" smtClean="0"/>
-              <a:t>‹#›</a:t>
+              <a:t>‹Nr.›</a:t>
             </a:fld>
             <a:endParaRPr lang="de-DE"/>
           </a:p>
@@ -688,7 +693,7 @@
           <a:lstStyle/>
           <a:p>
             <a:r>
-              <a:rPr lang="en-US" smtClean="0"/>
+              <a:rPr lang="en-US"/>
               <a:t>Click to edit Master title style</a:t>
             </a:r>
             <a:endParaRPr lang="de-DE"/>
@@ -712,35 +717,35 @@
           <a:p>
             <a:pPr lvl="0"/>
             <a:r>
-              <a:rPr lang="en-US" smtClean="0"/>
+              <a:rPr lang="en-US"/>
               <a:t>Edit Master text styles</a:t>
             </a:r>
           </a:p>
           <a:p>
             <a:pPr lvl="1"/>
             <a:r>
-              <a:rPr lang="en-US" smtClean="0"/>
+              <a:rPr lang="en-US"/>
               <a:t>Second level</a:t>
             </a:r>
           </a:p>
           <a:p>
             <a:pPr lvl="2"/>
             <a:r>
-              <a:rPr lang="en-US" smtClean="0"/>
+              <a:rPr lang="en-US"/>
               <a:t>Third level</a:t>
             </a:r>
           </a:p>
           <a:p>
             <a:pPr lvl="3"/>
             <a:r>
-              <a:rPr lang="en-US" smtClean="0"/>
+              <a:rPr lang="en-US"/>
               <a:t>Fourth level</a:t>
             </a:r>
           </a:p>
           <a:p>
             <a:pPr lvl="4"/>
             <a:r>
-              <a:rPr lang="en-US" smtClean="0"/>
+              <a:rPr lang="en-US"/>
               <a:t>Fifth level</a:t>
             </a:r>
             <a:endParaRPr lang="de-DE"/>
@@ -764,7 +769,7 @@
           <a:p>
             <a:fld id="{69429407-18D6-4C3E-AB7D-24EBE31151B0}" type="datetimeFigureOut">
               <a:rPr lang="de-DE" smtClean="0"/>
-              <a:t>14.01.2020</a:t>
+              <a:t>16.01.2020</a:t>
             </a:fld>
             <a:endParaRPr lang="de-DE"/>
           </a:p>
@@ -806,7 +811,7 @@
           <a:p>
             <a:fld id="{8C4DBA3F-B391-4629-989C-BD13335FBCD6}" type="slidenum">
               <a:rPr lang="de-DE" smtClean="0"/>
-              <a:t>‹#›</a:t>
+              <a:t>‹Nr.›</a:t>
             </a:fld>
             <a:endParaRPr lang="de-DE"/>
           </a:p>
@@ -867,7 +872,7 @@
           </a:lstStyle>
           <a:p>
             <a:r>
-              <a:rPr lang="en-US" smtClean="0"/>
+              <a:rPr lang="en-US"/>
               <a:t>Click to edit Master title style</a:t>
             </a:r>
             <a:endParaRPr lang="de-DE"/>
@@ -987,7 +992,7 @@
           <a:p>
             <a:pPr lvl="0"/>
             <a:r>
-              <a:rPr lang="en-US" smtClean="0"/>
+              <a:rPr lang="en-US"/>
               <a:t>Edit Master text styles</a:t>
             </a:r>
           </a:p>
@@ -1010,7 +1015,7 @@
           <a:p>
             <a:fld id="{69429407-18D6-4C3E-AB7D-24EBE31151B0}" type="datetimeFigureOut">
               <a:rPr lang="de-DE" smtClean="0"/>
-              <a:t>14.01.2020</a:t>
+              <a:t>16.01.2020</a:t>
             </a:fld>
             <a:endParaRPr lang="de-DE"/>
           </a:p>
@@ -1052,7 +1057,7 @@
           <a:p>
             <a:fld id="{8C4DBA3F-B391-4629-989C-BD13335FBCD6}" type="slidenum">
               <a:rPr lang="de-DE" smtClean="0"/>
-              <a:t>‹#›</a:t>
+              <a:t>‹Nr.›</a:t>
             </a:fld>
             <a:endParaRPr lang="de-DE"/>
           </a:p>
@@ -1104,7 +1109,7 @@
           <a:lstStyle/>
           <a:p>
             <a:r>
-              <a:rPr lang="en-US" smtClean="0"/>
+              <a:rPr lang="en-US"/>
               <a:t>Click to edit Master title style</a:t>
             </a:r>
             <a:endParaRPr lang="de-DE"/>
@@ -1133,35 +1138,35 @@
           <a:p>
             <a:pPr lvl="0"/>
             <a:r>
-              <a:rPr lang="en-US" smtClean="0"/>
+              <a:rPr lang="en-US"/>
               <a:t>Edit Master text styles</a:t>
             </a:r>
           </a:p>
           <a:p>
             <a:pPr lvl="1"/>
             <a:r>
-              <a:rPr lang="en-US" smtClean="0"/>
+              <a:rPr lang="en-US"/>
               <a:t>Second level</a:t>
             </a:r>
           </a:p>
           <a:p>
             <a:pPr lvl="2"/>
             <a:r>
-              <a:rPr lang="en-US" smtClean="0"/>
+              <a:rPr lang="en-US"/>
               <a:t>Third level</a:t>
             </a:r>
           </a:p>
           <a:p>
             <a:pPr lvl="3"/>
             <a:r>
-              <a:rPr lang="en-US" smtClean="0"/>
+              <a:rPr lang="en-US"/>
               <a:t>Fourth level</a:t>
             </a:r>
           </a:p>
           <a:p>
             <a:pPr lvl="4"/>
             <a:r>
-              <a:rPr lang="en-US" smtClean="0"/>
+              <a:rPr lang="en-US"/>
               <a:t>Fifth level</a:t>
             </a:r>
             <a:endParaRPr lang="de-DE"/>
@@ -1190,35 +1195,35 @@
           <a:p>
             <a:pPr lvl="0"/>
             <a:r>
-              <a:rPr lang="en-US" smtClean="0"/>
+              <a:rPr lang="en-US"/>
               <a:t>Edit Master text styles</a:t>
             </a:r>
           </a:p>
           <a:p>
             <a:pPr lvl="1"/>
             <a:r>
-              <a:rPr lang="en-US" smtClean="0"/>
+              <a:rPr lang="en-US"/>
               <a:t>Second level</a:t>
             </a:r>
           </a:p>
           <a:p>
             <a:pPr lvl="2"/>
             <a:r>
-              <a:rPr lang="en-US" smtClean="0"/>
+              <a:rPr lang="en-US"/>
               <a:t>Third level</a:t>
             </a:r>
           </a:p>
           <a:p>
             <a:pPr lvl="3"/>
             <a:r>
-              <a:rPr lang="en-US" smtClean="0"/>
+              <a:rPr lang="en-US"/>
               <a:t>Fourth level</a:t>
             </a:r>
           </a:p>
           <a:p>
             <a:pPr lvl="4"/>
             <a:r>
-              <a:rPr lang="en-US" smtClean="0"/>
+              <a:rPr lang="en-US"/>
               <a:t>Fifth level</a:t>
             </a:r>
             <a:endParaRPr lang="de-DE"/>
@@ -1242,7 +1247,7 @@
           <a:p>
             <a:fld id="{69429407-18D6-4C3E-AB7D-24EBE31151B0}" type="datetimeFigureOut">
               <a:rPr lang="de-DE" smtClean="0"/>
-              <a:t>14.01.2020</a:t>
+              <a:t>16.01.2020</a:t>
             </a:fld>
             <a:endParaRPr lang="de-DE"/>
           </a:p>
@@ -1284,7 +1289,7 @@
           <a:p>
             <a:fld id="{8C4DBA3F-B391-4629-989C-BD13335FBCD6}" type="slidenum">
               <a:rPr lang="de-DE" smtClean="0"/>
-              <a:t>‹#›</a:t>
+              <a:t>‹Nr.›</a:t>
             </a:fld>
             <a:endParaRPr lang="de-DE"/>
           </a:p>
@@ -1341,7 +1346,7 @@
           <a:lstStyle/>
           <a:p>
             <a:r>
-              <a:rPr lang="en-US" smtClean="0"/>
+              <a:rPr lang="en-US"/>
               <a:t>Click to edit Master title style</a:t>
             </a:r>
             <a:endParaRPr lang="de-DE"/>
@@ -1407,7 +1412,7 @@
           <a:p>
             <a:pPr lvl="0"/>
             <a:r>
-              <a:rPr lang="en-US" smtClean="0"/>
+              <a:rPr lang="en-US"/>
               <a:t>Edit Master text styles</a:t>
             </a:r>
           </a:p>
@@ -1435,35 +1440,35 @@
           <a:p>
             <a:pPr lvl="0"/>
             <a:r>
-              <a:rPr lang="en-US" smtClean="0"/>
+              <a:rPr lang="en-US"/>
               <a:t>Edit Master text styles</a:t>
             </a:r>
           </a:p>
           <a:p>
             <a:pPr lvl="1"/>
             <a:r>
-              <a:rPr lang="en-US" smtClean="0"/>
+              <a:rPr lang="en-US"/>
               <a:t>Second level</a:t>
             </a:r>
           </a:p>
           <a:p>
             <a:pPr lvl="2"/>
             <a:r>
-              <a:rPr lang="en-US" smtClean="0"/>
+              <a:rPr lang="en-US"/>
               <a:t>Third level</a:t>
             </a:r>
           </a:p>
           <a:p>
             <a:pPr lvl="3"/>
             <a:r>
-              <a:rPr lang="en-US" smtClean="0"/>
+              <a:rPr lang="en-US"/>
               <a:t>Fourth level</a:t>
             </a:r>
           </a:p>
           <a:p>
             <a:pPr lvl="4"/>
             <a:r>
-              <a:rPr lang="en-US" smtClean="0"/>
+              <a:rPr lang="en-US"/>
               <a:t>Fifth level</a:t>
             </a:r>
             <a:endParaRPr lang="de-DE"/>
@@ -1529,7 +1534,7 @@
           <a:p>
             <a:pPr lvl="0"/>
             <a:r>
-              <a:rPr lang="en-US" smtClean="0"/>
+              <a:rPr lang="en-US"/>
               <a:t>Edit Master text styles</a:t>
             </a:r>
           </a:p>
@@ -1557,35 +1562,35 @@
           <a:p>
             <a:pPr lvl="0"/>
             <a:r>
-              <a:rPr lang="en-US" smtClean="0"/>
+              <a:rPr lang="en-US"/>
               <a:t>Edit Master text styles</a:t>
             </a:r>
           </a:p>
           <a:p>
             <a:pPr lvl="1"/>
             <a:r>
-              <a:rPr lang="en-US" smtClean="0"/>
+              <a:rPr lang="en-US"/>
               <a:t>Second level</a:t>
             </a:r>
           </a:p>
           <a:p>
             <a:pPr lvl="2"/>
             <a:r>
-              <a:rPr lang="en-US" smtClean="0"/>
+              <a:rPr lang="en-US"/>
               <a:t>Third level</a:t>
             </a:r>
           </a:p>
           <a:p>
             <a:pPr lvl="3"/>
             <a:r>
-              <a:rPr lang="en-US" smtClean="0"/>
+              <a:rPr lang="en-US"/>
               <a:t>Fourth level</a:t>
             </a:r>
           </a:p>
           <a:p>
             <a:pPr lvl="4"/>
             <a:r>
-              <a:rPr lang="en-US" smtClean="0"/>
+              <a:rPr lang="en-US"/>
               <a:t>Fifth level</a:t>
             </a:r>
             <a:endParaRPr lang="de-DE"/>
@@ -1609,7 +1614,7 @@
           <a:p>
             <a:fld id="{69429407-18D6-4C3E-AB7D-24EBE31151B0}" type="datetimeFigureOut">
               <a:rPr lang="de-DE" smtClean="0"/>
-              <a:t>14.01.2020</a:t>
+              <a:t>16.01.2020</a:t>
             </a:fld>
             <a:endParaRPr lang="de-DE"/>
           </a:p>
@@ -1651,7 +1656,7 @@
           <a:p>
             <a:fld id="{8C4DBA3F-B391-4629-989C-BD13335FBCD6}" type="slidenum">
               <a:rPr lang="de-DE" smtClean="0"/>
-              <a:t>‹#›</a:t>
+              <a:t>‹Nr.›</a:t>
             </a:fld>
             <a:endParaRPr lang="de-DE"/>
           </a:p>
@@ -1703,7 +1708,7 @@
           <a:lstStyle/>
           <a:p>
             <a:r>
-              <a:rPr lang="en-US" smtClean="0"/>
+              <a:rPr lang="en-US"/>
               <a:t>Click to edit Master title style</a:t>
             </a:r>
             <a:endParaRPr lang="de-DE"/>
@@ -1727,7 +1732,7 @@
           <a:p>
             <a:fld id="{69429407-18D6-4C3E-AB7D-24EBE31151B0}" type="datetimeFigureOut">
               <a:rPr lang="de-DE" smtClean="0"/>
-              <a:t>14.01.2020</a:t>
+              <a:t>16.01.2020</a:t>
             </a:fld>
             <a:endParaRPr lang="de-DE"/>
           </a:p>
@@ -1769,7 +1774,7 @@
           <a:p>
             <a:fld id="{8C4DBA3F-B391-4629-989C-BD13335FBCD6}" type="slidenum">
               <a:rPr lang="de-DE" smtClean="0"/>
-              <a:t>‹#›</a:t>
+              <a:t>‹Nr.›</a:t>
             </a:fld>
             <a:endParaRPr lang="de-DE"/>
           </a:p>
@@ -1822,7 +1827,7 @@
           <a:p>
             <a:fld id="{69429407-18D6-4C3E-AB7D-24EBE31151B0}" type="datetimeFigureOut">
               <a:rPr lang="de-DE" smtClean="0"/>
-              <a:t>14.01.2020</a:t>
+              <a:t>16.01.2020</a:t>
             </a:fld>
             <a:endParaRPr lang="de-DE"/>
           </a:p>
@@ -1864,7 +1869,7 @@
           <a:p>
             <a:fld id="{8C4DBA3F-B391-4629-989C-BD13335FBCD6}" type="slidenum">
               <a:rPr lang="de-DE" smtClean="0"/>
-              <a:t>‹#›</a:t>
+              <a:t>‹Nr.›</a:t>
             </a:fld>
             <a:endParaRPr lang="de-DE"/>
           </a:p>
@@ -1925,7 +1930,7 @@
           </a:lstStyle>
           <a:p>
             <a:r>
-              <a:rPr lang="en-US" smtClean="0"/>
+              <a:rPr lang="en-US"/>
               <a:t>Click to edit Master title style</a:t>
             </a:r>
             <a:endParaRPr lang="de-DE"/>
@@ -1982,35 +1987,35 @@
           <a:p>
             <a:pPr lvl="0"/>
             <a:r>
-              <a:rPr lang="en-US" smtClean="0"/>
+              <a:rPr lang="en-US"/>
               <a:t>Edit Master text styles</a:t>
             </a:r>
           </a:p>
           <a:p>
             <a:pPr lvl="1"/>
             <a:r>
-              <a:rPr lang="en-US" smtClean="0"/>
+              <a:rPr lang="en-US"/>
               <a:t>Second level</a:t>
             </a:r>
           </a:p>
           <a:p>
             <a:pPr lvl="2"/>
             <a:r>
-              <a:rPr lang="en-US" smtClean="0"/>
+              <a:rPr lang="en-US"/>
               <a:t>Third level</a:t>
             </a:r>
           </a:p>
           <a:p>
             <a:pPr lvl="3"/>
             <a:r>
-              <a:rPr lang="en-US" smtClean="0"/>
+              <a:rPr lang="en-US"/>
               <a:t>Fourth level</a:t>
             </a:r>
           </a:p>
           <a:p>
             <a:pPr lvl="4"/>
             <a:r>
-              <a:rPr lang="en-US" smtClean="0"/>
+              <a:rPr lang="en-US"/>
               <a:t>Fifth level</a:t>
             </a:r>
             <a:endParaRPr lang="de-DE"/>
@@ -2076,7 +2081,7 @@
           <a:p>
             <a:pPr lvl="0"/>
             <a:r>
-              <a:rPr lang="en-US" smtClean="0"/>
+              <a:rPr lang="en-US"/>
               <a:t>Edit Master text styles</a:t>
             </a:r>
           </a:p>
@@ -2099,7 +2104,7 @@
           <a:p>
             <a:fld id="{69429407-18D6-4C3E-AB7D-24EBE31151B0}" type="datetimeFigureOut">
               <a:rPr lang="de-DE" smtClean="0"/>
-              <a:t>14.01.2020</a:t>
+              <a:t>16.01.2020</a:t>
             </a:fld>
             <a:endParaRPr lang="de-DE"/>
           </a:p>
@@ -2141,7 +2146,7 @@
           <a:p>
             <a:fld id="{8C4DBA3F-B391-4629-989C-BD13335FBCD6}" type="slidenum">
               <a:rPr lang="de-DE" smtClean="0"/>
-              <a:t>‹#›</a:t>
+              <a:t>‹Nr.›</a:t>
             </a:fld>
             <a:endParaRPr lang="de-DE"/>
           </a:p>
@@ -2202,7 +2207,7 @@
           </a:lstStyle>
           <a:p>
             <a:r>
-              <a:rPr lang="en-US" smtClean="0"/>
+              <a:rPr lang="en-US"/>
               <a:t>Click to edit Master title style</a:t>
             </a:r>
             <a:endParaRPr lang="de-DE"/>
@@ -2329,7 +2334,7 @@
           <a:p>
             <a:pPr lvl="0"/>
             <a:r>
-              <a:rPr lang="en-US" smtClean="0"/>
+              <a:rPr lang="en-US"/>
               <a:t>Edit Master text styles</a:t>
             </a:r>
           </a:p>
@@ -2352,7 +2357,7 @@
           <a:p>
             <a:fld id="{69429407-18D6-4C3E-AB7D-24EBE31151B0}" type="datetimeFigureOut">
               <a:rPr lang="de-DE" smtClean="0"/>
-              <a:t>14.01.2020</a:t>
+              <a:t>16.01.2020</a:t>
             </a:fld>
             <a:endParaRPr lang="de-DE"/>
           </a:p>
@@ -2394,7 +2399,7 @@
           <a:p>
             <a:fld id="{8C4DBA3F-B391-4629-989C-BD13335FBCD6}" type="slidenum">
               <a:rPr lang="de-DE" smtClean="0"/>
-              <a:t>‹#›</a:t>
+              <a:t>‹Nr.›</a:t>
             </a:fld>
             <a:endParaRPr lang="de-DE"/>
           </a:p>
@@ -2461,7 +2466,7 @@
           <a:lstStyle/>
           <a:p>
             <a:r>
-              <a:rPr lang="en-US" smtClean="0"/>
+              <a:rPr lang="en-US"/>
               <a:t>Click to edit Master title style</a:t>
             </a:r>
             <a:endParaRPr lang="de-DE"/>
@@ -2495,35 +2500,35 @@
           <a:p>
             <a:pPr lvl="0"/>
             <a:r>
-              <a:rPr lang="en-US" smtClean="0"/>
+              <a:rPr lang="en-US"/>
               <a:t>Edit Master text styles</a:t>
             </a:r>
           </a:p>
           <a:p>
             <a:pPr lvl="1"/>
             <a:r>
-              <a:rPr lang="en-US" smtClean="0"/>
+              <a:rPr lang="en-US"/>
               <a:t>Second level</a:t>
             </a:r>
           </a:p>
           <a:p>
             <a:pPr lvl="2"/>
             <a:r>
-              <a:rPr lang="en-US" smtClean="0"/>
+              <a:rPr lang="en-US"/>
               <a:t>Third level</a:t>
             </a:r>
           </a:p>
           <a:p>
             <a:pPr lvl="3"/>
             <a:r>
-              <a:rPr lang="en-US" smtClean="0"/>
+              <a:rPr lang="en-US"/>
               <a:t>Fourth level</a:t>
             </a:r>
           </a:p>
           <a:p>
             <a:pPr lvl="4"/>
             <a:r>
-              <a:rPr lang="en-US" smtClean="0"/>
+              <a:rPr lang="en-US"/>
               <a:t>Fifth level</a:t>
             </a:r>
             <a:endParaRPr lang="de-DE"/>
@@ -2565,7 +2570,7 @@
           <a:p>
             <a:fld id="{69429407-18D6-4C3E-AB7D-24EBE31151B0}" type="datetimeFigureOut">
               <a:rPr lang="de-DE" smtClean="0"/>
-              <a:t>14.01.2020</a:t>
+              <a:t>16.01.2020</a:t>
             </a:fld>
             <a:endParaRPr lang="de-DE"/>
           </a:p>
@@ -2643,7 +2648,7 @@
           <a:p>
             <a:fld id="{8C4DBA3F-B391-4629-989C-BD13335FBCD6}" type="slidenum">
               <a:rPr lang="de-DE" smtClean="0"/>
-              <a:t>‹#›</a:t>
+              <a:t>‹Nr.›</a:t>
             </a:fld>
             <a:endParaRPr lang="de-DE"/>
           </a:p>
@@ -2986,23 +2991,23 @@
           <a:lstStyle/>
           <a:p>
             <a:r>
-              <a:rPr lang="de-DE" dirty="0" err="1" smtClean="0"/>
+              <a:rPr lang="de-DE" dirty="0" err="1"/>
               <a:t>Credit</a:t>
             </a:r>
             <a:r>
-              <a:rPr lang="de-DE" dirty="0" smtClean="0"/>
+              <a:rPr lang="de-DE" dirty="0"/>
               <a:t> Card </a:t>
             </a:r>
             <a:r>
-              <a:rPr lang="de-DE" dirty="0" err="1" smtClean="0"/>
+              <a:rPr lang="de-DE" dirty="0" err="1"/>
               <a:t>Fraud</a:t>
             </a:r>
             <a:r>
-              <a:rPr lang="de-DE" dirty="0" smtClean="0"/>
+              <a:rPr lang="de-DE" dirty="0"/>
               <a:t> </a:t>
             </a:r>
             <a:r>
-              <a:rPr lang="de-DE" dirty="0" err="1" smtClean="0"/>
+              <a:rPr lang="de-DE" dirty="0" err="1"/>
               <a:t>Detection</a:t>
             </a:r>
             <a:endParaRPr lang="de-DE" dirty="0"/>
@@ -3025,10 +3030,9 @@
           <a:lstStyle/>
           <a:p>
             <a:r>
-              <a:rPr lang="de-DE" dirty="0" smtClean="0"/>
+              <a:rPr lang="de-DE" dirty="0"/>
               <a:t>KI Bonus Projekt WS 19/20</a:t>
             </a:r>
-            <a:endParaRPr lang="de-DE" dirty="0"/>
           </a:p>
         </p:txBody>
       </p:sp>
@@ -3078,10 +3082,9 @@
           <a:lstStyle/>
           <a:p>
             <a:r>
-              <a:rPr lang="de-DE" dirty="0" smtClean="0"/>
+              <a:rPr lang="de-DE" dirty="0"/>
               <a:t>Intro</a:t>
             </a:r>
-            <a:endParaRPr lang="de-DE" dirty="0"/>
           </a:p>
         </p:txBody>
       </p:sp>
@@ -3103,65 +3106,65 @@
           <a:lstStyle/>
           <a:p>
             <a:r>
-              <a:rPr lang="de-DE" dirty="0" smtClean="0"/>
+              <a:rPr lang="de-DE" dirty="0"/>
               <a:t>Data </a:t>
             </a:r>
             <a:r>
-              <a:rPr lang="de-DE" dirty="0" err="1" smtClean="0"/>
+              <a:rPr lang="de-DE" dirty="0" err="1"/>
               <a:t>is</a:t>
             </a:r>
             <a:r>
-              <a:rPr lang="de-DE" dirty="0" smtClean="0"/>
+              <a:rPr lang="de-DE" dirty="0"/>
               <a:t> </a:t>
             </a:r>
             <a:r>
-              <a:rPr lang="de-DE" dirty="0" err="1" smtClean="0"/>
+              <a:rPr lang="de-DE" dirty="0" err="1"/>
               <a:t>highly</a:t>
             </a:r>
             <a:r>
-              <a:rPr lang="de-DE" dirty="0" smtClean="0"/>
+              <a:rPr lang="de-DE" dirty="0"/>
               <a:t> </a:t>
             </a:r>
             <a:r>
-              <a:rPr lang="de-DE" dirty="0" err="1" smtClean="0"/>
+              <a:rPr lang="de-DE" dirty="0" err="1"/>
               <a:t>imbalanced</a:t>
             </a:r>
             <a:r>
-              <a:rPr lang="de-DE" dirty="0" smtClean="0"/>
+              <a:rPr lang="de-DE" dirty="0"/>
               <a:t>:</a:t>
             </a:r>
           </a:p>
           <a:p>
             <a:pPr lvl="1"/>
             <a:r>
-              <a:rPr lang="de-DE" dirty="0" smtClean="0"/>
+              <a:rPr lang="de-DE" dirty="0"/>
               <a:t>99.83 % normal </a:t>
             </a:r>
             <a:r>
-              <a:rPr lang="de-DE" dirty="0" err="1" smtClean="0"/>
+              <a:rPr lang="de-DE" dirty="0" err="1"/>
               <a:t>transactions</a:t>
             </a:r>
-            <a:endParaRPr lang="de-DE" dirty="0" smtClean="0"/>
+            <a:endParaRPr lang="de-DE" dirty="0"/>
           </a:p>
           <a:p>
             <a:pPr lvl="1"/>
             <a:r>
-              <a:rPr lang="de-DE" dirty="0" smtClean="0"/>
+              <a:rPr lang="de-DE" dirty="0"/>
               <a:t>00.17 % </a:t>
             </a:r>
             <a:r>
-              <a:rPr lang="de-DE" dirty="0" err="1" smtClean="0"/>
+              <a:rPr lang="de-DE" dirty="0" err="1"/>
               <a:t>fraudulent</a:t>
             </a:r>
             <a:r>
-              <a:rPr lang="de-DE" dirty="0" smtClean="0"/>
+              <a:rPr lang="de-DE" dirty="0"/>
               <a:t> </a:t>
             </a:r>
             <a:r>
-              <a:rPr lang="de-DE" dirty="0" err="1" smtClean="0"/>
+              <a:rPr lang="de-DE" dirty="0" err="1"/>
               <a:t>transactions</a:t>
             </a:r>
-            <a:endParaRPr lang="de-DE" dirty="0" smtClean="0"/>
+            <a:endParaRPr lang="de-DE" dirty="0"/>
           </a:p>
           <a:p>
             <a:pPr lvl="1"/>
@@ -3169,251 +3172,251 @@
           </a:p>
           <a:p>
             <a:r>
-              <a:rPr lang="de-DE" dirty="0" err="1" smtClean="0"/>
+              <a:rPr lang="de-DE" dirty="0" err="1"/>
               <a:t>Possibilities</a:t>
             </a:r>
             <a:r>
-              <a:rPr lang="de-DE" dirty="0" smtClean="0"/>
+              <a:rPr lang="de-DE" dirty="0"/>
               <a:t>:</a:t>
             </a:r>
           </a:p>
           <a:p>
             <a:pPr lvl="1"/>
             <a:r>
-              <a:rPr lang="de-DE" dirty="0" smtClean="0"/>
+              <a:rPr lang="de-DE" dirty="0"/>
               <a:t>Work on </a:t>
             </a:r>
             <a:r>
-              <a:rPr lang="de-DE" dirty="0" err="1" smtClean="0"/>
+              <a:rPr lang="de-DE" dirty="0" err="1"/>
               <a:t>full</a:t>
             </a:r>
             <a:r>
-              <a:rPr lang="de-DE" dirty="0" smtClean="0"/>
+              <a:rPr lang="de-DE" dirty="0"/>
               <a:t> </a:t>
             </a:r>
             <a:r>
-              <a:rPr lang="de-DE" dirty="0" err="1" smtClean="0"/>
+              <a:rPr lang="de-DE" dirty="0" err="1"/>
               <a:t>imbalanced</a:t>
             </a:r>
             <a:r>
-              <a:rPr lang="de-DE" dirty="0" smtClean="0"/>
+              <a:rPr lang="de-DE" dirty="0"/>
               <a:t> </a:t>
             </a:r>
             <a:r>
-              <a:rPr lang="de-DE" dirty="0" err="1" smtClean="0"/>
+              <a:rPr lang="de-DE" dirty="0" err="1"/>
               <a:t>data</a:t>
             </a:r>
             <a:r>
-              <a:rPr lang="de-DE" dirty="0" smtClean="0"/>
+              <a:rPr lang="de-DE" dirty="0"/>
               <a:t> </a:t>
             </a:r>
             <a:r>
-              <a:rPr lang="de-DE" dirty="0" err="1" smtClean="0"/>
+              <a:rPr lang="de-DE" dirty="0" err="1"/>
               <a:t>set</a:t>
             </a:r>
-            <a:endParaRPr lang="de-DE" dirty="0" smtClean="0"/>
+            <a:endParaRPr lang="de-DE" dirty="0"/>
           </a:p>
           <a:p>
             <a:pPr lvl="2"/>
             <a:r>
-              <a:rPr lang="de-DE" dirty="0" err="1" smtClean="0"/>
+              <a:rPr lang="de-DE" dirty="0" err="1"/>
               <a:t>Computationally</a:t>
             </a:r>
             <a:r>
-              <a:rPr lang="de-DE" dirty="0" smtClean="0"/>
+              <a:rPr lang="de-DE" dirty="0"/>
               <a:t> expensive</a:t>
             </a:r>
           </a:p>
           <a:p>
             <a:pPr lvl="1"/>
             <a:r>
-              <a:rPr lang="de-DE" dirty="0" smtClean="0"/>
+              <a:rPr lang="de-DE" dirty="0"/>
               <a:t>Work on </a:t>
             </a:r>
             <a:r>
-              <a:rPr lang="de-DE" dirty="0" err="1" smtClean="0"/>
+              <a:rPr lang="de-DE" dirty="0" err="1"/>
               <a:t>subset</a:t>
             </a:r>
             <a:r>
-              <a:rPr lang="de-DE" dirty="0" smtClean="0"/>
+              <a:rPr lang="de-DE" dirty="0"/>
               <a:t> </a:t>
             </a:r>
             <a:r>
-              <a:rPr lang="de-DE" dirty="0" err="1" smtClean="0"/>
+              <a:rPr lang="de-DE" dirty="0" err="1"/>
               <a:t>of</a:t>
             </a:r>
             <a:r>
-              <a:rPr lang="de-DE" dirty="0" smtClean="0"/>
+              <a:rPr lang="de-DE" dirty="0"/>
               <a:t> </a:t>
             </a:r>
             <a:r>
-              <a:rPr lang="de-DE" dirty="0" err="1" smtClean="0"/>
+              <a:rPr lang="de-DE" dirty="0" err="1"/>
               <a:t>imbalanced</a:t>
             </a:r>
             <a:r>
-              <a:rPr lang="de-DE" dirty="0" smtClean="0"/>
+              <a:rPr lang="de-DE" dirty="0"/>
               <a:t> </a:t>
             </a:r>
             <a:r>
-              <a:rPr lang="de-DE" dirty="0" err="1" smtClean="0"/>
+              <a:rPr lang="de-DE" dirty="0" err="1"/>
               <a:t>data</a:t>
             </a:r>
             <a:r>
-              <a:rPr lang="de-DE" dirty="0" smtClean="0"/>
+              <a:rPr lang="de-DE" dirty="0"/>
               <a:t> </a:t>
             </a:r>
             <a:r>
-              <a:rPr lang="de-DE" dirty="0" err="1" smtClean="0"/>
+              <a:rPr lang="de-DE" dirty="0" err="1"/>
               <a:t>set</a:t>
             </a:r>
-            <a:endParaRPr lang="de-DE" dirty="0" smtClean="0"/>
+            <a:endParaRPr lang="de-DE" dirty="0"/>
           </a:p>
           <a:p>
             <a:pPr lvl="1"/>
             <a:r>
-              <a:rPr lang="de-DE" dirty="0" smtClean="0"/>
+              <a:rPr lang="de-DE" dirty="0"/>
               <a:t>Work on </a:t>
             </a:r>
             <a:r>
-              <a:rPr lang="de-DE" dirty="0" err="1" smtClean="0"/>
+              <a:rPr lang="de-DE" dirty="0" err="1"/>
               <a:t>undersampled</a:t>
             </a:r>
             <a:r>
-              <a:rPr lang="de-DE" dirty="0" smtClean="0"/>
+              <a:rPr lang="de-DE" dirty="0"/>
               <a:t> </a:t>
             </a:r>
             <a:r>
-              <a:rPr lang="de-DE" dirty="0" err="1" smtClean="0"/>
+              <a:rPr lang="de-DE" dirty="0" err="1"/>
               <a:t>data</a:t>
             </a:r>
             <a:r>
-              <a:rPr lang="de-DE" dirty="0" smtClean="0"/>
+              <a:rPr lang="de-DE" dirty="0"/>
               <a:t> </a:t>
             </a:r>
             <a:r>
-              <a:rPr lang="de-DE" dirty="0" err="1" smtClean="0"/>
+              <a:rPr lang="de-DE" dirty="0" err="1"/>
               <a:t>set</a:t>
             </a:r>
-            <a:endParaRPr lang="de-DE" dirty="0" smtClean="0"/>
+            <a:endParaRPr lang="de-DE" dirty="0"/>
           </a:p>
           <a:p>
             <a:pPr lvl="2"/>
             <a:r>
-              <a:rPr lang="de-DE" dirty="0" smtClean="0"/>
+              <a:rPr lang="de-DE" dirty="0"/>
               <a:t>Lot </a:t>
             </a:r>
             <a:r>
-              <a:rPr lang="de-DE" dirty="0" err="1" smtClean="0"/>
+              <a:rPr lang="de-DE" dirty="0" err="1"/>
               <a:t>of</a:t>
             </a:r>
             <a:r>
-              <a:rPr lang="de-DE" dirty="0" smtClean="0"/>
+              <a:rPr lang="de-DE" dirty="0"/>
               <a:t> </a:t>
             </a:r>
             <a:r>
-              <a:rPr lang="de-DE" dirty="0" err="1" smtClean="0"/>
+              <a:rPr lang="de-DE" dirty="0" err="1"/>
               <a:t>information</a:t>
             </a:r>
             <a:r>
-              <a:rPr lang="de-DE" dirty="0" smtClean="0"/>
+              <a:rPr lang="de-DE" dirty="0"/>
               <a:t> </a:t>
             </a:r>
             <a:r>
-              <a:rPr lang="de-DE" dirty="0" err="1" smtClean="0"/>
+              <a:rPr lang="de-DE" dirty="0" err="1"/>
               <a:t>dismissed</a:t>
             </a:r>
-            <a:endParaRPr lang="de-DE" dirty="0" smtClean="0"/>
+            <a:endParaRPr lang="de-DE" dirty="0"/>
           </a:p>
           <a:p>
             <a:pPr lvl="1"/>
             <a:r>
-              <a:rPr lang="de-DE" dirty="0" smtClean="0"/>
+              <a:rPr lang="de-DE" dirty="0"/>
               <a:t>Work on </a:t>
             </a:r>
             <a:r>
-              <a:rPr lang="de-DE" dirty="0" err="1" smtClean="0"/>
+              <a:rPr lang="de-DE" dirty="0" err="1"/>
               <a:t>full</a:t>
             </a:r>
             <a:r>
-              <a:rPr lang="de-DE" dirty="0" smtClean="0"/>
+              <a:rPr lang="de-DE" dirty="0"/>
               <a:t> </a:t>
             </a:r>
             <a:r>
-              <a:rPr lang="de-DE" dirty="0" err="1" smtClean="0"/>
+              <a:rPr lang="de-DE" dirty="0" err="1"/>
               <a:t>over-sampled</a:t>
             </a:r>
             <a:r>
-              <a:rPr lang="de-DE" dirty="0" smtClean="0"/>
+              <a:rPr lang="de-DE" dirty="0"/>
               <a:t> </a:t>
             </a:r>
             <a:r>
-              <a:rPr lang="de-DE" dirty="0" err="1" smtClean="0"/>
+              <a:rPr lang="de-DE" dirty="0" err="1"/>
               <a:t>data</a:t>
             </a:r>
             <a:r>
-              <a:rPr lang="de-DE" dirty="0" smtClean="0"/>
+              <a:rPr lang="de-DE" dirty="0"/>
               <a:t> </a:t>
             </a:r>
             <a:r>
-              <a:rPr lang="de-DE" dirty="0" err="1" smtClean="0"/>
+              <a:rPr lang="de-DE" dirty="0" err="1"/>
               <a:t>set</a:t>
             </a:r>
-            <a:endParaRPr lang="de-DE" dirty="0" smtClean="0"/>
+            <a:endParaRPr lang="de-DE" dirty="0"/>
           </a:p>
           <a:p>
             <a:pPr lvl="2"/>
             <a:r>
-              <a:rPr lang="de-DE" dirty="0" err="1" smtClean="0"/>
+              <a:rPr lang="de-DE" dirty="0" err="1"/>
               <a:t>Computationally</a:t>
             </a:r>
             <a:r>
-              <a:rPr lang="de-DE" dirty="0" smtClean="0"/>
+              <a:rPr lang="de-DE" dirty="0"/>
               <a:t> </a:t>
             </a:r>
             <a:r>
-              <a:rPr lang="de-DE" dirty="0" err="1" smtClean="0"/>
+              <a:rPr lang="de-DE" dirty="0" err="1"/>
               <a:t>very</a:t>
             </a:r>
             <a:r>
-              <a:rPr lang="de-DE" dirty="0" smtClean="0"/>
+              <a:rPr lang="de-DE" dirty="0"/>
               <a:t> expensive</a:t>
             </a:r>
           </a:p>
           <a:p>
             <a:pPr lvl="1"/>
             <a:r>
-              <a:rPr lang="de-DE" dirty="0" smtClean="0"/>
+              <a:rPr lang="de-DE" dirty="0"/>
               <a:t>Work on </a:t>
             </a:r>
             <a:r>
-              <a:rPr lang="de-DE" dirty="0" err="1" smtClean="0"/>
+              <a:rPr lang="de-DE" dirty="0" err="1"/>
               <a:t>subset</a:t>
             </a:r>
             <a:r>
-              <a:rPr lang="de-DE" dirty="0" smtClean="0"/>
+              <a:rPr lang="de-DE" dirty="0"/>
               <a:t> </a:t>
             </a:r>
             <a:r>
-              <a:rPr lang="de-DE" dirty="0" err="1" smtClean="0"/>
+              <a:rPr lang="de-DE" dirty="0" err="1"/>
               <a:t>of</a:t>
             </a:r>
             <a:r>
-              <a:rPr lang="de-DE" dirty="0" smtClean="0"/>
+              <a:rPr lang="de-DE" dirty="0"/>
               <a:t> </a:t>
             </a:r>
             <a:r>
-              <a:rPr lang="de-DE" dirty="0" err="1" smtClean="0"/>
+              <a:rPr lang="de-DE" dirty="0" err="1"/>
               <a:t>over-sampled</a:t>
             </a:r>
             <a:r>
-              <a:rPr lang="de-DE" dirty="0" smtClean="0"/>
+              <a:rPr lang="de-DE" dirty="0"/>
               <a:t> </a:t>
             </a:r>
             <a:r>
-              <a:rPr lang="de-DE" dirty="0" err="1" smtClean="0"/>
+              <a:rPr lang="de-DE" dirty="0" err="1"/>
               <a:t>data</a:t>
             </a:r>
-            <a:endParaRPr lang="de-DE" dirty="0" smtClean="0"/>
+            <a:endParaRPr lang="de-DE" dirty="0"/>
           </a:p>
         </p:txBody>
       </p:sp>
@@ -3463,7 +3466,7 @@
           <a:lstStyle/>
           <a:p>
             <a:r>
-              <a:rPr lang="de-DE" dirty="0" err="1" smtClean="0"/>
+              <a:rPr lang="de-DE" dirty="0" err="1"/>
               <a:t>Idea</a:t>
             </a:r>
             <a:endParaRPr lang="de-DE" dirty="0"/>
@@ -3486,193 +3489,205 @@
           <a:lstStyle/>
           <a:p>
             <a:r>
-              <a:rPr lang="de-DE" dirty="0" smtClean="0"/>
+              <a:rPr lang="de-DE" dirty="0"/>
               <a:t>Standard </a:t>
             </a:r>
             <a:r>
-              <a:rPr lang="de-DE" dirty="0" err="1" smtClean="0"/>
+              <a:rPr lang="de-DE" dirty="0" err="1"/>
               <a:t>method</a:t>
             </a:r>
             <a:r>
-              <a:rPr lang="de-DE" dirty="0" smtClean="0"/>
+              <a:rPr lang="de-DE" dirty="0"/>
               <a:t> </a:t>
             </a:r>
             <a:r>
-              <a:rPr lang="de-DE" dirty="0" err="1" smtClean="0"/>
+              <a:rPr lang="de-DE" dirty="0" err="1"/>
               <a:t>for</a:t>
             </a:r>
             <a:r>
-              <a:rPr lang="de-DE" dirty="0" smtClean="0"/>
+              <a:rPr lang="de-DE" dirty="0"/>
               <a:t> </a:t>
             </a:r>
             <a:r>
-              <a:rPr lang="de-DE" dirty="0" err="1" smtClean="0"/>
+              <a:rPr lang="de-DE" dirty="0" err="1"/>
               <a:t>binary</a:t>
             </a:r>
             <a:r>
-              <a:rPr lang="de-DE" dirty="0" smtClean="0"/>
+              <a:rPr lang="de-DE" dirty="0"/>
               <a:t> </a:t>
             </a:r>
             <a:r>
-              <a:rPr lang="de-DE" dirty="0" err="1" smtClean="0"/>
+              <a:rPr lang="de-DE" dirty="0" err="1"/>
               <a:t>classification</a:t>
             </a:r>
             <a:r>
-              <a:rPr lang="de-DE" dirty="0" smtClean="0"/>
-              <a:t>: </a:t>
-            </a:r>
-            <a:r>
-              <a:rPr lang="de-DE" dirty="0" err="1" smtClean="0"/>
+              <a:rPr lang="de-DE" dirty="0"/>
+              <a:t>:</a:t>
+            </a:r>
+          </a:p>
+          <a:p>
+            <a:pPr lvl="1"/>
+            <a:r>
+              <a:rPr lang="de-DE" dirty="0" err="1">
+                <a:solidFill>
+                  <a:srgbClr val="FF0000"/>
+                </a:solidFill>
+              </a:rPr>
               <a:t>Logistic</a:t>
             </a:r>
             <a:r>
-              <a:rPr lang="de-DE" dirty="0" smtClean="0"/>
+              <a:rPr lang="de-DE" dirty="0">
+                <a:solidFill>
+                  <a:srgbClr val="FF0000"/>
+                </a:solidFill>
+              </a:rPr>
               <a:t> Regression</a:t>
             </a:r>
           </a:p>
           <a:p>
-            <a:r>
-              <a:rPr lang="de-DE" dirty="0" smtClean="0"/>
+            <a:pPr lvl="1"/>
+            <a:r>
+              <a:rPr lang="de-DE" dirty="0"/>
+              <a:t>Random Forest</a:t>
+            </a:r>
+          </a:p>
+          <a:p>
+            <a:pPr lvl="1"/>
+            <a:r>
+              <a:rPr lang="de-DE" dirty="0"/>
+              <a:t>SVM</a:t>
+            </a:r>
+          </a:p>
+          <a:p>
+            <a:pPr lvl="1"/>
+            <a:r>
+              <a:rPr lang="de-DE" dirty="0" err="1"/>
+              <a:t>XGBoost</a:t>
+            </a:r>
+            <a:endParaRPr lang="de-DE" dirty="0"/>
+          </a:p>
+          <a:p>
+            <a:r>
+              <a:rPr lang="de-DE" dirty="0"/>
               <a:t>Test </a:t>
             </a:r>
             <a:r>
-              <a:rPr lang="de-DE" dirty="0" err="1" smtClean="0"/>
-              <a:t>Logistic</a:t>
-            </a:r>
-            <a:r>
-              <a:rPr lang="de-DE" dirty="0" smtClean="0"/>
-              <a:t> Regression on </a:t>
-            </a:r>
-            <a:r>
-              <a:rPr lang="de-DE" dirty="0" err="1" smtClean="0"/>
+              <a:rPr lang="de-DE" dirty="0" err="1"/>
+              <a:t>them</a:t>
+            </a:r>
+            <a:r>
+              <a:rPr lang="de-DE" dirty="0"/>
+              <a:t> on </a:t>
+            </a:r>
+            <a:r>
+              <a:rPr lang="de-DE" dirty="0" err="1"/>
               <a:t>the</a:t>
             </a:r>
             <a:r>
-              <a:rPr lang="de-DE" dirty="0" smtClean="0"/>
+              <a:rPr lang="de-DE" dirty="0"/>
               <a:t> different </a:t>
             </a:r>
             <a:r>
-              <a:rPr lang="de-DE" dirty="0" err="1" smtClean="0"/>
-              <a:t>possible</a:t>
-            </a:r>
-            <a:r>
-              <a:rPr lang="de-DE" dirty="0" smtClean="0"/>
+              <a:rPr lang="de-DE" dirty="0" err="1"/>
+              <a:t>datasets</a:t>
+            </a:r>
+            <a:endParaRPr lang="de-DE" dirty="0"/>
+          </a:p>
+          <a:p>
+            <a:pPr lvl="1"/>
+            <a:r>
+              <a:rPr lang="de-DE" dirty="0" err="1"/>
+              <a:t>Full</a:t>
+            </a:r>
+            <a:r>
+              <a:rPr lang="de-DE" dirty="0"/>
+              <a:t> and </a:t>
+            </a:r>
+            <a:r>
+              <a:rPr lang="de-DE" dirty="0" err="1"/>
+              <a:t>imbalanced</a:t>
+            </a:r>
+            <a:r>
+              <a:rPr lang="de-DE" dirty="0"/>
               <a:t> </a:t>
             </a:r>
             <a:r>
-              <a:rPr lang="de-DE" dirty="0" err="1" smtClean="0"/>
-              <a:t>datasets</a:t>
-            </a:r>
-            <a:endParaRPr lang="de-DE" dirty="0" smtClean="0"/>
+              <a:rPr lang="de-DE" dirty="0" err="1"/>
+              <a:t>set</a:t>
+            </a:r>
+            <a:r>
+              <a:rPr lang="de-DE" dirty="0"/>
+              <a:t> (1)</a:t>
+            </a:r>
           </a:p>
           <a:p>
             <a:pPr lvl="1"/>
             <a:r>
-              <a:rPr lang="de-DE" dirty="0" err="1" smtClean="0"/>
+              <a:rPr lang="de-DE" dirty="0" err="1"/>
               <a:t>Full</a:t>
             </a:r>
             <a:r>
-              <a:rPr lang="de-DE" dirty="0" smtClean="0"/>
+              <a:rPr lang="de-DE" dirty="0"/>
+              <a:t> and </a:t>
+            </a:r>
+            <a:r>
+              <a:rPr lang="de-DE" dirty="0" err="1"/>
+              <a:t>imbalanced</a:t>
+            </a:r>
+            <a:r>
+              <a:rPr lang="de-DE" dirty="0"/>
               <a:t> </a:t>
             </a:r>
             <a:r>
-              <a:rPr lang="de-DE" dirty="0" err="1" smtClean="0"/>
-              <a:t>imbalanced</a:t>
-            </a:r>
-            <a:r>
-              <a:rPr lang="de-DE" dirty="0" smtClean="0"/>
+              <a:rPr lang="de-DE" dirty="0" err="1"/>
+              <a:t>set</a:t>
+            </a:r>
+            <a:r>
+              <a:rPr lang="de-DE" dirty="0"/>
+              <a:t> + Autoencoder (2)</a:t>
+            </a:r>
+          </a:p>
+          <a:p>
+            <a:pPr lvl="1"/>
+            <a:r>
+              <a:rPr lang="de-DE" dirty="0" err="1"/>
+              <a:t>Under-sampled</a:t>
+            </a:r>
+            <a:r>
+              <a:rPr lang="de-DE" dirty="0"/>
               <a:t> </a:t>
             </a:r>
             <a:r>
-              <a:rPr lang="de-DE" dirty="0" err="1" smtClean="0"/>
+              <a:rPr lang="de-DE" dirty="0" err="1"/>
               <a:t>set</a:t>
             </a:r>
             <a:r>
-              <a:rPr lang="de-DE" dirty="0" smtClean="0"/>
-              <a:t> (1)</a:t>
+              <a:rPr lang="de-DE" dirty="0"/>
+              <a:t> (3)</a:t>
             </a:r>
           </a:p>
           <a:p>
             <a:pPr lvl="1"/>
             <a:r>
-              <a:rPr lang="de-DE" dirty="0" err="1" smtClean="0"/>
-              <a:t>Full</a:t>
-            </a:r>
-            <a:r>
-              <a:rPr lang="de-DE" dirty="0" smtClean="0"/>
+              <a:rPr lang="de-DE" dirty="0"/>
+              <a:t>Over-</a:t>
+            </a:r>
+            <a:r>
+              <a:rPr lang="de-DE" dirty="0" err="1"/>
+              <a:t>sampled</a:t>
+            </a:r>
+            <a:r>
+              <a:rPr lang="de-DE" dirty="0"/>
               <a:t> </a:t>
             </a:r>
             <a:r>
-              <a:rPr lang="de-DE" dirty="0" err="1" smtClean="0"/>
-              <a:t>imbalanced</a:t>
-            </a:r>
-            <a:r>
-              <a:rPr lang="de-DE" dirty="0" smtClean="0"/>
-              <a:t> </a:t>
-            </a:r>
-            <a:r>
-              <a:rPr lang="de-DE" dirty="0" err="1" smtClean="0"/>
+              <a:rPr lang="de-DE" dirty="0" err="1"/>
               <a:t>set</a:t>
             </a:r>
             <a:r>
-              <a:rPr lang="de-DE" dirty="0" smtClean="0"/>
-              <a:t> + Autoencoder (2)</a:t>
-            </a:r>
-          </a:p>
-          <a:p>
-            <a:pPr lvl="1"/>
-            <a:r>
-              <a:rPr lang="de-DE" dirty="0" err="1" smtClean="0"/>
-              <a:t>Under-sampled</a:t>
-            </a:r>
-            <a:r>
-              <a:rPr lang="de-DE" dirty="0" smtClean="0"/>
-              <a:t> </a:t>
-            </a:r>
-            <a:r>
-              <a:rPr lang="de-DE" dirty="0" err="1" smtClean="0"/>
-              <a:t>set</a:t>
-            </a:r>
-            <a:r>
-              <a:rPr lang="de-DE" dirty="0" smtClean="0"/>
-              <a:t> (3)</a:t>
-            </a:r>
-          </a:p>
-          <a:p>
-            <a:pPr lvl="1"/>
-            <a:r>
-              <a:rPr lang="de-DE" dirty="0" err="1" smtClean="0"/>
-              <a:t>Subset</a:t>
-            </a:r>
-            <a:r>
-              <a:rPr lang="de-DE" dirty="0" smtClean="0"/>
-              <a:t> </a:t>
-            </a:r>
-            <a:r>
-              <a:rPr lang="de-DE" dirty="0" err="1" smtClean="0"/>
-              <a:t>of</a:t>
-            </a:r>
-            <a:r>
-              <a:rPr lang="de-DE" dirty="0" smtClean="0"/>
-              <a:t> </a:t>
-            </a:r>
-            <a:r>
-              <a:rPr lang="de-DE" dirty="0" err="1" smtClean="0"/>
-              <a:t>over-sampled</a:t>
-            </a:r>
-            <a:r>
-              <a:rPr lang="de-DE" dirty="0" smtClean="0"/>
-              <a:t> </a:t>
-            </a:r>
-            <a:r>
-              <a:rPr lang="de-DE" dirty="0" err="1" smtClean="0"/>
-              <a:t>set</a:t>
-            </a:r>
-            <a:r>
-              <a:rPr lang="de-DE" dirty="0" smtClean="0"/>
+              <a:rPr lang="de-DE" dirty="0"/>
               <a:t> (4)</a:t>
             </a:r>
-            <a:endParaRPr lang="de-DE" dirty="0"/>
           </a:p>
         </p:txBody>
       </p:sp>
@@ -3722,8 +3737,12 @@
           <a:lstStyle/>
           <a:p>
             <a:r>
-              <a:rPr lang="de-DE" dirty="0" err="1" smtClean="0"/>
-              <a:t>Methodology</a:t>
+              <a:rPr lang="de-DE" dirty="0"/>
+              <a:t>Data </a:t>
+            </a:r>
+            <a:r>
+              <a:rPr lang="de-DE" dirty="0" err="1"/>
+              <a:t>preparation</a:t>
             </a:r>
             <a:endParaRPr lang="de-DE" dirty="0"/>
           </a:p>
@@ -3737,7 +3756,7 @@
         </p:nvGrpSpPr>
         <p:grpSpPr>
           <a:xfrm>
-            <a:off x="3127556" y="2187016"/>
+            <a:off x="2082527" y="2522918"/>
             <a:ext cx="5936887" cy="2024459"/>
             <a:chOff x="1626718" y="1764056"/>
             <a:chExt cx="5936887" cy="2024459"/>
@@ -3780,26 +3799,22 @@
             <a:p>
               <a:pPr algn="ctr"/>
               <a:r>
-                <a:rPr lang="de-DE" sz="1400" dirty="0" err="1" smtClean="0"/>
+                <a:rPr lang="de-DE" sz="1400" dirty="0" err="1"/>
                 <a:t>Full</a:t>
               </a:r>
-              <a:r>
-                <a:rPr lang="de-DE" sz="1400" dirty="0" smtClean="0"/>
-                <a:t/>
-              </a:r>
               <a:br>
-                <a:rPr lang="de-DE" sz="1400" dirty="0" smtClean="0"/>
+                <a:rPr lang="de-DE" sz="1400" dirty="0"/>
               </a:br>
               <a:r>
-                <a:rPr lang="de-DE" sz="1400" dirty="0" err="1" smtClean="0"/>
+                <a:rPr lang="de-DE" sz="1400" dirty="0" err="1"/>
                 <a:t>data</a:t>
               </a:r>
               <a:r>
-                <a:rPr lang="de-DE" sz="1400" dirty="0" smtClean="0"/>
+                <a:rPr lang="de-DE" sz="1400" dirty="0"/>
                 <a:t> </a:t>
               </a:r>
               <a:r>
-                <a:rPr lang="de-DE" sz="1400" dirty="0" err="1" smtClean="0"/>
+                <a:rPr lang="de-DE" sz="1400" dirty="0" err="1"/>
                 <a:t>set</a:t>
               </a:r>
               <a:endParaRPr lang="de-DE" sz="1400" dirty="0"/>
@@ -3843,26 +3858,22 @@
             <a:p>
               <a:pPr algn="ctr"/>
               <a:r>
-                <a:rPr lang="de-DE" sz="1400" dirty="0" err="1" smtClean="0"/>
+                <a:rPr lang="de-DE" sz="1400" dirty="0" err="1"/>
                 <a:t>Scaled</a:t>
               </a:r>
-              <a:r>
-                <a:rPr lang="de-DE" sz="1400" dirty="0" smtClean="0"/>
-                <a:t/>
-              </a:r>
               <a:br>
-                <a:rPr lang="de-DE" sz="1400" dirty="0" smtClean="0"/>
+                <a:rPr lang="de-DE" sz="1400" dirty="0"/>
               </a:br>
               <a:r>
-                <a:rPr lang="de-DE" sz="1400" dirty="0" err="1" smtClean="0"/>
+                <a:rPr lang="de-DE" sz="1400" dirty="0" err="1"/>
                 <a:t>data</a:t>
               </a:r>
               <a:r>
-                <a:rPr lang="de-DE" sz="1400" dirty="0" smtClean="0"/>
+                <a:rPr lang="de-DE" sz="1400" dirty="0"/>
                 <a:t> </a:t>
               </a:r>
               <a:r>
-                <a:rPr lang="de-DE" sz="1400" dirty="0" err="1" smtClean="0"/>
+                <a:rPr lang="de-DE" sz="1400" dirty="0" err="1"/>
                 <a:t>set</a:t>
               </a:r>
               <a:endParaRPr lang="de-DE" sz="1400" dirty="0"/>
@@ -3906,8 +3917,8 @@
             <a:p>
               <a:pPr algn="ctr"/>
               <a:r>
-                <a:rPr lang="de-DE" sz="1200" dirty="0" err="1" smtClean="0"/>
-                <a:t>scale</a:t>
+                <a:rPr lang="de-DE" sz="1200" dirty="0" err="1"/>
+                <a:t>Scale</a:t>
               </a:r>
               <a:endParaRPr lang="de-DE" sz="1200" dirty="0"/>
             </a:p>
@@ -4022,10 +4033,9 @@
             <a:p>
               <a:pPr algn="ctr"/>
               <a:r>
-                <a:rPr lang="de-DE" sz="1200" dirty="0" err="1" smtClean="0"/>
-                <a:t>split</a:t>
+                <a:rPr lang="de-DE" sz="1200" dirty="0"/>
+                <a:t>Split</a:t>
               </a:r>
-              <a:endParaRPr lang="de-DE" sz="1200" dirty="0"/>
             </a:p>
           </p:txBody>
         </p:sp>
@@ -4102,10 +4112,9 @@
             <a:p>
               <a:pPr algn="ctr"/>
               <a:r>
-                <a:rPr lang="de-DE" sz="1400" dirty="0" smtClean="0"/>
+                <a:rPr lang="de-DE" sz="1400" dirty="0"/>
                 <a:t>Test Set</a:t>
               </a:r>
-              <a:endParaRPr lang="de-DE" sz="1400" dirty="0"/>
             </a:p>
           </p:txBody>
         </p:sp>
@@ -4146,17 +4155,16 @@
             <a:p>
               <a:pPr algn="ctr"/>
               <a:r>
-                <a:rPr lang="de-DE" sz="1400" dirty="0" smtClean="0"/>
+                <a:rPr lang="de-DE" sz="1400" dirty="0"/>
                 <a:t>Train</a:t>
               </a:r>
               <a:br>
-                <a:rPr lang="de-DE" sz="1400" dirty="0" smtClean="0"/>
+                <a:rPr lang="de-DE" sz="1400" dirty="0"/>
               </a:br>
               <a:r>
-                <a:rPr lang="de-DE" sz="1400" dirty="0" smtClean="0"/>
+                <a:rPr lang="de-DE" sz="1400" dirty="0"/>
                 <a:t>Set</a:t>
               </a:r>
-              <a:endParaRPr lang="de-DE" sz="1400" dirty="0"/>
             </a:p>
           </p:txBody>
         </p:sp>
@@ -4232,6 +4240,311 @@
           </p:style>
         </p:cxnSp>
       </p:grpSp>
+      <p:sp>
+        <p:nvSpPr>
+          <p:cNvPr id="3" name="Textfeld 2">
+            <a:extLst>
+              <a:ext uri="{FF2B5EF4-FFF2-40B4-BE49-F238E27FC236}">
+                <a16:creationId xmlns:a16="http://schemas.microsoft.com/office/drawing/2014/main" id="{A3CE64B2-A750-4331-84AB-09541510B309}"/>
+              </a:ext>
+            </a:extLst>
+          </p:cNvPr>
+          <p:cNvSpPr txBox="1"/>
+          <p:nvPr/>
+        </p:nvSpPr>
+        <p:spPr>
+          <a:xfrm>
+            <a:off x="8569993" y="2328163"/>
+            <a:ext cx="2359264" cy="1200329"/>
+          </a:xfrm>
+          <a:prstGeom prst="rect">
+            <a:avLst/>
+          </a:prstGeom>
+          <a:noFill/>
+        </p:spPr>
+        <p:txBody>
+          <a:bodyPr wrap="square" rtlCol="0">
+            <a:spAutoFit/>
+          </a:bodyPr>
+          <a:lstStyle/>
+          <a:p>
+            <a:r>
+              <a:rPr lang="de-DE" dirty="0" err="1"/>
+              <a:t>Completely</a:t>
+            </a:r>
+            <a:r>
+              <a:rPr lang="de-DE" dirty="0"/>
+              <a:t> </a:t>
+            </a:r>
+            <a:r>
+              <a:rPr lang="de-DE" dirty="0" err="1"/>
+              <a:t>untouched</a:t>
+            </a:r>
+            <a:r>
+              <a:rPr lang="de-DE" dirty="0"/>
+              <a:t> </a:t>
+            </a:r>
+            <a:r>
+              <a:rPr lang="de-DE" dirty="0" err="1"/>
+              <a:t>by</a:t>
+            </a:r>
+            <a:r>
+              <a:rPr lang="de-DE" dirty="0"/>
+              <a:t> </a:t>
+            </a:r>
+            <a:r>
+              <a:rPr lang="de-DE" dirty="0" err="1"/>
+              <a:t>sampling</a:t>
+            </a:r>
+            <a:r>
+              <a:rPr lang="de-DE" dirty="0"/>
+              <a:t> </a:t>
+            </a:r>
+            <a:r>
+              <a:rPr lang="de-DE" dirty="0" err="1"/>
+              <a:t>techniques</a:t>
+            </a:r>
+            <a:r>
+              <a:rPr lang="de-DE" dirty="0"/>
+              <a:t> </a:t>
+            </a:r>
+            <a:r>
+              <a:rPr lang="de-DE" dirty="0" err="1"/>
+              <a:t>to</a:t>
+            </a:r>
+            <a:r>
+              <a:rPr lang="de-DE" dirty="0"/>
+              <a:t> </a:t>
+            </a:r>
+            <a:r>
+              <a:rPr lang="de-DE" dirty="0" err="1"/>
+              <a:t>allow</a:t>
+            </a:r>
+            <a:r>
+              <a:rPr lang="de-DE" dirty="0"/>
+              <a:t> </a:t>
+            </a:r>
+            <a:r>
+              <a:rPr lang="de-DE" dirty="0" err="1"/>
+              <a:t>meaningful</a:t>
+            </a:r>
+            <a:r>
+              <a:rPr lang="de-DE" dirty="0"/>
+              <a:t> </a:t>
+            </a:r>
+            <a:r>
+              <a:rPr lang="de-DE" dirty="0" err="1"/>
+              <a:t>evaluation</a:t>
+            </a:r>
+            <a:endParaRPr lang="de-DE" dirty="0"/>
+          </a:p>
+        </p:txBody>
+      </p:sp>
+      <p:sp>
+        <p:nvSpPr>
+          <p:cNvPr id="8" name="Textfeld 7">
+            <a:extLst>
+              <a:ext uri="{FF2B5EF4-FFF2-40B4-BE49-F238E27FC236}">
+                <a16:creationId xmlns:a16="http://schemas.microsoft.com/office/drawing/2014/main" id="{E87B8C98-2325-4702-973F-B369C6FF238B}"/>
+              </a:ext>
+            </a:extLst>
+          </p:cNvPr>
+          <p:cNvSpPr txBox="1"/>
+          <p:nvPr/>
+        </p:nvSpPr>
+        <p:spPr>
+          <a:xfrm>
+            <a:off x="2272963" y="4332090"/>
+            <a:ext cx="2701907" cy="1200329"/>
+          </a:xfrm>
+          <a:prstGeom prst="rect">
+            <a:avLst/>
+          </a:prstGeom>
+          <a:noFill/>
+        </p:spPr>
+        <p:txBody>
+          <a:bodyPr wrap="square" rtlCol="0">
+            <a:spAutoFit/>
+          </a:bodyPr>
+          <a:lstStyle/>
+          <a:p>
+            <a:r>
+              <a:rPr lang="de-DE" dirty="0" err="1"/>
+              <a:t>We</a:t>
+            </a:r>
+            <a:r>
+              <a:rPr lang="de-DE" dirty="0"/>
+              <a:t> </a:t>
+            </a:r>
+            <a:r>
+              <a:rPr lang="de-DE" dirty="0" err="1"/>
+              <a:t>scale</a:t>
+            </a:r>
+            <a:r>
+              <a:rPr lang="de-DE" dirty="0"/>
+              <a:t> ‚</a:t>
+            </a:r>
+            <a:r>
+              <a:rPr lang="de-DE" dirty="0" err="1"/>
+              <a:t>Amount</a:t>
+            </a:r>
+            <a:r>
+              <a:rPr lang="de-DE" dirty="0"/>
+              <a:t>‘ and ‚Time‘. Other </a:t>
+            </a:r>
+            <a:r>
+              <a:rPr lang="de-DE" dirty="0" err="1"/>
+              <a:t>features</a:t>
+            </a:r>
+            <a:r>
+              <a:rPr lang="de-DE" dirty="0"/>
+              <a:t> </a:t>
+            </a:r>
+            <a:r>
+              <a:rPr lang="de-DE" dirty="0" err="1"/>
+              <a:t>are</a:t>
+            </a:r>
+            <a:r>
+              <a:rPr lang="de-DE" dirty="0"/>
+              <a:t> a </a:t>
+            </a:r>
+            <a:r>
+              <a:rPr lang="de-DE" dirty="0" err="1"/>
+              <a:t>result</a:t>
+            </a:r>
+            <a:r>
+              <a:rPr lang="de-DE" dirty="0"/>
+              <a:t> </a:t>
+            </a:r>
+            <a:r>
+              <a:rPr lang="de-DE" dirty="0" err="1"/>
+              <a:t>of</a:t>
+            </a:r>
+            <a:r>
+              <a:rPr lang="de-DE" dirty="0"/>
+              <a:t> PCA and </a:t>
+            </a:r>
+            <a:r>
+              <a:rPr lang="de-DE" dirty="0" err="1"/>
+              <a:t>have</a:t>
+            </a:r>
+            <a:r>
+              <a:rPr lang="de-DE" dirty="0"/>
+              <a:t> </a:t>
+            </a:r>
+            <a:r>
+              <a:rPr lang="de-DE" dirty="0" err="1"/>
+              <a:t>already</a:t>
+            </a:r>
+            <a:r>
+              <a:rPr lang="de-DE" dirty="0"/>
+              <a:t> </a:t>
+            </a:r>
+            <a:r>
+              <a:rPr lang="de-DE" dirty="0" err="1"/>
+              <a:t>been</a:t>
+            </a:r>
+            <a:r>
+              <a:rPr lang="de-DE" dirty="0"/>
+              <a:t> </a:t>
+            </a:r>
+            <a:r>
+              <a:rPr lang="de-DE" dirty="0" err="1"/>
+              <a:t>standardized</a:t>
+            </a:r>
+            <a:r>
+              <a:rPr lang="de-DE" dirty="0"/>
+              <a:t>.</a:t>
+            </a:r>
+          </a:p>
+        </p:txBody>
+      </p:sp>
+      <p:cxnSp>
+        <p:nvCxnSpPr>
+          <p:cNvPr id="13" name="Gerade Verbindung mit Pfeil 12">
+            <a:extLst>
+              <a:ext uri="{FF2B5EF4-FFF2-40B4-BE49-F238E27FC236}">
+                <a16:creationId xmlns:a16="http://schemas.microsoft.com/office/drawing/2014/main" id="{B0AC67A8-07D7-4E38-AC7A-D77BA603C75E}"/>
+              </a:ext>
+            </a:extLst>
+          </p:cNvPr>
+          <p:cNvCxnSpPr>
+            <a:cxnSpLocks/>
+            <a:stCxn id="8" idx="0"/>
+            <a:endCxn id="7" idx="2"/>
+          </p:cNvCxnSpPr>
+          <p:nvPr/>
+        </p:nvCxnSpPr>
+        <p:spPr>
+          <a:xfrm flipH="1" flipV="1">
+            <a:off x="3623312" y="3736557"/>
+            <a:ext cx="605" cy="595533"/>
+          </a:xfrm>
+          <a:prstGeom prst="straightConnector1">
+            <a:avLst/>
+          </a:prstGeom>
+          <a:ln>
+            <a:tailEnd type="triangle"/>
+          </a:ln>
+        </p:spPr>
+        <p:style>
+          <a:lnRef idx="1">
+            <a:schemeClr val="accent1"/>
+          </a:lnRef>
+          <a:fillRef idx="0">
+            <a:schemeClr val="accent1"/>
+          </a:fillRef>
+          <a:effectRef idx="0">
+            <a:schemeClr val="accent1"/>
+          </a:effectRef>
+          <a:fontRef idx="minor">
+            <a:schemeClr val="tx1"/>
+          </a:fontRef>
+        </p:style>
+      </p:cxnSp>
+      <p:cxnSp>
+        <p:nvCxnSpPr>
+          <p:cNvPr id="27" name="Gerade Verbindung mit Pfeil 26">
+            <a:extLst>
+              <a:ext uri="{FF2B5EF4-FFF2-40B4-BE49-F238E27FC236}">
+                <a16:creationId xmlns:a16="http://schemas.microsoft.com/office/drawing/2014/main" id="{A5572CA3-A131-4D8E-8100-C511098CDD29}"/>
+              </a:ext>
+            </a:extLst>
+          </p:cNvPr>
+          <p:cNvCxnSpPr>
+            <a:cxnSpLocks/>
+            <a:stCxn id="3" idx="1"/>
+            <a:endCxn id="15" idx="4"/>
+          </p:cNvCxnSpPr>
+          <p:nvPr/>
+        </p:nvCxnSpPr>
+        <p:spPr>
+          <a:xfrm flipH="1">
+            <a:off x="8019413" y="2928328"/>
+            <a:ext cx="550580" cy="0"/>
+          </a:xfrm>
+          <a:prstGeom prst="straightConnector1">
+            <a:avLst/>
+          </a:prstGeom>
+          <a:ln>
+            <a:tailEnd type="triangle"/>
+          </a:ln>
+        </p:spPr>
+        <p:style>
+          <a:lnRef idx="1">
+            <a:schemeClr val="accent1"/>
+          </a:lnRef>
+          <a:fillRef idx="0">
+            <a:schemeClr val="accent1"/>
+          </a:fillRef>
+          <a:effectRef idx="0">
+            <a:schemeClr val="accent1"/>
+          </a:effectRef>
+          <a:fontRef idx="minor">
+            <a:schemeClr val="tx1"/>
+          </a:fontRef>
+        </p:style>
+      </p:cxnSp>
     </p:spTree>
     <p:extLst>
       <p:ext uri="{BB962C8B-B14F-4D97-AF65-F5344CB8AC3E}">
@@ -4278,26 +4591,17 @@
           <a:lstStyle/>
           <a:p>
             <a:r>
-              <a:rPr lang="de-DE" dirty="0" err="1" smtClean="0"/>
-              <a:t>Methodology</a:t>
-            </a:r>
-            <a:r>
-              <a:rPr lang="de-DE" dirty="0"/>
-              <a:t> </a:t>
-            </a:r>
-            <a:r>
-              <a:rPr lang="de-DE" dirty="0" smtClean="0"/>
-              <a:t>(1): Basic </a:t>
-            </a:r>
-            <a:r>
-              <a:rPr lang="de-DE" dirty="0" err="1" smtClean="0"/>
+              <a:rPr lang="de-DE" dirty="0"/>
+              <a:t>Option 1: </a:t>
+            </a:r>
+            <a:r>
+              <a:rPr lang="de-DE" dirty="0" err="1"/>
               <a:t>Logistic</a:t>
             </a:r>
             <a:r>
-              <a:rPr lang="de-DE" dirty="0" smtClean="0"/>
+              <a:rPr lang="de-DE" dirty="0"/>
               <a:t> Regression</a:t>
             </a:r>
-            <a:endParaRPr lang="de-DE" dirty="0"/>
           </a:p>
         </p:txBody>
       </p:sp>
@@ -4338,363 +4642,19 @@
           <a:p>
             <a:pPr algn="ctr"/>
             <a:r>
-              <a:rPr lang="de-DE" sz="1400" dirty="0" smtClean="0"/>
+              <a:rPr lang="de-DE" sz="1400" dirty="0"/>
               <a:t>Train</a:t>
             </a:r>
             <a:br>
-              <a:rPr lang="de-DE" sz="1400" dirty="0" smtClean="0"/>
+              <a:rPr lang="de-DE" sz="1400" dirty="0"/>
             </a:br>
             <a:r>
-              <a:rPr lang="de-DE" sz="1400" dirty="0" smtClean="0"/>
+              <a:rPr lang="de-DE" sz="1400" dirty="0"/>
               <a:t>Set</a:t>
             </a:r>
-            <a:endParaRPr lang="de-DE" sz="1400" dirty="0"/>
-          </a:p>
-        </p:txBody>
-      </p:sp>
-      <p:grpSp>
-        <p:nvGrpSpPr>
-          <p:cNvPr id="5" name="Group 4"/>
-          <p:cNvGrpSpPr/>
-          <p:nvPr/>
-        </p:nvGrpSpPr>
-        <p:grpSpPr>
-          <a:xfrm>
-            <a:off x="1426484" y="3017117"/>
-            <a:ext cx="4793551" cy="1087612"/>
-            <a:chOff x="3782474" y="3468275"/>
-            <a:chExt cx="4793551" cy="1087612"/>
-          </a:xfrm>
-        </p:grpSpPr>
-        <p:sp>
-          <p:nvSpPr>
-            <p:cNvPr id="28" name="Rectangle 27"/>
-            <p:cNvSpPr/>
-            <p:nvPr/>
-          </p:nvSpPr>
-          <p:spPr>
-            <a:xfrm>
-              <a:off x="7189654" y="3468275"/>
-              <a:ext cx="1386371" cy="1087612"/>
-            </a:xfrm>
-            <a:prstGeom prst="rect">
-              <a:avLst/>
-            </a:prstGeom>
-          </p:spPr>
-          <p:style>
-            <a:lnRef idx="2">
-              <a:schemeClr val="accent1">
-                <a:shade val="50000"/>
-              </a:schemeClr>
-            </a:lnRef>
-            <a:fillRef idx="1">
-              <a:schemeClr val="accent1"/>
-            </a:fillRef>
-            <a:effectRef idx="0">
-              <a:schemeClr val="accent1"/>
-            </a:effectRef>
-            <a:fontRef idx="minor">
-              <a:schemeClr val="lt1"/>
-            </a:fontRef>
-          </p:style>
-          <p:txBody>
-            <a:bodyPr rtlCol="0" anchor="b"/>
-            <a:lstStyle/>
-            <a:p>
-              <a:pPr algn="ctr"/>
-              <a:r>
-                <a:rPr lang="de-DE" dirty="0" smtClean="0"/>
-                <a:t>Validation</a:t>
-              </a:r>
-              <a:endParaRPr lang="de-DE" dirty="0"/>
-            </a:p>
-          </p:txBody>
-        </p:sp>
-        <p:sp>
-          <p:nvSpPr>
-            <p:cNvPr id="3" name="Rectangle 2"/>
-            <p:cNvSpPr/>
-            <p:nvPr/>
-          </p:nvSpPr>
-          <p:spPr>
-            <a:xfrm>
-              <a:off x="3782474" y="3468275"/>
-              <a:ext cx="3359514" cy="1087612"/>
-            </a:xfrm>
-            <a:prstGeom prst="rect">
-              <a:avLst/>
-            </a:prstGeom>
-          </p:spPr>
-          <p:style>
-            <a:lnRef idx="2">
-              <a:schemeClr val="accent1">
-                <a:shade val="50000"/>
-              </a:schemeClr>
-            </a:lnRef>
-            <a:fillRef idx="1">
-              <a:schemeClr val="accent1"/>
-            </a:fillRef>
-            <a:effectRef idx="0">
-              <a:schemeClr val="accent1"/>
-            </a:effectRef>
-            <a:fontRef idx="minor">
-              <a:schemeClr val="lt1"/>
-            </a:fontRef>
-          </p:style>
-          <p:txBody>
-            <a:bodyPr rtlCol="0" anchor="b"/>
-            <a:lstStyle/>
-            <a:p>
-              <a:pPr algn="ctr"/>
-              <a:r>
-                <a:rPr lang="de-DE" dirty="0" smtClean="0"/>
-                <a:t>Training</a:t>
-              </a:r>
-              <a:endParaRPr lang="de-DE" dirty="0"/>
-            </a:p>
-          </p:txBody>
-        </p:sp>
-        <p:sp>
-          <p:nvSpPr>
-            <p:cNvPr id="19" name="Can 18"/>
-            <p:cNvSpPr/>
-            <p:nvPr/>
-          </p:nvSpPr>
-          <p:spPr>
-            <a:xfrm>
-              <a:off x="3894928" y="3579240"/>
-              <a:ext cx="648876" cy="618138"/>
-            </a:xfrm>
-            <a:prstGeom prst="can">
-              <a:avLst/>
-            </a:prstGeom>
-          </p:spPr>
-          <p:style>
-            <a:lnRef idx="2">
-              <a:schemeClr val="accent1">
-                <a:shade val="50000"/>
-              </a:schemeClr>
-            </a:lnRef>
-            <a:fillRef idx="1">
-              <a:schemeClr val="accent1"/>
-            </a:fillRef>
-            <a:effectRef idx="0">
-              <a:schemeClr val="accent1"/>
-            </a:effectRef>
-            <a:fontRef idx="minor">
-              <a:schemeClr val="lt1"/>
-            </a:fontRef>
-          </p:style>
-          <p:txBody>
-            <a:bodyPr rtlCol="0" anchor="ctr"/>
-            <a:lstStyle/>
-            <a:p>
-              <a:pPr algn="ctr"/>
-              <a:r>
-                <a:rPr lang="de-DE" sz="1400" dirty="0" err="1" smtClean="0"/>
-                <a:t>Fold</a:t>
-              </a:r>
-              <a:r>
-                <a:rPr lang="de-DE" sz="1400" dirty="0" smtClean="0"/>
-                <a:t> 1</a:t>
-              </a:r>
-              <a:endParaRPr lang="de-DE" sz="1400" dirty="0"/>
-            </a:p>
-          </p:txBody>
-        </p:sp>
-        <p:sp>
-          <p:nvSpPr>
-            <p:cNvPr id="24" name="Can 23"/>
-            <p:cNvSpPr/>
-            <p:nvPr/>
-          </p:nvSpPr>
-          <p:spPr>
-            <a:xfrm>
-              <a:off x="4728093" y="3579240"/>
-              <a:ext cx="648876" cy="618138"/>
-            </a:xfrm>
-            <a:prstGeom prst="can">
-              <a:avLst/>
-            </a:prstGeom>
-          </p:spPr>
-          <p:style>
-            <a:lnRef idx="2">
-              <a:schemeClr val="accent1">
-                <a:shade val="50000"/>
-              </a:schemeClr>
-            </a:lnRef>
-            <a:fillRef idx="1">
-              <a:schemeClr val="accent1"/>
-            </a:fillRef>
-            <a:effectRef idx="0">
-              <a:schemeClr val="accent1"/>
-            </a:effectRef>
-            <a:fontRef idx="minor">
-              <a:schemeClr val="lt1"/>
-            </a:fontRef>
-          </p:style>
-          <p:txBody>
-            <a:bodyPr rtlCol="0" anchor="ctr"/>
-            <a:lstStyle/>
-            <a:p>
-              <a:pPr algn="ctr"/>
-              <a:r>
-                <a:rPr lang="de-DE" sz="1400" dirty="0" err="1" smtClean="0"/>
-                <a:t>Fold</a:t>
-              </a:r>
-              <a:r>
-                <a:rPr lang="de-DE" sz="1400" dirty="0" smtClean="0"/>
-                <a:t> 2</a:t>
-              </a:r>
-              <a:endParaRPr lang="de-DE" sz="1400" dirty="0"/>
-            </a:p>
-          </p:txBody>
-        </p:sp>
-        <p:sp>
-          <p:nvSpPr>
-            <p:cNvPr id="25" name="Can 24"/>
-            <p:cNvSpPr/>
-            <p:nvPr/>
-          </p:nvSpPr>
-          <p:spPr>
-            <a:xfrm>
-              <a:off x="5561258" y="3579240"/>
-              <a:ext cx="648876" cy="618138"/>
-            </a:xfrm>
-            <a:prstGeom prst="can">
-              <a:avLst/>
-            </a:prstGeom>
-          </p:spPr>
-          <p:style>
-            <a:lnRef idx="2">
-              <a:schemeClr val="accent1">
-                <a:shade val="50000"/>
-              </a:schemeClr>
-            </a:lnRef>
-            <a:fillRef idx="1">
-              <a:schemeClr val="accent1"/>
-            </a:fillRef>
-            <a:effectRef idx="0">
-              <a:schemeClr val="accent1"/>
-            </a:effectRef>
-            <a:fontRef idx="minor">
-              <a:schemeClr val="lt1"/>
-            </a:fontRef>
-          </p:style>
-          <p:txBody>
-            <a:bodyPr rtlCol="0" anchor="ctr"/>
-            <a:lstStyle/>
-            <a:p>
-              <a:pPr algn="ctr"/>
-              <a:r>
-                <a:rPr lang="de-DE" sz="1400" dirty="0" err="1" smtClean="0"/>
-                <a:t>Fold</a:t>
-              </a:r>
-              <a:r>
-                <a:rPr lang="de-DE" sz="1400" dirty="0" smtClean="0"/>
-                <a:t> 3</a:t>
-              </a:r>
-              <a:endParaRPr lang="de-DE" sz="1400" dirty="0"/>
-            </a:p>
-          </p:txBody>
-        </p:sp>
-        <p:sp>
-          <p:nvSpPr>
-            <p:cNvPr id="26" name="Can 25"/>
-            <p:cNvSpPr/>
-            <p:nvPr/>
-          </p:nvSpPr>
-          <p:spPr>
-            <a:xfrm>
-              <a:off x="6394423" y="3579240"/>
-              <a:ext cx="648876" cy="618138"/>
-            </a:xfrm>
-            <a:prstGeom prst="can">
-              <a:avLst/>
-            </a:prstGeom>
-          </p:spPr>
-          <p:style>
-            <a:lnRef idx="2">
-              <a:schemeClr val="accent1">
-                <a:shade val="50000"/>
-              </a:schemeClr>
-            </a:lnRef>
-            <a:fillRef idx="1">
-              <a:schemeClr val="accent1"/>
-            </a:fillRef>
-            <a:effectRef idx="0">
-              <a:schemeClr val="accent1"/>
-            </a:effectRef>
-            <a:fontRef idx="minor">
-              <a:schemeClr val="lt1"/>
-            </a:fontRef>
-          </p:style>
-          <p:txBody>
-            <a:bodyPr rtlCol="0" anchor="ctr"/>
-            <a:lstStyle/>
-            <a:p>
-              <a:pPr algn="ctr"/>
-              <a:r>
-                <a:rPr lang="de-DE" sz="1400" dirty="0" err="1" smtClean="0"/>
-                <a:t>Fold</a:t>
-              </a:r>
-              <a:r>
-                <a:rPr lang="de-DE" sz="1400" dirty="0" smtClean="0"/>
-                <a:t> 4</a:t>
-              </a:r>
-              <a:endParaRPr lang="de-DE" sz="1400" dirty="0"/>
-            </a:p>
-          </p:txBody>
-        </p:sp>
-        <p:sp>
-          <p:nvSpPr>
-            <p:cNvPr id="27" name="Can 26"/>
-            <p:cNvSpPr/>
-            <p:nvPr/>
-          </p:nvSpPr>
-          <p:spPr>
-            <a:xfrm>
-              <a:off x="7558401" y="3579240"/>
-              <a:ext cx="648876" cy="618138"/>
-            </a:xfrm>
-            <a:prstGeom prst="can">
-              <a:avLst/>
-            </a:prstGeom>
-          </p:spPr>
-          <p:style>
-            <a:lnRef idx="2">
-              <a:schemeClr val="accent1">
-                <a:shade val="50000"/>
-              </a:schemeClr>
-            </a:lnRef>
-            <a:fillRef idx="1">
-              <a:schemeClr val="accent1"/>
-            </a:fillRef>
-            <a:effectRef idx="0">
-              <a:schemeClr val="accent1"/>
-            </a:effectRef>
-            <a:fontRef idx="minor">
-              <a:schemeClr val="lt1"/>
-            </a:fontRef>
-          </p:style>
-          <p:txBody>
-            <a:bodyPr rtlCol="0" anchor="ctr"/>
-            <a:lstStyle/>
-            <a:p>
-              <a:pPr algn="ctr"/>
-              <a:r>
-                <a:rPr lang="de-DE" sz="1400" dirty="0" err="1" smtClean="0"/>
-                <a:t>Fold</a:t>
-              </a:r>
-              <a:r>
-                <a:rPr lang="de-DE" sz="1400" dirty="0" smtClean="0"/>
-                <a:t> 5</a:t>
-              </a:r>
-              <a:endParaRPr lang="de-DE" sz="1400" dirty="0"/>
-            </a:p>
-          </p:txBody>
-        </p:sp>
-      </p:grpSp>
+          </a:p>
+        </p:txBody>
+      </p:sp>
       <p:sp>
         <p:nvSpPr>
           <p:cNvPr id="29" name="Rectangle 28"/>
@@ -4732,10 +4692,17 @@
           <a:p>
             <a:pPr algn="ctr"/>
             <a:r>
-              <a:rPr lang="de-DE" sz="1200" dirty="0" smtClean="0"/>
-              <a:t>CV</a:t>
-            </a:r>
-            <a:endParaRPr lang="de-DE" sz="1200" dirty="0"/>
+              <a:rPr lang="de-DE" sz="1200" dirty="0"/>
+              <a:t>K-</a:t>
+            </a:r>
+            <a:r>
+              <a:rPr lang="de-DE" sz="1200" dirty="0" err="1"/>
+              <a:t>Fold</a:t>
+            </a:r>
+            <a:r>
+              <a:rPr lang="de-DE" sz="1200" dirty="0"/>
+              <a:t> CV</a:t>
+            </a:r>
           </a:p>
         </p:txBody>
       </p:sp>
@@ -4788,41 +4755,6 @@
           <a:xfrm flipV="1">
             <a:off x="4163643" y="2025026"/>
             <a:ext cx="2245045" cy="2593"/>
-          </a:xfrm>
-          <a:prstGeom prst="straightConnector1">
-            <a:avLst/>
-          </a:prstGeom>
-          <a:ln>
-            <a:tailEnd type="triangle"/>
-          </a:ln>
-        </p:spPr>
-        <p:style>
-          <a:lnRef idx="1">
-            <a:schemeClr val="accent1"/>
-          </a:lnRef>
-          <a:fillRef idx="0">
-            <a:schemeClr val="accent1"/>
-          </a:fillRef>
-          <a:effectRef idx="0">
-            <a:schemeClr val="accent1"/>
-          </a:effectRef>
-          <a:fontRef idx="minor">
-            <a:schemeClr val="tx1"/>
-          </a:fontRef>
-        </p:style>
-      </p:cxnSp>
-      <p:cxnSp>
-        <p:nvCxnSpPr>
-          <p:cNvPr id="40" name="Straight Arrow Connector 39"/>
-          <p:cNvCxnSpPr>
-            <a:endCxn id="29" idx="2"/>
-          </p:cNvCxnSpPr>
-          <p:nvPr/>
-        </p:nvCxnSpPr>
-        <p:spPr>
-          <a:xfrm flipV="1">
-            <a:off x="3823260" y="2229028"/>
-            <a:ext cx="1" cy="788089"/>
           </a:xfrm>
           <a:prstGeom prst="straightConnector1">
             <a:avLst/>
@@ -4897,14 +4829,13 @@
             <a:p>
               <a:pPr algn="ctr"/>
               <a:r>
-                <a:rPr lang="de-DE" dirty="0" err="1" smtClean="0"/>
+                <a:rPr lang="de-DE" dirty="0" err="1"/>
                 <a:t>Trained</a:t>
               </a:r>
               <a:r>
-                <a:rPr lang="de-DE" dirty="0" smtClean="0"/>
+                <a:rPr lang="de-DE" dirty="0"/>
                 <a:t> Model</a:t>
               </a:r>
-              <a:endParaRPr lang="de-DE" dirty="0"/>
             </a:p>
           </p:txBody>
         </p:sp>
@@ -4945,10 +4876,9 @@
             <a:p>
               <a:pPr algn="ctr"/>
               <a:r>
-                <a:rPr lang="de-DE" sz="1400" dirty="0" smtClean="0"/>
+                <a:rPr lang="de-DE" sz="1400" dirty="0"/>
                 <a:t>Test Set</a:t>
               </a:r>
-              <a:endParaRPr lang="de-DE" sz="1400" dirty="0"/>
             </a:p>
           </p:txBody>
         </p:sp>
@@ -4989,8 +4919,8 @@
             <a:p>
               <a:pPr algn="ctr"/>
               <a:r>
-                <a:rPr lang="de-DE" sz="1200" dirty="0" err="1" smtClean="0"/>
-                <a:t>evaluate</a:t>
+                <a:rPr lang="de-DE" sz="1200" dirty="0" err="1"/>
+                <a:t>Evaluate</a:t>
               </a:r>
               <a:endParaRPr lang="de-DE" sz="1200" dirty="0"/>
             </a:p>
@@ -5141,7 +5071,7 @@
             <a:p>
               <a:pPr algn="ctr"/>
               <a:r>
-                <a:rPr lang="de-DE" dirty="0" err="1" smtClean="0"/>
+                <a:rPr lang="de-DE" dirty="0" err="1"/>
                 <a:t>Results</a:t>
               </a:r>
               <a:endParaRPr lang="de-DE" dirty="0"/>
@@ -5195,18 +5125,17 @@
           <a:lstStyle/>
           <a:p>
             <a:r>
-              <a:rPr lang="de-DE" dirty="0" err="1" smtClean="0"/>
-              <a:t>Methodology</a:t>
-            </a:r>
-            <a:r>
-              <a:rPr lang="de-DE" dirty="0"/>
-              <a:t> </a:t>
-            </a:r>
-            <a:r>
-              <a:rPr lang="de-DE" dirty="0" smtClean="0"/>
-              <a:t>(2): Autoencoder</a:t>
-            </a:r>
-            <a:endParaRPr lang="de-DE" dirty="0"/>
+              <a:rPr lang="de-DE" dirty="0"/>
+              <a:t>Option 2: </a:t>
+            </a:r>
+            <a:r>
+              <a:rPr lang="de-DE" dirty="0" err="1"/>
+              <a:t>Logistic</a:t>
+            </a:r>
+            <a:r>
+              <a:rPr lang="de-DE" dirty="0"/>
+              <a:t> Regression + Autoencoder</a:t>
+            </a:r>
           </a:p>
         </p:txBody>
       </p:sp>
@@ -5247,14 +5176,13 @@
           <a:p>
             <a:pPr algn="ctr"/>
             <a:r>
-              <a:rPr lang="de-DE" dirty="0" err="1" smtClean="0"/>
+              <a:rPr lang="de-DE" dirty="0" err="1"/>
               <a:t>Trained</a:t>
             </a:r>
             <a:r>
-              <a:rPr lang="de-DE" dirty="0" smtClean="0"/>
+              <a:rPr lang="de-DE" dirty="0"/>
               <a:t> AE</a:t>
             </a:r>
-            <a:endParaRPr lang="de-DE" dirty="0"/>
           </a:p>
         </p:txBody>
       </p:sp>
@@ -5309,14 +5237,14 @@
             <a:p>
               <a:pPr algn="ctr"/>
               <a:r>
-                <a:rPr lang="de-DE" sz="1400" dirty="0" smtClean="0"/>
+                <a:rPr lang="de-DE" sz="1400" dirty="0"/>
                 <a:t>Train</a:t>
               </a:r>
               <a:br>
-                <a:rPr lang="de-DE" sz="1400" dirty="0" smtClean="0"/>
+                <a:rPr lang="de-DE" sz="1400" dirty="0"/>
               </a:br>
               <a:r>
-                <a:rPr lang="de-DE" sz="1400" dirty="0" err="1" smtClean="0"/>
+                <a:rPr lang="de-DE" sz="1400" dirty="0" err="1"/>
                 <a:t>set</a:t>
               </a:r>
               <a:endParaRPr lang="de-DE" sz="1400" dirty="0"/>
@@ -5360,10 +5288,9 @@
             <a:p>
               <a:pPr algn="ctr"/>
               <a:r>
-                <a:rPr lang="de-DE" sz="1200" dirty="0" err="1" smtClean="0"/>
-                <a:t>split</a:t>
+                <a:rPr lang="de-DE" sz="1200" dirty="0"/>
+                <a:t>Split</a:t>
               </a:r>
-              <a:endParaRPr lang="de-DE" sz="1200" dirty="0"/>
             </a:p>
           </p:txBody>
         </p:sp>
@@ -5440,17 +5367,16 @@
             <a:p>
               <a:pPr algn="ctr"/>
               <a:r>
-                <a:rPr lang="de-DE" sz="1400" dirty="0" smtClean="0"/>
+                <a:rPr lang="de-DE" sz="1400" dirty="0"/>
                 <a:t>AE</a:t>
               </a:r>
               <a:br>
-                <a:rPr lang="de-DE" sz="1400" dirty="0" smtClean="0"/>
+                <a:rPr lang="de-DE" sz="1400" dirty="0"/>
               </a:br>
               <a:r>
-                <a:rPr lang="de-DE" sz="1400" dirty="0" smtClean="0"/>
+                <a:rPr lang="de-DE" sz="1400" dirty="0"/>
                 <a:t>Set</a:t>
               </a:r>
-              <a:endParaRPr lang="de-DE" sz="1400" dirty="0"/>
             </a:p>
           </p:txBody>
         </p:sp>
@@ -5491,15 +5417,15 @@
             <a:p>
               <a:pPr algn="ctr"/>
               <a:r>
-                <a:rPr lang="de-DE" sz="1400" dirty="0" err="1" smtClean="0"/>
+                <a:rPr lang="de-DE" sz="1400" dirty="0" err="1"/>
                 <a:t>Clf</a:t>
               </a:r>
               <a:r>
-                <a:rPr lang="de-DE" sz="1400" dirty="0" smtClean="0"/>
+                <a:rPr lang="de-DE" sz="1400" dirty="0"/>
                 <a:t> </a:t>
               </a:r>
               <a:r>
-                <a:rPr lang="de-DE" sz="1400" dirty="0" err="1" smtClean="0"/>
+                <a:rPr lang="de-DE" sz="1400" dirty="0" err="1"/>
                 <a:t>set</a:t>
               </a:r>
               <a:endParaRPr lang="de-DE" sz="1400" dirty="0"/>
@@ -5615,10 +5541,9 @@
           <a:p>
             <a:pPr algn="ctr"/>
             <a:r>
-              <a:rPr lang="de-DE" sz="1200" dirty="0" err="1" smtClean="0"/>
-              <a:t>train</a:t>
-            </a:r>
-            <a:endParaRPr lang="de-DE" sz="1200" dirty="0"/>
+              <a:rPr lang="de-DE" sz="1200" dirty="0"/>
+              <a:t>Train</a:t>
+            </a:r>
           </a:p>
         </p:txBody>
       </p:sp>
@@ -5731,8 +5656,8 @@
           <a:p>
             <a:pPr algn="ctr"/>
             <a:r>
-              <a:rPr lang="de-DE" sz="1200" dirty="0" err="1" smtClean="0"/>
-              <a:t>predict</a:t>
+              <a:rPr lang="de-DE" sz="1200" dirty="0" err="1"/>
+              <a:t>Predict</a:t>
             </a:r>
             <a:endParaRPr lang="de-DE" sz="1200" dirty="0"/>
           </a:p>
@@ -5847,14 +5772,14 @@
           <a:p>
             <a:pPr algn="ctr"/>
             <a:r>
-              <a:rPr lang="de-DE" sz="1400" dirty="0" smtClean="0"/>
+              <a:rPr lang="de-DE" sz="1400" dirty="0"/>
               <a:t>Latent</a:t>
             </a:r>
             <a:br>
-              <a:rPr lang="de-DE" sz="1400" dirty="0" smtClean="0"/>
+              <a:rPr lang="de-DE" sz="1400" dirty="0"/>
             </a:br>
             <a:r>
-              <a:rPr lang="de-DE" sz="1400" dirty="0" err="1" smtClean="0"/>
+              <a:rPr lang="de-DE" sz="1400" dirty="0" err="1"/>
               <a:t>repr</a:t>
             </a:r>
             <a:endParaRPr lang="de-DE" sz="1400" dirty="0"/>
@@ -5898,10 +5823,9 @@
           <a:p>
             <a:pPr algn="ctr"/>
             <a:r>
-              <a:rPr lang="de-DE" sz="1200" dirty="0" smtClean="0"/>
+              <a:rPr lang="de-DE" sz="1200" dirty="0"/>
               <a:t>CV</a:t>
             </a:r>
-            <a:endParaRPr lang="de-DE" sz="1200" dirty="0"/>
           </a:p>
         </p:txBody>
       </p:sp>
@@ -5992,14 +5916,13 @@
             <a:p>
               <a:pPr algn="ctr"/>
               <a:r>
-                <a:rPr lang="de-DE" dirty="0" err="1" smtClean="0"/>
+                <a:rPr lang="de-DE" dirty="0" err="1"/>
                 <a:t>Trained</a:t>
               </a:r>
               <a:r>
-                <a:rPr lang="de-DE" dirty="0" smtClean="0"/>
+                <a:rPr lang="de-DE" dirty="0"/>
                 <a:t> Model</a:t>
               </a:r>
-              <a:endParaRPr lang="de-DE" dirty="0"/>
             </a:p>
           </p:txBody>
         </p:sp>
@@ -6040,10 +5963,9 @@
             <a:p>
               <a:pPr algn="ctr"/>
               <a:r>
-                <a:rPr lang="de-DE" sz="1400" dirty="0" smtClean="0"/>
+                <a:rPr lang="de-DE" sz="1400" dirty="0"/>
                 <a:t>Test Set</a:t>
               </a:r>
-              <a:endParaRPr lang="de-DE" sz="1400" dirty="0"/>
             </a:p>
           </p:txBody>
         </p:sp>
@@ -6084,8 +6006,8 @@
             <a:p>
               <a:pPr algn="ctr"/>
               <a:r>
-                <a:rPr lang="de-DE" sz="1200" dirty="0" err="1" smtClean="0"/>
-                <a:t>evaluate</a:t>
+                <a:rPr lang="de-DE" sz="1200" dirty="0" err="1"/>
+                <a:t>Evaluate</a:t>
               </a:r>
               <a:endParaRPr lang="de-DE" sz="1200" dirty="0"/>
             </a:p>
@@ -6200,7 +6122,7 @@
             <a:p>
               <a:pPr algn="ctr"/>
               <a:r>
-                <a:rPr lang="de-DE" dirty="0" err="1" smtClean="0"/>
+                <a:rPr lang="de-DE" dirty="0" err="1"/>
                 <a:t>Results</a:t>
               </a:r>
               <a:endParaRPr lang="de-DE" dirty="0"/>
@@ -6348,6 +6270,61 @@
       </p:grpSpPr>
       <p:sp>
         <p:nvSpPr>
+          <p:cNvPr id="77" name="Rechteck 76">
+            <a:extLst>
+              <a:ext uri="{FF2B5EF4-FFF2-40B4-BE49-F238E27FC236}">
+                <a16:creationId xmlns:a16="http://schemas.microsoft.com/office/drawing/2014/main" id="{0F10FCD4-FB2D-4605-BF79-C340CE191414}"/>
+              </a:ext>
+            </a:extLst>
+          </p:cNvPr>
+          <p:cNvSpPr/>
+          <p:nvPr/>
+        </p:nvSpPr>
+        <p:spPr>
+          <a:xfrm>
+            <a:off x="1291226" y="2542127"/>
+            <a:ext cx="5225960" cy="4074366"/>
+          </a:xfrm>
+          <a:prstGeom prst="rect">
+            <a:avLst/>
+          </a:prstGeom>
+          <a:solidFill>
+            <a:schemeClr val="accent1">
+              <a:lumMod val="20000"/>
+              <a:lumOff val="80000"/>
+            </a:schemeClr>
+          </a:solidFill>
+          <a:ln>
+            <a:prstDash val="dash"/>
+          </a:ln>
+        </p:spPr>
+        <p:style>
+          <a:lnRef idx="2">
+            <a:schemeClr val="accent1">
+              <a:shade val="50000"/>
+            </a:schemeClr>
+          </a:lnRef>
+          <a:fillRef idx="1">
+            <a:schemeClr val="accent1"/>
+          </a:fillRef>
+          <a:effectRef idx="0">
+            <a:schemeClr val="accent1"/>
+          </a:effectRef>
+          <a:fontRef idx="minor">
+            <a:schemeClr val="lt1"/>
+          </a:fontRef>
+        </p:style>
+        <p:txBody>
+          <a:bodyPr rtlCol="0" anchor="ctr"/>
+          <a:lstStyle/>
+          <a:p>
+            <a:pPr algn="ctr"/>
+            <a:endParaRPr lang="de-DE"/>
+          </a:p>
+        </p:txBody>
+      </p:sp>
+      <p:sp>
+        <p:nvSpPr>
           <p:cNvPr id="2" name="Title 1"/>
           <p:cNvSpPr>
             <a:spLocks noGrp="1"/>
@@ -6362,29 +6339,1581 @@
           <a:lstStyle/>
           <a:p>
             <a:r>
-              <a:rPr lang="de-DE" dirty="0" err="1" smtClean="0"/>
-              <a:t>Methodology</a:t>
-            </a:r>
-            <a:r>
-              <a:rPr lang="de-DE" dirty="0"/>
+              <a:rPr lang="de-DE" dirty="0"/>
+              <a:t>Options 3 + 4: Over/</a:t>
+            </a:r>
+            <a:r>
+              <a:rPr lang="de-DE" dirty="0" err="1"/>
+              <a:t>Under</a:t>
+            </a:r>
+            <a:r>
+              <a:rPr lang="de-DE" dirty="0"/>
+              <a:t>-sampling</a:t>
+            </a:r>
+          </a:p>
+        </p:txBody>
+      </p:sp>
+      <p:sp>
+        <p:nvSpPr>
+          <p:cNvPr id="3" name="Can 16">
+            <a:extLst>
+              <a:ext uri="{FF2B5EF4-FFF2-40B4-BE49-F238E27FC236}">
+                <a16:creationId xmlns:a16="http://schemas.microsoft.com/office/drawing/2014/main" id="{4B942613-0F9C-4BCE-95EC-746482CC209D}"/>
+              </a:ext>
+            </a:extLst>
+          </p:cNvPr>
+          <p:cNvSpPr/>
+          <p:nvPr/>
+        </p:nvSpPr>
+        <p:spPr>
+          <a:xfrm>
+            <a:off x="1373949" y="1622209"/>
+            <a:ext cx="802283" cy="810820"/>
+          </a:xfrm>
+          <a:prstGeom prst="can">
+            <a:avLst/>
+          </a:prstGeom>
+        </p:spPr>
+        <p:style>
+          <a:lnRef idx="2">
+            <a:schemeClr val="accent1">
+              <a:shade val="50000"/>
+            </a:schemeClr>
+          </a:lnRef>
+          <a:fillRef idx="1">
+            <a:schemeClr val="accent1"/>
+          </a:fillRef>
+          <a:effectRef idx="0">
+            <a:schemeClr val="accent1"/>
+          </a:effectRef>
+          <a:fontRef idx="minor">
+            <a:schemeClr val="lt1"/>
+          </a:fontRef>
+        </p:style>
+        <p:txBody>
+          <a:bodyPr rtlCol="0" anchor="ctr"/>
+          <a:lstStyle/>
+          <a:p>
+            <a:pPr algn="ctr"/>
+            <a:r>
+              <a:rPr lang="de-DE" sz="1400" dirty="0"/>
+              <a:t>Train</a:t>
+            </a:r>
+            <a:br>
+              <a:rPr lang="de-DE" sz="1400" dirty="0"/>
+            </a:br>
+            <a:r>
+              <a:rPr lang="de-DE" sz="1400" dirty="0"/>
+              <a:t>Set</a:t>
+            </a:r>
+          </a:p>
+        </p:txBody>
+      </p:sp>
+      <p:grpSp>
+        <p:nvGrpSpPr>
+          <p:cNvPr id="4" name="Group 4">
+            <a:extLst>
+              <a:ext uri="{FF2B5EF4-FFF2-40B4-BE49-F238E27FC236}">
+                <a16:creationId xmlns:a16="http://schemas.microsoft.com/office/drawing/2014/main" id="{DBC51CF3-8AC7-4C30-B634-0B3B9CCC265A}"/>
+              </a:ext>
+            </a:extLst>
+          </p:cNvPr>
+          <p:cNvGrpSpPr/>
+          <p:nvPr/>
+        </p:nvGrpSpPr>
+        <p:grpSpPr>
+          <a:xfrm>
+            <a:off x="1850376" y="3022636"/>
+            <a:ext cx="4155338" cy="1087612"/>
+            <a:chOff x="3782474" y="3468275"/>
+            <a:chExt cx="4155338" cy="1087612"/>
+          </a:xfrm>
+        </p:grpSpPr>
+        <p:sp>
+          <p:nvSpPr>
+            <p:cNvPr id="5" name="Rectangle 27">
+              <a:extLst>
+                <a:ext uri="{FF2B5EF4-FFF2-40B4-BE49-F238E27FC236}">
+                  <a16:creationId xmlns:a16="http://schemas.microsoft.com/office/drawing/2014/main" id="{563110BB-7EA4-49BC-AC52-E457B3C7E573}"/>
+                </a:ext>
+              </a:extLst>
+            </p:cNvPr>
+            <p:cNvSpPr/>
+            <p:nvPr/>
+          </p:nvSpPr>
+          <p:spPr>
+            <a:xfrm>
+              <a:off x="6551441" y="3468275"/>
+              <a:ext cx="1386371" cy="1087612"/>
+            </a:xfrm>
+            <a:prstGeom prst="rect">
+              <a:avLst/>
+            </a:prstGeom>
+          </p:spPr>
+          <p:style>
+            <a:lnRef idx="2">
+              <a:schemeClr val="accent1">
+                <a:shade val="50000"/>
+              </a:schemeClr>
+            </a:lnRef>
+            <a:fillRef idx="1">
+              <a:schemeClr val="accent1"/>
+            </a:fillRef>
+            <a:effectRef idx="0">
+              <a:schemeClr val="accent1"/>
+            </a:effectRef>
+            <a:fontRef idx="minor">
+              <a:schemeClr val="lt1"/>
+            </a:fontRef>
+          </p:style>
+          <p:txBody>
+            <a:bodyPr rtlCol="0" anchor="b"/>
+            <a:lstStyle/>
+            <a:p>
+              <a:pPr algn="ctr"/>
+              <a:r>
+                <a:rPr lang="de-DE" dirty="0"/>
+                <a:t>Validation</a:t>
+              </a:r>
+            </a:p>
+          </p:txBody>
+        </p:sp>
+        <p:sp>
+          <p:nvSpPr>
+            <p:cNvPr id="6" name="Rectangle 2">
+              <a:extLst>
+                <a:ext uri="{FF2B5EF4-FFF2-40B4-BE49-F238E27FC236}">
+                  <a16:creationId xmlns:a16="http://schemas.microsoft.com/office/drawing/2014/main" id="{E7200D72-EE75-4B4F-AE33-7F66EB6704DF}"/>
+                </a:ext>
+              </a:extLst>
+            </p:cNvPr>
+            <p:cNvSpPr/>
+            <p:nvPr/>
+          </p:nvSpPr>
+          <p:spPr>
+            <a:xfrm>
+              <a:off x="3782474" y="3468275"/>
+              <a:ext cx="2517250" cy="1087612"/>
+            </a:xfrm>
+            <a:prstGeom prst="rect">
+              <a:avLst/>
+            </a:prstGeom>
+          </p:spPr>
+          <p:style>
+            <a:lnRef idx="2">
+              <a:schemeClr val="accent1">
+                <a:shade val="50000"/>
+              </a:schemeClr>
+            </a:lnRef>
+            <a:fillRef idx="1">
+              <a:schemeClr val="accent1"/>
+            </a:fillRef>
+            <a:effectRef idx="0">
+              <a:schemeClr val="accent1"/>
+            </a:effectRef>
+            <a:fontRef idx="minor">
+              <a:schemeClr val="lt1"/>
+            </a:fontRef>
+          </p:style>
+          <p:txBody>
+            <a:bodyPr rtlCol="0" anchor="b"/>
+            <a:lstStyle/>
+            <a:p>
+              <a:pPr algn="ctr"/>
+              <a:r>
+                <a:rPr lang="de-DE" dirty="0"/>
+                <a:t>Training</a:t>
+              </a:r>
+            </a:p>
+          </p:txBody>
+        </p:sp>
+        <p:sp>
+          <p:nvSpPr>
+            <p:cNvPr id="7" name="Can 18">
+              <a:extLst>
+                <a:ext uri="{FF2B5EF4-FFF2-40B4-BE49-F238E27FC236}">
+                  <a16:creationId xmlns:a16="http://schemas.microsoft.com/office/drawing/2014/main" id="{017C7E4D-A6C1-445A-8E3F-55F13904D293}"/>
+                </a:ext>
+              </a:extLst>
+            </p:cNvPr>
+            <p:cNvSpPr/>
+            <p:nvPr/>
+          </p:nvSpPr>
+          <p:spPr>
+            <a:xfrm>
+              <a:off x="3894928" y="3579240"/>
+              <a:ext cx="648876" cy="618138"/>
+            </a:xfrm>
+            <a:prstGeom prst="can">
+              <a:avLst/>
+            </a:prstGeom>
+          </p:spPr>
+          <p:style>
+            <a:lnRef idx="2">
+              <a:schemeClr val="accent1">
+                <a:shade val="50000"/>
+              </a:schemeClr>
+            </a:lnRef>
+            <a:fillRef idx="1">
+              <a:schemeClr val="accent1"/>
+            </a:fillRef>
+            <a:effectRef idx="0">
+              <a:schemeClr val="accent1"/>
+            </a:effectRef>
+            <a:fontRef idx="minor">
+              <a:schemeClr val="lt1"/>
+            </a:fontRef>
+          </p:style>
+          <p:txBody>
+            <a:bodyPr rtlCol="0" anchor="ctr"/>
+            <a:lstStyle/>
+            <a:p>
+              <a:pPr algn="ctr"/>
+              <a:r>
+                <a:rPr lang="de-DE" sz="1400" dirty="0" err="1"/>
+                <a:t>Fold</a:t>
+              </a:r>
+              <a:r>
+                <a:rPr lang="de-DE" sz="1400" dirty="0"/>
+                <a:t> 1</a:t>
+              </a:r>
+            </a:p>
+          </p:txBody>
+        </p:sp>
+        <p:sp>
+          <p:nvSpPr>
+            <p:cNvPr id="8" name="Can 23">
+              <a:extLst>
+                <a:ext uri="{FF2B5EF4-FFF2-40B4-BE49-F238E27FC236}">
+                  <a16:creationId xmlns:a16="http://schemas.microsoft.com/office/drawing/2014/main" id="{DE557AD1-7BF3-46B1-9C7A-E5656BB9F29E}"/>
+                </a:ext>
+              </a:extLst>
+            </p:cNvPr>
+            <p:cNvSpPr/>
+            <p:nvPr/>
+          </p:nvSpPr>
+          <p:spPr>
+            <a:xfrm>
+              <a:off x="4728093" y="3579240"/>
+              <a:ext cx="648876" cy="618138"/>
+            </a:xfrm>
+            <a:prstGeom prst="can">
+              <a:avLst/>
+            </a:prstGeom>
+          </p:spPr>
+          <p:style>
+            <a:lnRef idx="2">
+              <a:schemeClr val="accent1">
+                <a:shade val="50000"/>
+              </a:schemeClr>
+            </a:lnRef>
+            <a:fillRef idx="1">
+              <a:schemeClr val="accent1"/>
+            </a:fillRef>
+            <a:effectRef idx="0">
+              <a:schemeClr val="accent1"/>
+            </a:effectRef>
+            <a:fontRef idx="minor">
+              <a:schemeClr val="lt1"/>
+            </a:fontRef>
+          </p:style>
+          <p:txBody>
+            <a:bodyPr rtlCol="0" anchor="ctr"/>
+            <a:lstStyle/>
+            <a:p>
+              <a:pPr algn="ctr"/>
+              <a:r>
+                <a:rPr lang="de-DE" sz="1400" dirty="0" err="1"/>
+                <a:t>Fold</a:t>
+              </a:r>
+              <a:r>
+                <a:rPr lang="de-DE" sz="1400" dirty="0"/>
+                <a:t> 2</a:t>
+              </a:r>
+            </a:p>
+          </p:txBody>
+        </p:sp>
+        <p:sp>
+          <p:nvSpPr>
+            <p:cNvPr id="9" name="Can 24">
+              <a:extLst>
+                <a:ext uri="{FF2B5EF4-FFF2-40B4-BE49-F238E27FC236}">
+                  <a16:creationId xmlns:a16="http://schemas.microsoft.com/office/drawing/2014/main" id="{05E62431-3DF2-450F-B159-DF11D2169F9D}"/>
+                </a:ext>
+              </a:extLst>
+            </p:cNvPr>
+            <p:cNvSpPr/>
+            <p:nvPr/>
+          </p:nvSpPr>
+          <p:spPr>
+            <a:xfrm>
+              <a:off x="5561258" y="3579240"/>
+              <a:ext cx="648876" cy="618138"/>
+            </a:xfrm>
+            <a:prstGeom prst="can">
+              <a:avLst/>
+            </a:prstGeom>
+          </p:spPr>
+          <p:style>
+            <a:lnRef idx="2">
+              <a:schemeClr val="accent1">
+                <a:shade val="50000"/>
+              </a:schemeClr>
+            </a:lnRef>
+            <a:fillRef idx="1">
+              <a:schemeClr val="accent1"/>
+            </a:fillRef>
+            <a:effectRef idx="0">
+              <a:schemeClr val="accent1"/>
+            </a:effectRef>
+            <a:fontRef idx="minor">
+              <a:schemeClr val="lt1"/>
+            </a:fontRef>
+          </p:style>
+          <p:txBody>
+            <a:bodyPr rtlCol="0" anchor="ctr"/>
+            <a:lstStyle/>
+            <a:p>
+              <a:pPr algn="ctr"/>
+              <a:r>
+                <a:rPr lang="de-DE" sz="1400" dirty="0" err="1"/>
+                <a:t>Fold</a:t>
+              </a:r>
+              <a:r>
+                <a:rPr lang="de-DE" sz="1400" dirty="0"/>
+                <a:t>…</a:t>
+              </a:r>
+            </a:p>
+          </p:txBody>
+        </p:sp>
+        <p:sp>
+          <p:nvSpPr>
+            <p:cNvPr id="11" name="Can 26">
+              <a:extLst>
+                <a:ext uri="{FF2B5EF4-FFF2-40B4-BE49-F238E27FC236}">
+                  <a16:creationId xmlns:a16="http://schemas.microsoft.com/office/drawing/2014/main" id="{27A37A60-AA25-44B1-986A-8107A2D29A20}"/>
+                </a:ext>
+              </a:extLst>
+            </p:cNvPr>
+            <p:cNvSpPr/>
+            <p:nvPr/>
+          </p:nvSpPr>
+          <p:spPr>
+            <a:xfrm>
+              <a:off x="6920188" y="3587562"/>
+              <a:ext cx="648876" cy="618138"/>
+            </a:xfrm>
+            <a:prstGeom prst="can">
+              <a:avLst/>
+            </a:prstGeom>
+          </p:spPr>
+          <p:style>
+            <a:lnRef idx="2">
+              <a:schemeClr val="accent1">
+                <a:shade val="50000"/>
+              </a:schemeClr>
+            </a:lnRef>
+            <a:fillRef idx="1">
+              <a:schemeClr val="accent1"/>
+            </a:fillRef>
+            <a:effectRef idx="0">
+              <a:schemeClr val="accent1"/>
+            </a:effectRef>
+            <a:fontRef idx="minor">
+              <a:schemeClr val="lt1"/>
+            </a:fontRef>
+          </p:style>
+          <p:txBody>
+            <a:bodyPr rtlCol="0" anchor="ctr"/>
+            <a:lstStyle/>
+            <a:p>
+              <a:pPr algn="ctr"/>
+              <a:r>
+                <a:rPr lang="de-DE" sz="1400" dirty="0" err="1"/>
+                <a:t>Fold</a:t>
+              </a:r>
+              <a:r>
+                <a:rPr lang="de-DE" sz="1400" dirty="0"/>
+                <a:t> n</a:t>
+              </a:r>
+            </a:p>
+          </p:txBody>
+        </p:sp>
+      </p:grpSp>
+      <p:sp>
+        <p:nvSpPr>
+          <p:cNvPr id="12" name="Rectangle 28">
+            <a:extLst>
+              <a:ext uri="{FF2B5EF4-FFF2-40B4-BE49-F238E27FC236}">
+                <a16:creationId xmlns:a16="http://schemas.microsoft.com/office/drawing/2014/main" id="{521CB660-3645-401B-B223-65438AD3B0AE}"/>
+              </a:ext>
+            </a:extLst>
+          </p:cNvPr>
+          <p:cNvSpPr/>
+          <p:nvPr/>
+        </p:nvSpPr>
+        <p:spPr>
+          <a:xfrm>
+            <a:off x="3482878" y="1826209"/>
+            <a:ext cx="680765" cy="402819"/>
+          </a:xfrm>
+          <a:prstGeom prst="rect">
+            <a:avLst/>
+          </a:prstGeom>
+        </p:spPr>
+        <p:style>
+          <a:lnRef idx="2">
+            <a:schemeClr val="accent1">
+              <a:shade val="50000"/>
+            </a:schemeClr>
+          </a:lnRef>
+          <a:fillRef idx="1">
+            <a:schemeClr val="accent1"/>
+          </a:fillRef>
+          <a:effectRef idx="0">
+            <a:schemeClr val="accent1"/>
+          </a:effectRef>
+          <a:fontRef idx="minor">
+            <a:schemeClr val="lt1"/>
+          </a:fontRef>
+        </p:style>
+        <p:txBody>
+          <a:bodyPr rtlCol="0" anchor="ctr"/>
+          <a:lstStyle/>
+          <a:p>
+            <a:pPr algn="ctr"/>
+            <a:r>
+              <a:rPr lang="de-DE" sz="1200" dirty="0"/>
+              <a:t>K-</a:t>
+            </a:r>
+            <a:r>
+              <a:rPr lang="de-DE" sz="1200" dirty="0" err="1"/>
+              <a:t>Fold</a:t>
+            </a:r>
+            <a:r>
+              <a:rPr lang="de-DE" sz="1200" dirty="0"/>
+              <a:t> CV</a:t>
+            </a:r>
+          </a:p>
+        </p:txBody>
+      </p:sp>
+      <p:cxnSp>
+        <p:nvCxnSpPr>
+          <p:cNvPr id="13" name="Straight Arrow Connector 9">
+            <a:extLst>
+              <a:ext uri="{FF2B5EF4-FFF2-40B4-BE49-F238E27FC236}">
+                <a16:creationId xmlns:a16="http://schemas.microsoft.com/office/drawing/2014/main" id="{F6AF5D81-D505-4AF6-804A-53B9F7444533}"/>
+              </a:ext>
+            </a:extLst>
+          </p:cNvPr>
+          <p:cNvCxnSpPr>
+            <a:stCxn id="3" idx="4"/>
+            <a:endCxn id="12" idx="1"/>
+          </p:cNvCxnSpPr>
+          <p:nvPr/>
+        </p:nvCxnSpPr>
+        <p:spPr>
+          <a:xfrm>
+            <a:off x="2176232" y="2027619"/>
+            <a:ext cx="1306646" cy="0"/>
+          </a:xfrm>
+          <a:prstGeom prst="straightConnector1">
+            <a:avLst/>
+          </a:prstGeom>
+          <a:ln>
+            <a:tailEnd type="triangle"/>
+          </a:ln>
+        </p:spPr>
+        <p:style>
+          <a:lnRef idx="1">
+            <a:schemeClr val="accent1"/>
+          </a:lnRef>
+          <a:fillRef idx="0">
+            <a:schemeClr val="accent1"/>
+          </a:fillRef>
+          <a:effectRef idx="0">
+            <a:schemeClr val="accent1"/>
+          </a:effectRef>
+          <a:fontRef idx="minor">
+            <a:schemeClr val="tx1"/>
+          </a:fontRef>
+        </p:style>
+      </p:cxnSp>
+      <p:grpSp>
+        <p:nvGrpSpPr>
+          <p:cNvPr id="16" name="Group 60">
+            <a:extLst>
+              <a:ext uri="{FF2B5EF4-FFF2-40B4-BE49-F238E27FC236}">
+                <a16:creationId xmlns:a16="http://schemas.microsoft.com/office/drawing/2014/main" id="{9EF7A80D-D035-4675-B096-D7130C7C2427}"/>
+              </a:ext>
+            </a:extLst>
+          </p:cNvPr>
+          <p:cNvGrpSpPr/>
+          <p:nvPr/>
+        </p:nvGrpSpPr>
+        <p:grpSpPr>
+          <a:xfrm>
+            <a:off x="7029144" y="1620787"/>
+            <a:ext cx="4368538" cy="3325472"/>
+            <a:chOff x="6411059" y="-1143887"/>
+            <a:chExt cx="4368538" cy="3325472"/>
+          </a:xfrm>
+        </p:grpSpPr>
+        <p:sp>
+          <p:nvSpPr>
+            <p:cNvPr id="17" name="Oval 30">
+              <a:extLst>
+                <a:ext uri="{FF2B5EF4-FFF2-40B4-BE49-F238E27FC236}">
+                  <a16:creationId xmlns:a16="http://schemas.microsoft.com/office/drawing/2014/main" id="{9323EAD9-E666-4082-9E4F-4CAD51656A12}"/>
+                </a:ext>
+              </a:extLst>
+            </p:cNvPr>
+            <p:cNvSpPr/>
+            <p:nvPr/>
+          </p:nvSpPr>
+          <p:spPr>
+            <a:xfrm>
+              <a:off x="6411059" y="1447686"/>
+              <a:ext cx="1313192" cy="733899"/>
+            </a:xfrm>
+            <a:prstGeom prst="ellipse">
+              <a:avLst/>
+            </a:prstGeom>
+          </p:spPr>
+          <p:style>
+            <a:lnRef idx="2">
+              <a:schemeClr val="accent1">
+                <a:shade val="50000"/>
+              </a:schemeClr>
+            </a:lnRef>
+            <a:fillRef idx="1">
+              <a:schemeClr val="accent1"/>
+            </a:fillRef>
+            <a:effectRef idx="0">
+              <a:schemeClr val="accent1"/>
+            </a:effectRef>
+            <a:fontRef idx="minor">
+              <a:schemeClr val="lt1"/>
+            </a:fontRef>
+          </p:style>
+          <p:txBody>
+            <a:bodyPr rtlCol="0" anchor="ctr"/>
+            <a:lstStyle/>
+            <a:p>
+              <a:pPr algn="ctr"/>
+              <a:r>
+                <a:rPr lang="de-DE" dirty="0"/>
+                <a:t>Best Model</a:t>
+              </a:r>
+            </a:p>
+          </p:txBody>
+        </p:sp>
+        <p:sp>
+          <p:nvSpPr>
+            <p:cNvPr id="18" name="Can 42">
+              <a:extLst>
+                <a:ext uri="{FF2B5EF4-FFF2-40B4-BE49-F238E27FC236}">
+                  <a16:creationId xmlns:a16="http://schemas.microsoft.com/office/drawing/2014/main" id="{2D3B3FED-FA54-4638-81F3-58E0D08E85BB}"/>
+                </a:ext>
+              </a:extLst>
+            </p:cNvPr>
+            <p:cNvSpPr/>
+            <p:nvPr/>
+          </p:nvSpPr>
+          <p:spPr>
+            <a:xfrm>
+              <a:off x="8257708" y="-1143887"/>
+              <a:ext cx="802283" cy="810820"/>
+            </a:xfrm>
+            <a:prstGeom prst="can">
+              <a:avLst/>
+            </a:prstGeom>
+          </p:spPr>
+          <p:style>
+            <a:lnRef idx="2">
+              <a:schemeClr val="accent1">
+                <a:shade val="50000"/>
+              </a:schemeClr>
+            </a:lnRef>
+            <a:fillRef idx="1">
+              <a:schemeClr val="accent1"/>
+            </a:fillRef>
+            <a:effectRef idx="0">
+              <a:schemeClr val="accent1"/>
+            </a:effectRef>
+            <a:fontRef idx="minor">
+              <a:schemeClr val="lt1"/>
+            </a:fontRef>
+          </p:style>
+          <p:txBody>
+            <a:bodyPr rtlCol="0" anchor="ctr"/>
+            <a:lstStyle/>
+            <a:p>
+              <a:pPr algn="ctr"/>
+              <a:r>
+                <a:rPr lang="de-DE" sz="1400" dirty="0"/>
+                <a:t>Test</a:t>
+              </a:r>
+            </a:p>
+            <a:p>
+              <a:pPr algn="ctr"/>
+              <a:r>
+                <a:rPr lang="de-DE" sz="1400" dirty="0"/>
+                <a:t>Set</a:t>
+              </a:r>
+            </a:p>
+          </p:txBody>
+        </p:sp>
+        <p:sp>
+          <p:nvSpPr>
+            <p:cNvPr id="19" name="Rectangle 43">
+              <a:extLst>
+                <a:ext uri="{FF2B5EF4-FFF2-40B4-BE49-F238E27FC236}">
+                  <a16:creationId xmlns:a16="http://schemas.microsoft.com/office/drawing/2014/main" id="{5B07E75B-B5D7-48C9-B836-0CB17835952F}"/>
+                </a:ext>
+              </a:extLst>
+            </p:cNvPr>
+            <p:cNvSpPr/>
+            <p:nvPr/>
+          </p:nvSpPr>
+          <p:spPr>
+            <a:xfrm>
+              <a:off x="8257708" y="1613225"/>
+              <a:ext cx="787679" cy="402819"/>
+            </a:xfrm>
+            <a:prstGeom prst="rect">
+              <a:avLst/>
+            </a:prstGeom>
+          </p:spPr>
+          <p:style>
+            <a:lnRef idx="2">
+              <a:schemeClr val="accent1">
+                <a:shade val="50000"/>
+              </a:schemeClr>
+            </a:lnRef>
+            <a:fillRef idx="1">
+              <a:schemeClr val="accent1"/>
+            </a:fillRef>
+            <a:effectRef idx="0">
+              <a:schemeClr val="accent1"/>
+            </a:effectRef>
+            <a:fontRef idx="minor">
+              <a:schemeClr val="lt1"/>
+            </a:fontRef>
+          </p:style>
+          <p:txBody>
+            <a:bodyPr rtlCol="0" anchor="ctr"/>
+            <a:lstStyle/>
+            <a:p>
+              <a:pPr algn="ctr"/>
+              <a:r>
+                <a:rPr lang="de-DE" sz="1200" dirty="0" err="1"/>
+                <a:t>Evaluate</a:t>
+              </a:r>
+              <a:endParaRPr lang="de-DE" sz="1200" dirty="0"/>
+            </a:p>
+          </p:txBody>
+        </p:sp>
+        <p:cxnSp>
+          <p:nvCxnSpPr>
+            <p:cNvPr id="20" name="Straight Arrow Connector 45">
+              <a:extLst>
+                <a:ext uri="{FF2B5EF4-FFF2-40B4-BE49-F238E27FC236}">
+                  <a16:creationId xmlns:a16="http://schemas.microsoft.com/office/drawing/2014/main" id="{FF56720B-8430-4E83-BEC0-F018C9F39C93}"/>
+                </a:ext>
+              </a:extLst>
+            </p:cNvPr>
+            <p:cNvCxnSpPr>
+              <a:cxnSpLocks/>
+              <a:stCxn id="17" idx="6"/>
+              <a:endCxn id="19" idx="1"/>
+            </p:cNvCxnSpPr>
+            <p:nvPr/>
+          </p:nvCxnSpPr>
+          <p:spPr>
+            <a:xfrm flipV="1">
+              <a:off x="7724251" y="1814635"/>
+              <a:ext cx="533457" cy="1"/>
+            </a:xfrm>
+            <a:prstGeom prst="straightConnector1">
+              <a:avLst/>
+            </a:prstGeom>
+            <a:ln>
+              <a:tailEnd type="triangle"/>
+            </a:ln>
+          </p:spPr>
+          <p:style>
+            <a:lnRef idx="1">
+              <a:schemeClr val="accent1"/>
+            </a:lnRef>
+            <a:fillRef idx="0">
+              <a:schemeClr val="accent1"/>
+            </a:fillRef>
+            <a:effectRef idx="0">
+              <a:schemeClr val="accent1"/>
+            </a:effectRef>
+            <a:fontRef idx="minor">
+              <a:schemeClr val="tx1"/>
+            </a:fontRef>
+          </p:style>
+        </p:cxnSp>
+        <p:sp>
+          <p:nvSpPr>
+            <p:cNvPr id="23" name="Oval 51">
+              <a:extLst>
+                <a:ext uri="{FF2B5EF4-FFF2-40B4-BE49-F238E27FC236}">
+                  <a16:creationId xmlns:a16="http://schemas.microsoft.com/office/drawing/2014/main" id="{6AB94FC3-8A5E-49C2-BFC8-FEA261BF75FF}"/>
+                </a:ext>
+              </a:extLst>
+            </p:cNvPr>
+            <p:cNvSpPr/>
+            <p:nvPr/>
+          </p:nvSpPr>
+          <p:spPr>
+            <a:xfrm>
+              <a:off x="9466405" y="1447686"/>
+              <a:ext cx="1313192" cy="733899"/>
+            </a:xfrm>
+            <a:prstGeom prst="ellipse">
+              <a:avLst/>
+            </a:prstGeom>
+          </p:spPr>
+          <p:style>
+            <a:lnRef idx="2">
+              <a:schemeClr val="accent1">
+                <a:shade val="50000"/>
+              </a:schemeClr>
+            </a:lnRef>
+            <a:fillRef idx="1">
+              <a:schemeClr val="accent1"/>
+            </a:fillRef>
+            <a:effectRef idx="0">
+              <a:schemeClr val="accent1"/>
+            </a:effectRef>
+            <a:fontRef idx="minor">
+              <a:schemeClr val="lt1"/>
+            </a:fontRef>
+          </p:style>
+          <p:txBody>
+            <a:bodyPr rtlCol="0" anchor="ctr"/>
+            <a:lstStyle/>
+            <a:p>
+              <a:pPr algn="ctr"/>
+              <a:r>
+                <a:rPr lang="de-DE" dirty="0" err="1"/>
+                <a:t>Results</a:t>
+              </a:r>
+              <a:endParaRPr lang="de-DE" dirty="0"/>
+            </a:p>
+          </p:txBody>
+        </p:sp>
+      </p:grpSp>
+      <p:sp>
+        <p:nvSpPr>
+          <p:cNvPr id="25" name="Rectangle 28">
+            <a:extLst>
+              <a:ext uri="{FF2B5EF4-FFF2-40B4-BE49-F238E27FC236}">
+                <a16:creationId xmlns:a16="http://schemas.microsoft.com/office/drawing/2014/main" id="{2D5CE477-63B8-4F25-8DE7-D3F89667B1A2}"/>
+              </a:ext>
+            </a:extLst>
+          </p:cNvPr>
+          <p:cNvSpPr/>
+          <p:nvPr/>
+        </p:nvSpPr>
+        <p:spPr>
+          <a:xfrm>
+            <a:off x="2764106" y="4579311"/>
+            <a:ext cx="680765" cy="402819"/>
+          </a:xfrm>
+          <a:prstGeom prst="rect">
+            <a:avLst/>
+          </a:prstGeom>
+        </p:spPr>
+        <p:style>
+          <a:lnRef idx="2">
+            <a:schemeClr val="accent1">
+              <a:shade val="50000"/>
+            </a:schemeClr>
+          </a:lnRef>
+          <a:fillRef idx="1">
+            <a:schemeClr val="accent1"/>
+          </a:fillRef>
+          <a:effectRef idx="0">
+            <a:schemeClr val="accent1"/>
+          </a:effectRef>
+          <a:fontRef idx="minor">
+            <a:schemeClr val="lt1"/>
+          </a:fontRef>
+        </p:style>
+        <p:txBody>
+          <a:bodyPr rtlCol="0" anchor="ctr"/>
+          <a:lstStyle/>
+          <a:p>
+            <a:pPr algn="ctr"/>
+            <a:r>
+              <a:rPr lang="de-DE" sz="1200" dirty="0"/>
+              <a:t>Sample</a:t>
+            </a:r>
+          </a:p>
+        </p:txBody>
+      </p:sp>
+      <p:cxnSp>
+        <p:nvCxnSpPr>
+          <p:cNvPr id="35" name="Verbinder: gewinkelt 34">
+            <a:extLst>
+              <a:ext uri="{FF2B5EF4-FFF2-40B4-BE49-F238E27FC236}">
+                <a16:creationId xmlns:a16="http://schemas.microsoft.com/office/drawing/2014/main" id="{8830051C-AD26-44BD-AE0A-83AE1AFFCE2B}"/>
+              </a:ext>
+            </a:extLst>
+          </p:cNvPr>
+          <p:cNvCxnSpPr>
+            <a:stCxn id="12" idx="2"/>
+            <a:endCxn id="6" idx="0"/>
+          </p:cNvCxnSpPr>
+          <p:nvPr/>
+        </p:nvCxnSpPr>
+        <p:spPr>
+          <a:xfrm rot="5400000">
+            <a:off x="3069327" y="2268702"/>
+            <a:ext cx="793608" cy="714260"/>
+          </a:xfrm>
+          <a:prstGeom prst="bentConnector3">
+            <a:avLst/>
+          </a:prstGeom>
+          <a:ln>
+            <a:tailEnd type="triangle"/>
+          </a:ln>
+        </p:spPr>
+        <p:style>
+          <a:lnRef idx="1">
+            <a:schemeClr val="accent1"/>
+          </a:lnRef>
+          <a:fillRef idx="0">
+            <a:schemeClr val="accent1"/>
+          </a:fillRef>
+          <a:effectRef idx="0">
+            <a:schemeClr val="accent1"/>
+          </a:effectRef>
+          <a:fontRef idx="minor">
+            <a:schemeClr val="tx1"/>
+          </a:fontRef>
+        </p:style>
+      </p:cxnSp>
+      <p:cxnSp>
+        <p:nvCxnSpPr>
+          <p:cNvPr id="37" name="Verbinder: gewinkelt 36">
+            <a:extLst>
+              <a:ext uri="{FF2B5EF4-FFF2-40B4-BE49-F238E27FC236}">
+                <a16:creationId xmlns:a16="http://schemas.microsoft.com/office/drawing/2014/main" id="{74370911-265A-4411-A198-8805F114274D}"/>
+              </a:ext>
+            </a:extLst>
+          </p:cNvPr>
+          <p:cNvCxnSpPr>
+            <a:stCxn id="12" idx="2"/>
+            <a:endCxn id="5" idx="0"/>
+          </p:cNvCxnSpPr>
+          <p:nvPr/>
+        </p:nvCxnSpPr>
+        <p:spPr>
+          <a:xfrm rot="16200000" flipH="1">
+            <a:off x="4171091" y="1881198"/>
+            <a:ext cx="793608" cy="1489268"/>
+          </a:xfrm>
+          <a:prstGeom prst="bentConnector3">
+            <a:avLst/>
+          </a:prstGeom>
+          <a:ln>
+            <a:tailEnd type="triangle"/>
+          </a:ln>
+        </p:spPr>
+        <p:style>
+          <a:lnRef idx="1">
+            <a:schemeClr val="accent1"/>
+          </a:lnRef>
+          <a:fillRef idx="0">
+            <a:schemeClr val="accent1"/>
+          </a:fillRef>
+          <a:effectRef idx="0">
+            <a:schemeClr val="accent1"/>
+          </a:effectRef>
+          <a:fontRef idx="minor">
+            <a:schemeClr val="tx1"/>
+          </a:fontRef>
+        </p:style>
+      </p:cxnSp>
+      <p:cxnSp>
+        <p:nvCxnSpPr>
+          <p:cNvPr id="39" name="Gerade Verbindung mit Pfeil 38">
+            <a:extLst>
+              <a:ext uri="{FF2B5EF4-FFF2-40B4-BE49-F238E27FC236}">
+                <a16:creationId xmlns:a16="http://schemas.microsoft.com/office/drawing/2014/main" id="{1328B751-2EC4-4049-9FD7-A1FCB3438FB9}"/>
+              </a:ext>
+            </a:extLst>
+          </p:cNvPr>
+          <p:cNvCxnSpPr>
+            <a:stCxn id="6" idx="2"/>
+            <a:endCxn id="25" idx="0"/>
+          </p:cNvCxnSpPr>
+          <p:nvPr/>
+        </p:nvCxnSpPr>
+        <p:spPr>
+          <a:xfrm flipH="1">
+            <a:off x="3104489" y="4110248"/>
+            <a:ext cx="4512" cy="469063"/>
+          </a:xfrm>
+          <a:prstGeom prst="straightConnector1">
+            <a:avLst/>
+          </a:prstGeom>
+          <a:ln>
+            <a:tailEnd type="triangle"/>
+          </a:ln>
+        </p:spPr>
+        <p:style>
+          <a:lnRef idx="1">
+            <a:schemeClr val="accent1"/>
+          </a:lnRef>
+          <a:fillRef idx="0">
+            <a:schemeClr val="accent1"/>
+          </a:fillRef>
+          <a:effectRef idx="0">
+            <a:schemeClr val="accent1"/>
+          </a:effectRef>
+          <a:fontRef idx="minor">
+            <a:schemeClr val="tx1"/>
+          </a:fontRef>
+        </p:style>
+      </p:cxnSp>
+      <p:sp>
+        <p:nvSpPr>
+          <p:cNvPr id="42" name="Can 16">
+            <a:extLst>
+              <a:ext uri="{FF2B5EF4-FFF2-40B4-BE49-F238E27FC236}">
+                <a16:creationId xmlns:a16="http://schemas.microsoft.com/office/drawing/2014/main" id="{39E9035D-86BE-4A0D-87D7-8975F122AA46}"/>
+              </a:ext>
+            </a:extLst>
+          </p:cNvPr>
+          <p:cNvSpPr/>
+          <p:nvPr/>
+        </p:nvSpPr>
+        <p:spPr>
+          <a:xfrm>
+            <a:off x="2594901" y="5332682"/>
+            <a:ext cx="1019174" cy="1087612"/>
+          </a:xfrm>
+          <a:prstGeom prst="can">
+            <a:avLst/>
+          </a:prstGeom>
+        </p:spPr>
+        <p:style>
+          <a:lnRef idx="2">
+            <a:schemeClr val="accent1">
+              <a:shade val="50000"/>
+            </a:schemeClr>
+          </a:lnRef>
+          <a:fillRef idx="1">
+            <a:schemeClr val="accent1"/>
+          </a:fillRef>
+          <a:effectRef idx="0">
+            <a:schemeClr val="accent1"/>
+          </a:effectRef>
+          <a:fontRef idx="minor">
+            <a:schemeClr val="lt1"/>
+          </a:fontRef>
+        </p:style>
+        <p:txBody>
+          <a:bodyPr rtlCol="0" anchor="ctr"/>
+          <a:lstStyle/>
+          <a:p>
+            <a:pPr algn="ctr"/>
+            <a:r>
+              <a:rPr lang="de-DE" sz="1400" dirty="0" err="1"/>
+              <a:t>Sampled</a:t>
+            </a:r>
+            <a:r>
+              <a:rPr lang="de-DE" sz="1400" dirty="0"/>
+              <a:t> Train Set</a:t>
+            </a:r>
+          </a:p>
+        </p:txBody>
+      </p:sp>
+      <p:cxnSp>
+        <p:nvCxnSpPr>
+          <p:cNvPr id="44" name="Gerade Verbindung mit Pfeil 43">
+            <a:extLst>
+              <a:ext uri="{FF2B5EF4-FFF2-40B4-BE49-F238E27FC236}">
+                <a16:creationId xmlns:a16="http://schemas.microsoft.com/office/drawing/2014/main" id="{E60CBE40-F02D-4806-8563-E198FE02B9C1}"/>
+              </a:ext>
+            </a:extLst>
+          </p:cNvPr>
+          <p:cNvCxnSpPr>
+            <a:cxnSpLocks/>
+            <a:stCxn id="25" idx="2"/>
+            <a:endCxn id="42" idx="1"/>
+          </p:cNvCxnSpPr>
+          <p:nvPr/>
+        </p:nvCxnSpPr>
+        <p:spPr>
+          <a:xfrm flipH="1">
+            <a:off x="3104488" y="4982130"/>
+            <a:ext cx="1" cy="350552"/>
+          </a:xfrm>
+          <a:prstGeom prst="straightConnector1">
+            <a:avLst/>
+          </a:prstGeom>
+          <a:ln>
+            <a:tailEnd type="triangle"/>
+          </a:ln>
+        </p:spPr>
+        <p:style>
+          <a:lnRef idx="1">
+            <a:schemeClr val="accent1"/>
+          </a:lnRef>
+          <a:fillRef idx="0">
+            <a:schemeClr val="accent1"/>
+          </a:fillRef>
+          <a:effectRef idx="0">
+            <a:schemeClr val="accent1"/>
+          </a:effectRef>
+          <a:fontRef idx="minor">
+            <a:schemeClr val="tx1"/>
+          </a:fontRef>
+        </p:style>
+      </p:cxnSp>
+      <p:sp>
+        <p:nvSpPr>
+          <p:cNvPr id="47" name="Textfeld 46">
+            <a:extLst>
+              <a:ext uri="{FF2B5EF4-FFF2-40B4-BE49-F238E27FC236}">
+                <a16:creationId xmlns:a16="http://schemas.microsoft.com/office/drawing/2014/main" id="{EF3AAC2A-816D-482E-ACFC-ED27CD51189A}"/>
+              </a:ext>
+            </a:extLst>
+          </p:cNvPr>
+          <p:cNvSpPr txBox="1"/>
+          <p:nvPr/>
+        </p:nvSpPr>
+        <p:spPr>
+          <a:xfrm>
+            <a:off x="1362334" y="4457552"/>
+            <a:ext cx="1371369" cy="646331"/>
+          </a:xfrm>
+          <a:prstGeom prst="rect">
+            <a:avLst/>
+          </a:prstGeom>
+          <a:noFill/>
+        </p:spPr>
+        <p:txBody>
+          <a:bodyPr wrap="square" rtlCol="0">
+            <a:spAutoFit/>
+          </a:bodyPr>
+          <a:lstStyle/>
+          <a:p>
+            <a:r>
+              <a:rPr lang="de-DE" sz="1200" dirty="0"/>
+              <a:t>Note: </a:t>
+            </a:r>
+            <a:r>
+              <a:rPr lang="de-DE" sz="1200" dirty="0" err="1"/>
+              <a:t>by</a:t>
+            </a:r>
+            <a:r>
+              <a:rPr lang="de-DE" sz="1200" dirty="0"/>
               <a:t> </a:t>
             </a:r>
             <a:r>
-              <a:rPr lang="de-DE" dirty="0" smtClean="0"/>
-              <a:t>(3): </a:t>
-            </a:r>
-            <a:r>
-              <a:rPr lang="de-DE" dirty="0" err="1" smtClean="0"/>
-              <a:t>Under</a:t>
-            </a:r>
-            <a:r>
-              <a:rPr lang="de-DE" dirty="0" smtClean="0"/>
-              <a:t>-sampling</a:t>
-            </a:r>
-            <a:endParaRPr lang="de-DE" dirty="0"/>
-          </a:p>
-        </p:txBody>
-      </p:sp>
+              <a:rPr lang="de-DE" sz="1200" dirty="0" err="1"/>
+              <a:t>sampling</a:t>
+            </a:r>
+            <a:r>
+              <a:rPr lang="de-DE" sz="1200" dirty="0"/>
+              <a:t> </a:t>
+            </a:r>
+            <a:r>
+              <a:rPr lang="de-DE" sz="1200" b="1" dirty="0" err="1"/>
+              <a:t>during</a:t>
+            </a:r>
+            <a:r>
+              <a:rPr lang="de-DE" sz="1200" dirty="0"/>
+              <a:t> CV </a:t>
+            </a:r>
+            <a:r>
+              <a:rPr lang="de-DE" sz="1200" dirty="0" err="1"/>
+              <a:t>we</a:t>
+            </a:r>
+            <a:r>
+              <a:rPr lang="de-DE" sz="1200" dirty="0"/>
+              <a:t> </a:t>
+            </a:r>
+            <a:r>
+              <a:rPr lang="de-DE" sz="1200" dirty="0" err="1"/>
+              <a:t>avoid</a:t>
+            </a:r>
+            <a:r>
+              <a:rPr lang="de-DE" sz="1200" dirty="0"/>
+              <a:t> </a:t>
+            </a:r>
+            <a:r>
+              <a:rPr lang="de-DE" sz="1200" dirty="0" err="1"/>
+              <a:t>data</a:t>
+            </a:r>
+            <a:r>
+              <a:rPr lang="de-DE" sz="1200" dirty="0"/>
+              <a:t> </a:t>
+            </a:r>
+            <a:r>
+              <a:rPr lang="de-DE" sz="1200" dirty="0" err="1"/>
+              <a:t>leakage</a:t>
+            </a:r>
+            <a:endParaRPr lang="de-DE" sz="1200" dirty="0"/>
+          </a:p>
+        </p:txBody>
+      </p:sp>
+      <p:sp>
+        <p:nvSpPr>
+          <p:cNvPr id="48" name="Oval 30">
+            <a:extLst>
+              <a:ext uri="{FF2B5EF4-FFF2-40B4-BE49-F238E27FC236}">
+                <a16:creationId xmlns:a16="http://schemas.microsoft.com/office/drawing/2014/main" id="{82ED2115-B217-4E53-B272-01E8232CB873}"/>
+              </a:ext>
+            </a:extLst>
+          </p:cNvPr>
+          <p:cNvSpPr/>
+          <p:nvPr/>
+        </p:nvSpPr>
+        <p:spPr>
+          <a:xfrm>
+            <a:off x="4778520" y="5561483"/>
+            <a:ext cx="1068019" cy="630007"/>
+          </a:xfrm>
+          <a:prstGeom prst="ellipse">
+            <a:avLst/>
+          </a:prstGeom>
+        </p:spPr>
+        <p:style>
+          <a:lnRef idx="2">
+            <a:schemeClr val="accent1">
+              <a:shade val="50000"/>
+            </a:schemeClr>
+          </a:lnRef>
+          <a:fillRef idx="1">
+            <a:schemeClr val="accent1"/>
+          </a:fillRef>
+          <a:effectRef idx="0">
+            <a:schemeClr val="accent1"/>
+          </a:effectRef>
+          <a:fontRef idx="minor">
+            <a:schemeClr val="lt1"/>
+          </a:fontRef>
+        </p:style>
+        <p:txBody>
+          <a:bodyPr rtlCol="0" anchor="ctr"/>
+          <a:lstStyle/>
+          <a:p>
+            <a:pPr algn="ctr"/>
+            <a:r>
+              <a:rPr lang="de-DE" sz="1400" dirty="0" err="1"/>
+              <a:t>Trained</a:t>
+            </a:r>
+            <a:r>
+              <a:rPr lang="de-DE" sz="1400" dirty="0"/>
+              <a:t> Model</a:t>
+            </a:r>
+          </a:p>
+        </p:txBody>
+      </p:sp>
+      <p:sp>
+        <p:nvSpPr>
+          <p:cNvPr id="49" name="Rectangle 28">
+            <a:extLst>
+              <a:ext uri="{FF2B5EF4-FFF2-40B4-BE49-F238E27FC236}">
+                <a16:creationId xmlns:a16="http://schemas.microsoft.com/office/drawing/2014/main" id="{C12F970C-136A-44BC-85D5-1DE585BDE479}"/>
+              </a:ext>
+            </a:extLst>
+          </p:cNvPr>
+          <p:cNvSpPr/>
+          <p:nvPr/>
+        </p:nvSpPr>
+        <p:spPr>
+          <a:xfrm>
+            <a:off x="3865568" y="5675077"/>
+            <a:ext cx="680765" cy="402819"/>
+          </a:xfrm>
+          <a:prstGeom prst="rect">
+            <a:avLst/>
+          </a:prstGeom>
+        </p:spPr>
+        <p:style>
+          <a:lnRef idx="2">
+            <a:schemeClr val="accent1">
+              <a:shade val="50000"/>
+            </a:schemeClr>
+          </a:lnRef>
+          <a:fillRef idx="1">
+            <a:schemeClr val="accent1"/>
+          </a:fillRef>
+          <a:effectRef idx="0">
+            <a:schemeClr val="accent1"/>
+          </a:effectRef>
+          <a:fontRef idx="minor">
+            <a:schemeClr val="lt1"/>
+          </a:fontRef>
+        </p:style>
+        <p:txBody>
+          <a:bodyPr rtlCol="0" anchor="ctr"/>
+          <a:lstStyle/>
+          <a:p>
+            <a:pPr algn="ctr"/>
+            <a:r>
+              <a:rPr lang="de-DE" sz="1200" dirty="0"/>
+              <a:t>Train</a:t>
+            </a:r>
+          </a:p>
+        </p:txBody>
+      </p:sp>
+      <p:cxnSp>
+        <p:nvCxnSpPr>
+          <p:cNvPr id="51" name="Gerade Verbindung mit Pfeil 50">
+            <a:extLst>
+              <a:ext uri="{FF2B5EF4-FFF2-40B4-BE49-F238E27FC236}">
+                <a16:creationId xmlns:a16="http://schemas.microsoft.com/office/drawing/2014/main" id="{314349A6-8703-4E8D-AEF3-937B10590277}"/>
+              </a:ext>
+            </a:extLst>
+          </p:cNvPr>
+          <p:cNvCxnSpPr>
+            <a:stCxn id="42" idx="4"/>
+            <a:endCxn id="49" idx="1"/>
+          </p:cNvCxnSpPr>
+          <p:nvPr/>
+        </p:nvCxnSpPr>
+        <p:spPr>
+          <a:xfrm flipV="1">
+            <a:off x="3614075" y="5876487"/>
+            <a:ext cx="251493" cy="1"/>
+          </a:xfrm>
+          <a:prstGeom prst="straightConnector1">
+            <a:avLst/>
+          </a:prstGeom>
+          <a:ln>
+            <a:tailEnd type="triangle"/>
+          </a:ln>
+        </p:spPr>
+        <p:style>
+          <a:lnRef idx="1">
+            <a:schemeClr val="accent1"/>
+          </a:lnRef>
+          <a:fillRef idx="0">
+            <a:schemeClr val="accent1"/>
+          </a:fillRef>
+          <a:effectRef idx="0">
+            <a:schemeClr val="accent1"/>
+          </a:effectRef>
+          <a:fontRef idx="minor">
+            <a:schemeClr val="tx1"/>
+          </a:fontRef>
+        </p:style>
+      </p:cxnSp>
+      <p:cxnSp>
+        <p:nvCxnSpPr>
+          <p:cNvPr id="53" name="Gerade Verbindung mit Pfeil 52">
+            <a:extLst>
+              <a:ext uri="{FF2B5EF4-FFF2-40B4-BE49-F238E27FC236}">
+                <a16:creationId xmlns:a16="http://schemas.microsoft.com/office/drawing/2014/main" id="{CA00BE74-5364-433D-B615-D90D010893D8}"/>
+              </a:ext>
+            </a:extLst>
+          </p:cNvPr>
+          <p:cNvCxnSpPr>
+            <a:cxnSpLocks/>
+            <a:stCxn id="49" idx="3"/>
+            <a:endCxn id="48" idx="2"/>
+          </p:cNvCxnSpPr>
+          <p:nvPr/>
+        </p:nvCxnSpPr>
+        <p:spPr>
+          <a:xfrm>
+            <a:off x="4546333" y="5876487"/>
+            <a:ext cx="232187" cy="0"/>
+          </a:xfrm>
+          <a:prstGeom prst="straightConnector1">
+            <a:avLst/>
+          </a:prstGeom>
+          <a:ln>
+            <a:tailEnd type="triangle"/>
+          </a:ln>
+        </p:spPr>
+        <p:style>
+          <a:lnRef idx="1">
+            <a:schemeClr val="accent1"/>
+          </a:lnRef>
+          <a:fillRef idx="0">
+            <a:schemeClr val="accent1"/>
+          </a:fillRef>
+          <a:effectRef idx="0">
+            <a:schemeClr val="accent1"/>
+          </a:effectRef>
+          <a:fontRef idx="minor">
+            <a:schemeClr val="tx1"/>
+          </a:fontRef>
+        </p:style>
+      </p:cxnSp>
+      <p:sp>
+        <p:nvSpPr>
+          <p:cNvPr id="58" name="Rectangle 28">
+            <a:extLst>
+              <a:ext uri="{FF2B5EF4-FFF2-40B4-BE49-F238E27FC236}">
+                <a16:creationId xmlns:a16="http://schemas.microsoft.com/office/drawing/2014/main" id="{BAA37A0F-320E-4B6D-9E33-F8E884D33446}"/>
+              </a:ext>
+            </a:extLst>
+          </p:cNvPr>
+          <p:cNvSpPr/>
+          <p:nvPr/>
+        </p:nvSpPr>
+        <p:spPr>
+          <a:xfrm>
+            <a:off x="4972145" y="4579310"/>
+            <a:ext cx="680765" cy="402819"/>
+          </a:xfrm>
+          <a:prstGeom prst="rect">
+            <a:avLst/>
+          </a:prstGeom>
+        </p:spPr>
+        <p:style>
+          <a:lnRef idx="2">
+            <a:schemeClr val="accent1">
+              <a:shade val="50000"/>
+            </a:schemeClr>
+          </a:lnRef>
+          <a:fillRef idx="1">
+            <a:schemeClr val="accent1"/>
+          </a:fillRef>
+          <a:effectRef idx="0">
+            <a:schemeClr val="accent1"/>
+          </a:effectRef>
+          <a:fontRef idx="minor">
+            <a:schemeClr val="lt1"/>
+          </a:fontRef>
+        </p:style>
+        <p:txBody>
+          <a:bodyPr rtlCol="0" anchor="ctr"/>
+          <a:lstStyle/>
+          <a:p>
+            <a:pPr algn="ctr"/>
+            <a:r>
+              <a:rPr lang="de-DE" sz="1200" dirty="0" err="1"/>
+              <a:t>Validate</a:t>
+            </a:r>
+            <a:endParaRPr lang="de-DE" sz="1200" dirty="0"/>
+          </a:p>
+        </p:txBody>
+      </p:sp>
+      <p:cxnSp>
+        <p:nvCxnSpPr>
+          <p:cNvPr id="60" name="Gerade Verbindung mit Pfeil 59">
+            <a:extLst>
+              <a:ext uri="{FF2B5EF4-FFF2-40B4-BE49-F238E27FC236}">
+                <a16:creationId xmlns:a16="http://schemas.microsoft.com/office/drawing/2014/main" id="{8F54EB86-CB1E-40ED-BB7F-2469491FB05B}"/>
+              </a:ext>
+            </a:extLst>
+          </p:cNvPr>
+          <p:cNvCxnSpPr>
+            <a:stCxn id="48" idx="0"/>
+            <a:endCxn id="58" idx="2"/>
+          </p:cNvCxnSpPr>
+          <p:nvPr/>
+        </p:nvCxnSpPr>
+        <p:spPr>
+          <a:xfrm flipH="1" flipV="1">
+            <a:off x="5312528" y="4982129"/>
+            <a:ext cx="2" cy="579354"/>
+          </a:xfrm>
+          <a:prstGeom prst="straightConnector1">
+            <a:avLst/>
+          </a:prstGeom>
+          <a:ln>
+            <a:tailEnd type="triangle"/>
+          </a:ln>
+        </p:spPr>
+        <p:style>
+          <a:lnRef idx="1">
+            <a:schemeClr val="accent1"/>
+          </a:lnRef>
+          <a:fillRef idx="0">
+            <a:schemeClr val="accent1"/>
+          </a:fillRef>
+          <a:effectRef idx="0">
+            <a:schemeClr val="accent1"/>
+          </a:effectRef>
+          <a:fontRef idx="minor">
+            <a:schemeClr val="tx1"/>
+          </a:fontRef>
+        </p:style>
+      </p:cxnSp>
+      <p:cxnSp>
+        <p:nvCxnSpPr>
+          <p:cNvPr id="62" name="Gerade Verbindung mit Pfeil 61">
+            <a:extLst>
+              <a:ext uri="{FF2B5EF4-FFF2-40B4-BE49-F238E27FC236}">
+                <a16:creationId xmlns:a16="http://schemas.microsoft.com/office/drawing/2014/main" id="{5E8F7083-5295-4FB1-8205-C5C96DC6DFAF}"/>
+              </a:ext>
+            </a:extLst>
+          </p:cNvPr>
+          <p:cNvCxnSpPr>
+            <a:stCxn id="5" idx="2"/>
+            <a:endCxn id="58" idx="0"/>
+          </p:cNvCxnSpPr>
+          <p:nvPr/>
+        </p:nvCxnSpPr>
+        <p:spPr>
+          <a:xfrm flipH="1">
+            <a:off x="5312528" y="4110248"/>
+            <a:ext cx="1" cy="469062"/>
+          </a:xfrm>
+          <a:prstGeom prst="straightConnector1">
+            <a:avLst/>
+          </a:prstGeom>
+          <a:ln>
+            <a:tailEnd type="triangle"/>
+          </a:ln>
+        </p:spPr>
+        <p:style>
+          <a:lnRef idx="1">
+            <a:schemeClr val="accent1"/>
+          </a:lnRef>
+          <a:fillRef idx="0">
+            <a:schemeClr val="accent1"/>
+          </a:fillRef>
+          <a:effectRef idx="0">
+            <a:schemeClr val="accent1"/>
+          </a:effectRef>
+          <a:fontRef idx="minor">
+            <a:schemeClr val="tx1"/>
+          </a:fontRef>
+        </p:style>
+      </p:cxnSp>
+      <p:cxnSp>
+        <p:nvCxnSpPr>
+          <p:cNvPr id="72" name="Gerade Verbindung mit Pfeil 71">
+            <a:extLst>
+              <a:ext uri="{FF2B5EF4-FFF2-40B4-BE49-F238E27FC236}">
+                <a16:creationId xmlns:a16="http://schemas.microsoft.com/office/drawing/2014/main" id="{B5C25F6F-5C65-40B6-B932-05724E31E908}"/>
+              </a:ext>
+            </a:extLst>
+          </p:cNvPr>
+          <p:cNvCxnSpPr>
+            <a:stCxn id="18" idx="3"/>
+            <a:endCxn id="19" idx="0"/>
+          </p:cNvCxnSpPr>
+          <p:nvPr/>
+        </p:nvCxnSpPr>
+        <p:spPr>
+          <a:xfrm flipH="1">
+            <a:off x="9269633" y="2431607"/>
+            <a:ext cx="7302" cy="1946292"/>
+          </a:xfrm>
+          <a:prstGeom prst="straightConnector1">
+            <a:avLst/>
+          </a:prstGeom>
+          <a:ln>
+            <a:tailEnd type="triangle"/>
+          </a:ln>
+        </p:spPr>
+        <p:style>
+          <a:lnRef idx="1">
+            <a:schemeClr val="accent1"/>
+          </a:lnRef>
+          <a:fillRef idx="0">
+            <a:schemeClr val="accent1"/>
+          </a:fillRef>
+          <a:effectRef idx="0">
+            <a:schemeClr val="accent1"/>
+          </a:effectRef>
+          <a:fontRef idx="minor">
+            <a:schemeClr val="tx1"/>
+          </a:fontRef>
+        </p:style>
+      </p:cxnSp>
+      <p:cxnSp>
+        <p:nvCxnSpPr>
+          <p:cNvPr id="75" name="Gerade Verbindung mit Pfeil 74">
+            <a:extLst>
+              <a:ext uri="{FF2B5EF4-FFF2-40B4-BE49-F238E27FC236}">
+                <a16:creationId xmlns:a16="http://schemas.microsoft.com/office/drawing/2014/main" id="{6C9AE4B7-3375-43E2-9A9D-C8CD7507A1C5}"/>
+              </a:ext>
+            </a:extLst>
+          </p:cNvPr>
+          <p:cNvCxnSpPr>
+            <a:stCxn id="19" idx="3"/>
+            <a:endCxn id="23" idx="2"/>
+          </p:cNvCxnSpPr>
+          <p:nvPr/>
+        </p:nvCxnSpPr>
+        <p:spPr>
+          <a:xfrm>
+            <a:off x="9663472" y="4579309"/>
+            <a:ext cx="421018" cy="1"/>
+          </a:xfrm>
+          <a:prstGeom prst="straightConnector1">
+            <a:avLst/>
+          </a:prstGeom>
+          <a:ln>
+            <a:tailEnd type="triangle"/>
+          </a:ln>
+        </p:spPr>
+        <p:style>
+          <a:lnRef idx="1">
+            <a:schemeClr val="accent1"/>
+          </a:lnRef>
+          <a:fillRef idx="0">
+            <a:schemeClr val="accent1"/>
+          </a:fillRef>
+          <a:effectRef idx="0">
+            <a:schemeClr val="accent1"/>
+          </a:effectRef>
+          <a:fontRef idx="minor">
+            <a:schemeClr val="tx1"/>
+          </a:fontRef>
+        </p:style>
+      </p:cxnSp>
+      <p:cxnSp>
+        <p:nvCxnSpPr>
+          <p:cNvPr id="79" name="Gerade Verbindung mit Pfeil 78">
+            <a:extLst>
+              <a:ext uri="{FF2B5EF4-FFF2-40B4-BE49-F238E27FC236}">
+                <a16:creationId xmlns:a16="http://schemas.microsoft.com/office/drawing/2014/main" id="{98DF9493-3754-4DA1-9BE1-9F4EDCDC2E8F}"/>
+              </a:ext>
+            </a:extLst>
+          </p:cNvPr>
+          <p:cNvCxnSpPr>
+            <a:stCxn id="77" idx="3"/>
+            <a:endCxn id="17" idx="2"/>
+          </p:cNvCxnSpPr>
+          <p:nvPr/>
+        </p:nvCxnSpPr>
+        <p:spPr>
+          <a:xfrm>
+            <a:off x="6517186" y="4579310"/>
+            <a:ext cx="511958" cy="0"/>
+          </a:xfrm>
+          <a:prstGeom prst="straightConnector1">
+            <a:avLst/>
+          </a:prstGeom>
+          <a:ln>
+            <a:tailEnd type="triangle"/>
+          </a:ln>
+        </p:spPr>
+        <p:style>
+          <a:lnRef idx="1">
+            <a:schemeClr val="accent1"/>
+          </a:lnRef>
+          <a:fillRef idx="0">
+            <a:schemeClr val="accent1"/>
+          </a:fillRef>
+          <a:effectRef idx="0">
+            <a:schemeClr val="accent1"/>
+          </a:effectRef>
+          <a:fontRef idx="minor">
+            <a:schemeClr val="tx1"/>
+          </a:fontRef>
+        </p:style>
+      </p:cxnSp>
     </p:spTree>
     <p:extLst>
       <p:ext uri="{BB962C8B-B14F-4D97-AF65-F5344CB8AC3E}">

--- a/reports/presentation_draft_v1.pptx
+++ b/reports/presentation_draft_v1.pptx
@@ -6,12 +6,21 @@
   </p:sldMasterIdLst>
   <p:sldIdLst>
     <p:sldId id="256" r:id="rId2"/>
-    <p:sldId id="257" r:id="rId3"/>
-    <p:sldId id="258" r:id="rId4"/>
-    <p:sldId id="259" r:id="rId5"/>
-    <p:sldId id="260" r:id="rId6"/>
-    <p:sldId id="261" r:id="rId7"/>
-    <p:sldId id="262" r:id="rId8"/>
+    <p:sldId id="263" r:id="rId3"/>
+    <p:sldId id="257" r:id="rId4"/>
+    <p:sldId id="264" r:id="rId5"/>
+    <p:sldId id="258" r:id="rId6"/>
+    <p:sldId id="270" r:id="rId7"/>
+    <p:sldId id="271" r:id="rId8"/>
+    <p:sldId id="259" r:id="rId9"/>
+    <p:sldId id="260" r:id="rId10"/>
+    <p:sldId id="266" r:id="rId11"/>
+    <p:sldId id="261" r:id="rId12"/>
+    <p:sldId id="267" r:id="rId13"/>
+    <p:sldId id="262" r:id="rId14"/>
+    <p:sldId id="268" r:id="rId15"/>
+    <p:sldId id="265" r:id="rId16"/>
+    <p:sldId id="269" r:id="rId17"/>
   </p:sldIdLst>
   <p:sldSz cx="12192000" cy="6858000"/>
   <p:notesSz cx="6858000" cy="9144000"/>
@@ -249,7 +258,7 @@
           <a:p>
             <a:fld id="{69429407-18D6-4C3E-AB7D-24EBE31151B0}" type="datetimeFigureOut">
               <a:rPr lang="de-DE" smtClean="0"/>
-              <a:t>16.01.2020</a:t>
+              <a:t>17.01.2020</a:t>
             </a:fld>
             <a:endParaRPr lang="de-DE"/>
           </a:p>
@@ -291,7 +300,7 @@
           <a:p>
             <a:fld id="{8C4DBA3F-B391-4629-989C-BD13335FBCD6}" type="slidenum">
               <a:rPr lang="de-DE" smtClean="0"/>
-              <a:t>‹Nr.›</a:t>
+              <a:t>‹#›</a:t>
             </a:fld>
             <a:endParaRPr lang="de-DE"/>
           </a:p>
@@ -419,7 +428,7 @@
           <a:p>
             <a:fld id="{69429407-18D6-4C3E-AB7D-24EBE31151B0}" type="datetimeFigureOut">
               <a:rPr lang="de-DE" smtClean="0"/>
-              <a:t>16.01.2020</a:t>
+              <a:t>17.01.2020</a:t>
             </a:fld>
             <a:endParaRPr lang="de-DE"/>
           </a:p>
@@ -461,7 +470,7 @@
           <a:p>
             <a:fld id="{8C4DBA3F-B391-4629-989C-BD13335FBCD6}" type="slidenum">
               <a:rPr lang="de-DE" smtClean="0"/>
-              <a:t>‹Nr.›</a:t>
+              <a:t>‹#›</a:t>
             </a:fld>
             <a:endParaRPr lang="de-DE"/>
           </a:p>
@@ -599,7 +608,7 @@
           <a:p>
             <a:fld id="{69429407-18D6-4C3E-AB7D-24EBE31151B0}" type="datetimeFigureOut">
               <a:rPr lang="de-DE" smtClean="0"/>
-              <a:t>16.01.2020</a:t>
+              <a:t>17.01.2020</a:t>
             </a:fld>
             <a:endParaRPr lang="de-DE"/>
           </a:p>
@@ -641,7 +650,7 @@
           <a:p>
             <a:fld id="{8C4DBA3F-B391-4629-989C-BD13335FBCD6}" type="slidenum">
               <a:rPr lang="de-DE" smtClean="0"/>
-              <a:t>‹Nr.›</a:t>
+              <a:t>‹#›</a:t>
             </a:fld>
             <a:endParaRPr lang="de-DE"/>
           </a:p>
@@ -769,7 +778,7 @@
           <a:p>
             <a:fld id="{69429407-18D6-4C3E-AB7D-24EBE31151B0}" type="datetimeFigureOut">
               <a:rPr lang="de-DE" smtClean="0"/>
-              <a:t>16.01.2020</a:t>
+              <a:t>17.01.2020</a:t>
             </a:fld>
             <a:endParaRPr lang="de-DE"/>
           </a:p>
@@ -811,7 +820,7 @@
           <a:p>
             <a:fld id="{8C4DBA3F-B391-4629-989C-BD13335FBCD6}" type="slidenum">
               <a:rPr lang="de-DE" smtClean="0"/>
-              <a:t>‹Nr.›</a:t>
+              <a:t>‹#›</a:t>
             </a:fld>
             <a:endParaRPr lang="de-DE"/>
           </a:p>
@@ -1015,7 +1024,7 @@
           <a:p>
             <a:fld id="{69429407-18D6-4C3E-AB7D-24EBE31151B0}" type="datetimeFigureOut">
               <a:rPr lang="de-DE" smtClean="0"/>
-              <a:t>16.01.2020</a:t>
+              <a:t>17.01.2020</a:t>
             </a:fld>
             <a:endParaRPr lang="de-DE"/>
           </a:p>
@@ -1057,7 +1066,7 @@
           <a:p>
             <a:fld id="{8C4DBA3F-B391-4629-989C-BD13335FBCD6}" type="slidenum">
               <a:rPr lang="de-DE" smtClean="0"/>
-              <a:t>‹Nr.›</a:t>
+              <a:t>‹#›</a:t>
             </a:fld>
             <a:endParaRPr lang="de-DE"/>
           </a:p>
@@ -1247,7 +1256,7 @@
           <a:p>
             <a:fld id="{69429407-18D6-4C3E-AB7D-24EBE31151B0}" type="datetimeFigureOut">
               <a:rPr lang="de-DE" smtClean="0"/>
-              <a:t>16.01.2020</a:t>
+              <a:t>17.01.2020</a:t>
             </a:fld>
             <a:endParaRPr lang="de-DE"/>
           </a:p>
@@ -1289,7 +1298,7 @@
           <a:p>
             <a:fld id="{8C4DBA3F-B391-4629-989C-BD13335FBCD6}" type="slidenum">
               <a:rPr lang="de-DE" smtClean="0"/>
-              <a:t>‹Nr.›</a:t>
+              <a:t>‹#›</a:t>
             </a:fld>
             <a:endParaRPr lang="de-DE"/>
           </a:p>
@@ -1614,7 +1623,7 @@
           <a:p>
             <a:fld id="{69429407-18D6-4C3E-AB7D-24EBE31151B0}" type="datetimeFigureOut">
               <a:rPr lang="de-DE" smtClean="0"/>
-              <a:t>16.01.2020</a:t>
+              <a:t>17.01.2020</a:t>
             </a:fld>
             <a:endParaRPr lang="de-DE"/>
           </a:p>
@@ -1656,7 +1665,7 @@
           <a:p>
             <a:fld id="{8C4DBA3F-B391-4629-989C-BD13335FBCD6}" type="slidenum">
               <a:rPr lang="de-DE" smtClean="0"/>
-              <a:t>‹Nr.›</a:t>
+              <a:t>‹#›</a:t>
             </a:fld>
             <a:endParaRPr lang="de-DE"/>
           </a:p>
@@ -1732,7 +1741,7 @@
           <a:p>
             <a:fld id="{69429407-18D6-4C3E-AB7D-24EBE31151B0}" type="datetimeFigureOut">
               <a:rPr lang="de-DE" smtClean="0"/>
-              <a:t>16.01.2020</a:t>
+              <a:t>17.01.2020</a:t>
             </a:fld>
             <a:endParaRPr lang="de-DE"/>
           </a:p>
@@ -1774,7 +1783,7 @@
           <a:p>
             <a:fld id="{8C4DBA3F-B391-4629-989C-BD13335FBCD6}" type="slidenum">
               <a:rPr lang="de-DE" smtClean="0"/>
-              <a:t>‹Nr.›</a:t>
+              <a:t>‹#›</a:t>
             </a:fld>
             <a:endParaRPr lang="de-DE"/>
           </a:p>
@@ -1827,7 +1836,7 @@
           <a:p>
             <a:fld id="{69429407-18D6-4C3E-AB7D-24EBE31151B0}" type="datetimeFigureOut">
               <a:rPr lang="de-DE" smtClean="0"/>
-              <a:t>16.01.2020</a:t>
+              <a:t>17.01.2020</a:t>
             </a:fld>
             <a:endParaRPr lang="de-DE"/>
           </a:p>
@@ -1869,7 +1878,7 @@
           <a:p>
             <a:fld id="{8C4DBA3F-B391-4629-989C-BD13335FBCD6}" type="slidenum">
               <a:rPr lang="de-DE" smtClean="0"/>
-              <a:t>‹Nr.›</a:t>
+              <a:t>‹#›</a:t>
             </a:fld>
             <a:endParaRPr lang="de-DE"/>
           </a:p>
@@ -2104,7 +2113,7 @@
           <a:p>
             <a:fld id="{69429407-18D6-4C3E-AB7D-24EBE31151B0}" type="datetimeFigureOut">
               <a:rPr lang="de-DE" smtClean="0"/>
-              <a:t>16.01.2020</a:t>
+              <a:t>17.01.2020</a:t>
             </a:fld>
             <a:endParaRPr lang="de-DE"/>
           </a:p>
@@ -2146,7 +2155,7 @@
           <a:p>
             <a:fld id="{8C4DBA3F-B391-4629-989C-BD13335FBCD6}" type="slidenum">
               <a:rPr lang="de-DE" smtClean="0"/>
-              <a:t>‹Nr.›</a:t>
+              <a:t>‹#›</a:t>
             </a:fld>
             <a:endParaRPr lang="de-DE"/>
           </a:p>
@@ -2357,7 +2366,7 @@
           <a:p>
             <a:fld id="{69429407-18D6-4C3E-AB7D-24EBE31151B0}" type="datetimeFigureOut">
               <a:rPr lang="de-DE" smtClean="0"/>
-              <a:t>16.01.2020</a:t>
+              <a:t>17.01.2020</a:t>
             </a:fld>
             <a:endParaRPr lang="de-DE"/>
           </a:p>
@@ -2399,7 +2408,7 @@
           <a:p>
             <a:fld id="{8C4DBA3F-B391-4629-989C-BD13335FBCD6}" type="slidenum">
               <a:rPr lang="de-DE" smtClean="0"/>
-              <a:t>‹Nr.›</a:t>
+              <a:t>‹#›</a:t>
             </a:fld>
             <a:endParaRPr lang="de-DE"/>
           </a:p>
@@ -2570,7 +2579,7 @@
           <a:p>
             <a:fld id="{69429407-18D6-4C3E-AB7D-24EBE31151B0}" type="datetimeFigureOut">
               <a:rPr lang="de-DE" smtClean="0"/>
-              <a:t>16.01.2020</a:t>
+              <a:t>17.01.2020</a:t>
             </a:fld>
             <a:endParaRPr lang="de-DE"/>
           </a:p>
@@ -2648,7 +2657,7 @@
           <a:p>
             <a:fld id="{8C4DBA3F-B391-4629-989C-BD13335FBCD6}" type="slidenum">
               <a:rPr lang="de-DE" smtClean="0"/>
-              <a:t>‹Nr.›</a:t>
+              <a:t>‹#›</a:t>
             </a:fld>
             <a:endParaRPr lang="de-DE"/>
           </a:p>
@@ -3049,7 +3058,7 @@
 </p:sld>
 </file>
 
-<file path=ppt/slides/slide2.xml><?xml version="1.0" encoding="utf-8"?>
+<file path=ppt/slides/slide10.xml><?xml version="1.0" encoding="utf-8"?>
 <p:sld xmlns:a="http://schemas.openxmlformats.org/drawingml/2006/main" xmlns:r="http://schemas.openxmlformats.org/officeDocument/2006/relationships" xmlns:p="http://schemas.openxmlformats.org/presentationml/2006/main">
   <p:cSld>
     <p:spTree>
@@ -3081,10 +3090,7 @@
           <a:bodyPr/>
           <a:lstStyle/>
           <a:p>
-            <a:r>
-              <a:rPr lang="de-DE" dirty="0"/>
-              <a:t>Intro</a:t>
-            </a:r>
+            <a:endParaRPr lang="de-DE"/>
           </a:p>
         </p:txBody>
       </p:sp>
@@ -3100,330 +3106,17 @@
         </p:nvSpPr>
         <p:spPr/>
         <p:txBody>
-          <a:bodyPr>
-            <a:normAutofit fontScale="92500" lnSpcReduction="20000"/>
-          </a:bodyPr>
-          <a:lstStyle/>
-          <a:p>
-            <a:r>
-              <a:rPr lang="de-DE" dirty="0"/>
-              <a:t>Data </a:t>
-            </a:r>
-            <a:r>
-              <a:rPr lang="de-DE" dirty="0" err="1"/>
-              <a:t>is</a:t>
-            </a:r>
-            <a:r>
-              <a:rPr lang="de-DE" dirty="0"/>
-              <a:t> </a:t>
-            </a:r>
-            <a:r>
-              <a:rPr lang="de-DE" dirty="0" err="1"/>
-              <a:t>highly</a:t>
-            </a:r>
-            <a:r>
-              <a:rPr lang="de-DE" dirty="0"/>
-              <a:t> </a:t>
-            </a:r>
-            <a:r>
-              <a:rPr lang="de-DE" dirty="0" err="1"/>
-              <a:t>imbalanced</a:t>
-            </a:r>
-            <a:r>
-              <a:rPr lang="de-DE" dirty="0"/>
-              <a:t>:</a:t>
-            </a:r>
-          </a:p>
-          <a:p>
-            <a:pPr lvl="1"/>
-            <a:r>
-              <a:rPr lang="de-DE" dirty="0"/>
-              <a:t>99.83 % normal </a:t>
-            </a:r>
-            <a:r>
-              <a:rPr lang="de-DE" dirty="0" err="1"/>
-              <a:t>transactions</a:t>
-            </a:r>
-            <a:endParaRPr lang="de-DE" dirty="0"/>
-          </a:p>
-          <a:p>
-            <a:pPr lvl="1"/>
-            <a:r>
-              <a:rPr lang="de-DE" dirty="0"/>
-              <a:t>00.17 % </a:t>
-            </a:r>
-            <a:r>
-              <a:rPr lang="de-DE" dirty="0" err="1"/>
-              <a:t>fraudulent</a:t>
-            </a:r>
-            <a:r>
-              <a:rPr lang="de-DE" dirty="0"/>
-              <a:t> </a:t>
-            </a:r>
-            <a:r>
-              <a:rPr lang="de-DE" dirty="0" err="1"/>
-              <a:t>transactions</a:t>
-            </a:r>
-            <a:endParaRPr lang="de-DE" dirty="0"/>
-          </a:p>
-          <a:p>
-            <a:pPr lvl="1"/>
-            <a:endParaRPr lang="de-DE" dirty="0"/>
-          </a:p>
-          <a:p>
-            <a:r>
-              <a:rPr lang="de-DE" dirty="0" err="1"/>
-              <a:t>Possibilities</a:t>
-            </a:r>
-            <a:r>
-              <a:rPr lang="de-DE" dirty="0"/>
-              <a:t>:</a:t>
-            </a:r>
-          </a:p>
-          <a:p>
-            <a:pPr lvl="1"/>
-            <a:r>
-              <a:rPr lang="de-DE" dirty="0"/>
-              <a:t>Work on </a:t>
-            </a:r>
-            <a:r>
-              <a:rPr lang="de-DE" dirty="0" err="1"/>
-              <a:t>full</a:t>
-            </a:r>
-            <a:r>
-              <a:rPr lang="de-DE" dirty="0"/>
-              <a:t> </a:t>
-            </a:r>
-            <a:r>
-              <a:rPr lang="de-DE" dirty="0" err="1"/>
-              <a:t>imbalanced</a:t>
-            </a:r>
-            <a:r>
-              <a:rPr lang="de-DE" dirty="0"/>
-              <a:t> </a:t>
-            </a:r>
-            <a:r>
-              <a:rPr lang="de-DE" dirty="0" err="1"/>
-              <a:t>data</a:t>
-            </a:r>
-            <a:r>
-              <a:rPr lang="de-DE" dirty="0"/>
-              <a:t> </a:t>
-            </a:r>
-            <a:r>
-              <a:rPr lang="de-DE" dirty="0" err="1"/>
-              <a:t>set</a:t>
-            </a:r>
-            <a:endParaRPr lang="de-DE" dirty="0"/>
-          </a:p>
-          <a:p>
-            <a:pPr lvl="2"/>
-            <a:r>
-              <a:rPr lang="de-DE" dirty="0" err="1"/>
-              <a:t>Computationally</a:t>
-            </a:r>
-            <a:r>
-              <a:rPr lang="de-DE" dirty="0"/>
-              <a:t> expensive</a:t>
-            </a:r>
-          </a:p>
-          <a:p>
-            <a:pPr lvl="1"/>
-            <a:r>
-              <a:rPr lang="de-DE" dirty="0"/>
-              <a:t>Work on </a:t>
-            </a:r>
-            <a:r>
-              <a:rPr lang="de-DE" dirty="0" err="1"/>
-              <a:t>subset</a:t>
-            </a:r>
-            <a:r>
-              <a:rPr lang="de-DE" dirty="0"/>
-              <a:t> </a:t>
-            </a:r>
-            <a:r>
-              <a:rPr lang="de-DE" dirty="0" err="1"/>
-              <a:t>of</a:t>
-            </a:r>
-            <a:r>
-              <a:rPr lang="de-DE" dirty="0"/>
-              <a:t> </a:t>
-            </a:r>
-            <a:r>
-              <a:rPr lang="de-DE" dirty="0" err="1"/>
-              <a:t>imbalanced</a:t>
-            </a:r>
-            <a:r>
-              <a:rPr lang="de-DE" dirty="0"/>
-              <a:t> </a:t>
-            </a:r>
-            <a:r>
-              <a:rPr lang="de-DE" dirty="0" err="1"/>
-              <a:t>data</a:t>
-            </a:r>
-            <a:r>
-              <a:rPr lang="de-DE" dirty="0"/>
-              <a:t> </a:t>
-            </a:r>
-            <a:r>
-              <a:rPr lang="de-DE" dirty="0" err="1"/>
-              <a:t>set</a:t>
-            </a:r>
-            <a:endParaRPr lang="de-DE" dirty="0"/>
-          </a:p>
-          <a:p>
-            <a:pPr lvl="1"/>
-            <a:r>
-              <a:rPr lang="de-DE" dirty="0"/>
-              <a:t>Work on </a:t>
-            </a:r>
-            <a:r>
-              <a:rPr lang="de-DE" dirty="0" err="1"/>
-              <a:t>undersampled</a:t>
-            </a:r>
-            <a:r>
-              <a:rPr lang="de-DE" dirty="0"/>
-              <a:t> </a:t>
-            </a:r>
-            <a:r>
-              <a:rPr lang="de-DE" dirty="0" err="1"/>
-              <a:t>data</a:t>
-            </a:r>
-            <a:r>
-              <a:rPr lang="de-DE" dirty="0"/>
-              <a:t> </a:t>
-            </a:r>
-            <a:r>
-              <a:rPr lang="de-DE" dirty="0" err="1"/>
-              <a:t>set</a:t>
-            </a:r>
-            <a:endParaRPr lang="de-DE" dirty="0"/>
-          </a:p>
-          <a:p>
-            <a:pPr lvl="2"/>
-            <a:r>
-              <a:rPr lang="de-DE" dirty="0"/>
-              <a:t>Lot </a:t>
-            </a:r>
-            <a:r>
-              <a:rPr lang="de-DE" dirty="0" err="1"/>
-              <a:t>of</a:t>
-            </a:r>
-            <a:r>
-              <a:rPr lang="de-DE" dirty="0"/>
-              <a:t> </a:t>
-            </a:r>
-            <a:r>
-              <a:rPr lang="de-DE" dirty="0" err="1"/>
-              <a:t>information</a:t>
-            </a:r>
-            <a:r>
-              <a:rPr lang="de-DE" dirty="0"/>
-              <a:t> </a:t>
-            </a:r>
-            <a:r>
-              <a:rPr lang="de-DE" dirty="0" err="1"/>
-              <a:t>dismissed</a:t>
-            </a:r>
-            <a:endParaRPr lang="de-DE" dirty="0"/>
-          </a:p>
-          <a:p>
-            <a:pPr lvl="1"/>
-            <a:r>
-              <a:rPr lang="de-DE" dirty="0"/>
-              <a:t>Work on </a:t>
-            </a:r>
-            <a:r>
-              <a:rPr lang="de-DE" dirty="0" err="1"/>
-              <a:t>full</a:t>
-            </a:r>
-            <a:r>
-              <a:rPr lang="de-DE" dirty="0"/>
-              <a:t> </a:t>
-            </a:r>
-            <a:r>
-              <a:rPr lang="de-DE" dirty="0" err="1"/>
-              <a:t>over-sampled</a:t>
-            </a:r>
-            <a:r>
-              <a:rPr lang="de-DE" dirty="0"/>
-              <a:t> </a:t>
-            </a:r>
-            <a:r>
-              <a:rPr lang="de-DE" dirty="0" err="1"/>
-              <a:t>data</a:t>
-            </a:r>
-            <a:r>
-              <a:rPr lang="de-DE" dirty="0"/>
-              <a:t> </a:t>
-            </a:r>
-            <a:r>
-              <a:rPr lang="de-DE" dirty="0" err="1"/>
-              <a:t>set</a:t>
-            </a:r>
-            <a:endParaRPr lang="de-DE" dirty="0"/>
-          </a:p>
-          <a:p>
-            <a:pPr lvl="2"/>
-            <a:r>
-              <a:rPr lang="de-DE" dirty="0" err="1"/>
-              <a:t>Computationally</a:t>
-            </a:r>
-            <a:r>
-              <a:rPr lang="de-DE" dirty="0"/>
-              <a:t> </a:t>
-            </a:r>
-            <a:r>
-              <a:rPr lang="de-DE" dirty="0" err="1"/>
-              <a:t>very</a:t>
-            </a:r>
-            <a:r>
-              <a:rPr lang="de-DE" dirty="0"/>
-              <a:t> expensive</a:t>
-            </a:r>
-          </a:p>
-          <a:p>
-            <a:pPr lvl="1"/>
-            <a:r>
-              <a:rPr lang="de-DE" dirty="0"/>
-              <a:t>Work on </a:t>
-            </a:r>
-            <a:r>
-              <a:rPr lang="de-DE" dirty="0" err="1"/>
-              <a:t>subset</a:t>
-            </a:r>
-            <a:r>
-              <a:rPr lang="de-DE" dirty="0"/>
-              <a:t> </a:t>
-            </a:r>
-            <a:r>
-              <a:rPr lang="de-DE" dirty="0" err="1"/>
-              <a:t>of</a:t>
-            </a:r>
-            <a:r>
-              <a:rPr lang="de-DE" dirty="0"/>
-              <a:t> </a:t>
-            </a:r>
-            <a:r>
-              <a:rPr lang="de-DE" dirty="0" err="1"/>
-              <a:t>over-sampled</a:t>
-            </a:r>
-            <a:r>
-              <a:rPr lang="de-DE" dirty="0"/>
-              <a:t> </a:t>
-            </a:r>
-            <a:r>
-              <a:rPr lang="de-DE" dirty="0" err="1"/>
-              <a:t>data</a:t>
-            </a:r>
-            <a:endParaRPr lang="de-DE" dirty="0"/>
+          <a:bodyPr/>
+          <a:lstStyle/>
+          <a:p>
+            <a:endParaRPr lang="de-DE"/>
           </a:p>
         </p:txBody>
       </p:sp>
     </p:spTree>
     <p:extLst>
       <p:ext uri="{BB962C8B-B14F-4D97-AF65-F5344CB8AC3E}">
-        <p14:creationId xmlns:p14="http://schemas.microsoft.com/office/powerpoint/2010/main" val="3366135288"/>
+        <p14:creationId xmlns:p14="http://schemas.microsoft.com/office/powerpoint/2010/main" val="1372492137"/>
       </p:ext>
     </p:extLst>
   </p:cSld>
@@ -3433,1666 +3126,7 @@
 </p:sld>
 </file>
 
-<file path=ppt/slides/slide3.xml><?xml version="1.0" encoding="utf-8"?>
-<p:sld xmlns:a="http://schemas.openxmlformats.org/drawingml/2006/main" xmlns:r="http://schemas.openxmlformats.org/officeDocument/2006/relationships" xmlns:p="http://schemas.openxmlformats.org/presentationml/2006/main">
-  <p:cSld>
-    <p:spTree>
-      <p:nvGrpSpPr>
-        <p:cNvPr id="1" name=""/>
-        <p:cNvGrpSpPr/>
-        <p:nvPr/>
-      </p:nvGrpSpPr>
-      <p:grpSpPr>
-        <a:xfrm>
-          <a:off x="0" y="0"/>
-          <a:ext cx="0" cy="0"/>
-          <a:chOff x="0" y="0"/>
-          <a:chExt cx="0" cy="0"/>
-        </a:xfrm>
-      </p:grpSpPr>
-      <p:sp>
-        <p:nvSpPr>
-          <p:cNvPr id="2" name="Title 1"/>
-          <p:cNvSpPr>
-            <a:spLocks noGrp="1"/>
-          </p:cNvSpPr>
-          <p:nvPr>
-            <p:ph type="title"/>
-          </p:nvPr>
-        </p:nvSpPr>
-        <p:spPr/>
-        <p:txBody>
-          <a:bodyPr/>
-          <a:lstStyle/>
-          <a:p>
-            <a:r>
-              <a:rPr lang="de-DE" dirty="0" err="1"/>
-              <a:t>Idea</a:t>
-            </a:r>
-            <a:endParaRPr lang="de-DE" dirty="0"/>
-          </a:p>
-        </p:txBody>
-      </p:sp>
-      <p:sp>
-        <p:nvSpPr>
-          <p:cNvPr id="3" name="Content Placeholder 2"/>
-          <p:cNvSpPr>
-            <a:spLocks noGrp="1"/>
-          </p:cNvSpPr>
-          <p:nvPr>
-            <p:ph idx="1"/>
-          </p:nvPr>
-        </p:nvSpPr>
-        <p:spPr/>
-        <p:txBody>
-          <a:bodyPr/>
-          <a:lstStyle/>
-          <a:p>
-            <a:r>
-              <a:rPr lang="de-DE" dirty="0"/>
-              <a:t>Standard </a:t>
-            </a:r>
-            <a:r>
-              <a:rPr lang="de-DE" dirty="0" err="1"/>
-              <a:t>method</a:t>
-            </a:r>
-            <a:r>
-              <a:rPr lang="de-DE" dirty="0"/>
-              <a:t> </a:t>
-            </a:r>
-            <a:r>
-              <a:rPr lang="de-DE" dirty="0" err="1"/>
-              <a:t>for</a:t>
-            </a:r>
-            <a:r>
-              <a:rPr lang="de-DE" dirty="0"/>
-              <a:t> </a:t>
-            </a:r>
-            <a:r>
-              <a:rPr lang="de-DE" dirty="0" err="1"/>
-              <a:t>binary</a:t>
-            </a:r>
-            <a:r>
-              <a:rPr lang="de-DE" dirty="0"/>
-              <a:t> </a:t>
-            </a:r>
-            <a:r>
-              <a:rPr lang="de-DE" dirty="0" err="1"/>
-              <a:t>classification</a:t>
-            </a:r>
-            <a:r>
-              <a:rPr lang="de-DE" dirty="0"/>
-              <a:t>:</a:t>
-            </a:r>
-          </a:p>
-          <a:p>
-            <a:pPr lvl="1"/>
-            <a:r>
-              <a:rPr lang="de-DE" dirty="0" err="1">
-                <a:solidFill>
-                  <a:srgbClr val="FF0000"/>
-                </a:solidFill>
-              </a:rPr>
-              <a:t>Logistic</a:t>
-            </a:r>
-            <a:r>
-              <a:rPr lang="de-DE" dirty="0">
-                <a:solidFill>
-                  <a:srgbClr val="FF0000"/>
-                </a:solidFill>
-              </a:rPr>
-              <a:t> Regression</a:t>
-            </a:r>
-          </a:p>
-          <a:p>
-            <a:pPr lvl="1"/>
-            <a:r>
-              <a:rPr lang="de-DE" dirty="0"/>
-              <a:t>Random Forest</a:t>
-            </a:r>
-          </a:p>
-          <a:p>
-            <a:pPr lvl="1"/>
-            <a:r>
-              <a:rPr lang="de-DE" dirty="0"/>
-              <a:t>SVM</a:t>
-            </a:r>
-          </a:p>
-          <a:p>
-            <a:pPr lvl="1"/>
-            <a:r>
-              <a:rPr lang="de-DE" dirty="0" err="1"/>
-              <a:t>XGBoost</a:t>
-            </a:r>
-            <a:endParaRPr lang="de-DE" dirty="0"/>
-          </a:p>
-          <a:p>
-            <a:r>
-              <a:rPr lang="de-DE" dirty="0"/>
-              <a:t>Test </a:t>
-            </a:r>
-            <a:r>
-              <a:rPr lang="de-DE" dirty="0" err="1"/>
-              <a:t>them</a:t>
-            </a:r>
-            <a:r>
-              <a:rPr lang="de-DE" dirty="0"/>
-              <a:t> on </a:t>
-            </a:r>
-            <a:r>
-              <a:rPr lang="de-DE" dirty="0" err="1"/>
-              <a:t>the</a:t>
-            </a:r>
-            <a:r>
-              <a:rPr lang="de-DE" dirty="0"/>
-              <a:t> different </a:t>
-            </a:r>
-            <a:r>
-              <a:rPr lang="de-DE" dirty="0" err="1"/>
-              <a:t>datasets</a:t>
-            </a:r>
-            <a:endParaRPr lang="de-DE" dirty="0"/>
-          </a:p>
-          <a:p>
-            <a:pPr lvl="1"/>
-            <a:r>
-              <a:rPr lang="de-DE" dirty="0" err="1"/>
-              <a:t>Full</a:t>
-            </a:r>
-            <a:r>
-              <a:rPr lang="de-DE" dirty="0"/>
-              <a:t> and </a:t>
-            </a:r>
-            <a:r>
-              <a:rPr lang="de-DE" dirty="0" err="1"/>
-              <a:t>imbalanced</a:t>
-            </a:r>
-            <a:r>
-              <a:rPr lang="de-DE" dirty="0"/>
-              <a:t> </a:t>
-            </a:r>
-            <a:r>
-              <a:rPr lang="de-DE" dirty="0" err="1"/>
-              <a:t>set</a:t>
-            </a:r>
-            <a:r>
-              <a:rPr lang="de-DE" dirty="0"/>
-              <a:t> (1)</a:t>
-            </a:r>
-          </a:p>
-          <a:p>
-            <a:pPr lvl="1"/>
-            <a:r>
-              <a:rPr lang="de-DE" dirty="0" err="1"/>
-              <a:t>Full</a:t>
-            </a:r>
-            <a:r>
-              <a:rPr lang="de-DE" dirty="0"/>
-              <a:t> and </a:t>
-            </a:r>
-            <a:r>
-              <a:rPr lang="de-DE" dirty="0" err="1"/>
-              <a:t>imbalanced</a:t>
-            </a:r>
-            <a:r>
-              <a:rPr lang="de-DE" dirty="0"/>
-              <a:t> </a:t>
-            </a:r>
-            <a:r>
-              <a:rPr lang="de-DE" dirty="0" err="1"/>
-              <a:t>set</a:t>
-            </a:r>
-            <a:r>
-              <a:rPr lang="de-DE" dirty="0"/>
-              <a:t> + Autoencoder (2)</a:t>
-            </a:r>
-          </a:p>
-          <a:p>
-            <a:pPr lvl="1"/>
-            <a:r>
-              <a:rPr lang="de-DE" dirty="0" err="1"/>
-              <a:t>Under-sampled</a:t>
-            </a:r>
-            <a:r>
-              <a:rPr lang="de-DE" dirty="0"/>
-              <a:t> </a:t>
-            </a:r>
-            <a:r>
-              <a:rPr lang="de-DE" dirty="0" err="1"/>
-              <a:t>set</a:t>
-            </a:r>
-            <a:r>
-              <a:rPr lang="de-DE" dirty="0"/>
-              <a:t> (3)</a:t>
-            </a:r>
-          </a:p>
-          <a:p>
-            <a:pPr lvl="1"/>
-            <a:r>
-              <a:rPr lang="de-DE" dirty="0"/>
-              <a:t>Over-</a:t>
-            </a:r>
-            <a:r>
-              <a:rPr lang="de-DE" dirty="0" err="1"/>
-              <a:t>sampled</a:t>
-            </a:r>
-            <a:r>
-              <a:rPr lang="de-DE" dirty="0"/>
-              <a:t> </a:t>
-            </a:r>
-            <a:r>
-              <a:rPr lang="de-DE" dirty="0" err="1"/>
-              <a:t>set</a:t>
-            </a:r>
-            <a:r>
-              <a:rPr lang="de-DE" dirty="0"/>
-              <a:t> (4)</a:t>
-            </a:r>
-          </a:p>
-        </p:txBody>
-      </p:sp>
-    </p:spTree>
-    <p:extLst>
-      <p:ext uri="{BB962C8B-B14F-4D97-AF65-F5344CB8AC3E}">
-        <p14:creationId xmlns:p14="http://schemas.microsoft.com/office/powerpoint/2010/main" val="1100513454"/>
-      </p:ext>
-    </p:extLst>
-  </p:cSld>
-  <p:clrMapOvr>
-    <a:masterClrMapping/>
-  </p:clrMapOvr>
-</p:sld>
-</file>
-
-<file path=ppt/slides/slide4.xml><?xml version="1.0" encoding="utf-8"?>
-<p:sld xmlns:a="http://schemas.openxmlformats.org/drawingml/2006/main" xmlns:r="http://schemas.openxmlformats.org/officeDocument/2006/relationships" xmlns:p="http://schemas.openxmlformats.org/presentationml/2006/main">
-  <p:cSld>
-    <p:spTree>
-      <p:nvGrpSpPr>
-        <p:cNvPr id="1" name=""/>
-        <p:cNvGrpSpPr/>
-        <p:nvPr/>
-      </p:nvGrpSpPr>
-      <p:grpSpPr>
-        <a:xfrm>
-          <a:off x="0" y="0"/>
-          <a:ext cx="0" cy="0"/>
-          <a:chOff x="0" y="0"/>
-          <a:chExt cx="0" cy="0"/>
-        </a:xfrm>
-      </p:grpSpPr>
-      <p:sp>
-        <p:nvSpPr>
-          <p:cNvPr id="2" name="Title 1"/>
-          <p:cNvSpPr>
-            <a:spLocks noGrp="1"/>
-          </p:cNvSpPr>
-          <p:nvPr>
-            <p:ph type="title"/>
-          </p:nvPr>
-        </p:nvSpPr>
-        <p:spPr/>
-        <p:txBody>
-          <a:bodyPr/>
-          <a:lstStyle/>
-          <a:p>
-            <a:r>
-              <a:rPr lang="de-DE" dirty="0"/>
-              <a:t>Data </a:t>
-            </a:r>
-            <a:r>
-              <a:rPr lang="de-DE" dirty="0" err="1"/>
-              <a:t>preparation</a:t>
-            </a:r>
-            <a:endParaRPr lang="de-DE" dirty="0"/>
-          </a:p>
-        </p:txBody>
-      </p:sp>
-      <p:grpSp>
-        <p:nvGrpSpPr>
-          <p:cNvPr id="21" name="Group 20"/>
-          <p:cNvGrpSpPr/>
-          <p:nvPr/>
-        </p:nvGrpSpPr>
-        <p:grpSpPr>
-          <a:xfrm>
-            <a:off x="2082527" y="2522918"/>
-            <a:ext cx="5936887" cy="2024459"/>
-            <a:chOff x="1626718" y="1764056"/>
-            <a:chExt cx="5936887" cy="2024459"/>
-          </a:xfrm>
-        </p:grpSpPr>
-        <p:sp>
-          <p:nvSpPr>
-            <p:cNvPr id="4" name="Can 3"/>
-            <p:cNvSpPr/>
-            <p:nvPr/>
-          </p:nvSpPr>
-          <p:spPr>
-            <a:xfrm>
-              <a:off x="1626718" y="2366271"/>
-              <a:ext cx="802283" cy="810820"/>
-            </a:xfrm>
-            <a:prstGeom prst="can">
-              <a:avLst/>
-            </a:prstGeom>
-          </p:spPr>
-          <p:style>
-            <a:lnRef idx="2">
-              <a:schemeClr val="accent1">
-                <a:shade val="50000"/>
-              </a:schemeClr>
-            </a:lnRef>
-            <a:fillRef idx="1">
-              <a:schemeClr val="accent1"/>
-            </a:fillRef>
-            <a:effectRef idx="0">
-              <a:schemeClr val="accent1"/>
-            </a:effectRef>
-            <a:fontRef idx="minor">
-              <a:schemeClr val="lt1"/>
-            </a:fontRef>
-          </p:style>
-          <p:txBody>
-            <a:bodyPr rtlCol="0" anchor="ctr"/>
-            <a:lstStyle/>
-            <a:p>
-              <a:pPr algn="ctr"/>
-              <a:r>
-                <a:rPr lang="de-DE" sz="1400" dirty="0" err="1"/>
-                <a:t>Full</a:t>
-              </a:r>
-              <a:br>
-                <a:rPr lang="de-DE" sz="1400" dirty="0"/>
-              </a:br>
-              <a:r>
-                <a:rPr lang="de-DE" sz="1400" dirty="0" err="1"/>
-                <a:t>data</a:t>
-              </a:r>
-              <a:r>
-                <a:rPr lang="de-DE" sz="1400" dirty="0"/>
-                <a:t> </a:t>
-              </a:r>
-              <a:r>
-                <a:rPr lang="de-DE" sz="1400" dirty="0" err="1"/>
-                <a:t>set</a:t>
-              </a:r>
-              <a:endParaRPr lang="de-DE" sz="1400" dirty="0"/>
-            </a:p>
-          </p:txBody>
-        </p:sp>
-        <p:sp>
-          <p:nvSpPr>
-            <p:cNvPr id="6" name="Can 5"/>
-            <p:cNvSpPr/>
-            <p:nvPr/>
-          </p:nvSpPr>
-          <p:spPr>
-            <a:xfrm>
-              <a:off x="3906005" y="2366271"/>
-              <a:ext cx="802283" cy="810820"/>
-            </a:xfrm>
-            <a:prstGeom prst="can">
-              <a:avLst/>
-            </a:prstGeom>
-          </p:spPr>
-          <p:style>
-            <a:lnRef idx="2">
-              <a:schemeClr val="accent1">
-                <a:shade val="50000"/>
-              </a:schemeClr>
-            </a:lnRef>
-            <a:fillRef idx="1">
-              <a:schemeClr val="accent1"/>
-            </a:fillRef>
-            <a:effectRef idx="0">
-              <a:schemeClr val="accent1"/>
-            </a:effectRef>
-            <a:fontRef idx="minor">
-              <a:schemeClr val="lt1"/>
-            </a:fontRef>
-          </p:style>
-          <p:txBody>
-            <a:bodyPr rtlCol="0" anchor="ctr"/>
-            <a:lstStyle/>
-            <a:p>
-              <a:pPr algn="ctr"/>
-              <a:r>
-                <a:rPr lang="de-DE" sz="1400" dirty="0" err="1"/>
-                <a:t>Scaled</a:t>
-              </a:r>
-              <a:br>
-                <a:rPr lang="de-DE" sz="1400" dirty="0"/>
-              </a:br>
-              <a:r>
-                <a:rPr lang="de-DE" sz="1400" dirty="0" err="1"/>
-                <a:t>data</a:t>
-              </a:r>
-              <a:r>
-                <a:rPr lang="de-DE" sz="1400" dirty="0"/>
-                <a:t> </a:t>
-              </a:r>
-              <a:r>
-                <a:rPr lang="de-DE" sz="1400" dirty="0" err="1"/>
-                <a:t>set</a:t>
-              </a:r>
-              <a:endParaRPr lang="de-DE" sz="1400" dirty="0"/>
-            </a:p>
-          </p:txBody>
-        </p:sp>
-        <p:sp>
-          <p:nvSpPr>
-            <p:cNvPr id="7" name="Rectangle 6"/>
-            <p:cNvSpPr/>
-            <p:nvPr/>
-          </p:nvSpPr>
-          <p:spPr>
-            <a:xfrm>
-              <a:off x="2827120" y="2574876"/>
-              <a:ext cx="680765" cy="402819"/>
-            </a:xfrm>
-            <a:prstGeom prst="rect">
-              <a:avLst/>
-            </a:prstGeom>
-          </p:spPr>
-          <p:style>
-            <a:lnRef idx="2">
-              <a:schemeClr val="accent1">
-                <a:shade val="50000"/>
-              </a:schemeClr>
-            </a:lnRef>
-            <a:fillRef idx="1">
-              <a:schemeClr val="accent1"/>
-            </a:fillRef>
-            <a:effectRef idx="0">
-              <a:schemeClr val="accent1"/>
-            </a:effectRef>
-            <a:fontRef idx="minor">
-              <a:schemeClr val="lt1"/>
-            </a:fontRef>
-          </p:style>
-          <p:txBody>
-            <a:bodyPr rtlCol="0" anchor="ctr"/>
-            <a:lstStyle/>
-            <a:p>
-              <a:pPr algn="ctr"/>
-              <a:r>
-                <a:rPr lang="de-DE" sz="1200" dirty="0" err="1"/>
-                <a:t>Scale</a:t>
-              </a:r>
-              <a:endParaRPr lang="de-DE" sz="1200" dirty="0"/>
-            </a:p>
-          </p:txBody>
-        </p:sp>
-        <p:cxnSp>
-          <p:nvCxnSpPr>
-            <p:cNvPr id="9" name="Straight Arrow Connector 8"/>
-            <p:cNvCxnSpPr>
-              <a:stCxn id="4" idx="4"/>
-              <a:endCxn id="7" idx="1"/>
-            </p:cNvCxnSpPr>
-            <p:nvPr/>
-          </p:nvCxnSpPr>
-          <p:spPr>
-            <a:xfrm>
-              <a:off x="2429001" y="2771681"/>
-              <a:ext cx="398119" cy="4605"/>
-            </a:xfrm>
-            <a:prstGeom prst="straightConnector1">
-              <a:avLst/>
-            </a:prstGeom>
-            <a:ln>
-              <a:tailEnd type="triangle"/>
-            </a:ln>
-          </p:spPr>
-          <p:style>
-            <a:lnRef idx="1">
-              <a:schemeClr val="accent1"/>
-            </a:lnRef>
-            <a:fillRef idx="0">
-              <a:schemeClr val="accent1"/>
-            </a:fillRef>
-            <a:effectRef idx="0">
-              <a:schemeClr val="accent1"/>
-            </a:effectRef>
-            <a:fontRef idx="minor">
-              <a:schemeClr val="tx1"/>
-            </a:fontRef>
-          </p:style>
-        </p:cxnSp>
-        <p:cxnSp>
-          <p:nvCxnSpPr>
-            <p:cNvPr id="11" name="Straight Arrow Connector 10"/>
-            <p:cNvCxnSpPr>
-              <a:stCxn id="7" idx="3"/>
-              <a:endCxn id="6" idx="2"/>
-            </p:cNvCxnSpPr>
-            <p:nvPr/>
-          </p:nvCxnSpPr>
-          <p:spPr>
-            <a:xfrm flipV="1">
-              <a:off x="3507885" y="2771681"/>
-              <a:ext cx="398120" cy="4605"/>
-            </a:xfrm>
-            <a:prstGeom prst="straightConnector1">
-              <a:avLst/>
-            </a:prstGeom>
-            <a:ln>
-              <a:tailEnd type="triangle"/>
-            </a:ln>
-          </p:spPr>
-          <p:style>
-            <a:lnRef idx="1">
-              <a:schemeClr val="accent1"/>
-            </a:lnRef>
-            <a:fillRef idx="0">
-              <a:schemeClr val="accent1"/>
-            </a:fillRef>
-            <a:effectRef idx="0">
-              <a:schemeClr val="accent1"/>
-            </a:effectRef>
-            <a:fontRef idx="minor">
-              <a:schemeClr val="tx1"/>
-            </a:fontRef>
-          </p:style>
-        </p:cxnSp>
-        <p:sp>
-          <p:nvSpPr>
-            <p:cNvPr id="12" name="Rectangle 11"/>
-            <p:cNvSpPr/>
-            <p:nvPr/>
-          </p:nvSpPr>
-          <p:spPr>
-            <a:xfrm>
-              <a:off x="5101203" y="2575736"/>
-              <a:ext cx="680765" cy="402819"/>
-            </a:xfrm>
-            <a:prstGeom prst="rect">
-              <a:avLst/>
-            </a:prstGeom>
-          </p:spPr>
-          <p:style>
-            <a:lnRef idx="2">
-              <a:schemeClr val="accent1">
-                <a:shade val="50000"/>
-              </a:schemeClr>
-            </a:lnRef>
-            <a:fillRef idx="1">
-              <a:schemeClr val="accent1"/>
-            </a:fillRef>
-            <a:effectRef idx="0">
-              <a:schemeClr val="accent1"/>
-            </a:effectRef>
-            <a:fontRef idx="minor">
-              <a:schemeClr val="lt1"/>
-            </a:fontRef>
-          </p:style>
-          <p:txBody>
-            <a:bodyPr rtlCol="0" anchor="ctr"/>
-            <a:lstStyle/>
-            <a:p>
-              <a:pPr algn="ctr"/>
-              <a:r>
-                <a:rPr lang="de-DE" sz="1200" dirty="0"/>
-                <a:t>Split</a:t>
-              </a:r>
-            </a:p>
-          </p:txBody>
-        </p:sp>
-        <p:cxnSp>
-          <p:nvCxnSpPr>
-            <p:cNvPr id="14" name="Straight Arrow Connector 13"/>
-            <p:cNvCxnSpPr>
-              <a:stCxn id="6" idx="4"/>
-              <a:endCxn id="12" idx="1"/>
-            </p:cNvCxnSpPr>
-            <p:nvPr/>
-          </p:nvCxnSpPr>
-          <p:spPr>
-            <a:xfrm>
-              <a:off x="4708288" y="2771681"/>
-              <a:ext cx="392915" cy="5465"/>
-            </a:xfrm>
-            <a:prstGeom prst="straightConnector1">
-              <a:avLst/>
-            </a:prstGeom>
-            <a:ln>
-              <a:tailEnd type="triangle"/>
-            </a:ln>
-          </p:spPr>
-          <p:style>
-            <a:lnRef idx="1">
-              <a:schemeClr val="accent1"/>
-            </a:lnRef>
-            <a:fillRef idx="0">
-              <a:schemeClr val="accent1"/>
-            </a:fillRef>
-            <a:effectRef idx="0">
-              <a:schemeClr val="accent1"/>
-            </a:effectRef>
-            <a:fontRef idx="minor">
-              <a:schemeClr val="tx1"/>
-            </a:fontRef>
-          </p:style>
-        </p:cxnSp>
-        <p:sp>
-          <p:nvSpPr>
-            <p:cNvPr id="15" name="Can 14"/>
-            <p:cNvSpPr/>
-            <p:nvPr/>
-          </p:nvSpPr>
-          <p:spPr>
-            <a:xfrm>
-              <a:off x="6761321" y="1764056"/>
-              <a:ext cx="802283" cy="810820"/>
-            </a:xfrm>
-            <a:prstGeom prst="can">
-              <a:avLst/>
-            </a:prstGeom>
-          </p:spPr>
-          <p:style>
-            <a:lnRef idx="2">
-              <a:schemeClr val="accent1">
-                <a:shade val="50000"/>
-              </a:schemeClr>
-            </a:lnRef>
-            <a:fillRef idx="1">
-              <a:schemeClr val="accent1"/>
-            </a:fillRef>
-            <a:effectRef idx="0">
-              <a:schemeClr val="accent1"/>
-            </a:effectRef>
-            <a:fontRef idx="minor">
-              <a:schemeClr val="lt1"/>
-            </a:fontRef>
-          </p:style>
-          <p:txBody>
-            <a:bodyPr rtlCol="0" anchor="ctr"/>
-            <a:lstStyle/>
-            <a:p>
-              <a:pPr algn="ctr"/>
-              <a:r>
-                <a:rPr lang="de-DE" sz="1400" dirty="0"/>
-                <a:t>Test Set</a:t>
-              </a:r>
-            </a:p>
-          </p:txBody>
-        </p:sp>
-        <p:sp>
-          <p:nvSpPr>
-            <p:cNvPr id="16" name="Can 15"/>
-            <p:cNvSpPr/>
-            <p:nvPr/>
-          </p:nvSpPr>
-          <p:spPr>
-            <a:xfrm>
-              <a:off x="6761322" y="2977695"/>
-              <a:ext cx="802283" cy="810820"/>
-            </a:xfrm>
-            <a:prstGeom prst="can">
-              <a:avLst/>
-            </a:prstGeom>
-          </p:spPr>
-          <p:style>
-            <a:lnRef idx="2">
-              <a:schemeClr val="accent1">
-                <a:shade val="50000"/>
-              </a:schemeClr>
-            </a:lnRef>
-            <a:fillRef idx="1">
-              <a:schemeClr val="accent1"/>
-            </a:fillRef>
-            <a:effectRef idx="0">
-              <a:schemeClr val="accent1"/>
-            </a:effectRef>
-            <a:fontRef idx="minor">
-              <a:schemeClr val="lt1"/>
-            </a:fontRef>
-          </p:style>
-          <p:txBody>
-            <a:bodyPr rtlCol="0" anchor="ctr"/>
-            <a:lstStyle/>
-            <a:p>
-              <a:pPr algn="ctr"/>
-              <a:r>
-                <a:rPr lang="de-DE" sz="1400" dirty="0"/>
-                <a:t>Train</a:t>
-              </a:r>
-              <a:br>
-                <a:rPr lang="de-DE" sz="1400" dirty="0"/>
-              </a:br>
-              <a:r>
-                <a:rPr lang="de-DE" sz="1400" dirty="0"/>
-                <a:t>Set</a:t>
-              </a:r>
-            </a:p>
-          </p:txBody>
-        </p:sp>
-        <p:cxnSp>
-          <p:nvCxnSpPr>
-            <p:cNvPr id="18" name="Elbow Connector 17"/>
-            <p:cNvCxnSpPr>
-              <a:stCxn id="12" idx="3"/>
-            </p:cNvCxnSpPr>
-            <p:nvPr/>
-          </p:nvCxnSpPr>
-          <p:spPr>
-            <a:xfrm flipV="1">
-              <a:off x="5781968" y="2169466"/>
-              <a:ext cx="979353" cy="607680"/>
-            </a:xfrm>
-            <a:prstGeom prst="bentConnector3">
-              <a:avLst/>
-            </a:prstGeom>
-            <a:ln>
-              <a:tailEnd type="triangle"/>
-            </a:ln>
-          </p:spPr>
-          <p:style>
-            <a:lnRef idx="1">
-              <a:schemeClr val="accent1"/>
-            </a:lnRef>
-            <a:fillRef idx="0">
-              <a:schemeClr val="accent1"/>
-            </a:fillRef>
-            <a:effectRef idx="0">
-              <a:schemeClr val="accent1"/>
-            </a:effectRef>
-            <a:fontRef idx="minor">
-              <a:schemeClr val="tx1"/>
-            </a:fontRef>
-          </p:style>
-        </p:cxnSp>
-        <p:cxnSp>
-          <p:nvCxnSpPr>
-            <p:cNvPr id="20" name="Elbow Connector 19"/>
-            <p:cNvCxnSpPr>
-              <a:stCxn id="12" idx="3"/>
-              <a:endCxn id="16" idx="2"/>
-            </p:cNvCxnSpPr>
-            <p:nvPr/>
-          </p:nvCxnSpPr>
-          <p:spPr>
-            <a:xfrm>
-              <a:off x="5781968" y="2777146"/>
-              <a:ext cx="979354" cy="605959"/>
-            </a:xfrm>
-            <a:prstGeom prst="bentConnector3">
-              <a:avLst/>
-            </a:prstGeom>
-            <a:ln>
-              <a:tailEnd type="triangle"/>
-            </a:ln>
-          </p:spPr>
-          <p:style>
-            <a:lnRef idx="1">
-              <a:schemeClr val="accent1"/>
-            </a:lnRef>
-            <a:fillRef idx="0">
-              <a:schemeClr val="accent1"/>
-            </a:fillRef>
-            <a:effectRef idx="0">
-              <a:schemeClr val="accent1"/>
-            </a:effectRef>
-            <a:fontRef idx="minor">
-              <a:schemeClr val="tx1"/>
-            </a:fontRef>
-          </p:style>
-        </p:cxnSp>
-      </p:grpSp>
-      <p:sp>
-        <p:nvSpPr>
-          <p:cNvPr id="3" name="Textfeld 2">
-            <a:extLst>
-              <a:ext uri="{FF2B5EF4-FFF2-40B4-BE49-F238E27FC236}">
-                <a16:creationId xmlns:a16="http://schemas.microsoft.com/office/drawing/2014/main" id="{A3CE64B2-A750-4331-84AB-09541510B309}"/>
-              </a:ext>
-            </a:extLst>
-          </p:cNvPr>
-          <p:cNvSpPr txBox="1"/>
-          <p:nvPr/>
-        </p:nvSpPr>
-        <p:spPr>
-          <a:xfrm>
-            <a:off x="8569993" y="2328163"/>
-            <a:ext cx="2359264" cy="1200329"/>
-          </a:xfrm>
-          <a:prstGeom prst="rect">
-            <a:avLst/>
-          </a:prstGeom>
-          <a:noFill/>
-        </p:spPr>
-        <p:txBody>
-          <a:bodyPr wrap="square" rtlCol="0">
-            <a:spAutoFit/>
-          </a:bodyPr>
-          <a:lstStyle/>
-          <a:p>
-            <a:r>
-              <a:rPr lang="de-DE" dirty="0" err="1"/>
-              <a:t>Completely</a:t>
-            </a:r>
-            <a:r>
-              <a:rPr lang="de-DE" dirty="0"/>
-              <a:t> </a:t>
-            </a:r>
-            <a:r>
-              <a:rPr lang="de-DE" dirty="0" err="1"/>
-              <a:t>untouched</a:t>
-            </a:r>
-            <a:r>
-              <a:rPr lang="de-DE" dirty="0"/>
-              <a:t> </a:t>
-            </a:r>
-            <a:r>
-              <a:rPr lang="de-DE" dirty="0" err="1"/>
-              <a:t>by</a:t>
-            </a:r>
-            <a:r>
-              <a:rPr lang="de-DE" dirty="0"/>
-              <a:t> </a:t>
-            </a:r>
-            <a:r>
-              <a:rPr lang="de-DE" dirty="0" err="1"/>
-              <a:t>sampling</a:t>
-            </a:r>
-            <a:r>
-              <a:rPr lang="de-DE" dirty="0"/>
-              <a:t> </a:t>
-            </a:r>
-            <a:r>
-              <a:rPr lang="de-DE" dirty="0" err="1"/>
-              <a:t>techniques</a:t>
-            </a:r>
-            <a:r>
-              <a:rPr lang="de-DE" dirty="0"/>
-              <a:t> </a:t>
-            </a:r>
-            <a:r>
-              <a:rPr lang="de-DE" dirty="0" err="1"/>
-              <a:t>to</a:t>
-            </a:r>
-            <a:r>
-              <a:rPr lang="de-DE" dirty="0"/>
-              <a:t> </a:t>
-            </a:r>
-            <a:r>
-              <a:rPr lang="de-DE" dirty="0" err="1"/>
-              <a:t>allow</a:t>
-            </a:r>
-            <a:r>
-              <a:rPr lang="de-DE" dirty="0"/>
-              <a:t> </a:t>
-            </a:r>
-            <a:r>
-              <a:rPr lang="de-DE" dirty="0" err="1"/>
-              <a:t>meaningful</a:t>
-            </a:r>
-            <a:r>
-              <a:rPr lang="de-DE" dirty="0"/>
-              <a:t> </a:t>
-            </a:r>
-            <a:r>
-              <a:rPr lang="de-DE" dirty="0" err="1"/>
-              <a:t>evaluation</a:t>
-            </a:r>
-            <a:endParaRPr lang="de-DE" dirty="0"/>
-          </a:p>
-        </p:txBody>
-      </p:sp>
-      <p:sp>
-        <p:nvSpPr>
-          <p:cNvPr id="8" name="Textfeld 7">
-            <a:extLst>
-              <a:ext uri="{FF2B5EF4-FFF2-40B4-BE49-F238E27FC236}">
-                <a16:creationId xmlns:a16="http://schemas.microsoft.com/office/drawing/2014/main" id="{E87B8C98-2325-4702-973F-B369C6FF238B}"/>
-              </a:ext>
-            </a:extLst>
-          </p:cNvPr>
-          <p:cNvSpPr txBox="1"/>
-          <p:nvPr/>
-        </p:nvSpPr>
-        <p:spPr>
-          <a:xfrm>
-            <a:off x="2272963" y="4332090"/>
-            <a:ext cx="2701907" cy="1200329"/>
-          </a:xfrm>
-          <a:prstGeom prst="rect">
-            <a:avLst/>
-          </a:prstGeom>
-          <a:noFill/>
-        </p:spPr>
-        <p:txBody>
-          <a:bodyPr wrap="square" rtlCol="0">
-            <a:spAutoFit/>
-          </a:bodyPr>
-          <a:lstStyle/>
-          <a:p>
-            <a:r>
-              <a:rPr lang="de-DE" dirty="0" err="1"/>
-              <a:t>We</a:t>
-            </a:r>
-            <a:r>
-              <a:rPr lang="de-DE" dirty="0"/>
-              <a:t> </a:t>
-            </a:r>
-            <a:r>
-              <a:rPr lang="de-DE" dirty="0" err="1"/>
-              <a:t>scale</a:t>
-            </a:r>
-            <a:r>
-              <a:rPr lang="de-DE" dirty="0"/>
-              <a:t> ‚</a:t>
-            </a:r>
-            <a:r>
-              <a:rPr lang="de-DE" dirty="0" err="1"/>
-              <a:t>Amount</a:t>
-            </a:r>
-            <a:r>
-              <a:rPr lang="de-DE" dirty="0"/>
-              <a:t>‘ and ‚Time‘. Other </a:t>
-            </a:r>
-            <a:r>
-              <a:rPr lang="de-DE" dirty="0" err="1"/>
-              <a:t>features</a:t>
-            </a:r>
-            <a:r>
-              <a:rPr lang="de-DE" dirty="0"/>
-              <a:t> </a:t>
-            </a:r>
-            <a:r>
-              <a:rPr lang="de-DE" dirty="0" err="1"/>
-              <a:t>are</a:t>
-            </a:r>
-            <a:r>
-              <a:rPr lang="de-DE" dirty="0"/>
-              <a:t> a </a:t>
-            </a:r>
-            <a:r>
-              <a:rPr lang="de-DE" dirty="0" err="1"/>
-              <a:t>result</a:t>
-            </a:r>
-            <a:r>
-              <a:rPr lang="de-DE" dirty="0"/>
-              <a:t> </a:t>
-            </a:r>
-            <a:r>
-              <a:rPr lang="de-DE" dirty="0" err="1"/>
-              <a:t>of</a:t>
-            </a:r>
-            <a:r>
-              <a:rPr lang="de-DE" dirty="0"/>
-              <a:t> PCA and </a:t>
-            </a:r>
-            <a:r>
-              <a:rPr lang="de-DE" dirty="0" err="1"/>
-              <a:t>have</a:t>
-            </a:r>
-            <a:r>
-              <a:rPr lang="de-DE" dirty="0"/>
-              <a:t> </a:t>
-            </a:r>
-            <a:r>
-              <a:rPr lang="de-DE" dirty="0" err="1"/>
-              <a:t>already</a:t>
-            </a:r>
-            <a:r>
-              <a:rPr lang="de-DE" dirty="0"/>
-              <a:t> </a:t>
-            </a:r>
-            <a:r>
-              <a:rPr lang="de-DE" dirty="0" err="1"/>
-              <a:t>been</a:t>
-            </a:r>
-            <a:r>
-              <a:rPr lang="de-DE" dirty="0"/>
-              <a:t> </a:t>
-            </a:r>
-            <a:r>
-              <a:rPr lang="de-DE" dirty="0" err="1"/>
-              <a:t>standardized</a:t>
-            </a:r>
-            <a:r>
-              <a:rPr lang="de-DE" dirty="0"/>
-              <a:t>.</a:t>
-            </a:r>
-          </a:p>
-        </p:txBody>
-      </p:sp>
-      <p:cxnSp>
-        <p:nvCxnSpPr>
-          <p:cNvPr id="13" name="Gerade Verbindung mit Pfeil 12">
-            <a:extLst>
-              <a:ext uri="{FF2B5EF4-FFF2-40B4-BE49-F238E27FC236}">
-                <a16:creationId xmlns:a16="http://schemas.microsoft.com/office/drawing/2014/main" id="{B0AC67A8-07D7-4E38-AC7A-D77BA603C75E}"/>
-              </a:ext>
-            </a:extLst>
-          </p:cNvPr>
-          <p:cNvCxnSpPr>
-            <a:cxnSpLocks/>
-            <a:stCxn id="8" idx="0"/>
-            <a:endCxn id="7" idx="2"/>
-          </p:cNvCxnSpPr>
-          <p:nvPr/>
-        </p:nvCxnSpPr>
-        <p:spPr>
-          <a:xfrm flipH="1" flipV="1">
-            <a:off x="3623312" y="3736557"/>
-            <a:ext cx="605" cy="595533"/>
-          </a:xfrm>
-          <a:prstGeom prst="straightConnector1">
-            <a:avLst/>
-          </a:prstGeom>
-          <a:ln>
-            <a:tailEnd type="triangle"/>
-          </a:ln>
-        </p:spPr>
-        <p:style>
-          <a:lnRef idx="1">
-            <a:schemeClr val="accent1"/>
-          </a:lnRef>
-          <a:fillRef idx="0">
-            <a:schemeClr val="accent1"/>
-          </a:fillRef>
-          <a:effectRef idx="0">
-            <a:schemeClr val="accent1"/>
-          </a:effectRef>
-          <a:fontRef idx="minor">
-            <a:schemeClr val="tx1"/>
-          </a:fontRef>
-        </p:style>
-      </p:cxnSp>
-      <p:cxnSp>
-        <p:nvCxnSpPr>
-          <p:cNvPr id="27" name="Gerade Verbindung mit Pfeil 26">
-            <a:extLst>
-              <a:ext uri="{FF2B5EF4-FFF2-40B4-BE49-F238E27FC236}">
-                <a16:creationId xmlns:a16="http://schemas.microsoft.com/office/drawing/2014/main" id="{A5572CA3-A131-4D8E-8100-C511098CDD29}"/>
-              </a:ext>
-            </a:extLst>
-          </p:cNvPr>
-          <p:cNvCxnSpPr>
-            <a:cxnSpLocks/>
-            <a:stCxn id="3" idx="1"/>
-            <a:endCxn id="15" idx="4"/>
-          </p:cNvCxnSpPr>
-          <p:nvPr/>
-        </p:nvCxnSpPr>
-        <p:spPr>
-          <a:xfrm flipH="1">
-            <a:off x="8019413" y="2928328"/>
-            <a:ext cx="550580" cy="0"/>
-          </a:xfrm>
-          <a:prstGeom prst="straightConnector1">
-            <a:avLst/>
-          </a:prstGeom>
-          <a:ln>
-            <a:tailEnd type="triangle"/>
-          </a:ln>
-        </p:spPr>
-        <p:style>
-          <a:lnRef idx="1">
-            <a:schemeClr val="accent1"/>
-          </a:lnRef>
-          <a:fillRef idx="0">
-            <a:schemeClr val="accent1"/>
-          </a:fillRef>
-          <a:effectRef idx="0">
-            <a:schemeClr val="accent1"/>
-          </a:effectRef>
-          <a:fontRef idx="minor">
-            <a:schemeClr val="tx1"/>
-          </a:fontRef>
-        </p:style>
-      </p:cxnSp>
-    </p:spTree>
-    <p:extLst>
-      <p:ext uri="{BB962C8B-B14F-4D97-AF65-F5344CB8AC3E}">
-        <p14:creationId xmlns:p14="http://schemas.microsoft.com/office/powerpoint/2010/main" val="3005340467"/>
-      </p:ext>
-    </p:extLst>
-  </p:cSld>
-  <p:clrMapOvr>
-    <a:masterClrMapping/>
-  </p:clrMapOvr>
-</p:sld>
-</file>
-
-<file path=ppt/slides/slide5.xml><?xml version="1.0" encoding="utf-8"?>
-<p:sld xmlns:a="http://schemas.openxmlformats.org/drawingml/2006/main" xmlns:r="http://schemas.openxmlformats.org/officeDocument/2006/relationships" xmlns:p="http://schemas.openxmlformats.org/presentationml/2006/main">
-  <p:cSld>
-    <p:spTree>
-      <p:nvGrpSpPr>
-        <p:cNvPr id="1" name=""/>
-        <p:cNvGrpSpPr/>
-        <p:nvPr/>
-      </p:nvGrpSpPr>
-      <p:grpSpPr>
-        <a:xfrm>
-          <a:off x="0" y="0"/>
-          <a:ext cx="0" cy="0"/>
-          <a:chOff x="0" y="0"/>
-          <a:chExt cx="0" cy="0"/>
-        </a:xfrm>
-      </p:grpSpPr>
-      <p:sp>
-        <p:nvSpPr>
-          <p:cNvPr id="2" name="Title 1"/>
-          <p:cNvSpPr>
-            <a:spLocks noGrp="1"/>
-          </p:cNvSpPr>
-          <p:nvPr>
-            <p:ph type="title"/>
-          </p:nvPr>
-        </p:nvSpPr>
-        <p:spPr/>
-        <p:txBody>
-          <a:bodyPr/>
-          <a:lstStyle/>
-          <a:p>
-            <a:r>
-              <a:rPr lang="de-DE" dirty="0"/>
-              <a:t>Option 1: </a:t>
-            </a:r>
-            <a:r>
-              <a:rPr lang="de-DE" dirty="0" err="1"/>
-              <a:t>Logistic</a:t>
-            </a:r>
-            <a:r>
-              <a:rPr lang="de-DE" dirty="0"/>
-              <a:t> Regression</a:t>
-            </a:r>
-          </a:p>
-        </p:txBody>
-      </p:sp>
-      <p:sp>
-        <p:nvSpPr>
-          <p:cNvPr id="17" name="Can 16"/>
-          <p:cNvSpPr/>
-          <p:nvPr/>
-        </p:nvSpPr>
-        <p:spPr>
-          <a:xfrm>
-            <a:off x="1373949" y="1622209"/>
-            <a:ext cx="802283" cy="810820"/>
-          </a:xfrm>
-          <a:prstGeom prst="can">
-            <a:avLst/>
-          </a:prstGeom>
-        </p:spPr>
-        <p:style>
-          <a:lnRef idx="2">
-            <a:schemeClr val="accent1">
-              <a:shade val="50000"/>
-            </a:schemeClr>
-          </a:lnRef>
-          <a:fillRef idx="1">
-            <a:schemeClr val="accent1"/>
-          </a:fillRef>
-          <a:effectRef idx="0">
-            <a:schemeClr val="accent1"/>
-          </a:effectRef>
-          <a:fontRef idx="minor">
-            <a:schemeClr val="lt1"/>
-          </a:fontRef>
-        </p:style>
-        <p:txBody>
-          <a:bodyPr rtlCol="0" anchor="ctr"/>
-          <a:lstStyle/>
-          <a:p>
-            <a:pPr algn="ctr"/>
-            <a:r>
-              <a:rPr lang="de-DE" sz="1400" dirty="0"/>
-              <a:t>Train</a:t>
-            </a:r>
-            <a:br>
-              <a:rPr lang="de-DE" sz="1400" dirty="0"/>
-            </a:br>
-            <a:r>
-              <a:rPr lang="de-DE" sz="1400" dirty="0"/>
-              <a:t>Set</a:t>
-            </a:r>
-          </a:p>
-        </p:txBody>
-      </p:sp>
-      <p:sp>
-        <p:nvSpPr>
-          <p:cNvPr id="29" name="Rectangle 28"/>
-          <p:cNvSpPr/>
-          <p:nvPr/>
-        </p:nvSpPr>
-        <p:spPr>
-          <a:xfrm>
-            <a:off x="3482878" y="1826209"/>
-            <a:ext cx="680765" cy="402819"/>
-          </a:xfrm>
-          <a:prstGeom prst="rect">
-            <a:avLst/>
-          </a:prstGeom>
-        </p:spPr>
-        <p:style>
-          <a:lnRef idx="2">
-            <a:schemeClr val="accent1">
-              <a:shade val="50000"/>
-            </a:schemeClr>
-          </a:lnRef>
-          <a:fillRef idx="1">
-            <a:schemeClr val="accent1"/>
-          </a:fillRef>
-          <a:effectRef idx="0">
-            <a:schemeClr val="accent1"/>
-          </a:effectRef>
-          <a:fontRef idx="minor">
-            <a:schemeClr val="lt1"/>
-          </a:fontRef>
-        </p:style>
-        <p:txBody>
-          <a:bodyPr rtlCol="0" anchor="ctr"/>
-          <a:lstStyle/>
-          <a:p>
-            <a:pPr algn="ctr"/>
-            <a:r>
-              <a:rPr lang="de-DE" sz="1200" dirty="0"/>
-              <a:t>K-</a:t>
-            </a:r>
-            <a:r>
-              <a:rPr lang="de-DE" sz="1200" dirty="0" err="1"/>
-              <a:t>Fold</a:t>
-            </a:r>
-            <a:r>
-              <a:rPr lang="de-DE" sz="1200" dirty="0"/>
-              <a:t> CV</a:t>
-            </a:r>
-          </a:p>
-        </p:txBody>
-      </p:sp>
-      <p:cxnSp>
-        <p:nvCxnSpPr>
-          <p:cNvPr id="10" name="Straight Arrow Connector 9"/>
-          <p:cNvCxnSpPr>
-            <a:stCxn id="17" idx="4"/>
-            <a:endCxn id="29" idx="1"/>
-          </p:cNvCxnSpPr>
-          <p:nvPr/>
-        </p:nvCxnSpPr>
-        <p:spPr>
-          <a:xfrm>
-            <a:off x="2176232" y="2027619"/>
-            <a:ext cx="1306646" cy="0"/>
-          </a:xfrm>
-          <a:prstGeom prst="straightConnector1">
-            <a:avLst/>
-          </a:prstGeom>
-          <a:ln>
-            <a:tailEnd type="triangle"/>
-          </a:ln>
-        </p:spPr>
-        <p:style>
-          <a:lnRef idx="1">
-            <a:schemeClr val="accent1"/>
-          </a:lnRef>
-          <a:fillRef idx="0">
-            <a:schemeClr val="accent1"/>
-          </a:fillRef>
-          <a:effectRef idx="0">
-            <a:schemeClr val="accent1"/>
-          </a:effectRef>
-          <a:fontRef idx="minor">
-            <a:schemeClr val="tx1"/>
-          </a:fontRef>
-        </p:style>
-      </p:cxnSp>
-      <p:cxnSp>
-        <p:nvCxnSpPr>
-          <p:cNvPr id="30" name="Straight Arrow Connector 29"/>
-          <p:cNvCxnSpPr>
-            <a:stCxn id="29" idx="3"/>
-            <a:endCxn id="31" idx="2"/>
-          </p:cNvCxnSpPr>
-          <p:nvPr/>
-        </p:nvCxnSpPr>
-        <p:spPr>
-          <a:xfrm flipV="1">
-            <a:off x="4163643" y="2025026"/>
-            <a:ext cx="2245045" cy="2593"/>
-          </a:xfrm>
-          <a:prstGeom prst="straightConnector1">
-            <a:avLst/>
-          </a:prstGeom>
-          <a:ln>
-            <a:tailEnd type="triangle"/>
-          </a:ln>
-        </p:spPr>
-        <p:style>
-          <a:lnRef idx="1">
-            <a:schemeClr val="accent1"/>
-          </a:lnRef>
-          <a:fillRef idx="0">
-            <a:schemeClr val="accent1"/>
-          </a:fillRef>
-          <a:effectRef idx="0">
-            <a:schemeClr val="accent1"/>
-          </a:effectRef>
-          <a:fontRef idx="minor">
-            <a:schemeClr val="tx1"/>
-          </a:fontRef>
-        </p:style>
-      </p:cxnSp>
-      <p:grpSp>
-        <p:nvGrpSpPr>
-          <p:cNvPr id="61" name="Group 60"/>
-          <p:cNvGrpSpPr/>
-          <p:nvPr/>
-        </p:nvGrpSpPr>
-        <p:grpSpPr>
-          <a:xfrm>
-            <a:off x="6408688" y="1619616"/>
-            <a:ext cx="4533566" cy="2352951"/>
-            <a:chOff x="6408688" y="1619616"/>
-            <a:chExt cx="4533566" cy="2352951"/>
-          </a:xfrm>
-        </p:grpSpPr>
-        <p:sp>
-          <p:nvSpPr>
-            <p:cNvPr id="31" name="Oval 30"/>
-            <p:cNvSpPr/>
-            <p:nvPr/>
-          </p:nvSpPr>
-          <p:spPr>
-            <a:xfrm>
-              <a:off x="6408688" y="1658076"/>
-              <a:ext cx="1313192" cy="733899"/>
-            </a:xfrm>
-            <a:prstGeom prst="ellipse">
-              <a:avLst/>
-            </a:prstGeom>
-          </p:spPr>
-          <p:style>
-            <a:lnRef idx="2">
-              <a:schemeClr val="accent1">
-                <a:shade val="50000"/>
-              </a:schemeClr>
-            </a:lnRef>
-            <a:fillRef idx="1">
-              <a:schemeClr val="accent1"/>
-            </a:fillRef>
-            <a:effectRef idx="0">
-              <a:schemeClr val="accent1"/>
-            </a:effectRef>
-            <a:fontRef idx="minor">
-              <a:schemeClr val="lt1"/>
-            </a:fontRef>
-          </p:style>
-          <p:txBody>
-            <a:bodyPr rtlCol="0" anchor="ctr"/>
-            <a:lstStyle/>
-            <a:p>
-              <a:pPr algn="ctr"/>
-              <a:r>
-                <a:rPr lang="de-DE" dirty="0" err="1"/>
-                <a:t>Trained</a:t>
-              </a:r>
-              <a:r>
-                <a:rPr lang="de-DE" dirty="0"/>
-                <a:t> Model</a:t>
-              </a:r>
-            </a:p>
-          </p:txBody>
-        </p:sp>
-        <p:sp>
-          <p:nvSpPr>
-            <p:cNvPr id="43" name="Can 42"/>
-            <p:cNvSpPr/>
-            <p:nvPr/>
-          </p:nvSpPr>
-          <p:spPr>
-            <a:xfrm>
-              <a:off x="10139971" y="1619616"/>
-              <a:ext cx="802283" cy="810820"/>
-            </a:xfrm>
-            <a:prstGeom prst="can">
-              <a:avLst/>
-            </a:prstGeom>
-          </p:spPr>
-          <p:style>
-            <a:lnRef idx="2">
-              <a:schemeClr val="accent1">
-                <a:shade val="50000"/>
-              </a:schemeClr>
-            </a:lnRef>
-            <a:fillRef idx="1">
-              <a:schemeClr val="accent1"/>
-            </a:fillRef>
-            <a:effectRef idx="0">
-              <a:schemeClr val="accent1"/>
-            </a:effectRef>
-            <a:fontRef idx="minor">
-              <a:schemeClr val="lt1"/>
-            </a:fontRef>
-          </p:style>
-          <p:txBody>
-            <a:bodyPr rtlCol="0" anchor="ctr"/>
-            <a:lstStyle/>
-            <a:p>
-              <a:pPr algn="ctr"/>
-              <a:r>
-                <a:rPr lang="de-DE" sz="1400" dirty="0"/>
-                <a:t>Test Set</a:t>
-              </a:r>
-            </a:p>
-          </p:txBody>
-        </p:sp>
-        <p:sp>
-          <p:nvSpPr>
-            <p:cNvPr id="44" name="Rectangle 43"/>
-            <p:cNvSpPr/>
-            <p:nvPr/>
-          </p:nvSpPr>
-          <p:spPr>
-            <a:xfrm>
-              <a:off x="8537086" y="1826209"/>
-              <a:ext cx="787679" cy="402819"/>
-            </a:xfrm>
-            <a:prstGeom prst="rect">
-              <a:avLst/>
-            </a:prstGeom>
-          </p:spPr>
-          <p:style>
-            <a:lnRef idx="2">
-              <a:schemeClr val="accent1">
-                <a:shade val="50000"/>
-              </a:schemeClr>
-            </a:lnRef>
-            <a:fillRef idx="1">
-              <a:schemeClr val="accent1"/>
-            </a:fillRef>
-            <a:effectRef idx="0">
-              <a:schemeClr val="accent1"/>
-            </a:effectRef>
-            <a:fontRef idx="minor">
-              <a:schemeClr val="lt1"/>
-            </a:fontRef>
-          </p:style>
-          <p:txBody>
-            <a:bodyPr rtlCol="0" anchor="ctr"/>
-            <a:lstStyle/>
-            <a:p>
-              <a:pPr algn="ctr"/>
-              <a:r>
-                <a:rPr lang="de-DE" sz="1200" dirty="0" err="1"/>
-                <a:t>Evaluate</a:t>
-              </a:r>
-              <a:endParaRPr lang="de-DE" sz="1200" dirty="0"/>
-            </a:p>
-          </p:txBody>
-        </p:sp>
-        <p:cxnSp>
-          <p:nvCxnSpPr>
-            <p:cNvPr id="46" name="Straight Arrow Connector 45"/>
-            <p:cNvCxnSpPr>
-              <a:stCxn id="31" idx="6"/>
-              <a:endCxn id="44" idx="1"/>
-            </p:cNvCxnSpPr>
-            <p:nvPr/>
-          </p:nvCxnSpPr>
-          <p:spPr>
-            <a:xfrm>
-              <a:off x="7721880" y="2025026"/>
-              <a:ext cx="815206" cy="2593"/>
-            </a:xfrm>
-            <a:prstGeom prst="straightConnector1">
-              <a:avLst/>
-            </a:prstGeom>
-            <a:ln>
-              <a:tailEnd type="triangle"/>
-            </a:ln>
-          </p:spPr>
-          <p:style>
-            <a:lnRef idx="1">
-              <a:schemeClr val="accent1"/>
-            </a:lnRef>
-            <a:fillRef idx="0">
-              <a:schemeClr val="accent1"/>
-            </a:fillRef>
-            <a:effectRef idx="0">
-              <a:schemeClr val="accent1"/>
-            </a:effectRef>
-            <a:fontRef idx="minor">
-              <a:schemeClr val="tx1"/>
-            </a:fontRef>
-          </p:style>
-        </p:cxnSp>
-        <p:cxnSp>
-          <p:nvCxnSpPr>
-            <p:cNvPr id="48" name="Straight Arrow Connector 47"/>
-            <p:cNvCxnSpPr>
-              <a:stCxn id="43" idx="2"/>
-              <a:endCxn id="44" idx="3"/>
-            </p:cNvCxnSpPr>
-            <p:nvPr/>
-          </p:nvCxnSpPr>
-          <p:spPr>
-            <a:xfrm flipH="1">
-              <a:off x="9324765" y="2025026"/>
-              <a:ext cx="815206" cy="2593"/>
-            </a:xfrm>
-            <a:prstGeom prst="straightConnector1">
-              <a:avLst/>
-            </a:prstGeom>
-            <a:ln>
-              <a:tailEnd type="triangle"/>
-            </a:ln>
-          </p:spPr>
-          <p:style>
-            <a:lnRef idx="1">
-              <a:schemeClr val="accent1"/>
-            </a:lnRef>
-            <a:fillRef idx="0">
-              <a:schemeClr val="accent1"/>
-            </a:fillRef>
-            <a:effectRef idx="0">
-              <a:schemeClr val="accent1"/>
-            </a:effectRef>
-            <a:fontRef idx="minor">
-              <a:schemeClr val="tx1"/>
-            </a:fontRef>
-          </p:style>
-        </p:cxnSp>
-        <p:cxnSp>
-          <p:nvCxnSpPr>
-            <p:cNvPr id="51" name="Straight Arrow Connector 50"/>
-            <p:cNvCxnSpPr>
-              <a:stCxn id="44" idx="2"/>
-              <a:endCxn id="52" idx="0"/>
-            </p:cNvCxnSpPr>
-            <p:nvPr/>
-          </p:nvCxnSpPr>
-          <p:spPr>
-            <a:xfrm flipH="1">
-              <a:off x="8930925" y="2229028"/>
-              <a:ext cx="1" cy="1009640"/>
-            </a:xfrm>
-            <a:prstGeom prst="straightConnector1">
-              <a:avLst/>
-            </a:prstGeom>
-            <a:ln>
-              <a:tailEnd type="triangle"/>
-            </a:ln>
-          </p:spPr>
-          <p:style>
-            <a:lnRef idx="1">
-              <a:schemeClr val="accent1"/>
-            </a:lnRef>
-            <a:fillRef idx="0">
-              <a:schemeClr val="accent1"/>
-            </a:fillRef>
-            <a:effectRef idx="0">
-              <a:schemeClr val="accent1"/>
-            </a:effectRef>
-            <a:fontRef idx="minor">
-              <a:schemeClr val="tx1"/>
-            </a:fontRef>
-          </p:style>
-        </p:cxnSp>
-        <p:sp>
-          <p:nvSpPr>
-            <p:cNvPr id="52" name="Oval 51"/>
-            <p:cNvSpPr/>
-            <p:nvPr/>
-          </p:nvSpPr>
-          <p:spPr>
-            <a:xfrm>
-              <a:off x="8274329" y="3238668"/>
-              <a:ext cx="1313192" cy="733899"/>
-            </a:xfrm>
-            <a:prstGeom prst="ellipse">
-              <a:avLst/>
-            </a:prstGeom>
-          </p:spPr>
-          <p:style>
-            <a:lnRef idx="2">
-              <a:schemeClr val="accent1">
-                <a:shade val="50000"/>
-              </a:schemeClr>
-            </a:lnRef>
-            <a:fillRef idx="1">
-              <a:schemeClr val="accent1"/>
-            </a:fillRef>
-            <a:effectRef idx="0">
-              <a:schemeClr val="accent1"/>
-            </a:effectRef>
-            <a:fontRef idx="minor">
-              <a:schemeClr val="lt1"/>
-            </a:fontRef>
-          </p:style>
-          <p:txBody>
-            <a:bodyPr rtlCol="0" anchor="ctr"/>
-            <a:lstStyle/>
-            <a:p>
-              <a:pPr algn="ctr"/>
-              <a:r>
-                <a:rPr lang="de-DE" dirty="0" err="1"/>
-                <a:t>Results</a:t>
-              </a:r>
-              <a:endParaRPr lang="de-DE" dirty="0"/>
-            </a:p>
-          </p:txBody>
-        </p:sp>
-      </p:grpSp>
-    </p:spTree>
-    <p:extLst>
-      <p:ext uri="{BB962C8B-B14F-4D97-AF65-F5344CB8AC3E}">
-        <p14:creationId xmlns:p14="http://schemas.microsoft.com/office/powerpoint/2010/main" val="3977959765"/>
-      </p:ext>
-    </p:extLst>
-  </p:cSld>
-  <p:clrMapOvr>
-    <a:masterClrMapping/>
-  </p:clrMapOvr>
-</p:sld>
-</file>
-
-<file path=ppt/slides/slide6.xml><?xml version="1.0" encoding="utf-8"?>
+<file path=ppt/slides/slide11.xml><?xml version="1.0" encoding="utf-8"?>
 <p:sld xmlns:a="http://schemas.openxmlformats.org/drawingml/2006/main" xmlns:r="http://schemas.openxmlformats.org/officeDocument/2006/relationships" xmlns:p="http://schemas.openxmlformats.org/presentationml/2006/main">
   <p:cSld>
     <p:spTree>
@@ -6251,7 +4285,75 @@
 </p:sld>
 </file>
 
-<file path=ppt/slides/slide7.xml><?xml version="1.0" encoding="utf-8"?>
+<file path=ppt/slides/slide12.xml><?xml version="1.0" encoding="utf-8"?>
+<p:sld xmlns:a="http://schemas.openxmlformats.org/drawingml/2006/main" xmlns:r="http://schemas.openxmlformats.org/officeDocument/2006/relationships" xmlns:p="http://schemas.openxmlformats.org/presentationml/2006/main">
+  <p:cSld>
+    <p:spTree>
+      <p:nvGrpSpPr>
+        <p:cNvPr id="1" name=""/>
+        <p:cNvGrpSpPr/>
+        <p:nvPr/>
+      </p:nvGrpSpPr>
+      <p:grpSpPr>
+        <a:xfrm>
+          <a:off x="0" y="0"/>
+          <a:ext cx="0" cy="0"/>
+          <a:chOff x="0" y="0"/>
+          <a:chExt cx="0" cy="0"/>
+        </a:xfrm>
+      </p:grpSpPr>
+      <p:sp>
+        <p:nvSpPr>
+          <p:cNvPr id="2" name="Title 1"/>
+          <p:cNvSpPr>
+            <a:spLocks noGrp="1"/>
+          </p:cNvSpPr>
+          <p:nvPr>
+            <p:ph type="title"/>
+          </p:nvPr>
+        </p:nvSpPr>
+        <p:spPr/>
+        <p:txBody>
+          <a:bodyPr/>
+          <a:lstStyle/>
+          <a:p>
+            <a:endParaRPr lang="de-DE"/>
+          </a:p>
+        </p:txBody>
+      </p:sp>
+      <p:sp>
+        <p:nvSpPr>
+          <p:cNvPr id="3" name="Content Placeholder 2"/>
+          <p:cNvSpPr>
+            <a:spLocks noGrp="1"/>
+          </p:cNvSpPr>
+          <p:nvPr>
+            <p:ph idx="1"/>
+          </p:nvPr>
+        </p:nvSpPr>
+        <p:spPr/>
+        <p:txBody>
+          <a:bodyPr/>
+          <a:lstStyle/>
+          <a:p>
+            <a:endParaRPr lang="de-DE"/>
+          </a:p>
+        </p:txBody>
+      </p:sp>
+    </p:spTree>
+    <p:extLst>
+      <p:ext uri="{BB962C8B-B14F-4D97-AF65-F5344CB8AC3E}">
+        <p14:creationId xmlns:p14="http://schemas.microsoft.com/office/powerpoint/2010/main" val="3877380076"/>
+      </p:ext>
+    </p:extLst>
+  </p:cSld>
+  <p:clrMapOvr>
+    <a:masterClrMapping/>
+  </p:clrMapOvr>
+</p:sld>
+</file>
+
+<file path=ppt/slides/slide13.xml><?xml version="1.0" encoding="utf-8"?>
 <p:sld xmlns:a="http://schemas.openxmlformats.org/drawingml/2006/main" xmlns:r="http://schemas.openxmlformats.org/officeDocument/2006/relationships" xmlns:p="http://schemas.openxmlformats.org/presentationml/2006/main">
   <p:cSld>
     <p:spTree>
@@ -7918,6 +6020,2700 @@
     <p:extLst>
       <p:ext uri="{BB962C8B-B14F-4D97-AF65-F5344CB8AC3E}">
         <p14:creationId xmlns:p14="http://schemas.microsoft.com/office/powerpoint/2010/main" val="4208221713"/>
+      </p:ext>
+    </p:extLst>
+  </p:cSld>
+  <p:clrMapOvr>
+    <a:masterClrMapping/>
+  </p:clrMapOvr>
+</p:sld>
+</file>
+
+<file path=ppt/slides/slide14.xml><?xml version="1.0" encoding="utf-8"?>
+<p:sld xmlns:a="http://schemas.openxmlformats.org/drawingml/2006/main" xmlns:r="http://schemas.openxmlformats.org/officeDocument/2006/relationships" xmlns:p="http://schemas.openxmlformats.org/presentationml/2006/main">
+  <p:cSld>
+    <p:spTree>
+      <p:nvGrpSpPr>
+        <p:cNvPr id="1" name=""/>
+        <p:cNvGrpSpPr/>
+        <p:nvPr/>
+      </p:nvGrpSpPr>
+      <p:grpSpPr>
+        <a:xfrm>
+          <a:off x="0" y="0"/>
+          <a:ext cx="0" cy="0"/>
+          <a:chOff x="0" y="0"/>
+          <a:chExt cx="0" cy="0"/>
+        </a:xfrm>
+      </p:grpSpPr>
+      <p:sp>
+        <p:nvSpPr>
+          <p:cNvPr id="2" name="Title 1"/>
+          <p:cNvSpPr>
+            <a:spLocks noGrp="1"/>
+          </p:cNvSpPr>
+          <p:nvPr>
+            <p:ph type="title"/>
+          </p:nvPr>
+        </p:nvSpPr>
+        <p:spPr/>
+        <p:txBody>
+          <a:bodyPr/>
+          <a:lstStyle/>
+          <a:p>
+            <a:endParaRPr lang="de-DE"/>
+          </a:p>
+        </p:txBody>
+      </p:sp>
+      <p:sp>
+        <p:nvSpPr>
+          <p:cNvPr id="3" name="Content Placeholder 2"/>
+          <p:cNvSpPr>
+            <a:spLocks noGrp="1"/>
+          </p:cNvSpPr>
+          <p:nvPr>
+            <p:ph idx="1"/>
+          </p:nvPr>
+        </p:nvSpPr>
+        <p:spPr/>
+        <p:txBody>
+          <a:bodyPr/>
+          <a:lstStyle/>
+          <a:p>
+            <a:endParaRPr lang="de-DE"/>
+          </a:p>
+        </p:txBody>
+      </p:sp>
+    </p:spTree>
+    <p:extLst>
+      <p:ext uri="{BB962C8B-B14F-4D97-AF65-F5344CB8AC3E}">
+        <p14:creationId xmlns:p14="http://schemas.microsoft.com/office/powerpoint/2010/main" val="104282114"/>
+      </p:ext>
+    </p:extLst>
+  </p:cSld>
+  <p:clrMapOvr>
+    <a:masterClrMapping/>
+  </p:clrMapOvr>
+</p:sld>
+</file>
+
+<file path=ppt/slides/slide15.xml><?xml version="1.0" encoding="utf-8"?>
+<p:sld xmlns:a="http://schemas.openxmlformats.org/drawingml/2006/main" xmlns:r="http://schemas.openxmlformats.org/officeDocument/2006/relationships" xmlns:p="http://schemas.openxmlformats.org/presentationml/2006/main">
+  <p:cSld>
+    <p:spTree>
+      <p:nvGrpSpPr>
+        <p:cNvPr id="1" name=""/>
+        <p:cNvGrpSpPr/>
+        <p:nvPr/>
+      </p:nvGrpSpPr>
+      <p:grpSpPr>
+        <a:xfrm>
+          <a:off x="0" y="0"/>
+          <a:ext cx="0" cy="0"/>
+          <a:chOff x="0" y="0"/>
+          <a:chExt cx="0" cy="0"/>
+        </a:xfrm>
+      </p:grpSpPr>
+      <p:sp>
+        <p:nvSpPr>
+          <p:cNvPr id="2" name="Title 1"/>
+          <p:cNvSpPr>
+            <a:spLocks noGrp="1"/>
+          </p:cNvSpPr>
+          <p:nvPr>
+            <p:ph type="title"/>
+          </p:nvPr>
+        </p:nvSpPr>
+        <p:spPr/>
+        <p:txBody>
+          <a:bodyPr/>
+          <a:lstStyle/>
+          <a:p>
+            <a:r>
+              <a:rPr lang="de-DE" dirty="0" smtClean="0"/>
+              <a:t>Evaluation / Vergleich</a:t>
+            </a:r>
+            <a:br>
+              <a:rPr lang="de-DE" dirty="0" smtClean="0"/>
+            </a:br>
+            <a:endParaRPr lang="de-DE" dirty="0"/>
+          </a:p>
+        </p:txBody>
+      </p:sp>
+      <p:sp>
+        <p:nvSpPr>
+          <p:cNvPr id="3" name="Content Placeholder 2"/>
+          <p:cNvSpPr>
+            <a:spLocks noGrp="1"/>
+          </p:cNvSpPr>
+          <p:nvPr>
+            <p:ph idx="1"/>
+          </p:nvPr>
+        </p:nvSpPr>
+        <p:spPr/>
+        <p:txBody>
+          <a:bodyPr/>
+          <a:lstStyle/>
+          <a:p>
+            <a:r>
+              <a:rPr lang="de-DE" dirty="0" smtClean="0"/>
+              <a:t>TODO Jonathan</a:t>
+            </a:r>
+            <a:endParaRPr lang="de-DE" dirty="0"/>
+          </a:p>
+        </p:txBody>
+      </p:sp>
+    </p:spTree>
+    <p:extLst>
+      <p:ext uri="{BB962C8B-B14F-4D97-AF65-F5344CB8AC3E}">
+        <p14:creationId xmlns:p14="http://schemas.microsoft.com/office/powerpoint/2010/main" val="866332940"/>
+      </p:ext>
+    </p:extLst>
+  </p:cSld>
+  <p:clrMapOvr>
+    <a:masterClrMapping/>
+  </p:clrMapOvr>
+</p:sld>
+</file>
+
+<file path=ppt/slides/slide16.xml><?xml version="1.0" encoding="utf-8"?>
+<p:sld xmlns:a="http://schemas.openxmlformats.org/drawingml/2006/main" xmlns:r="http://schemas.openxmlformats.org/officeDocument/2006/relationships" xmlns:p="http://schemas.openxmlformats.org/presentationml/2006/main">
+  <p:cSld>
+    <p:spTree>
+      <p:nvGrpSpPr>
+        <p:cNvPr id="1" name=""/>
+        <p:cNvGrpSpPr/>
+        <p:nvPr/>
+      </p:nvGrpSpPr>
+      <p:grpSpPr>
+        <a:xfrm>
+          <a:off x="0" y="0"/>
+          <a:ext cx="0" cy="0"/>
+          <a:chOff x="0" y="0"/>
+          <a:chExt cx="0" cy="0"/>
+        </a:xfrm>
+      </p:grpSpPr>
+      <p:sp>
+        <p:nvSpPr>
+          <p:cNvPr id="2" name="Title 1"/>
+          <p:cNvSpPr>
+            <a:spLocks noGrp="1"/>
+          </p:cNvSpPr>
+          <p:nvPr>
+            <p:ph type="title"/>
+          </p:nvPr>
+        </p:nvSpPr>
+        <p:spPr/>
+        <p:txBody>
+          <a:bodyPr/>
+          <a:lstStyle/>
+          <a:p>
+            <a:r>
+              <a:rPr lang="de-DE" dirty="0" smtClean="0"/>
+              <a:t>SHAP</a:t>
+            </a:r>
+            <a:endParaRPr lang="de-DE" dirty="0"/>
+          </a:p>
+        </p:txBody>
+      </p:sp>
+      <p:sp>
+        <p:nvSpPr>
+          <p:cNvPr id="3" name="Content Placeholder 2"/>
+          <p:cNvSpPr>
+            <a:spLocks noGrp="1"/>
+          </p:cNvSpPr>
+          <p:nvPr>
+            <p:ph idx="1"/>
+          </p:nvPr>
+        </p:nvSpPr>
+        <p:spPr/>
+        <p:txBody>
+          <a:bodyPr/>
+          <a:lstStyle/>
+          <a:p>
+            <a:r>
+              <a:rPr lang="de-DE" dirty="0" smtClean="0"/>
+              <a:t>Lukas</a:t>
+            </a:r>
+            <a:endParaRPr lang="de-DE" dirty="0"/>
+          </a:p>
+        </p:txBody>
+      </p:sp>
+    </p:spTree>
+    <p:extLst>
+      <p:ext uri="{BB962C8B-B14F-4D97-AF65-F5344CB8AC3E}">
+        <p14:creationId xmlns:p14="http://schemas.microsoft.com/office/powerpoint/2010/main" val="3022400559"/>
+      </p:ext>
+    </p:extLst>
+  </p:cSld>
+  <p:clrMapOvr>
+    <a:masterClrMapping/>
+  </p:clrMapOvr>
+</p:sld>
+</file>
+
+<file path=ppt/slides/slide2.xml><?xml version="1.0" encoding="utf-8"?>
+<p:sld xmlns:a="http://schemas.openxmlformats.org/drawingml/2006/main" xmlns:r="http://schemas.openxmlformats.org/officeDocument/2006/relationships" xmlns:p="http://schemas.openxmlformats.org/presentationml/2006/main">
+  <p:cSld>
+    <p:spTree>
+      <p:nvGrpSpPr>
+        <p:cNvPr id="1" name=""/>
+        <p:cNvGrpSpPr/>
+        <p:nvPr/>
+      </p:nvGrpSpPr>
+      <p:grpSpPr>
+        <a:xfrm>
+          <a:off x="0" y="0"/>
+          <a:ext cx="0" cy="0"/>
+          <a:chOff x="0" y="0"/>
+          <a:chExt cx="0" cy="0"/>
+        </a:xfrm>
+      </p:grpSpPr>
+      <p:sp>
+        <p:nvSpPr>
+          <p:cNvPr id="2" name="Title 1"/>
+          <p:cNvSpPr>
+            <a:spLocks noGrp="1"/>
+          </p:cNvSpPr>
+          <p:nvPr>
+            <p:ph type="title"/>
+          </p:nvPr>
+        </p:nvSpPr>
+        <p:spPr/>
+        <p:txBody>
+          <a:bodyPr/>
+          <a:lstStyle/>
+          <a:p>
+            <a:r>
+              <a:rPr lang="de-DE" dirty="0" smtClean="0"/>
+              <a:t>Beschreibung der Daten / des Anwendungsfalls</a:t>
+            </a:r>
+            <a:endParaRPr lang="de-DE" dirty="0"/>
+          </a:p>
+        </p:txBody>
+      </p:sp>
+      <p:sp>
+        <p:nvSpPr>
+          <p:cNvPr id="3" name="Content Placeholder 2"/>
+          <p:cNvSpPr>
+            <a:spLocks noGrp="1"/>
+          </p:cNvSpPr>
+          <p:nvPr>
+            <p:ph idx="1"/>
+          </p:nvPr>
+        </p:nvSpPr>
+        <p:spPr/>
+        <p:txBody>
+          <a:bodyPr/>
+          <a:lstStyle/>
+          <a:p>
+            <a:r>
+              <a:rPr lang="de-DE" dirty="0" smtClean="0"/>
+              <a:t>TODO Salar</a:t>
+            </a:r>
+            <a:endParaRPr lang="de-DE" dirty="0"/>
+          </a:p>
+        </p:txBody>
+      </p:sp>
+    </p:spTree>
+    <p:extLst>
+      <p:ext uri="{BB962C8B-B14F-4D97-AF65-F5344CB8AC3E}">
+        <p14:creationId xmlns:p14="http://schemas.microsoft.com/office/powerpoint/2010/main" val="2761584732"/>
+      </p:ext>
+    </p:extLst>
+  </p:cSld>
+  <p:clrMapOvr>
+    <a:masterClrMapping/>
+  </p:clrMapOvr>
+</p:sld>
+</file>
+
+<file path=ppt/slides/slide3.xml><?xml version="1.0" encoding="utf-8"?>
+<p:sld xmlns:a="http://schemas.openxmlformats.org/drawingml/2006/main" xmlns:r="http://schemas.openxmlformats.org/officeDocument/2006/relationships" xmlns:p="http://schemas.openxmlformats.org/presentationml/2006/main">
+  <p:cSld>
+    <p:spTree>
+      <p:nvGrpSpPr>
+        <p:cNvPr id="1" name=""/>
+        <p:cNvGrpSpPr/>
+        <p:nvPr/>
+      </p:nvGrpSpPr>
+      <p:grpSpPr>
+        <a:xfrm>
+          <a:off x="0" y="0"/>
+          <a:ext cx="0" cy="0"/>
+          <a:chOff x="0" y="0"/>
+          <a:chExt cx="0" cy="0"/>
+        </a:xfrm>
+      </p:grpSpPr>
+      <p:sp>
+        <p:nvSpPr>
+          <p:cNvPr id="2" name="Title 1"/>
+          <p:cNvSpPr>
+            <a:spLocks noGrp="1"/>
+          </p:cNvSpPr>
+          <p:nvPr>
+            <p:ph type="title"/>
+          </p:nvPr>
+        </p:nvSpPr>
+        <p:spPr/>
+        <p:txBody>
+          <a:bodyPr/>
+          <a:lstStyle/>
+          <a:p>
+            <a:r>
+              <a:rPr lang="de-DE" dirty="0"/>
+              <a:t>Intro</a:t>
+            </a:r>
+          </a:p>
+        </p:txBody>
+      </p:sp>
+      <p:sp>
+        <p:nvSpPr>
+          <p:cNvPr id="3" name="Content Placeholder 2"/>
+          <p:cNvSpPr>
+            <a:spLocks noGrp="1"/>
+          </p:cNvSpPr>
+          <p:nvPr>
+            <p:ph idx="1"/>
+          </p:nvPr>
+        </p:nvSpPr>
+        <p:spPr/>
+        <p:txBody>
+          <a:bodyPr>
+            <a:normAutofit fontScale="92500" lnSpcReduction="20000"/>
+          </a:bodyPr>
+          <a:lstStyle/>
+          <a:p>
+            <a:r>
+              <a:rPr lang="de-DE" dirty="0"/>
+              <a:t>Data </a:t>
+            </a:r>
+            <a:r>
+              <a:rPr lang="de-DE" dirty="0" err="1"/>
+              <a:t>is</a:t>
+            </a:r>
+            <a:r>
+              <a:rPr lang="de-DE" dirty="0"/>
+              <a:t> </a:t>
+            </a:r>
+            <a:r>
+              <a:rPr lang="de-DE" dirty="0" err="1"/>
+              <a:t>highly</a:t>
+            </a:r>
+            <a:r>
+              <a:rPr lang="de-DE" dirty="0"/>
+              <a:t> </a:t>
+            </a:r>
+            <a:r>
+              <a:rPr lang="de-DE" dirty="0" err="1"/>
+              <a:t>imbalanced</a:t>
+            </a:r>
+            <a:r>
+              <a:rPr lang="de-DE" dirty="0"/>
+              <a:t>:</a:t>
+            </a:r>
+          </a:p>
+          <a:p>
+            <a:pPr lvl="1"/>
+            <a:r>
+              <a:rPr lang="de-DE" dirty="0" smtClean="0"/>
+              <a:t>99.83 % </a:t>
+            </a:r>
+            <a:r>
+              <a:rPr lang="de-DE" dirty="0"/>
+              <a:t>normal </a:t>
+            </a:r>
+            <a:r>
+              <a:rPr lang="de-DE" dirty="0" err="1"/>
+              <a:t>transactions</a:t>
+            </a:r>
+            <a:endParaRPr lang="de-DE" dirty="0"/>
+          </a:p>
+          <a:p>
+            <a:pPr lvl="1"/>
+            <a:r>
+              <a:rPr lang="de-DE" dirty="0" smtClean="0"/>
+              <a:t>00.17 </a:t>
+            </a:r>
+            <a:r>
+              <a:rPr lang="de-DE" dirty="0"/>
+              <a:t>% </a:t>
+            </a:r>
+            <a:r>
+              <a:rPr lang="de-DE" dirty="0" err="1"/>
+              <a:t>fraudulent</a:t>
+            </a:r>
+            <a:r>
+              <a:rPr lang="de-DE" dirty="0"/>
+              <a:t> </a:t>
+            </a:r>
+            <a:r>
+              <a:rPr lang="de-DE" dirty="0" err="1"/>
+              <a:t>transactions</a:t>
+            </a:r>
+            <a:endParaRPr lang="de-DE" dirty="0"/>
+          </a:p>
+          <a:p>
+            <a:pPr lvl="1"/>
+            <a:endParaRPr lang="de-DE" dirty="0"/>
+          </a:p>
+          <a:p>
+            <a:r>
+              <a:rPr lang="de-DE" dirty="0" err="1"/>
+              <a:t>Possibilities</a:t>
+            </a:r>
+            <a:r>
+              <a:rPr lang="de-DE" dirty="0"/>
+              <a:t>:</a:t>
+            </a:r>
+          </a:p>
+          <a:p>
+            <a:pPr lvl="1"/>
+            <a:r>
+              <a:rPr lang="de-DE" dirty="0">
+                <a:solidFill>
+                  <a:srgbClr val="92D050"/>
+                </a:solidFill>
+              </a:rPr>
+              <a:t>Work on </a:t>
+            </a:r>
+            <a:r>
+              <a:rPr lang="de-DE" dirty="0" err="1">
+                <a:solidFill>
+                  <a:srgbClr val="92D050"/>
+                </a:solidFill>
+              </a:rPr>
+              <a:t>full</a:t>
+            </a:r>
+            <a:r>
+              <a:rPr lang="de-DE" dirty="0">
+                <a:solidFill>
+                  <a:srgbClr val="92D050"/>
+                </a:solidFill>
+              </a:rPr>
+              <a:t> </a:t>
+            </a:r>
+            <a:r>
+              <a:rPr lang="de-DE" dirty="0" err="1">
+                <a:solidFill>
+                  <a:srgbClr val="92D050"/>
+                </a:solidFill>
+              </a:rPr>
+              <a:t>imbalanced</a:t>
+            </a:r>
+            <a:r>
+              <a:rPr lang="de-DE" dirty="0">
+                <a:solidFill>
+                  <a:srgbClr val="92D050"/>
+                </a:solidFill>
+              </a:rPr>
+              <a:t> </a:t>
+            </a:r>
+            <a:r>
+              <a:rPr lang="de-DE" dirty="0" err="1">
+                <a:solidFill>
+                  <a:srgbClr val="92D050"/>
+                </a:solidFill>
+              </a:rPr>
+              <a:t>data</a:t>
+            </a:r>
+            <a:r>
+              <a:rPr lang="de-DE" dirty="0">
+                <a:solidFill>
+                  <a:srgbClr val="92D050"/>
+                </a:solidFill>
+              </a:rPr>
+              <a:t> </a:t>
+            </a:r>
+            <a:r>
+              <a:rPr lang="de-DE" dirty="0" err="1">
+                <a:solidFill>
+                  <a:srgbClr val="92D050"/>
+                </a:solidFill>
+              </a:rPr>
+              <a:t>set</a:t>
+            </a:r>
+            <a:endParaRPr lang="de-DE" dirty="0">
+              <a:solidFill>
+                <a:srgbClr val="92D050"/>
+              </a:solidFill>
+            </a:endParaRPr>
+          </a:p>
+          <a:p>
+            <a:pPr lvl="2"/>
+            <a:r>
+              <a:rPr lang="de-DE" dirty="0" err="1"/>
+              <a:t>Computationally</a:t>
+            </a:r>
+            <a:r>
+              <a:rPr lang="de-DE" dirty="0"/>
+              <a:t> expensive</a:t>
+            </a:r>
+          </a:p>
+          <a:p>
+            <a:pPr lvl="1"/>
+            <a:r>
+              <a:rPr lang="de-DE" strike="sngStrike" dirty="0"/>
+              <a:t>Work on </a:t>
+            </a:r>
+            <a:r>
+              <a:rPr lang="de-DE" strike="sngStrike" dirty="0" err="1"/>
+              <a:t>subset</a:t>
+            </a:r>
+            <a:r>
+              <a:rPr lang="de-DE" strike="sngStrike" dirty="0"/>
+              <a:t> </a:t>
+            </a:r>
+            <a:r>
+              <a:rPr lang="de-DE" strike="sngStrike" dirty="0" err="1"/>
+              <a:t>of</a:t>
+            </a:r>
+            <a:r>
+              <a:rPr lang="de-DE" strike="sngStrike" dirty="0"/>
+              <a:t> </a:t>
+            </a:r>
+            <a:r>
+              <a:rPr lang="de-DE" strike="sngStrike" dirty="0" err="1"/>
+              <a:t>imbalanced</a:t>
+            </a:r>
+            <a:r>
+              <a:rPr lang="de-DE" strike="sngStrike" dirty="0"/>
+              <a:t> </a:t>
+            </a:r>
+            <a:r>
+              <a:rPr lang="de-DE" strike="sngStrike" dirty="0" err="1"/>
+              <a:t>data</a:t>
+            </a:r>
+            <a:r>
+              <a:rPr lang="de-DE" strike="sngStrike" dirty="0"/>
+              <a:t> </a:t>
+            </a:r>
+            <a:r>
+              <a:rPr lang="de-DE" strike="sngStrike" dirty="0" err="1"/>
+              <a:t>set</a:t>
+            </a:r>
+            <a:endParaRPr lang="de-DE" strike="sngStrike" dirty="0"/>
+          </a:p>
+          <a:p>
+            <a:pPr lvl="1"/>
+            <a:r>
+              <a:rPr lang="de-DE" dirty="0">
+                <a:solidFill>
+                  <a:srgbClr val="92D050"/>
+                </a:solidFill>
+              </a:rPr>
+              <a:t>Work on </a:t>
+            </a:r>
+            <a:r>
+              <a:rPr lang="de-DE" dirty="0" err="1">
+                <a:solidFill>
+                  <a:srgbClr val="92D050"/>
+                </a:solidFill>
+              </a:rPr>
+              <a:t>undersampled</a:t>
+            </a:r>
+            <a:r>
+              <a:rPr lang="de-DE" dirty="0">
+                <a:solidFill>
+                  <a:srgbClr val="92D050"/>
+                </a:solidFill>
+              </a:rPr>
+              <a:t> </a:t>
+            </a:r>
+            <a:r>
+              <a:rPr lang="de-DE" dirty="0" err="1">
+                <a:solidFill>
+                  <a:srgbClr val="92D050"/>
+                </a:solidFill>
+              </a:rPr>
+              <a:t>data</a:t>
+            </a:r>
+            <a:r>
+              <a:rPr lang="de-DE" dirty="0">
+                <a:solidFill>
+                  <a:srgbClr val="92D050"/>
+                </a:solidFill>
+              </a:rPr>
+              <a:t> </a:t>
+            </a:r>
+            <a:r>
+              <a:rPr lang="de-DE" dirty="0" err="1">
+                <a:solidFill>
+                  <a:srgbClr val="92D050"/>
+                </a:solidFill>
+              </a:rPr>
+              <a:t>set</a:t>
+            </a:r>
+            <a:endParaRPr lang="de-DE" dirty="0">
+              <a:solidFill>
+                <a:srgbClr val="92D050"/>
+              </a:solidFill>
+            </a:endParaRPr>
+          </a:p>
+          <a:p>
+            <a:pPr lvl="2"/>
+            <a:r>
+              <a:rPr lang="de-DE" dirty="0"/>
+              <a:t>Lot </a:t>
+            </a:r>
+            <a:r>
+              <a:rPr lang="de-DE" dirty="0" err="1"/>
+              <a:t>of</a:t>
+            </a:r>
+            <a:r>
+              <a:rPr lang="de-DE" dirty="0"/>
+              <a:t> </a:t>
+            </a:r>
+            <a:r>
+              <a:rPr lang="de-DE" dirty="0" err="1"/>
+              <a:t>information</a:t>
+            </a:r>
+            <a:r>
+              <a:rPr lang="de-DE" dirty="0"/>
+              <a:t> </a:t>
+            </a:r>
+            <a:r>
+              <a:rPr lang="de-DE" dirty="0" err="1"/>
+              <a:t>dismissed</a:t>
+            </a:r>
+            <a:endParaRPr lang="de-DE" dirty="0"/>
+          </a:p>
+          <a:p>
+            <a:pPr lvl="1"/>
+            <a:r>
+              <a:rPr lang="de-DE" dirty="0">
+                <a:solidFill>
+                  <a:srgbClr val="92D050"/>
+                </a:solidFill>
+              </a:rPr>
+              <a:t>Work on </a:t>
+            </a:r>
+            <a:r>
+              <a:rPr lang="de-DE" dirty="0" err="1">
+                <a:solidFill>
+                  <a:srgbClr val="92D050"/>
+                </a:solidFill>
+              </a:rPr>
+              <a:t>full</a:t>
+            </a:r>
+            <a:r>
+              <a:rPr lang="de-DE" dirty="0">
+                <a:solidFill>
+                  <a:srgbClr val="92D050"/>
+                </a:solidFill>
+              </a:rPr>
+              <a:t> </a:t>
+            </a:r>
+            <a:r>
+              <a:rPr lang="de-DE" dirty="0" err="1">
+                <a:solidFill>
+                  <a:srgbClr val="92D050"/>
+                </a:solidFill>
+              </a:rPr>
+              <a:t>over-sampled</a:t>
+            </a:r>
+            <a:r>
+              <a:rPr lang="de-DE" dirty="0">
+                <a:solidFill>
+                  <a:srgbClr val="92D050"/>
+                </a:solidFill>
+              </a:rPr>
+              <a:t> </a:t>
+            </a:r>
+            <a:r>
+              <a:rPr lang="de-DE" dirty="0" err="1">
+                <a:solidFill>
+                  <a:srgbClr val="92D050"/>
+                </a:solidFill>
+              </a:rPr>
+              <a:t>data</a:t>
+            </a:r>
+            <a:r>
+              <a:rPr lang="de-DE" dirty="0">
+                <a:solidFill>
+                  <a:srgbClr val="92D050"/>
+                </a:solidFill>
+              </a:rPr>
+              <a:t> </a:t>
+            </a:r>
+            <a:r>
+              <a:rPr lang="de-DE" dirty="0" err="1">
+                <a:solidFill>
+                  <a:srgbClr val="92D050"/>
+                </a:solidFill>
+              </a:rPr>
+              <a:t>set</a:t>
+            </a:r>
+            <a:endParaRPr lang="de-DE" dirty="0">
+              <a:solidFill>
+                <a:srgbClr val="92D050"/>
+              </a:solidFill>
+            </a:endParaRPr>
+          </a:p>
+          <a:p>
+            <a:pPr lvl="2"/>
+            <a:r>
+              <a:rPr lang="de-DE" dirty="0" err="1"/>
+              <a:t>Computationally</a:t>
+            </a:r>
+            <a:r>
+              <a:rPr lang="de-DE" dirty="0"/>
+              <a:t> </a:t>
+            </a:r>
+            <a:r>
+              <a:rPr lang="de-DE" dirty="0" err="1"/>
+              <a:t>very</a:t>
+            </a:r>
+            <a:r>
+              <a:rPr lang="de-DE" dirty="0"/>
+              <a:t> expensive</a:t>
+            </a:r>
+          </a:p>
+          <a:p>
+            <a:pPr lvl="1"/>
+            <a:r>
+              <a:rPr lang="de-DE" strike="sngStrike" dirty="0"/>
+              <a:t>Work on </a:t>
+            </a:r>
+            <a:r>
+              <a:rPr lang="de-DE" strike="sngStrike" dirty="0" err="1"/>
+              <a:t>subset</a:t>
+            </a:r>
+            <a:r>
+              <a:rPr lang="de-DE" strike="sngStrike" dirty="0"/>
+              <a:t> </a:t>
+            </a:r>
+            <a:r>
+              <a:rPr lang="de-DE" strike="sngStrike" dirty="0" err="1"/>
+              <a:t>of</a:t>
+            </a:r>
+            <a:r>
+              <a:rPr lang="de-DE" strike="sngStrike" dirty="0"/>
+              <a:t> </a:t>
+            </a:r>
+            <a:r>
+              <a:rPr lang="de-DE" strike="sngStrike" dirty="0" err="1"/>
+              <a:t>over-sampled</a:t>
+            </a:r>
+            <a:r>
+              <a:rPr lang="de-DE" strike="sngStrike" dirty="0"/>
+              <a:t> </a:t>
+            </a:r>
+            <a:r>
+              <a:rPr lang="de-DE" strike="sngStrike" dirty="0" err="1"/>
+              <a:t>data</a:t>
+            </a:r>
+            <a:endParaRPr lang="de-DE" strike="sngStrike" dirty="0"/>
+          </a:p>
+        </p:txBody>
+      </p:sp>
+    </p:spTree>
+    <p:extLst>
+      <p:ext uri="{BB962C8B-B14F-4D97-AF65-F5344CB8AC3E}">
+        <p14:creationId xmlns:p14="http://schemas.microsoft.com/office/powerpoint/2010/main" val="3366135288"/>
+      </p:ext>
+    </p:extLst>
+  </p:cSld>
+  <p:clrMapOvr>
+    <a:masterClrMapping/>
+  </p:clrMapOvr>
+</p:sld>
+</file>
+
+<file path=ppt/slides/slide4.xml><?xml version="1.0" encoding="utf-8"?>
+<p:sld xmlns:a="http://schemas.openxmlformats.org/drawingml/2006/main" xmlns:r="http://schemas.openxmlformats.org/officeDocument/2006/relationships" xmlns:p="http://schemas.openxmlformats.org/presentationml/2006/main">
+  <p:cSld>
+    <p:spTree>
+      <p:nvGrpSpPr>
+        <p:cNvPr id="1" name=""/>
+        <p:cNvGrpSpPr/>
+        <p:nvPr/>
+      </p:nvGrpSpPr>
+      <p:grpSpPr>
+        <a:xfrm>
+          <a:off x="0" y="0"/>
+          <a:ext cx="0" cy="0"/>
+          <a:chOff x="0" y="0"/>
+          <a:chExt cx="0" cy="0"/>
+        </a:xfrm>
+      </p:grpSpPr>
+      <p:sp>
+        <p:nvSpPr>
+          <p:cNvPr id="2" name="Title 1"/>
+          <p:cNvSpPr>
+            <a:spLocks noGrp="1"/>
+          </p:cNvSpPr>
+          <p:nvPr>
+            <p:ph type="title"/>
+          </p:nvPr>
+        </p:nvSpPr>
+        <p:spPr/>
+        <p:txBody>
+          <a:bodyPr/>
+          <a:lstStyle/>
+          <a:p>
+            <a:r>
+              <a:rPr lang="de-DE" dirty="0" smtClean="0"/>
+              <a:t>Metriken</a:t>
+            </a:r>
+            <a:endParaRPr lang="de-DE" dirty="0"/>
+          </a:p>
+        </p:txBody>
+      </p:sp>
+      <p:sp>
+        <p:nvSpPr>
+          <p:cNvPr id="3" name="Content Placeholder 2"/>
+          <p:cNvSpPr>
+            <a:spLocks noGrp="1"/>
+          </p:cNvSpPr>
+          <p:nvPr>
+            <p:ph idx="1"/>
+          </p:nvPr>
+        </p:nvSpPr>
+        <p:spPr/>
+        <p:txBody>
+          <a:bodyPr/>
+          <a:lstStyle/>
+          <a:p>
+            <a:r>
+              <a:rPr lang="de-DE" dirty="0" smtClean="0"/>
+              <a:t>TODO (Recall erklären und warum das die richtige Metrik ist) Andrej</a:t>
+            </a:r>
+            <a:endParaRPr lang="de-DE" dirty="0"/>
+          </a:p>
+        </p:txBody>
+      </p:sp>
+    </p:spTree>
+    <p:extLst>
+      <p:ext uri="{BB962C8B-B14F-4D97-AF65-F5344CB8AC3E}">
+        <p14:creationId xmlns:p14="http://schemas.microsoft.com/office/powerpoint/2010/main" val="4043019974"/>
+      </p:ext>
+    </p:extLst>
+  </p:cSld>
+  <p:clrMapOvr>
+    <a:masterClrMapping/>
+  </p:clrMapOvr>
+</p:sld>
+</file>
+
+<file path=ppt/slides/slide5.xml><?xml version="1.0" encoding="utf-8"?>
+<p:sld xmlns:a="http://schemas.openxmlformats.org/drawingml/2006/main" xmlns:r="http://schemas.openxmlformats.org/officeDocument/2006/relationships" xmlns:p="http://schemas.openxmlformats.org/presentationml/2006/main">
+  <p:cSld>
+    <p:spTree>
+      <p:nvGrpSpPr>
+        <p:cNvPr id="1" name=""/>
+        <p:cNvGrpSpPr/>
+        <p:nvPr/>
+      </p:nvGrpSpPr>
+      <p:grpSpPr>
+        <a:xfrm>
+          <a:off x="0" y="0"/>
+          <a:ext cx="0" cy="0"/>
+          <a:chOff x="0" y="0"/>
+          <a:chExt cx="0" cy="0"/>
+        </a:xfrm>
+      </p:grpSpPr>
+      <p:sp>
+        <p:nvSpPr>
+          <p:cNvPr id="2" name="Title 1"/>
+          <p:cNvSpPr>
+            <a:spLocks noGrp="1"/>
+          </p:cNvSpPr>
+          <p:nvPr>
+            <p:ph type="title"/>
+          </p:nvPr>
+        </p:nvSpPr>
+        <p:spPr/>
+        <p:txBody>
+          <a:bodyPr/>
+          <a:lstStyle/>
+          <a:p>
+            <a:r>
+              <a:rPr lang="de-DE" dirty="0" err="1"/>
+              <a:t>Idea</a:t>
+            </a:r>
+            <a:endParaRPr lang="de-DE" dirty="0"/>
+          </a:p>
+        </p:txBody>
+      </p:sp>
+      <p:sp>
+        <p:nvSpPr>
+          <p:cNvPr id="3" name="Content Placeholder 2"/>
+          <p:cNvSpPr>
+            <a:spLocks noGrp="1"/>
+          </p:cNvSpPr>
+          <p:nvPr>
+            <p:ph idx="1"/>
+          </p:nvPr>
+        </p:nvSpPr>
+        <p:spPr/>
+        <p:txBody>
+          <a:bodyPr/>
+          <a:lstStyle/>
+          <a:p>
+            <a:r>
+              <a:rPr lang="de-DE" dirty="0"/>
+              <a:t>Standard </a:t>
+            </a:r>
+            <a:r>
+              <a:rPr lang="de-DE" dirty="0" err="1"/>
+              <a:t>method</a:t>
+            </a:r>
+            <a:r>
+              <a:rPr lang="de-DE" dirty="0"/>
+              <a:t> </a:t>
+            </a:r>
+            <a:r>
+              <a:rPr lang="de-DE" dirty="0" err="1"/>
+              <a:t>for</a:t>
+            </a:r>
+            <a:r>
+              <a:rPr lang="de-DE" dirty="0"/>
+              <a:t> </a:t>
+            </a:r>
+            <a:r>
+              <a:rPr lang="de-DE" dirty="0" err="1"/>
+              <a:t>binary</a:t>
+            </a:r>
+            <a:r>
+              <a:rPr lang="de-DE" dirty="0"/>
+              <a:t> </a:t>
+            </a:r>
+            <a:r>
+              <a:rPr lang="de-DE" dirty="0" err="1"/>
+              <a:t>classification</a:t>
+            </a:r>
+            <a:r>
+              <a:rPr lang="de-DE" dirty="0"/>
+              <a:t>:</a:t>
+            </a:r>
+          </a:p>
+          <a:p>
+            <a:pPr lvl="1"/>
+            <a:r>
+              <a:rPr lang="de-DE" dirty="0" err="1">
+                <a:solidFill>
+                  <a:srgbClr val="FF0000"/>
+                </a:solidFill>
+              </a:rPr>
+              <a:t>Logistic</a:t>
+            </a:r>
+            <a:r>
+              <a:rPr lang="de-DE" dirty="0">
+                <a:solidFill>
+                  <a:srgbClr val="FF0000"/>
+                </a:solidFill>
+              </a:rPr>
+              <a:t> Regression</a:t>
+            </a:r>
+          </a:p>
+          <a:p>
+            <a:pPr lvl="1"/>
+            <a:r>
+              <a:rPr lang="de-DE" dirty="0"/>
+              <a:t>Random Forest</a:t>
+            </a:r>
+          </a:p>
+          <a:p>
+            <a:pPr lvl="1"/>
+            <a:r>
+              <a:rPr lang="de-DE" dirty="0"/>
+              <a:t>SVM</a:t>
+            </a:r>
+          </a:p>
+          <a:p>
+            <a:pPr lvl="1"/>
+            <a:r>
+              <a:rPr lang="de-DE" dirty="0" err="1"/>
+              <a:t>XGBoost</a:t>
+            </a:r>
+            <a:endParaRPr lang="de-DE" dirty="0"/>
+          </a:p>
+          <a:p>
+            <a:r>
+              <a:rPr lang="de-DE" dirty="0"/>
+              <a:t>Test </a:t>
+            </a:r>
+            <a:r>
+              <a:rPr lang="de-DE" dirty="0" err="1"/>
+              <a:t>them</a:t>
+            </a:r>
+            <a:r>
+              <a:rPr lang="de-DE" dirty="0"/>
+              <a:t> on </a:t>
+            </a:r>
+            <a:r>
+              <a:rPr lang="de-DE" dirty="0" err="1"/>
+              <a:t>the</a:t>
+            </a:r>
+            <a:r>
+              <a:rPr lang="de-DE" dirty="0"/>
+              <a:t> different </a:t>
+            </a:r>
+            <a:r>
+              <a:rPr lang="de-DE" dirty="0" err="1"/>
+              <a:t>datasets</a:t>
+            </a:r>
+            <a:endParaRPr lang="de-DE" dirty="0"/>
+          </a:p>
+          <a:p>
+            <a:pPr lvl="1"/>
+            <a:r>
+              <a:rPr lang="de-DE" dirty="0" err="1"/>
+              <a:t>Full</a:t>
+            </a:r>
+            <a:r>
+              <a:rPr lang="de-DE" dirty="0"/>
+              <a:t> and </a:t>
+            </a:r>
+            <a:r>
+              <a:rPr lang="de-DE" dirty="0" err="1"/>
+              <a:t>imbalanced</a:t>
+            </a:r>
+            <a:r>
+              <a:rPr lang="de-DE" dirty="0"/>
+              <a:t> </a:t>
+            </a:r>
+            <a:r>
+              <a:rPr lang="de-DE" dirty="0" err="1"/>
+              <a:t>set</a:t>
+            </a:r>
+            <a:r>
+              <a:rPr lang="de-DE" dirty="0"/>
+              <a:t> (1)</a:t>
+            </a:r>
+          </a:p>
+          <a:p>
+            <a:pPr lvl="1"/>
+            <a:r>
+              <a:rPr lang="de-DE" dirty="0" err="1"/>
+              <a:t>Full</a:t>
+            </a:r>
+            <a:r>
+              <a:rPr lang="de-DE" dirty="0"/>
+              <a:t> and </a:t>
+            </a:r>
+            <a:r>
+              <a:rPr lang="de-DE" dirty="0" err="1"/>
+              <a:t>imbalanced</a:t>
+            </a:r>
+            <a:r>
+              <a:rPr lang="de-DE" dirty="0"/>
+              <a:t> </a:t>
+            </a:r>
+            <a:r>
+              <a:rPr lang="de-DE" dirty="0" err="1"/>
+              <a:t>set</a:t>
+            </a:r>
+            <a:r>
+              <a:rPr lang="de-DE" dirty="0"/>
+              <a:t> + Autoencoder (2)</a:t>
+            </a:r>
+          </a:p>
+          <a:p>
+            <a:pPr lvl="1"/>
+            <a:r>
+              <a:rPr lang="de-DE" dirty="0" err="1"/>
+              <a:t>Under-sampled</a:t>
+            </a:r>
+            <a:r>
+              <a:rPr lang="de-DE" dirty="0"/>
+              <a:t> </a:t>
+            </a:r>
+            <a:r>
+              <a:rPr lang="de-DE" dirty="0" err="1"/>
+              <a:t>set</a:t>
+            </a:r>
+            <a:r>
+              <a:rPr lang="de-DE" dirty="0"/>
+              <a:t> (3)</a:t>
+            </a:r>
+          </a:p>
+          <a:p>
+            <a:pPr lvl="1"/>
+            <a:r>
+              <a:rPr lang="de-DE" dirty="0"/>
+              <a:t>Over-</a:t>
+            </a:r>
+            <a:r>
+              <a:rPr lang="de-DE" dirty="0" err="1"/>
+              <a:t>sampled</a:t>
+            </a:r>
+            <a:r>
+              <a:rPr lang="de-DE" dirty="0"/>
+              <a:t> </a:t>
+            </a:r>
+            <a:r>
+              <a:rPr lang="de-DE" dirty="0" err="1"/>
+              <a:t>set</a:t>
+            </a:r>
+            <a:r>
+              <a:rPr lang="de-DE" dirty="0"/>
+              <a:t> (4)</a:t>
+            </a:r>
+          </a:p>
+        </p:txBody>
+      </p:sp>
+    </p:spTree>
+    <p:extLst>
+      <p:ext uri="{BB962C8B-B14F-4D97-AF65-F5344CB8AC3E}">
+        <p14:creationId xmlns:p14="http://schemas.microsoft.com/office/powerpoint/2010/main" val="1100513454"/>
+      </p:ext>
+    </p:extLst>
+  </p:cSld>
+  <p:clrMapOvr>
+    <a:masterClrMapping/>
+  </p:clrMapOvr>
+</p:sld>
+</file>
+
+<file path=ppt/slides/slide6.xml><?xml version="1.0" encoding="utf-8"?>
+<p:sld xmlns:a="http://schemas.openxmlformats.org/drawingml/2006/main" xmlns:r="http://schemas.openxmlformats.org/officeDocument/2006/relationships" xmlns:p="http://schemas.openxmlformats.org/presentationml/2006/main">
+  <p:cSld>
+    <p:spTree>
+      <p:nvGrpSpPr>
+        <p:cNvPr id="1" name=""/>
+        <p:cNvGrpSpPr/>
+        <p:nvPr/>
+      </p:nvGrpSpPr>
+      <p:grpSpPr>
+        <a:xfrm>
+          <a:off x="0" y="0"/>
+          <a:ext cx="0" cy="0"/>
+          <a:chOff x="0" y="0"/>
+          <a:chExt cx="0" cy="0"/>
+        </a:xfrm>
+      </p:grpSpPr>
+      <p:sp>
+        <p:nvSpPr>
+          <p:cNvPr id="2" name="Title 1"/>
+          <p:cNvSpPr>
+            <a:spLocks noGrp="1"/>
+          </p:cNvSpPr>
+          <p:nvPr>
+            <p:ph type="title"/>
+          </p:nvPr>
+        </p:nvSpPr>
+        <p:spPr/>
+        <p:txBody>
+          <a:bodyPr/>
+          <a:lstStyle/>
+          <a:p>
+            <a:r>
+              <a:rPr lang="de-DE" dirty="0" err="1" smtClean="0"/>
+              <a:t>Outlier</a:t>
+            </a:r>
+            <a:r>
+              <a:rPr lang="de-DE" dirty="0" smtClean="0"/>
+              <a:t> Analyse</a:t>
+            </a:r>
+            <a:endParaRPr lang="de-DE" dirty="0"/>
+          </a:p>
+        </p:txBody>
+      </p:sp>
+      <p:sp>
+        <p:nvSpPr>
+          <p:cNvPr id="3" name="Content Placeholder 2"/>
+          <p:cNvSpPr>
+            <a:spLocks noGrp="1"/>
+          </p:cNvSpPr>
+          <p:nvPr>
+            <p:ph idx="1"/>
+          </p:nvPr>
+        </p:nvSpPr>
+        <p:spPr/>
+        <p:txBody>
+          <a:bodyPr/>
+          <a:lstStyle/>
+          <a:p>
+            <a:r>
+              <a:rPr lang="de-DE" dirty="0" smtClean="0"/>
+              <a:t>TODO Marcel</a:t>
+            </a:r>
+            <a:endParaRPr lang="de-DE" dirty="0"/>
+          </a:p>
+        </p:txBody>
+      </p:sp>
+    </p:spTree>
+    <p:extLst>
+      <p:ext uri="{BB962C8B-B14F-4D97-AF65-F5344CB8AC3E}">
+        <p14:creationId xmlns:p14="http://schemas.microsoft.com/office/powerpoint/2010/main" val="2880756185"/>
+      </p:ext>
+    </p:extLst>
+  </p:cSld>
+  <p:clrMapOvr>
+    <a:masterClrMapping/>
+  </p:clrMapOvr>
+</p:sld>
+</file>
+
+<file path=ppt/slides/slide7.xml><?xml version="1.0" encoding="utf-8"?>
+<p:sld xmlns:a="http://schemas.openxmlformats.org/drawingml/2006/main" xmlns:r="http://schemas.openxmlformats.org/officeDocument/2006/relationships" xmlns:p="http://schemas.openxmlformats.org/presentationml/2006/main">
+  <p:cSld>
+    <p:spTree>
+      <p:nvGrpSpPr>
+        <p:cNvPr id="1" name=""/>
+        <p:cNvGrpSpPr/>
+        <p:nvPr/>
+      </p:nvGrpSpPr>
+      <p:grpSpPr>
+        <a:xfrm>
+          <a:off x="0" y="0"/>
+          <a:ext cx="0" cy="0"/>
+          <a:chOff x="0" y="0"/>
+          <a:chExt cx="0" cy="0"/>
+        </a:xfrm>
+      </p:grpSpPr>
+      <p:sp>
+        <p:nvSpPr>
+          <p:cNvPr id="2" name="Title 1"/>
+          <p:cNvSpPr>
+            <a:spLocks noGrp="1"/>
+          </p:cNvSpPr>
+          <p:nvPr>
+            <p:ph type="title"/>
+          </p:nvPr>
+        </p:nvSpPr>
+        <p:spPr/>
+        <p:txBody>
+          <a:bodyPr/>
+          <a:lstStyle/>
+          <a:p>
+            <a:r>
+              <a:rPr lang="de-DE" dirty="0" err="1" smtClean="0"/>
+              <a:t>Outlier</a:t>
+            </a:r>
+            <a:r>
+              <a:rPr lang="de-DE" dirty="0" smtClean="0"/>
+              <a:t> Ergebnisse</a:t>
+            </a:r>
+            <a:endParaRPr lang="de-DE" dirty="0"/>
+          </a:p>
+        </p:txBody>
+      </p:sp>
+      <p:sp>
+        <p:nvSpPr>
+          <p:cNvPr id="3" name="Content Placeholder 2"/>
+          <p:cNvSpPr>
+            <a:spLocks noGrp="1"/>
+          </p:cNvSpPr>
+          <p:nvPr>
+            <p:ph idx="1"/>
+          </p:nvPr>
+        </p:nvSpPr>
+        <p:spPr/>
+        <p:txBody>
+          <a:bodyPr/>
+          <a:lstStyle/>
+          <a:p>
+            <a:r>
+              <a:rPr lang="de-DE" dirty="0" smtClean="0"/>
+              <a:t>TODO Jan</a:t>
+            </a:r>
+            <a:endParaRPr lang="de-DE" dirty="0"/>
+          </a:p>
+        </p:txBody>
+      </p:sp>
+    </p:spTree>
+    <p:extLst>
+      <p:ext uri="{BB962C8B-B14F-4D97-AF65-F5344CB8AC3E}">
+        <p14:creationId xmlns:p14="http://schemas.microsoft.com/office/powerpoint/2010/main" val="3507542413"/>
+      </p:ext>
+    </p:extLst>
+  </p:cSld>
+  <p:clrMapOvr>
+    <a:masterClrMapping/>
+  </p:clrMapOvr>
+</p:sld>
+</file>
+
+<file path=ppt/slides/slide8.xml><?xml version="1.0" encoding="utf-8"?>
+<p:sld xmlns:a="http://schemas.openxmlformats.org/drawingml/2006/main" xmlns:r="http://schemas.openxmlformats.org/officeDocument/2006/relationships" xmlns:p="http://schemas.openxmlformats.org/presentationml/2006/main">
+  <p:cSld>
+    <p:spTree>
+      <p:nvGrpSpPr>
+        <p:cNvPr id="1" name=""/>
+        <p:cNvGrpSpPr/>
+        <p:nvPr/>
+      </p:nvGrpSpPr>
+      <p:grpSpPr>
+        <a:xfrm>
+          <a:off x="0" y="0"/>
+          <a:ext cx="0" cy="0"/>
+          <a:chOff x="0" y="0"/>
+          <a:chExt cx="0" cy="0"/>
+        </a:xfrm>
+      </p:grpSpPr>
+      <p:sp>
+        <p:nvSpPr>
+          <p:cNvPr id="2" name="Title 1"/>
+          <p:cNvSpPr>
+            <a:spLocks noGrp="1"/>
+          </p:cNvSpPr>
+          <p:nvPr>
+            <p:ph type="title"/>
+          </p:nvPr>
+        </p:nvSpPr>
+        <p:spPr/>
+        <p:txBody>
+          <a:bodyPr/>
+          <a:lstStyle/>
+          <a:p>
+            <a:r>
+              <a:rPr lang="de-DE" dirty="0"/>
+              <a:t>Data </a:t>
+            </a:r>
+            <a:r>
+              <a:rPr lang="de-DE" dirty="0" err="1"/>
+              <a:t>preparation</a:t>
+            </a:r>
+            <a:endParaRPr lang="de-DE" dirty="0"/>
+          </a:p>
+        </p:txBody>
+      </p:sp>
+      <p:grpSp>
+        <p:nvGrpSpPr>
+          <p:cNvPr id="21" name="Group 20"/>
+          <p:cNvGrpSpPr/>
+          <p:nvPr/>
+        </p:nvGrpSpPr>
+        <p:grpSpPr>
+          <a:xfrm>
+            <a:off x="2082527" y="2522918"/>
+            <a:ext cx="5936887" cy="2024459"/>
+            <a:chOff x="1626718" y="1764056"/>
+            <a:chExt cx="5936887" cy="2024459"/>
+          </a:xfrm>
+        </p:grpSpPr>
+        <p:sp>
+          <p:nvSpPr>
+            <p:cNvPr id="4" name="Can 3"/>
+            <p:cNvSpPr/>
+            <p:nvPr/>
+          </p:nvSpPr>
+          <p:spPr>
+            <a:xfrm>
+              <a:off x="1626718" y="2366271"/>
+              <a:ext cx="802283" cy="810820"/>
+            </a:xfrm>
+            <a:prstGeom prst="can">
+              <a:avLst/>
+            </a:prstGeom>
+          </p:spPr>
+          <p:style>
+            <a:lnRef idx="2">
+              <a:schemeClr val="accent1">
+                <a:shade val="50000"/>
+              </a:schemeClr>
+            </a:lnRef>
+            <a:fillRef idx="1">
+              <a:schemeClr val="accent1"/>
+            </a:fillRef>
+            <a:effectRef idx="0">
+              <a:schemeClr val="accent1"/>
+            </a:effectRef>
+            <a:fontRef idx="minor">
+              <a:schemeClr val="lt1"/>
+            </a:fontRef>
+          </p:style>
+          <p:txBody>
+            <a:bodyPr rtlCol="0" anchor="ctr"/>
+            <a:lstStyle/>
+            <a:p>
+              <a:pPr algn="ctr"/>
+              <a:r>
+                <a:rPr lang="de-DE" sz="1400" dirty="0" err="1"/>
+                <a:t>Full</a:t>
+              </a:r>
+              <a:r>
+                <a:rPr lang="de-DE" sz="1400" dirty="0"/>
+                <a:t/>
+              </a:r>
+              <a:br>
+                <a:rPr lang="de-DE" sz="1400" dirty="0"/>
+              </a:br>
+              <a:r>
+                <a:rPr lang="de-DE" sz="1400" dirty="0" err="1"/>
+                <a:t>data</a:t>
+              </a:r>
+              <a:r>
+                <a:rPr lang="de-DE" sz="1400" dirty="0"/>
+                <a:t> </a:t>
+              </a:r>
+              <a:r>
+                <a:rPr lang="de-DE" sz="1400" dirty="0" err="1"/>
+                <a:t>set</a:t>
+              </a:r>
+              <a:endParaRPr lang="de-DE" sz="1400" dirty="0"/>
+            </a:p>
+          </p:txBody>
+        </p:sp>
+        <p:sp>
+          <p:nvSpPr>
+            <p:cNvPr id="6" name="Can 5"/>
+            <p:cNvSpPr/>
+            <p:nvPr/>
+          </p:nvSpPr>
+          <p:spPr>
+            <a:xfrm>
+              <a:off x="3906005" y="2366271"/>
+              <a:ext cx="802283" cy="810820"/>
+            </a:xfrm>
+            <a:prstGeom prst="can">
+              <a:avLst/>
+            </a:prstGeom>
+          </p:spPr>
+          <p:style>
+            <a:lnRef idx="2">
+              <a:schemeClr val="accent1">
+                <a:shade val="50000"/>
+              </a:schemeClr>
+            </a:lnRef>
+            <a:fillRef idx="1">
+              <a:schemeClr val="accent1"/>
+            </a:fillRef>
+            <a:effectRef idx="0">
+              <a:schemeClr val="accent1"/>
+            </a:effectRef>
+            <a:fontRef idx="minor">
+              <a:schemeClr val="lt1"/>
+            </a:fontRef>
+          </p:style>
+          <p:txBody>
+            <a:bodyPr rtlCol="0" anchor="ctr"/>
+            <a:lstStyle/>
+            <a:p>
+              <a:pPr algn="ctr"/>
+              <a:r>
+                <a:rPr lang="de-DE" sz="1400" dirty="0" err="1"/>
+                <a:t>Scaled</a:t>
+              </a:r>
+              <a:r>
+                <a:rPr lang="de-DE" sz="1400" dirty="0"/>
+                <a:t/>
+              </a:r>
+              <a:br>
+                <a:rPr lang="de-DE" sz="1400" dirty="0"/>
+              </a:br>
+              <a:r>
+                <a:rPr lang="de-DE" sz="1400" dirty="0" err="1"/>
+                <a:t>data</a:t>
+              </a:r>
+              <a:r>
+                <a:rPr lang="de-DE" sz="1400" dirty="0"/>
+                <a:t> </a:t>
+              </a:r>
+              <a:r>
+                <a:rPr lang="de-DE" sz="1400" dirty="0" err="1"/>
+                <a:t>set</a:t>
+              </a:r>
+              <a:endParaRPr lang="de-DE" sz="1400" dirty="0"/>
+            </a:p>
+          </p:txBody>
+        </p:sp>
+        <p:sp>
+          <p:nvSpPr>
+            <p:cNvPr id="7" name="Rectangle 6"/>
+            <p:cNvSpPr/>
+            <p:nvPr/>
+          </p:nvSpPr>
+          <p:spPr>
+            <a:xfrm>
+              <a:off x="2827120" y="2574876"/>
+              <a:ext cx="680765" cy="402819"/>
+            </a:xfrm>
+            <a:prstGeom prst="rect">
+              <a:avLst/>
+            </a:prstGeom>
+          </p:spPr>
+          <p:style>
+            <a:lnRef idx="2">
+              <a:schemeClr val="accent1">
+                <a:shade val="50000"/>
+              </a:schemeClr>
+            </a:lnRef>
+            <a:fillRef idx="1">
+              <a:schemeClr val="accent1"/>
+            </a:fillRef>
+            <a:effectRef idx="0">
+              <a:schemeClr val="accent1"/>
+            </a:effectRef>
+            <a:fontRef idx="minor">
+              <a:schemeClr val="lt1"/>
+            </a:fontRef>
+          </p:style>
+          <p:txBody>
+            <a:bodyPr rtlCol="0" anchor="ctr"/>
+            <a:lstStyle/>
+            <a:p>
+              <a:pPr algn="ctr"/>
+              <a:r>
+                <a:rPr lang="de-DE" sz="1200" dirty="0" err="1"/>
+                <a:t>Scale</a:t>
+              </a:r>
+              <a:endParaRPr lang="de-DE" sz="1200" dirty="0"/>
+            </a:p>
+          </p:txBody>
+        </p:sp>
+        <p:cxnSp>
+          <p:nvCxnSpPr>
+            <p:cNvPr id="9" name="Straight Arrow Connector 8"/>
+            <p:cNvCxnSpPr>
+              <a:stCxn id="4" idx="4"/>
+              <a:endCxn id="7" idx="1"/>
+            </p:cNvCxnSpPr>
+            <p:nvPr/>
+          </p:nvCxnSpPr>
+          <p:spPr>
+            <a:xfrm>
+              <a:off x="2429001" y="2771681"/>
+              <a:ext cx="398119" cy="4605"/>
+            </a:xfrm>
+            <a:prstGeom prst="straightConnector1">
+              <a:avLst/>
+            </a:prstGeom>
+            <a:ln>
+              <a:tailEnd type="triangle"/>
+            </a:ln>
+          </p:spPr>
+          <p:style>
+            <a:lnRef idx="1">
+              <a:schemeClr val="accent1"/>
+            </a:lnRef>
+            <a:fillRef idx="0">
+              <a:schemeClr val="accent1"/>
+            </a:fillRef>
+            <a:effectRef idx="0">
+              <a:schemeClr val="accent1"/>
+            </a:effectRef>
+            <a:fontRef idx="minor">
+              <a:schemeClr val="tx1"/>
+            </a:fontRef>
+          </p:style>
+        </p:cxnSp>
+        <p:cxnSp>
+          <p:nvCxnSpPr>
+            <p:cNvPr id="11" name="Straight Arrow Connector 10"/>
+            <p:cNvCxnSpPr>
+              <a:stCxn id="7" idx="3"/>
+              <a:endCxn id="6" idx="2"/>
+            </p:cNvCxnSpPr>
+            <p:nvPr/>
+          </p:nvCxnSpPr>
+          <p:spPr>
+            <a:xfrm flipV="1">
+              <a:off x="3507885" y="2771681"/>
+              <a:ext cx="398120" cy="4605"/>
+            </a:xfrm>
+            <a:prstGeom prst="straightConnector1">
+              <a:avLst/>
+            </a:prstGeom>
+            <a:ln>
+              <a:tailEnd type="triangle"/>
+            </a:ln>
+          </p:spPr>
+          <p:style>
+            <a:lnRef idx="1">
+              <a:schemeClr val="accent1"/>
+            </a:lnRef>
+            <a:fillRef idx="0">
+              <a:schemeClr val="accent1"/>
+            </a:fillRef>
+            <a:effectRef idx="0">
+              <a:schemeClr val="accent1"/>
+            </a:effectRef>
+            <a:fontRef idx="minor">
+              <a:schemeClr val="tx1"/>
+            </a:fontRef>
+          </p:style>
+        </p:cxnSp>
+        <p:sp>
+          <p:nvSpPr>
+            <p:cNvPr id="12" name="Rectangle 11"/>
+            <p:cNvSpPr/>
+            <p:nvPr/>
+          </p:nvSpPr>
+          <p:spPr>
+            <a:xfrm>
+              <a:off x="5101203" y="2575736"/>
+              <a:ext cx="680765" cy="402819"/>
+            </a:xfrm>
+            <a:prstGeom prst="rect">
+              <a:avLst/>
+            </a:prstGeom>
+          </p:spPr>
+          <p:style>
+            <a:lnRef idx="2">
+              <a:schemeClr val="accent1">
+                <a:shade val="50000"/>
+              </a:schemeClr>
+            </a:lnRef>
+            <a:fillRef idx="1">
+              <a:schemeClr val="accent1"/>
+            </a:fillRef>
+            <a:effectRef idx="0">
+              <a:schemeClr val="accent1"/>
+            </a:effectRef>
+            <a:fontRef idx="minor">
+              <a:schemeClr val="lt1"/>
+            </a:fontRef>
+          </p:style>
+          <p:txBody>
+            <a:bodyPr rtlCol="0" anchor="ctr"/>
+            <a:lstStyle/>
+            <a:p>
+              <a:pPr algn="ctr"/>
+              <a:r>
+                <a:rPr lang="de-DE" sz="1200" dirty="0"/>
+                <a:t>Split</a:t>
+              </a:r>
+            </a:p>
+          </p:txBody>
+        </p:sp>
+        <p:cxnSp>
+          <p:nvCxnSpPr>
+            <p:cNvPr id="14" name="Straight Arrow Connector 13"/>
+            <p:cNvCxnSpPr>
+              <a:stCxn id="6" idx="4"/>
+              <a:endCxn id="12" idx="1"/>
+            </p:cNvCxnSpPr>
+            <p:nvPr/>
+          </p:nvCxnSpPr>
+          <p:spPr>
+            <a:xfrm>
+              <a:off x="4708288" y="2771681"/>
+              <a:ext cx="392915" cy="5465"/>
+            </a:xfrm>
+            <a:prstGeom prst="straightConnector1">
+              <a:avLst/>
+            </a:prstGeom>
+            <a:ln>
+              <a:tailEnd type="triangle"/>
+            </a:ln>
+          </p:spPr>
+          <p:style>
+            <a:lnRef idx="1">
+              <a:schemeClr val="accent1"/>
+            </a:lnRef>
+            <a:fillRef idx="0">
+              <a:schemeClr val="accent1"/>
+            </a:fillRef>
+            <a:effectRef idx="0">
+              <a:schemeClr val="accent1"/>
+            </a:effectRef>
+            <a:fontRef idx="minor">
+              <a:schemeClr val="tx1"/>
+            </a:fontRef>
+          </p:style>
+        </p:cxnSp>
+        <p:sp>
+          <p:nvSpPr>
+            <p:cNvPr id="15" name="Can 14"/>
+            <p:cNvSpPr/>
+            <p:nvPr/>
+          </p:nvSpPr>
+          <p:spPr>
+            <a:xfrm>
+              <a:off x="6761321" y="1764056"/>
+              <a:ext cx="802283" cy="810820"/>
+            </a:xfrm>
+            <a:prstGeom prst="can">
+              <a:avLst/>
+            </a:prstGeom>
+          </p:spPr>
+          <p:style>
+            <a:lnRef idx="2">
+              <a:schemeClr val="accent1">
+                <a:shade val="50000"/>
+              </a:schemeClr>
+            </a:lnRef>
+            <a:fillRef idx="1">
+              <a:schemeClr val="accent1"/>
+            </a:fillRef>
+            <a:effectRef idx="0">
+              <a:schemeClr val="accent1"/>
+            </a:effectRef>
+            <a:fontRef idx="minor">
+              <a:schemeClr val="lt1"/>
+            </a:fontRef>
+          </p:style>
+          <p:txBody>
+            <a:bodyPr rtlCol="0" anchor="ctr"/>
+            <a:lstStyle/>
+            <a:p>
+              <a:pPr algn="ctr"/>
+              <a:r>
+                <a:rPr lang="de-DE" sz="1400" dirty="0"/>
+                <a:t>Test Set</a:t>
+              </a:r>
+            </a:p>
+          </p:txBody>
+        </p:sp>
+        <p:sp>
+          <p:nvSpPr>
+            <p:cNvPr id="16" name="Can 15"/>
+            <p:cNvSpPr/>
+            <p:nvPr/>
+          </p:nvSpPr>
+          <p:spPr>
+            <a:xfrm>
+              <a:off x="6761322" y="2977695"/>
+              <a:ext cx="802283" cy="810820"/>
+            </a:xfrm>
+            <a:prstGeom prst="can">
+              <a:avLst/>
+            </a:prstGeom>
+          </p:spPr>
+          <p:style>
+            <a:lnRef idx="2">
+              <a:schemeClr val="accent1">
+                <a:shade val="50000"/>
+              </a:schemeClr>
+            </a:lnRef>
+            <a:fillRef idx="1">
+              <a:schemeClr val="accent1"/>
+            </a:fillRef>
+            <a:effectRef idx="0">
+              <a:schemeClr val="accent1"/>
+            </a:effectRef>
+            <a:fontRef idx="minor">
+              <a:schemeClr val="lt1"/>
+            </a:fontRef>
+          </p:style>
+          <p:txBody>
+            <a:bodyPr rtlCol="0" anchor="ctr"/>
+            <a:lstStyle/>
+            <a:p>
+              <a:pPr algn="ctr"/>
+              <a:r>
+                <a:rPr lang="de-DE" sz="1400" dirty="0"/>
+                <a:t>Train</a:t>
+              </a:r>
+              <a:br>
+                <a:rPr lang="de-DE" sz="1400" dirty="0"/>
+              </a:br>
+              <a:r>
+                <a:rPr lang="de-DE" sz="1400" dirty="0"/>
+                <a:t>Set</a:t>
+              </a:r>
+            </a:p>
+          </p:txBody>
+        </p:sp>
+        <p:cxnSp>
+          <p:nvCxnSpPr>
+            <p:cNvPr id="18" name="Elbow Connector 17"/>
+            <p:cNvCxnSpPr>
+              <a:stCxn id="12" idx="3"/>
+            </p:cNvCxnSpPr>
+            <p:nvPr/>
+          </p:nvCxnSpPr>
+          <p:spPr>
+            <a:xfrm flipV="1">
+              <a:off x="5781968" y="2169466"/>
+              <a:ext cx="979353" cy="607680"/>
+            </a:xfrm>
+            <a:prstGeom prst="bentConnector3">
+              <a:avLst/>
+            </a:prstGeom>
+            <a:ln>
+              <a:tailEnd type="triangle"/>
+            </a:ln>
+          </p:spPr>
+          <p:style>
+            <a:lnRef idx="1">
+              <a:schemeClr val="accent1"/>
+            </a:lnRef>
+            <a:fillRef idx="0">
+              <a:schemeClr val="accent1"/>
+            </a:fillRef>
+            <a:effectRef idx="0">
+              <a:schemeClr val="accent1"/>
+            </a:effectRef>
+            <a:fontRef idx="minor">
+              <a:schemeClr val="tx1"/>
+            </a:fontRef>
+          </p:style>
+        </p:cxnSp>
+        <p:cxnSp>
+          <p:nvCxnSpPr>
+            <p:cNvPr id="20" name="Elbow Connector 19"/>
+            <p:cNvCxnSpPr>
+              <a:stCxn id="12" idx="3"/>
+              <a:endCxn id="16" idx="2"/>
+            </p:cNvCxnSpPr>
+            <p:nvPr/>
+          </p:nvCxnSpPr>
+          <p:spPr>
+            <a:xfrm>
+              <a:off x="5781968" y="2777146"/>
+              <a:ext cx="979354" cy="605959"/>
+            </a:xfrm>
+            <a:prstGeom prst="bentConnector3">
+              <a:avLst/>
+            </a:prstGeom>
+            <a:ln>
+              <a:tailEnd type="triangle"/>
+            </a:ln>
+          </p:spPr>
+          <p:style>
+            <a:lnRef idx="1">
+              <a:schemeClr val="accent1"/>
+            </a:lnRef>
+            <a:fillRef idx="0">
+              <a:schemeClr val="accent1"/>
+            </a:fillRef>
+            <a:effectRef idx="0">
+              <a:schemeClr val="accent1"/>
+            </a:effectRef>
+            <a:fontRef idx="minor">
+              <a:schemeClr val="tx1"/>
+            </a:fontRef>
+          </p:style>
+        </p:cxnSp>
+      </p:grpSp>
+      <p:sp>
+        <p:nvSpPr>
+          <p:cNvPr id="3" name="Textfeld 2">
+            <a:extLst>
+              <a:ext uri="{FF2B5EF4-FFF2-40B4-BE49-F238E27FC236}">
+                <a16:creationId xmlns:a16="http://schemas.microsoft.com/office/drawing/2014/main" id="{A3CE64B2-A750-4331-84AB-09541510B309}"/>
+              </a:ext>
+            </a:extLst>
+          </p:cNvPr>
+          <p:cNvSpPr txBox="1"/>
+          <p:nvPr/>
+        </p:nvSpPr>
+        <p:spPr>
+          <a:xfrm>
+            <a:off x="8569993" y="2328163"/>
+            <a:ext cx="2359264" cy="1200329"/>
+          </a:xfrm>
+          <a:prstGeom prst="rect">
+            <a:avLst/>
+          </a:prstGeom>
+          <a:noFill/>
+        </p:spPr>
+        <p:txBody>
+          <a:bodyPr wrap="square" rtlCol="0">
+            <a:spAutoFit/>
+          </a:bodyPr>
+          <a:lstStyle/>
+          <a:p>
+            <a:r>
+              <a:rPr lang="de-DE" dirty="0" err="1"/>
+              <a:t>Completely</a:t>
+            </a:r>
+            <a:r>
+              <a:rPr lang="de-DE" dirty="0"/>
+              <a:t> </a:t>
+            </a:r>
+            <a:r>
+              <a:rPr lang="de-DE" dirty="0" err="1"/>
+              <a:t>untouched</a:t>
+            </a:r>
+            <a:r>
+              <a:rPr lang="de-DE" dirty="0"/>
+              <a:t> </a:t>
+            </a:r>
+            <a:r>
+              <a:rPr lang="de-DE" dirty="0" err="1"/>
+              <a:t>by</a:t>
+            </a:r>
+            <a:r>
+              <a:rPr lang="de-DE" dirty="0"/>
+              <a:t> </a:t>
+            </a:r>
+            <a:r>
+              <a:rPr lang="de-DE" dirty="0" err="1"/>
+              <a:t>sampling</a:t>
+            </a:r>
+            <a:r>
+              <a:rPr lang="de-DE" dirty="0"/>
+              <a:t> </a:t>
+            </a:r>
+            <a:r>
+              <a:rPr lang="de-DE" dirty="0" err="1"/>
+              <a:t>techniques</a:t>
+            </a:r>
+            <a:r>
+              <a:rPr lang="de-DE" dirty="0"/>
+              <a:t> </a:t>
+            </a:r>
+            <a:r>
+              <a:rPr lang="de-DE" dirty="0" err="1"/>
+              <a:t>to</a:t>
+            </a:r>
+            <a:r>
+              <a:rPr lang="de-DE" dirty="0"/>
+              <a:t> </a:t>
+            </a:r>
+            <a:r>
+              <a:rPr lang="de-DE" dirty="0" err="1"/>
+              <a:t>allow</a:t>
+            </a:r>
+            <a:r>
+              <a:rPr lang="de-DE" dirty="0"/>
+              <a:t> </a:t>
+            </a:r>
+            <a:r>
+              <a:rPr lang="de-DE" dirty="0" err="1"/>
+              <a:t>meaningful</a:t>
+            </a:r>
+            <a:r>
+              <a:rPr lang="de-DE" dirty="0"/>
+              <a:t> </a:t>
+            </a:r>
+            <a:r>
+              <a:rPr lang="de-DE" dirty="0" err="1"/>
+              <a:t>evaluation</a:t>
+            </a:r>
+            <a:endParaRPr lang="de-DE" dirty="0"/>
+          </a:p>
+        </p:txBody>
+      </p:sp>
+      <p:sp>
+        <p:nvSpPr>
+          <p:cNvPr id="8" name="Textfeld 7">
+            <a:extLst>
+              <a:ext uri="{FF2B5EF4-FFF2-40B4-BE49-F238E27FC236}">
+                <a16:creationId xmlns:a16="http://schemas.microsoft.com/office/drawing/2014/main" id="{E87B8C98-2325-4702-973F-B369C6FF238B}"/>
+              </a:ext>
+            </a:extLst>
+          </p:cNvPr>
+          <p:cNvSpPr txBox="1"/>
+          <p:nvPr/>
+        </p:nvSpPr>
+        <p:spPr>
+          <a:xfrm>
+            <a:off x="2272963" y="4332090"/>
+            <a:ext cx="2701907" cy="1200329"/>
+          </a:xfrm>
+          <a:prstGeom prst="rect">
+            <a:avLst/>
+          </a:prstGeom>
+          <a:noFill/>
+        </p:spPr>
+        <p:txBody>
+          <a:bodyPr wrap="square" rtlCol="0">
+            <a:spAutoFit/>
+          </a:bodyPr>
+          <a:lstStyle/>
+          <a:p>
+            <a:r>
+              <a:rPr lang="de-DE" dirty="0" err="1"/>
+              <a:t>We</a:t>
+            </a:r>
+            <a:r>
+              <a:rPr lang="de-DE" dirty="0"/>
+              <a:t> </a:t>
+            </a:r>
+            <a:r>
+              <a:rPr lang="de-DE" dirty="0" err="1"/>
+              <a:t>scale</a:t>
+            </a:r>
+            <a:r>
+              <a:rPr lang="de-DE" dirty="0"/>
+              <a:t> ‚</a:t>
+            </a:r>
+            <a:r>
+              <a:rPr lang="de-DE" dirty="0" err="1"/>
+              <a:t>Amount</a:t>
+            </a:r>
+            <a:r>
+              <a:rPr lang="de-DE" dirty="0"/>
+              <a:t>‘ and ‚Time‘. Other </a:t>
+            </a:r>
+            <a:r>
+              <a:rPr lang="de-DE" dirty="0" err="1"/>
+              <a:t>features</a:t>
+            </a:r>
+            <a:r>
+              <a:rPr lang="de-DE" dirty="0"/>
+              <a:t> </a:t>
+            </a:r>
+            <a:r>
+              <a:rPr lang="de-DE" dirty="0" err="1"/>
+              <a:t>are</a:t>
+            </a:r>
+            <a:r>
+              <a:rPr lang="de-DE" dirty="0"/>
+              <a:t> a </a:t>
+            </a:r>
+            <a:r>
+              <a:rPr lang="de-DE" dirty="0" err="1"/>
+              <a:t>result</a:t>
+            </a:r>
+            <a:r>
+              <a:rPr lang="de-DE" dirty="0"/>
+              <a:t> </a:t>
+            </a:r>
+            <a:r>
+              <a:rPr lang="de-DE" dirty="0" err="1"/>
+              <a:t>of</a:t>
+            </a:r>
+            <a:r>
+              <a:rPr lang="de-DE" dirty="0"/>
+              <a:t> PCA and </a:t>
+            </a:r>
+            <a:r>
+              <a:rPr lang="de-DE" dirty="0" err="1"/>
+              <a:t>have</a:t>
+            </a:r>
+            <a:r>
+              <a:rPr lang="de-DE" dirty="0"/>
+              <a:t> </a:t>
+            </a:r>
+            <a:r>
+              <a:rPr lang="de-DE" dirty="0" err="1"/>
+              <a:t>already</a:t>
+            </a:r>
+            <a:r>
+              <a:rPr lang="de-DE" dirty="0"/>
+              <a:t> </a:t>
+            </a:r>
+            <a:r>
+              <a:rPr lang="de-DE" dirty="0" err="1"/>
+              <a:t>been</a:t>
+            </a:r>
+            <a:r>
+              <a:rPr lang="de-DE" dirty="0"/>
+              <a:t> </a:t>
+            </a:r>
+            <a:r>
+              <a:rPr lang="de-DE" dirty="0" err="1"/>
+              <a:t>standardized</a:t>
+            </a:r>
+            <a:r>
+              <a:rPr lang="de-DE" dirty="0"/>
+              <a:t>.</a:t>
+            </a:r>
+          </a:p>
+        </p:txBody>
+      </p:sp>
+      <p:cxnSp>
+        <p:nvCxnSpPr>
+          <p:cNvPr id="13" name="Gerade Verbindung mit Pfeil 12">
+            <a:extLst>
+              <a:ext uri="{FF2B5EF4-FFF2-40B4-BE49-F238E27FC236}">
+                <a16:creationId xmlns:a16="http://schemas.microsoft.com/office/drawing/2014/main" id="{B0AC67A8-07D7-4E38-AC7A-D77BA603C75E}"/>
+              </a:ext>
+            </a:extLst>
+          </p:cNvPr>
+          <p:cNvCxnSpPr>
+            <a:cxnSpLocks/>
+            <a:stCxn id="8" idx="0"/>
+            <a:endCxn id="7" idx="2"/>
+          </p:cNvCxnSpPr>
+          <p:nvPr/>
+        </p:nvCxnSpPr>
+        <p:spPr>
+          <a:xfrm flipH="1" flipV="1">
+            <a:off x="3623312" y="3736557"/>
+            <a:ext cx="605" cy="595533"/>
+          </a:xfrm>
+          <a:prstGeom prst="straightConnector1">
+            <a:avLst/>
+          </a:prstGeom>
+          <a:ln>
+            <a:tailEnd type="triangle"/>
+          </a:ln>
+        </p:spPr>
+        <p:style>
+          <a:lnRef idx="1">
+            <a:schemeClr val="accent1"/>
+          </a:lnRef>
+          <a:fillRef idx="0">
+            <a:schemeClr val="accent1"/>
+          </a:fillRef>
+          <a:effectRef idx="0">
+            <a:schemeClr val="accent1"/>
+          </a:effectRef>
+          <a:fontRef idx="minor">
+            <a:schemeClr val="tx1"/>
+          </a:fontRef>
+        </p:style>
+      </p:cxnSp>
+      <p:cxnSp>
+        <p:nvCxnSpPr>
+          <p:cNvPr id="27" name="Gerade Verbindung mit Pfeil 26">
+            <a:extLst>
+              <a:ext uri="{FF2B5EF4-FFF2-40B4-BE49-F238E27FC236}">
+                <a16:creationId xmlns:a16="http://schemas.microsoft.com/office/drawing/2014/main" id="{A5572CA3-A131-4D8E-8100-C511098CDD29}"/>
+              </a:ext>
+            </a:extLst>
+          </p:cNvPr>
+          <p:cNvCxnSpPr>
+            <a:cxnSpLocks/>
+            <a:stCxn id="3" idx="1"/>
+            <a:endCxn id="15" idx="4"/>
+          </p:cNvCxnSpPr>
+          <p:nvPr/>
+        </p:nvCxnSpPr>
+        <p:spPr>
+          <a:xfrm flipH="1">
+            <a:off x="8019413" y="2928328"/>
+            <a:ext cx="550580" cy="0"/>
+          </a:xfrm>
+          <a:prstGeom prst="straightConnector1">
+            <a:avLst/>
+          </a:prstGeom>
+          <a:ln>
+            <a:tailEnd type="triangle"/>
+          </a:ln>
+        </p:spPr>
+        <p:style>
+          <a:lnRef idx="1">
+            <a:schemeClr val="accent1"/>
+          </a:lnRef>
+          <a:fillRef idx="0">
+            <a:schemeClr val="accent1"/>
+          </a:fillRef>
+          <a:effectRef idx="0">
+            <a:schemeClr val="accent1"/>
+          </a:effectRef>
+          <a:fontRef idx="minor">
+            <a:schemeClr val="tx1"/>
+          </a:fontRef>
+        </p:style>
+      </p:cxnSp>
+    </p:spTree>
+    <p:extLst>
+      <p:ext uri="{BB962C8B-B14F-4D97-AF65-F5344CB8AC3E}">
+        <p14:creationId xmlns:p14="http://schemas.microsoft.com/office/powerpoint/2010/main" val="3005340467"/>
+      </p:ext>
+    </p:extLst>
+  </p:cSld>
+  <p:clrMapOvr>
+    <a:masterClrMapping/>
+  </p:clrMapOvr>
+</p:sld>
+</file>
+
+<file path=ppt/slides/slide9.xml><?xml version="1.0" encoding="utf-8"?>
+<p:sld xmlns:a="http://schemas.openxmlformats.org/drawingml/2006/main" xmlns:r="http://schemas.openxmlformats.org/officeDocument/2006/relationships" xmlns:p="http://schemas.openxmlformats.org/presentationml/2006/main">
+  <p:cSld>
+    <p:spTree>
+      <p:nvGrpSpPr>
+        <p:cNvPr id="1" name=""/>
+        <p:cNvGrpSpPr/>
+        <p:nvPr/>
+      </p:nvGrpSpPr>
+      <p:grpSpPr>
+        <a:xfrm>
+          <a:off x="0" y="0"/>
+          <a:ext cx="0" cy="0"/>
+          <a:chOff x="0" y="0"/>
+          <a:chExt cx="0" cy="0"/>
+        </a:xfrm>
+      </p:grpSpPr>
+      <p:sp>
+        <p:nvSpPr>
+          <p:cNvPr id="2" name="Title 1"/>
+          <p:cNvSpPr>
+            <a:spLocks noGrp="1"/>
+          </p:cNvSpPr>
+          <p:nvPr>
+            <p:ph type="title"/>
+          </p:nvPr>
+        </p:nvSpPr>
+        <p:spPr/>
+        <p:txBody>
+          <a:bodyPr/>
+          <a:lstStyle/>
+          <a:p>
+            <a:r>
+              <a:rPr lang="de-DE" dirty="0"/>
+              <a:t>Option 1: </a:t>
+            </a:r>
+            <a:r>
+              <a:rPr lang="de-DE" dirty="0" err="1"/>
+              <a:t>Logistic</a:t>
+            </a:r>
+            <a:r>
+              <a:rPr lang="de-DE" dirty="0"/>
+              <a:t> Regression</a:t>
+            </a:r>
+          </a:p>
+        </p:txBody>
+      </p:sp>
+      <p:sp>
+        <p:nvSpPr>
+          <p:cNvPr id="17" name="Can 16"/>
+          <p:cNvSpPr/>
+          <p:nvPr/>
+        </p:nvSpPr>
+        <p:spPr>
+          <a:xfrm>
+            <a:off x="1373949" y="1622209"/>
+            <a:ext cx="802283" cy="810820"/>
+          </a:xfrm>
+          <a:prstGeom prst="can">
+            <a:avLst/>
+          </a:prstGeom>
+        </p:spPr>
+        <p:style>
+          <a:lnRef idx="2">
+            <a:schemeClr val="accent1">
+              <a:shade val="50000"/>
+            </a:schemeClr>
+          </a:lnRef>
+          <a:fillRef idx="1">
+            <a:schemeClr val="accent1"/>
+          </a:fillRef>
+          <a:effectRef idx="0">
+            <a:schemeClr val="accent1"/>
+          </a:effectRef>
+          <a:fontRef idx="minor">
+            <a:schemeClr val="lt1"/>
+          </a:fontRef>
+        </p:style>
+        <p:txBody>
+          <a:bodyPr rtlCol="0" anchor="ctr"/>
+          <a:lstStyle/>
+          <a:p>
+            <a:pPr algn="ctr"/>
+            <a:r>
+              <a:rPr lang="de-DE" sz="1400" dirty="0"/>
+              <a:t>Train</a:t>
+            </a:r>
+            <a:br>
+              <a:rPr lang="de-DE" sz="1400" dirty="0"/>
+            </a:br>
+            <a:r>
+              <a:rPr lang="de-DE" sz="1400" dirty="0"/>
+              <a:t>Set</a:t>
+            </a:r>
+          </a:p>
+        </p:txBody>
+      </p:sp>
+      <p:sp>
+        <p:nvSpPr>
+          <p:cNvPr id="29" name="Rectangle 28"/>
+          <p:cNvSpPr/>
+          <p:nvPr/>
+        </p:nvSpPr>
+        <p:spPr>
+          <a:xfrm>
+            <a:off x="3482878" y="1826209"/>
+            <a:ext cx="680765" cy="402819"/>
+          </a:xfrm>
+          <a:prstGeom prst="rect">
+            <a:avLst/>
+          </a:prstGeom>
+        </p:spPr>
+        <p:style>
+          <a:lnRef idx="2">
+            <a:schemeClr val="accent1">
+              <a:shade val="50000"/>
+            </a:schemeClr>
+          </a:lnRef>
+          <a:fillRef idx="1">
+            <a:schemeClr val="accent1"/>
+          </a:fillRef>
+          <a:effectRef idx="0">
+            <a:schemeClr val="accent1"/>
+          </a:effectRef>
+          <a:fontRef idx="minor">
+            <a:schemeClr val="lt1"/>
+          </a:fontRef>
+        </p:style>
+        <p:txBody>
+          <a:bodyPr rtlCol="0" anchor="ctr"/>
+          <a:lstStyle/>
+          <a:p>
+            <a:pPr algn="ctr"/>
+            <a:r>
+              <a:rPr lang="de-DE" sz="1200" dirty="0"/>
+              <a:t>K-</a:t>
+            </a:r>
+            <a:r>
+              <a:rPr lang="de-DE" sz="1200" dirty="0" err="1"/>
+              <a:t>Fold</a:t>
+            </a:r>
+            <a:r>
+              <a:rPr lang="de-DE" sz="1200" dirty="0"/>
+              <a:t> CV</a:t>
+            </a:r>
+          </a:p>
+        </p:txBody>
+      </p:sp>
+      <p:cxnSp>
+        <p:nvCxnSpPr>
+          <p:cNvPr id="10" name="Straight Arrow Connector 9"/>
+          <p:cNvCxnSpPr>
+            <a:stCxn id="17" idx="4"/>
+            <a:endCxn id="29" idx="1"/>
+          </p:cNvCxnSpPr>
+          <p:nvPr/>
+        </p:nvCxnSpPr>
+        <p:spPr>
+          <a:xfrm>
+            <a:off x="2176232" y="2027619"/>
+            <a:ext cx="1306646" cy="0"/>
+          </a:xfrm>
+          <a:prstGeom prst="straightConnector1">
+            <a:avLst/>
+          </a:prstGeom>
+          <a:ln>
+            <a:tailEnd type="triangle"/>
+          </a:ln>
+        </p:spPr>
+        <p:style>
+          <a:lnRef idx="1">
+            <a:schemeClr val="accent1"/>
+          </a:lnRef>
+          <a:fillRef idx="0">
+            <a:schemeClr val="accent1"/>
+          </a:fillRef>
+          <a:effectRef idx="0">
+            <a:schemeClr val="accent1"/>
+          </a:effectRef>
+          <a:fontRef idx="minor">
+            <a:schemeClr val="tx1"/>
+          </a:fontRef>
+        </p:style>
+      </p:cxnSp>
+      <p:cxnSp>
+        <p:nvCxnSpPr>
+          <p:cNvPr id="30" name="Straight Arrow Connector 29"/>
+          <p:cNvCxnSpPr>
+            <a:stCxn id="29" idx="3"/>
+            <a:endCxn id="31" idx="2"/>
+          </p:cNvCxnSpPr>
+          <p:nvPr/>
+        </p:nvCxnSpPr>
+        <p:spPr>
+          <a:xfrm flipV="1">
+            <a:off x="4163643" y="2025026"/>
+            <a:ext cx="2245045" cy="2593"/>
+          </a:xfrm>
+          <a:prstGeom prst="straightConnector1">
+            <a:avLst/>
+          </a:prstGeom>
+          <a:ln>
+            <a:tailEnd type="triangle"/>
+          </a:ln>
+        </p:spPr>
+        <p:style>
+          <a:lnRef idx="1">
+            <a:schemeClr val="accent1"/>
+          </a:lnRef>
+          <a:fillRef idx="0">
+            <a:schemeClr val="accent1"/>
+          </a:fillRef>
+          <a:effectRef idx="0">
+            <a:schemeClr val="accent1"/>
+          </a:effectRef>
+          <a:fontRef idx="minor">
+            <a:schemeClr val="tx1"/>
+          </a:fontRef>
+        </p:style>
+      </p:cxnSp>
+      <p:grpSp>
+        <p:nvGrpSpPr>
+          <p:cNvPr id="61" name="Group 60"/>
+          <p:cNvGrpSpPr/>
+          <p:nvPr/>
+        </p:nvGrpSpPr>
+        <p:grpSpPr>
+          <a:xfrm>
+            <a:off x="6408688" y="1619616"/>
+            <a:ext cx="4533566" cy="2352951"/>
+            <a:chOff x="6408688" y="1619616"/>
+            <a:chExt cx="4533566" cy="2352951"/>
+          </a:xfrm>
+        </p:grpSpPr>
+        <p:sp>
+          <p:nvSpPr>
+            <p:cNvPr id="31" name="Oval 30"/>
+            <p:cNvSpPr/>
+            <p:nvPr/>
+          </p:nvSpPr>
+          <p:spPr>
+            <a:xfrm>
+              <a:off x="6408688" y="1658076"/>
+              <a:ext cx="1313192" cy="733899"/>
+            </a:xfrm>
+            <a:prstGeom prst="ellipse">
+              <a:avLst/>
+            </a:prstGeom>
+          </p:spPr>
+          <p:style>
+            <a:lnRef idx="2">
+              <a:schemeClr val="accent1">
+                <a:shade val="50000"/>
+              </a:schemeClr>
+            </a:lnRef>
+            <a:fillRef idx="1">
+              <a:schemeClr val="accent1"/>
+            </a:fillRef>
+            <a:effectRef idx="0">
+              <a:schemeClr val="accent1"/>
+            </a:effectRef>
+            <a:fontRef idx="minor">
+              <a:schemeClr val="lt1"/>
+            </a:fontRef>
+          </p:style>
+          <p:txBody>
+            <a:bodyPr rtlCol="0" anchor="ctr"/>
+            <a:lstStyle/>
+            <a:p>
+              <a:pPr algn="ctr"/>
+              <a:r>
+                <a:rPr lang="de-DE" dirty="0" err="1"/>
+                <a:t>Trained</a:t>
+              </a:r>
+              <a:r>
+                <a:rPr lang="de-DE" dirty="0"/>
+                <a:t> Model</a:t>
+              </a:r>
+            </a:p>
+          </p:txBody>
+        </p:sp>
+        <p:sp>
+          <p:nvSpPr>
+            <p:cNvPr id="43" name="Can 42"/>
+            <p:cNvSpPr/>
+            <p:nvPr/>
+          </p:nvSpPr>
+          <p:spPr>
+            <a:xfrm>
+              <a:off x="10139971" y="1619616"/>
+              <a:ext cx="802283" cy="810820"/>
+            </a:xfrm>
+            <a:prstGeom prst="can">
+              <a:avLst/>
+            </a:prstGeom>
+          </p:spPr>
+          <p:style>
+            <a:lnRef idx="2">
+              <a:schemeClr val="accent1">
+                <a:shade val="50000"/>
+              </a:schemeClr>
+            </a:lnRef>
+            <a:fillRef idx="1">
+              <a:schemeClr val="accent1"/>
+            </a:fillRef>
+            <a:effectRef idx="0">
+              <a:schemeClr val="accent1"/>
+            </a:effectRef>
+            <a:fontRef idx="minor">
+              <a:schemeClr val="lt1"/>
+            </a:fontRef>
+          </p:style>
+          <p:txBody>
+            <a:bodyPr rtlCol="0" anchor="ctr"/>
+            <a:lstStyle/>
+            <a:p>
+              <a:pPr algn="ctr"/>
+              <a:r>
+                <a:rPr lang="de-DE" sz="1400" dirty="0"/>
+                <a:t>Test Set</a:t>
+              </a:r>
+            </a:p>
+          </p:txBody>
+        </p:sp>
+        <p:sp>
+          <p:nvSpPr>
+            <p:cNvPr id="44" name="Rectangle 43"/>
+            <p:cNvSpPr/>
+            <p:nvPr/>
+          </p:nvSpPr>
+          <p:spPr>
+            <a:xfrm>
+              <a:off x="8537086" y="1826209"/>
+              <a:ext cx="787679" cy="402819"/>
+            </a:xfrm>
+            <a:prstGeom prst="rect">
+              <a:avLst/>
+            </a:prstGeom>
+          </p:spPr>
+          <p:style>
+            <a:lnRef idx="2">
+              <a:schemeClr val="accent1">
+                <a:shade val="50000"/>
+              </a:schemeClr>
+            </a:lnRef>
+            <a:fillRef idx="1">
+              <a:schemeClr val="accent1"/>
+            </a:fillRef>
+            <a:effectRef idx="0">
+              <a:schemeClr val="accent1"/>
+            </a:effectRef>
+            <a:fontRef idx="minor">
+              <a:schemeClr val="lt1"/>
+            </a:fontRef>
+          </p:style>
+          <p:txBody>
+            <a:bodyPr rtlCol="0" anchor="ctr"/>
+            <a:lstStyle/>
+            <a:p>
+              <a:pPr algn="ctr"/>
+              <a:r>
+                <a:rPr lang="de-DE" sz="1200" dirty="0" err="1"/>
+                <a:t>Evaluate</a:t>
+              </a:r>
+              <a:endParaRPr lang="de-DE" sz="1200" dirty="0"/>
+            </a:p>
+          </p:txBody>
+        </p:sp>
+        <p:cxnSp>
+          <p:nvCxnSpPr>
+            <p:cNvPr id="46" name="Straight Arrow Connector 45"/>
+            <p:cNvCxnSpPr>
+              <a:stCxn id="31" idx="6"/>
+              <a:endCxn id="44" idx="1"/>
+            </p:cNvCxnSpPr>
+            <p:nvPr/>
+          </p:nvCxnSpPr>
+          <p:spPr>
+            <a:xfrm>
+              <a:off x="7721880" y="2025026"/>
+              <a:ext cx="815206" cy="2593"/>
+            </a:xfrm>
+            <a:prstGeom prst="straightConnector1">
+              <a:avLst/>
+            </a:prstGeom>
+            <a:ln>
+              <a:tailEnd type="triangle"/>
+            </a:ln>
+          </p:spPr>
+          <p:style>
+            <a:lnRef idx="1">
+              <a:schemeClr val="accent1"/>
+            </a:lnRef>
+            <a:fillRef idx="0">
+              <a:schemeClr val="accent1"/>
+            </a:fillRef>
+            <a:effectRef idx="0">
+              <a:schemeClr val="accent1"/>
+            </a:effectRef>
+            <a:fontRef idx="minor">
+              <a:schemeClr val="tx1"/>
+            </a:fontRef>
+          </p:style>
+        </p:cxnSp>
+        <p:cxnSp>
+          <p:nvCxnSpPr>
+            <p:cNvPr id="48" name="Straight Arrow Connector 47"/>
+            <p:cNvCxnSpPr>
+              <a:stCxn id="43" idx="2"/>
+              <a:endCxn id="44" idx="3"/>
+            </p:cNvCxnSpPr>
+            <p:nvPr/>
+          </p:nvCxnSpPr>
+          <p:spPr>
+            <a:xfrm flipH="1">
+              <a:off x="9324765" y="2025026"/>
+              <a:ext cx="815206" cy="2593"/>
+            </a:xfrm>
+            <a:prstGeom prst="straightConnector1">
+              <a:avLst/>
+            </a:prstGeom>
+            <a:ln>
+              <a:tailEnd type="triangle"/>
+            </a:ln>
+          </p:spPr>
+          <p:style>
+            <a:lnRef idx="1">
+              <a:schemeClr val="accent1"/>
+            </a:lnRef>
+            <a:fillRef idx="0">
+              <a:schemeClr val="accent1"/>
+            </a:fillRef>
+            <a:effectRef idx="0">
+              <a:schemeClr val="accent1"/>
+            </a:effectRef>
+            <a:fontRef idx="minor">
+              <a:schemeClr val="tx1"/>
+            </a:fontRef>
+          </p:style>
+        </p:cxnSp>
+        <p:cxnSp>
+          <p:nvCxnSpPr>
+            <p:cNvPr id="51" name="Straight Arrow Connector 50"/>
+            <p:cNvCxnSpPr>
+              <a:stCxn id="44" idx="2"/>
+              <a:endCxn id="52" idx="0"/>
+            </p:cNvCxnSpPr>
+            <p:nvPr/>
+          </p:nvCxnSpPr>
+          <p:spPr>
+            <a:xfrm flipH="1">
+              <a:off x="8930925" y="2229028"/>
+              <a:ext cx="1" cy="1009640"/>
+            </a:xfrm>
+            <a:prstGeom prst="straightConnector1">
+              <a:avLst/>
+            </a:prstGeom>
+            <a:ln>
+              <a:tailEnd type="triangle"/>
+            </a:ln>
+          </p:spPr>
+          <p:style>
+            <a:lnRef idx="1">
+              <a:schemeClr val="accent1"/>
+            </a:lnRef>
+            <a:fillRef idx="0">
+              <a:schemeClr val="accent1"/>
+            </a:fillRef>
+            <a:effectRef idx="0">
+              <a:schemeClr val="accent1"/>
+            </a:effectRef>
+            <a:fontRef idx="minor">
+              <a:schemeClr val="tx1"/>
+            </a:fontRef>
+          </p:style>
+        </p:cxnSp>
+        <p:sp>
+          <p:nvSpPr>
+            <p:cNvPr id="52" name="Oval 51"/>
+            <p:cNvSpPr/>
+            <p:nvPr/>
+          </p:nvSpPr>
+          <p:spPr>
+            <a:xfrm>
+              <a:off x="8274329" y="3238668"/>
+              <a:ext cx="1313192" cy="733899"/>
+            </a:xfrm>
+            <a:prstGeom prst="ellipse">
+              <a:avLst/>
+            </a:prstGeom>
+          </p:spPr>
+          <p:style>
+            <a:lnRef idx="2">
+              <a:schemeClr val="accent1">
+                <a:shade val="50000"/>
+              </a:schemeClr>
+            </a:lnRef>
+            <a:fillRef idx="1">
+              <a:schemeClr val="accent1"/>
+            </a:fillRef>
+            <a:effectRef idx="0">
+              <a:schemeClr val="accent1"/>
+            </a:effectRef>
+            <a:fontRef idx="minor">
+              <a:schemeClr val="lt1"/>
+            </a:fontRef>
+          </p:style>
+          <p:txBody>
+            <a:bodyPr rtlCol="0" anchor="ctr"/>
+            <a:lstStyle/>
+            <a:p>
+              <a:pPr algn="ctr"/>
+              <a:r>
+                <a:rPr lang="de-DE" dirty="0" err="1"/>
+                <a:t>Results</a:t>
+              </a:r>
+              <a:endParaRPr lang="de-DE" dirty="0"/>
+            </a:p>
+          </p:txBody>
+        </p:sp>
+      </p:grpSp>
+    </p:spTree>
+    <p:extLst>
+      <p:ext uri="{BB962C8B-B14F-4D97-AF65-F5344CB8AC3E}">
+        <p14:creationId xmlns:p14="http://schemas.microsoft.com/office/powerpoint/2010/main" val="3977959765"/>
       </p:ext>
     </p:extLst>
   </p:cSld>

--- a/reports/presentation_draft_v1.pptx
+++ b/reports/presentation_draft_v1.pptx
@@ -4,6 +4,9 @@
   <p:sldMasterIdLst>
     <p:sldMasterId id="2147483648" r:id="rId1"/>
   </p:sldMasterIdLst>
+  <p:notesMasterIdLst>
+    <p:notesMasterId r:id="rId18"/>
+  </p:notesMasterIdLst>
   <p:sldIdLst>
     <p:sldId id="256" r:id="rId2"/>
     <p:sldId id="263" r:id="rId3"/>
@@ -127,6 +130,439 @@
 </p:presentation>
 </file>
 
+<file path=ppt/notesMasters/notesMaster1.xml><?xml version="1.0" encoding="utf-8"?>
+<p:notesMaster xmlns:a="http://schemas.openxmlformats.org/drawingml/2006/main" xmlns:r="http://schemas.openxmlformats.org/officeDocument/2006/relationships" xmlns:p="http://schemas.openxmlformats.org/presentationml/2006/main">
+  <p:cSld>
+    <p:bg>
+      <p:bgRef idx="1001">
+        <a:schemeClr val="bg1"/>
+      </p:bgRef>
+    </p:bg>
+    <p:spTree>
+      <p:nvGrpSpPr>
+        <p:cNvPr id="1" name=""/>
+        <p:cNvGrpSpPr/>
+        <p:nvPr/>
+      </p:nvGrpSpPr>
+      <p:grpSpPr>
+        <a:xfrm>
+          <a:off x="0" y="0"/>
+          <a:ext cx="0" cy="0"/>
+          <a:chOff x="0" y="0"/>
+          <a:chExt cx="0" cy="0"/>
+        </a:xfrm>
+      </p:grpSpPr>
+      <p:sp>
+        <p:nvSpPr>
+          <p:cNvPr id="2" name="Kopfzeilenplatzhalter 1"/>
+          <p:cNvSpPr>
+            <a:spLocks noGrp="1"/>
+          </p:cNvSpPr>
+          <p:nvPr>
+            <p:ph type="hdr" sz="quarter"/>
+          </p:nvPr>
+        </p:nvSpPr>
+        <p:spPr>
+          <a:xfrm>
+            <a:off x="0" y="0"/>
+            <a:ext cx="2971800" cy="458788"/>
+          </a:xfrm>
+          <a:prstGeom prst="rect">
+            <a:avLst/>
+          </a:prstGeom>
+        </p:spPr>
+        <p:txBody>
+          <a:bodyPr vert="horz" lIns="91440" tIns="45720" rIns="91440" bIns="45720" rtlCol="0"/>
+          <a:lstStyle>
+            <a:lvl1pPr algn="l">
+              <a:defRPr sz="1200"/>
+            </a:lvl1pPr>
+          </a:lstStyle>
+          <a:p>
+            <a:endParaRPr lang="de-DE"/>
+          </a:p>
+        </p:txBody>
+      </p:sp>
+      <p:sp>
+        <p:nvSpPr>
+          <p:cNvPr id="3" name="Datumsplatzhalter 2"/>
+          <p:cNvSpPr>
+            <a:spLocks noGrp="1"/>
+          </p:cNvSpPr>
+          <p:nvPr>
+            <p:ph type="dt" idx="1"/>
+          </p:nvPr>
+        </p:nvSpPr>
+        <p:spPr>
+          <a:xfrm>
+            <a:off x="3884613" y="0"/>
+            <a:ext cx="2971800" cy="458788"/>
+          </a:xfrm>
+          <a:prstGeom prst="rect">
+            <a:avLst/>
+          </a:prstGeom>
+        </p:spPr>
+        <p:txBody>
+          <a:bodyPr vert="horz" lIns="91440" tIns="45720" rIns="91440" bIns="45720" rtlCol="0"/>
+          <a:lstStyle>
+            <a:lvl1pPr algn="r">
+              <a:defRPr sz="1200"/>
+            </a:lvl1pPr>
+          </a:lstStyle>
+          <a:p>
+            <a:fld id="{55A47257-6DDC-40C0-91AD-9CDCAF79B7D3}" type="datetimeFigureOut">
+              <a:rPr lang="de-DE" smtClean="0"/>
+              <a:t>28.01.2020</a:t>
+            </a:fld>
+            <a:endParaRPr lang="de-DE"/>
+          </a:p>
+        </p:txBody>
+      </p:sp>
+      <p:sp>
+        <p:nvSpPr>
+          <p:cNvPr id="4" name="Folienbildplatzhalter 3"/>
+          <p:cNvSpPr>
+            <a:spLocks noGrp="1" noRot="1" noChangeAspect="1"/>
+          </p:cNvSpPr>
+          <p:nvPr>
+            <p:ph type="sldImg" idx="2"/>
+          </p:nvPr>
+        </p:nvSpPr>
+        <p:spPr>
+          <a:xfrm>
+            <a:off x="685800" y="1143000"/>
+            <a:ext cx="5486400" cy="3086100"/>
+          </a:xfrm>
+          <a:prstGeom prst="rect">
+            <a:avLst/>
+          </a:prstGeom>
+          <a:noFill/>
+          <a:ln w="12700">
+            <a:solidFill>
+              <a:prstClr val="black"/>
+            </a:solidFill>
+          </a:ln>
+        </p:spPr>
+        <p:txBody>
+          <a:bodyPr vert="horz" lIns="91440" tIns="45720" rIns="91440" bIns="45720" rtlCol="0" anchor="ctr"/>
+          <a:lstStyle/>
+          <a:p>
+            <a:endParaRPr lang="de-DE"/>
+          </a:p>
+        </p:txBody>
+      </p:sp>
+      <p:sp>
+        <p:nvSpPr>
+          <p:cNvPr id="5" name="Notizenplatzhalter 4"/>
+          <p:cNvSpPr>
+            <a:spLocks noGrp="1"/>
+          </p:cNvSpPr>
+          <p:nvPr>
+            <p:ph type="body" sz="quarter" idx="3"/>
+          </p:nvPr>
+        </p:nvSpPr>
+        <p:spPr>
+          <a:xfrm>
+            <a:off x="685800" y="4400550"/>
+            <a:ext cx="5486400" cy="3600450"/>
+          </a:xfrm>
+          <a:prstGeom prst="rect">
+            <a:avLst/>
+          </a:prstGeom>
+        </p:spPr>
+        <p:txBody>
+          <a:bodyPr vert="horz" lIns="91440" tIns="45720" rIns="91440" bIns="45720" rtlCol="0"/>
+          <a:lstStyle/>
+          <a:p>
+            <a:pPr lvl="0"/>
+            <a:r>
+              <a:rPr lang="de-DE"/>
+              <a:t>Mastertextformat bearbeiten</a:t>
+            </a:r>
+          </a:p>
+          <a:p>
+            <a:pPr lvl="1"/>
+            <a:r>
+              <a:rPr lang="de-DE"/>
+              <a:t>Zweite Ebene</a:t>
+            </a:r>
+          </a:p>
+          <a:p>
+            <a:pPr lvl="2"/>
+            <a:r>
+              <a:rPr lang="de-DE"/>
+              <a:t>Dritte Ebene</a:t>
+            </a:r>
+          </a:p>
+          <a:p>
+            <a:pPr lvl="3"/>
+            <a:r>
+              <a:rPr lang="de-DE"/>
+              <a:t>Vierte Ebene</a:t>
+            </a:r>
+          </a:p>
+          <a:p>
+            <a:pPr lvl="4"/>
+            <a:r>
+              <a:rPr lang="de-DE"/>
+              <a:t>Fünfte Ebene</a:t>
+            </a:r>
+          </a:p>
+        </p:txBody>
+      </p:sp>
+      <p:sp>
+        <p:nvSpPr>
+          <p:cNvPr id="6" name="Fußzeilenplatzhalter 5"/>
+          <p:cNvSpPr>
+            <a:spLocks noGrp="1"/>
+          </p:cNvSpPr>
+          <p:nvPr>
+            <p:ph type="ftr" sz="quarter" idx="4"/>
+          </p:nvPr>
+        </p:nvSpPr>
+        <p:spPr>
+          <a:xfrm>
+            <a:off x="0" y="8685213"/>
+            <a:ext cx="2971800" cy="458787"/>
+          </a:xfrm>
+          <a:prstGeom prst="rect">
+            <a:avLst/>
+          </a:prstGeom>
+        </p:spPr>
+        <p:txBody>
+          <a:bodyPr vert="horz" lIns="91440" tIns="45720" rIns="91440" bIns="45720" rtlCol="0" anchor="b"/>
+          <a:lstStyle>
+            <a:lvl1pPr algn="l">
+              <a:defRPr sz="1200"/>
+            </a:lvl1pPr>
+          </a:lstStyle>
+          <a:p>
+            <a:endParaRPr lang="de-DE"/>
+          </a:p>
+        </p:txBody>
+      </p:sp>
+      <p:sp>
+        <p:nvSpPr>
+          <p:cNvPr id="7" name="Foliennummernplatzhalter 6"/>
+          <p:cNvSpPr>
+            <a:spLocks noGrp="1"/>
+          </p:cNvSpPr>
+          <p:nvPr>
+            <p:ph type="sldNum" sz="quarter" idx="5"/>
+          </p:nvPr>
+        </p:nvSpPr>
+        <p:spPr>
+          <a:xfrm>
+            <a:off x="3884613" y="8685213"/>
+            <a:ext cx="2971800" cy="458787"/>
+          </a:xfrm>
+          <a:prstGeom prst="rect">
+            <a:avLst/>
+          </a:prstGeom>
+        </p:spPr>
+        <p:txBody>
+          <a:bodyPr vert="horz" lIns="91440" tIns="45720" rIns="91440" bIns="45720" rtlCol="0" anchor="b"/>
+          <a:lstStyle>
+            <a:lvl1pPr algn="r">
+              <a:defRPr sz="1200"/>
+            </a:lvl1pPr>
+          </a:lstStyle>
+          <a:p>
+            <a:fld id="{73DC1141-95A9-422E-809D-0431F2655198}" type="slidenum">
+              <a:rPr lang="de-DE" smtClean="0"/>
+              <a:t>‹Nr.›</a:t>
+            </a:fld>
+            <a:endParaRPr lang="de-DE"/>
+          </a:p>
+        </p:txBody>
+      </p:sp>
+    </p:spTree>
+    <p:extLst>
+      <p:ext uri="{BB962C8B-B14F-4D97-AF65-F5344CB8AC3E}">
+        <p14:creationId xmlns:p14="http://schemas.microsoft.com/office/powerpoint/2010/main" val="2196984858"/>
+      </p:ext>
+    </p:extLst>
+  </p:cSld>
+  <p:clrMap bg1="lt1" tx1="dk1" bg2="lt2" tx2="dk2" accent1="accent1" accent2="accent2" accent3="accent3" accent4="accent4" accent5="accent5" accent6="accent6" hlink="hlink" folHlink="folHlink"/>
+  <p:notesStyle>
+    <a:lvl1pPr marL="0" algn="l" defTabSz="914400" rtl="0" eaLnBrk="1" latinLnBrk="0" hangingPunct="1">
+      <a:defRPr sz="1200" kern="1200">
+        <a:solidFill>
+          <a:schemeClr val="tx1"/>
+        </a:solidFill>
+        <a:latin typeface="+mn-lt"/>
+        <a:ea typeface="+mn-ea"/>
+        <a:cs typeface="+mn-cs"/>
+      </a:defRPr>
+    </a:lvl1pPr>
+    <a:lvl2pPr marL="457200" algn="l" defTabSz="914400" rtl="0" eaLnBrk="1" latinLnBrk="0" hangingPunct="1">
+      <a:defRPr sz="1200" kern="1200">
+        <a:solidFill>
+          <a:schemeClr val="tx1"/>
+        </a:solidFill>
+        <a:latin typeface="+mn-lt"/>
+        <a:ea typeface="+mn-ea"/>
+        <a:cs typeface="+mn-cs"/>
+      </a:defRPr>
+    </a:lvl2pPr>
+    <a:lvl3pPr marL="914400" algn="l" defTabSz="914400" rtl="0" eaLnBrk="1" latinLnBrk="0" hangingPunct="1">
+      <a:defRPr sz="1200" kern="1200">
+        <a:solidFill>
+          <a:schemeClr val="tx1"/>
+        </a:solidFill>
+        <a:latin typeface="+mn-lt"/>
+        <a:ea typeface="+mn-ea"/>
+        <a:cs typeface="+mn-cs"/>
+      </a:defRPr>
+    </a:lvl3pPr>
+    <a:lvl4pPr marL="1371600" algn="l" defTabSz="914400" rtl="0" eaLnBrk="1" latinLnBrk="0" hangingPunct="1">
+      <a:defRPr sz="1200" kern="1200">
+        <a:solidFill>
+          <a:schemeClr val="tx1"/>
+        </a:solidFill>
+        <a:latin typeface="+mn-lt"/>
+        <a:ea typeface="+mn-ea"/>
+        <a:cs typeface="+mn-cs"/>
+      </a:defRPr>
+    </a:lvl4pPr>
+    <a:lvl5pPr marL="1828800" algn="l" defTabSz="914400" rtl="0" eaLnBrk="1" latinLnBrk="0" hangingPunct="1">
+      <a:defRPr sz="1200" kern="1200">
+        <a:solidFill>
+          <a:schemeClr val="tx1"/>
+        </a:solidFill>
+        <a:latin typeface="+mn-lt"/>
+        <a:ea typeface="+mn-ea"/>
+        <a:cs typeface="+mn-cs"/>
+      </a:defRPr>
+    </a:lvl5pPr>
+    <a:lvl6pPr marL="2286000" algn="l" defTabSz="914400" rtl="0" eaLnBrk="1" latinLnBrk="0" hangingPunct="1">
+      <a:defRPr sz="1200" kern="1200">
+        <a:solidFill>
+          <a:schemeClr val="tx1"/>
+        </a:solidFill>
+        <a:latin typeface="+mn-lt"/>
+        <a:ea typeface="+mn-ea"/>
+        <a:cs typeface="+mn-cs"/>
+      </a:defRPr>
+    </a:lvl6pPr>
+    <a:lvl7pPr marL="2743200" algn="l" defTabSz="914400" rtl="0" eaLnBrk="1" latinLnBrk="0" hangingPunct="1">
+      <a:defRPr sz="1200" kern="1200">
+        <a:solidFill>
+          <a:schemeClr val="tx1"/>
+        </a:solidFill>
+        <a:latin typeface="+mn-lt"/>
+        <a:ea typeface="+mn-ea"/>
+        <a:cs typeface="+mn-cs"/>
+      </a:defRPr>
+    </a:lvl7pPr>
+    <a:lvl8pPr marL="3200400" algn="l" defTabSz="914400" rtl="0" eaLnBrk="1" latinLnBrk="0" hangingPunct="1">
+      <a:defRPr sz="1200" kern="1200">
+        <a:solidFill>
+          <a:schemeClr val="tx1"/>
+        </a:solidFill>
+        <a:latin typeface="+mn-lt"/>
+        <a:ea typeface="+mn-ea"/>
+        <a:cs typeface="+mn-cs"/>
+      </a:defRPr>
+    </a:lvl8pPr>
+    <a:lvl9pPr marL="3657600" algn="l" defTabSz="914400" rtl="0" eaLnBrk="1" latinLnBrk="0" hangingPunct="1">
+      <a:defRPr sz="1200" kern="1200">
+        <a:solidFill>
+          <a:schemeClr val="tx1"/>
+        </a:solidFill>
+        <a:latin typeface="+mn-lt"/>
+        <a:ea typeface="+mn-ea"/>
+        <a:cs typeface="+mn-cs"/>
+      </a:defRPr>
+    </a:lvl9pPr>
+  </p:notesStyle>
+</p:notesMaster>
+</file>
+
+<file path=ppt/notesSlides/notesSlide1.xml><?xml version="1.0" encoding="utf-8"?>
+<p:notes xmlns:a="http://schemas.openxmlformats.org/drawingml/2006/main" xmlns:r="http://schemas.openxmlformats.org/officeDocument/2006/relationships" xmlns:p="http://schemas.openxmlformats.org/presentationml/2006/main">
+  <p:cSld>
+    <p:spTree>
+      <p:nvGrpSpPr>
+        <p:cNvPr id="1" name=""/>
+        <p:cNvGrpSpPr/>
+        <p:nvPr/>
+      </p:nvGrpSpPr>
+      <p:grpSpPr>
+        <a:xfrm>
+          <a:off x="0" y="0"/>
+          <a:ext cx="0" cy="0"/>
+          <a:chOff x="0" y="0"/>
+          <a:chExt cx="0" cy="0"/>
+        </a:xfrm>
+      </p:grpSpPr>
+      <p:sp>
+        <p:nvSpPr>
+          <p:cNvPr id="2" name="Folienbildplatzhalter 1"/>
+          <p:cNvSpPr>
+            <a:spLocks noGrp="1" noRot="1" noChangeAspect="1"/>
+          </p:cNvSpPr>
+          <p:nvPr>
+            <p:ph type="sldImg"/>
+          </p:nvPr>
+        </p:nvSpPr>
+        <p:spPr/>
+      </p:sp>
+      <p:sp>
+        <p:nvSpPr>
+          <p:cNvPr id="3" name="Notizenplatzhalter 2"/>
+          <p:cNvSpPr>
+            <a:spLocks noGrp="1"/>
+          </p:cNvSpPr>
+          <p:nvPr>
+            <p:ph type="body" idx="1"/>
+          </p:nvPr>
+        </p:nvSpPr>
+        <p:spPr/>
+        <p:txBody>
+          <a:bodyPr/>
+          <a:lstStyle/>
+          <a:p>
+            <a:endParaRPr lang="de-DE" dirty="0"/>
+          </a:p>
+        </p:txBody>
+      </p:sp>
+      <p:sp>
+        <p:nvSpPr>
+          <p:cNvPr id="4" name="Foliennummernplatzhalter 3"/>
+          <p:cNvSpPr>
+            <a:spLocks noGrp="1"/>
+          </p:cNvSpPr>
+          <p:nvPr>
+            <p:ph type="sldNum" sz="quarter" idx="5"/>
+          </p:nvPr>
+        </p:nvSpPr>
+        <p:spPr/>
+        <p:txBody>
+          <a:bodyPr/>
+          <a:lstStyle/>
+          <a:p>
+            <a:fld id="{73DC1141-95A9-422E-809D-0431F2655198}" type="slidenum">
+              <a:rPr lang="de-DE" smtClean="0"/>
+              <a:t>6</a:t>
+            </a:fld>
+            <a:endParaRPr lang="de-DE"/>
+          </a:p>
+        </p:txBody>
+      </p:sp>
+    </p:spTree>
+    <p:extLst>
+      <p:ext uri="{BB962C8B-B14F-4D97-AF65-F5344CB8AC3E}">
+        <p14:creationId xmlns:p14="http://schemas.microsoft.com/office/powerpoint/2010/main" val="1787061762"/>
+      </p:ext>
+    </p:extLst>
+  </p:cSld>
+  <p:clrMapOvr>
+    <a:masterClrMapping/>
+  </p:clrMapOvr>
+</p:notes>
+</file>
+
 <file path=ppt/slideLayouts/slideLayout1.xml><?xml version="1.0" encoding="utf-8"?>
 <p:sldLayout xmlns:a="http://schemas.openxmlformats.org/drawingml/2006/main" xmlns:r="http://schemas.openxmlformats.org/officeDocument/2006/relationships" xmlns:p="http://schemas.openxmlformats.org/presentationml/2006/main" type="title" preserve="1">
   <p:cSld name="Title Slide">
@@ -258,7 +694,7 @@
           <a:p>
             <a:fld id="{69429407-18D6-4C3E-AB7D-24EBE31151B0}" type="datetimeFigureOut">
               <a:rPr lang="de-DE" smtClean="0"/>
-              <a:t>17.01.2020</a:t>
+              <a:t>23.01.2020</a:t>
             </a:fld>
             <a:endParaRPr lang="de-DE"/>
           </a:p>
@@ -300,7 +736,7 @@
           <a:p>
             <a:fld id="{8C4DBA3F-B391-4629-989C-BD13335FBCD6}" type="slidenum">
               <a:rPr lang="de-DE" smtClean="0"/>
-              <a:t>‹#›</a:t>
+              <a:t>‹Nr.›</a:t>
             </a:fld>
             <a:endParaRPr lang="de-DE"/>
           </a:p>
@@ -428,7 +864,7 @@
           <a:p>
             <a:fld id="{69429407-18D6-4C3E-AB7D-24EBE31151B0}" type="datetimeFigureOut">
               <a:rPr lang="de-DE" smtClean="0"/>
-              <a:t>17.01.2020</a:t>
+              <a:t>23.01.2020</a:t>
             </a:fld>
             <a:endParaRPr lang="de-DE"/>
           </a:p>
@@ -470,7 +906,7 @@
           <a:p>
             <a:fld id="{8C4DBA3F-B391-4629-989C-BD13335FBCD6}" type="slidenum">
               <a:rPr lang="de-DE" smtClean="0"/>
-              <a:t>‹#›</a:t>
+              <a:t>‹Nr.›</a:t>
             </a:fld>
             <a:endParaRPr lang="de-DE"/>
           </a:p>
@@ -608,7 +1044,7 @@
           <a:p>
             <a:fld id="{69429407-18D6-4C3E-AB7D-24EBE31151B0}" type="datetimeFigureOut">
               <a:rPr lang="de-DE" smtClean="0"/>
-              <a:t>17.01.2020</a:t>
+              <a:t>23.01.2020</a:t>
             </a:fld>
             <a:endParaRPr lang="de-DE"/>
           </a:p>
@@ -650,7 +1086,7 @@
           <a:p>
             <a:fld id="{8C4DBA3F-B391-4629-989C-BD13335FBCD6}" type="slidenum">
               <a:rPr lang="de-DE" smtClean="0"/>
-              <a:t>‹#›</a:t>
+              <a:t>‹Nr.›</a:t>
             </a:fld>
             <a:endParaRPr lang="de-DE"/>
           </a:p>
@@ -778,7 +1214,7 @@
           <a:p>
             <a:fld id="{69429407-18D6-4C3E-AB7D-24EBE31151B0}" type="datetimeFigureOut">
               <a:rPr lang="de-DE" smtClean="0"/>
-              <a:t>17.01.2020</a:t>
+              <a:t>23.01.2020</a:t>
             </a:fld>
             <a:endParaRPr lang="de-DE"/>
           </a:p>
@@ -820,7 +1256,7 @@
           <a:p>
             <a:fld id="{8C4DBA3F-B391-4629-989C-BD13335FBCD6}" type="slidenum">
               <a:rPr lang="de-DE" smtClean="0"/>
-              <a:t>‹#›</a:t>
+              <a:t>‹Nr.›</a:t>
             </a:fld>
             <a:endParaRPr lang="de-DE"/>
           </a:p>
@@ -1024,7 +1460,7 @@
           <a:p>
             <a:fld id="{69429407-18D6-4C3E-AB7D-24EBE31151B0}" type="datetimeFigureOut">
               <a:rPr lang="de-DE" smtClean="0"/>
-              <a:t>17.01.2020</a:t>
+              <a:t>23.01.2020</a:t>
             </a:fld>
             <a:endParaRPr lang="de-DE"/>
           </a:p>
@@ -1066,7 +1502,7 @@
           <a:p>
             <a:fld id="{8C4DBA3F-B391-4629-989C-BD13335FBCD6}" type="slidenum">
               <a:rPr lang="de-DE" smtClean="0"/>
-              <a:t>‹#›</a:t>
+              <a:t>‹Nr.›</a:t>
             </a:fld>
             <a:endParaRPr lang="de-DE"/>
           </a:p>
@@ -1256,7 +1692,7 @@
           <a:p>
             <a:fld id="{69429407-18D6-4C3E-AB7D-24EBE31151B0}" type="datetimeFigureOut">
               <a:rPr lang="de-DE" smtClean="0"/>
-              <a:t>17.01.2020</a:t>
+              <a:t>23.01.2020</a:t>
             </a:fld>
             <a:endParaRPr lang="de-DE"/>
           </a:p>
@@ -1298,7 +1734,7 @@
           <a:p>
             <a:fld id="{8C4DBA3F-B391-4629-989C-BD13335FBCD6}" type="slidenum">
               <a:rPr lang="de-DE" smtClean="0"/>
-              <a:t>‹#›</a:t>
+              <a:t>‹Nr.›</a:t>
             </a:fld>
             <a:endParaRPr lang="de-DE"/>
           </a:p>
@@ -1623,7 +2059,7 @@
           <a:p>
             <a:fld id="{69429407-18D6-4C3E-AB7D-24EBE31151B0}" type="datetimeFigureOut">
               <a:rPr lang="de-DE" smtClean="0"/>
-              <a:t>17.01.2020</a:t>
+              <a:t>23.01.2020</a:t>
             </a:fld>
             <a:endParaRPr lang="de-DE"/>
           </a:p>
@@ -1665,7 +2101,7 @@
           <a:p>
             <a:fld id="{8C4DBA3F-B391-4629-989C-BD13335FBCD6}" type="slidenum">
               <a:rPr lang="de-DE" smtClean="0"/>
-              <a:t>‹#›</a:t>
+              <a:t>‹Nr.›</a:t>
             </a:fld>
             <a:endParaRPr lang="de-DE"/>
           </a:p>
@@ -1741,7 +2177,7 @@
           <a:p>
             <a:fld id="{69429407-18D6-4C3E-AB7D-24EBE31151B0}" type="datetimeFigureOut">
               <a:rPr lang="de-DE" smtClean="0"/>
-              <a:t>17.01.2020</a:t>
+              <a:t>23.01.2020</a:t>
             </a:fld>
             <a:endParaRPr lang="de-DE"/>
           </a:p>
@@ -1783,7 +2219,7 @@
           <a:p>
             <a:fld id="{8C4DBA3F-B391-4629-989C-BD13335FBCD6}" type="slidenum">
               <a:rPr lang="de-DE" smtClean="0"/>
-              <a:t>‹#›</a:t>
+              <a:t>‹Nr.›</a:t>
             </a:fld>
             <a:endParaRPr lang="de-DE"/>
           </a:p>
@@ -1836,7 +2272,7 @@
           <a:p>
             <a:fld id="{69429407-18D6-4C3E-AB7D-24EBE31151B0}" type="datetimeFigureOut">
               <a:rPr lang="de-DE" smtClean="0"/>
-              <a:t>17.01.2020</a:t>
+              <a:t>23.01.2020</a:t>
             </a:fld>
             <a:endParaRPr lang="de-DE"/>
           </a:p>
@@ -1878,7 +2314,7 @@
           <a:p>
             <a:fld id="{8C4DBA3F-B391-4629-989C-BD13335FBCD6}" type="slidenum">
               <a:rPr lang="de-DE" smtClean="0"/>
-              <a:t>‹#›</a:t>
+              <a:t>‹Nr.›</a:t>
             </a:fld>
             <a:endParaRPr lang="de-DE"/>
           </a:p>
@@ -2113,7 +2549,7 @@
           <a:p>
             <a:fld id="{69429407-18D6-4C3E-AB7D-24EBE31151B0}" type="datetimeFigureOut">
               <a:rPr lang="de-DE" smtClean="0"/>
-              <a:t>17.01.2020</a:t>
+              <a:t>23.01.2020</a:t>
             </a:fld>
             <a:endParaRPr lang="de-DE"/>
           </a:p>
@@ -2155,7 +2591,7 @@
           <a:p>
             <a:fld id="{8C4DBA3F-B391-4629-989C-BD13335FBCD6}" type="slidenum">
               <a:rPr lang="de-DE" smtClean="0"/>
-              <a:t>‹#›</a:t>
+              <a:t>‹Nr.›</a:t>
             </a:fld>
             <a:endParaRPr lang="de-DE"/>
           </a:p>
@@ -2366,7 +2802,7 @@
           <a:p>
             <a:fld id="{69429407-18D6-4C3E-AB7D-24EBE31151B0}" type="datetimeFigureOut">
               <a:rPr lang="de-DE" smtClean="0"/>
-              <a:t>17.01.2020</a:t>
+              <a:t>23.01.2020</a:t>
             </a:fld>
             <a:endParaRPr lang="de-DE"/>
           </a:p>
@@ -2408,7 +2844,7 @@
           <a:p>
             <a:fld id="{8C4DBA3F-B391-4629-989C-BD13335FBCD6}" type="slidenum">
               <a:rPr lang="de-DE" smtClean="0"/>
-              <a:t>‹#›</a:t>
+              <a:t>‹Nr.›</a:t>
             </a:fld>
             <a:endParaRPr lang="de-DE"/>
           </a:p>
@@ -2579,7 +3015,7 @@
           <a:p>
             <a:fld id="{69429407-18D6-4C3E-AB7D-24EBE31151B0}" type="datetimeFigureOut">
               <a:rPr lang="de-DE" smtClean="0"/>
-              <a:t>17.01.2020</a:t>
+              <a:t>23.01.2020</a:t>
             </a:fld>
             <a:endParaRPr lang="de-DE"/>
           </a:p>
@@ -2657,7 +3093,7 @@
           <a:p>
             <a:fld id="{8C4DBA3F-B391-4629-989C-BD13335FBCD6}" type="slidenum">
               <a:rPr lang="de-DE" smtClean="0"/>
-              <a:t>‹#›</a:t>
+              <a:t>‹Nr.›</a:t>
             </a:fld>
             <a:endParaRPr lang="de-DE"/>
           </a:p>
@@ -6130,11 +6566,11 @@
           <a:lstStyle/>
           <a:p>
             <a:r>
-              <a:rPr lang="de-DE" dirty="0" smtClean="0"/>
+              <a:rPr lang="de-DE" dirty="0"/>
               <a:t>Evaluation / Vergleich</a:t>
             </a:r>
             <a:br>
-              <a:rPr lang="de-DE" dirty="0" smtClean="0"/>
+              <a:rPr lang="de-DE" dirty="0"/>
             </a:br>
             <a:endParaRPr lang="de-DE" dirty="0"/>
           </a:p>
@@ -6156,10 +6592,9 @@
           <a:lstStyle/>
           <a:p>
             <a:r>
-              <a:rPr lang="de-DE" dirty="0" smtClean="0"/>
+              <a:rPr lang="de-DE" dirty="0"/>
               <a:t>TODO Jonathan</a:t>
             </a:r>
-            <a:endParaRPr lang="de-DE" dirty="0"/>
           </a:p>
         </p:txBody>
       </p:sp>
@@ -6209,10 +6644,9 @@
           <a:lstStyle/>
           <a:p>
             <a:r>
-              <a:rPr lang="de-DE" dirty="0" smtClean="0"/>
+              <a:rPr lang="de-DE" dirty="0"/>
               <a:t>SHAP</a:t>
             </a:r>
-            <a:endParaRPr lang="de-DE" dirty="0"/>
           </a:p>
         </p:txBody>
       </p:sp>
@@ -6232,10 +6666,9 @@
           <a:lstStyle/>
           <a:p>
             <a:r>
-              <a:rPr lang="de-DE" dirty="0" smtClean="0"/>
+              <a:rPr lang="de-DE" dirty="0"/>
               <a:t>Lukas</a:t>
             </a:r>
-            <a:endParaRPr lang="de-DE" dirty="0"/>
           </a:p>
         </p:txBody>
       </p:sp>
@@ -6285,10 +6718,9 @@
           <a:lstStyle/>
           <a:p>
             <a:r>
-              <a:rPr lang="de-DE" dirty="0" smtClean="0"/>
+              <a:rPr lang="de-DE" dirty="0"/>
               <a:t>Beschreibung der Daten / des Anwendungsfalls</a:t>
             </a:r>
-            <a:endParaRPr lang="de-DE" dirty="0"/>
           </a:p>
         </p:txBody>
       </p:sp>
@@ -6308,10 +6740,9 @@
           <a:lstStyle/>
           <a:p>
             <a:r>
-              <a:rPr lang="de-DE" dirty="0" smtClean="0"/>
+              <a:rPr lang="de-DE" dirty="0"/>
               <a:t>TODO Salar</a:t>
             </a:r>
-            <a:endParaRPr lang="de-DE" dirty="0"/>
           </a:p>
         </p:txBody>
       </p:sp>
@@ -6416,12 +6847,8 @@
           <a:p>
             <a:pPr lvl="1"/>
             <a:r>
-              <a:rPr lang="de-DE" dirty="0" smtClean="0"/>
-              <a:t>99.83 % </a:t>
-            </a:r>
-            <a:r>
               <a:rPr lang="de-DE" dirty="0"/>
-              <a:t>normal </a:t>
+              <a:t>99.83 % normal </a:t>
             </a:r>
             <a:r>
               <a:rPr lang="de-DE" dirty="0" err="1"/>
@@ -6432,12 +6859,8 @@
           <a:p>
             <a:pPr lvl="1"/>
             <a:r>
-              <a:rPr lang="de-DE" dirty="0" smtClean="0"/>
-              <a:t>00.17 </a:t>
-            </a:r>
-            <a:r>
               <a:rPr lang="de-DE" dirty="0"/>
-              <a:t>% </a:t>
+              <a:t>00.17 % </a:t>
             </a:r>
             <a:r>
               <a:rPr lang="de-DE" dirty="0" err="1"/>
@@ -6853,10 +7276,9 @@
           <a:lstStyle/>
           <a:p>
             <a:r>
-              <a:rPr lang="de-DE" dirty="0" smtClean="0"/>
+              <a:rPr lang="de-DE" dirty="0"/>
               <a:t>Metriken</a:t>
             </a:r>
-            <a:endParaRPr lang="de-DE" dirty="0"/>
           </a:p>
         </p:txBody>
       </p:sp>
@@ -6876,10 +7298,9 @@
           <a:lstStyle/>
           <a:p>
             <a:r>
-              <a:rPr lang="de-DE" dirty="0" smtClean="0"/>
+              <a:rPr lang="de-DE" dirty="0"/>
               <a:t>TODO (Recall erklären und warum das die richtige Metrik ist) Andrej</a:t>
             </a:r>
-            <a:endParaRPr lang="de-DE" dirty="0"/>
           </a:p>
         </p:txBody>
       </p:sp>
@@ -7200,35 +7621,1690 @@
           <a:lstStyle/>
           <a:p>
             <a:r>
-              <a:rPr lang="de-DE" dirty="0" err="1" smtClean="0"/>
+              <a:rPr lang="de-DE" dirty="0" err="1"/>
               <a:t>Outlier</a:t>
             </a:r>
             <a:r>
-              <a:rPr lang="de-DE" dirty="0" smtClean="0"/>
+              <a:rPr lang="de-DE" dirty="0"/>
               <a:t> Analyse</a:t>
             </a:r>
-            <a:endParaRPr lang="de-DE" dirty="0"/>
-          </a:p>
-        </p:txBody>
-      </p:sp>
-      <p:sp>
-        <p:nvSpPr>
-          <p:cNvPr id="3" name="Content Placeholder 2"/>
-          <p:cNvSpPr>
-            <a:spLocks noGrp="1"/>
-          </p:cNvSpPr>
+          </a:p>
+        </p:txBody>
+      </p:sp>
+      <p:pic>
+        <p:nvPicPr>
+          <p:cNvPr id="4" name="Grafik 3">
+            <a:extLst>
+              <a:ext uri="{FF2B5EF4-FFF2-40B4-BE49-F238E27FC236}">
+                <a16:creationId xmlns:a16="http://schemas.microsoft.com/office/drawing/2014/main" id="{8B627F12-D842-4EC6-BE94-7B14314AF8CD}"/>
+              </a:ext>
+            </a:extLst>
+          </p:cNvPr>
+          <p:cNvPicPr>
+            <a:picLocks noChangeAspect="1"/>
+          </p:cNvPicPr>
+          <p:nvPr/>
+        </p:nvPicPr>
+        <p:blipFill>
+          <a:blip r:embed="rId3"/>
+          <a:stretch>
+            <a:fillRect/>
+          </a:stretch>
+        </p:blipFill>
+        <p:spPr>
+          <a:xfrm>
+            <a:off x="838200" y="1765991"/>
+            <a:ext cx="7202557" cy="3744061"/>
+          </a:xfrm>
+          <a:prstGeom prst="rect">
+            <a:avLst/>
+          </a:prstGeom>
+        </p:spPr>
+      </p:pic>
+      <p:sp>
+        <p:nvSpPr>
+          <p:cNvPr id="5" name="Ellipse 4">
+            <a:extLst>
+              <a:ext uri="{FF2B5EF4-FFF2-40B4-BE49-F238E27FC236}">
+                <a16:creationId xmlns:a16="http://schemas.microsoft.com/office/drawing/2014/main" id="{01D2D9C5-D855-48F3-84E4-EE81C66FBE1E}"/>
+              </a:ext>
+            </a:extLst>
+          </p:cNvPr>
+          <p:cNvSpPr/>
+          <p:nvPr/>
+        </p:nvSpPr>
+        <p:spPr>
+          <a:xfrm>
+            <a:off x="1510748" y="4985181"/>
+            <a:ext cx="228600" cy="218661"/>
+          </a:xfrm>
+          <a:prstGeom prst="ellipse">
+            <a:avLst/>
+          </a:prstGeom>
+          <a:noFill/>
+          <a:ln>
+            <a:solidFill>
+              <a:srgbClr val="FF0000"/>
+            </a:solidFill>
+          </a:ln>
+        </p:spPr>
+        <p:style>
+          <a:lnRef idx="2">
+            <a:schemeClr val="accent1">
+              <a:shade val="50000"/>
+            </a:schemeClr>
+          </a:lnRef>
+          <a:fillRef idx="1">
+            <a:schemeClr val="accent1"/>
+          </a:fillRef>
+          <a:effectRef idx="0">
+            <a:schemeClr val="accent1"/>
+          </a:effectRef>
+          <a:fontRef idx="minor">
+            <a:schemeClr val="lt1"/>
+          </a:fontRef>
+        </p:style>
+        <p:txBody>
+          <a:bodyPr rtlCol="0" anchor="ctr"/>
+          <a:lstStyle/>
+          <a:p>
+            <a:pPr algn="ctr"/>
+            <a:endParaRPr lang="de-DE"/>
+          </a:p>
+        </p:txBody>
+      </p:sp>
+      <p:sp>
+        <p:nvSpPr>
+          <p:cNvPr id="6" name="Textfeld 5">
+            <a:extLst>
+              <a:ext uri="{FF2B5EF4-FFF2-40B4-BE49-F238E27FC236}">
+                <a16:creationId xmlns:a16="http://schemas.microsoft.com/office/drawing/2014/main" id="{F4E83406-A839-498D-8AB6-E1B359591A32}"/>
+              </a:ext>
+            </a:extLst>
+          </p:cNvPr>
+          <p:cNvSpPr txBox="1"/>
+          <p:nvPr/>
+        </p:nvSpPr>
+        <p:spPr>
+          <a:xfrm>
+            <a:off x="1702513" y="4900112"/>
+            <a:ext cx="705678" cy="369332"/>
+          </a:xfrm>
+          <a:prstGeom prst="rect">
+            <a:avLst/>
+          </a:prstGeom>
+          <a:noFill/>
+        </p:spPr>
+        <p:txBody>
+          <a:bodyPr wrap="square" rtlCol="0">
+            <a:spAutoFit/>
+          </a:bodyPr>
+          <a:lstStyle/>
+          <a:p>
+            <a:r>
+              <a:rPr lang="de-DE" dirty="0"/>
+              <a:t>-56,9</a:t>
+            </a:r>
+          </a:p>
+        </p:txBody>
+      </p:sp>
+      <p:sp>
+        <p:nvSpPr>
+          <p:cNvPr id="7" name="Ellipse 6">
+            <a:extLst>
+              <a:ext uri="{FF2B5EF4-FFF2-40B4-BE49-F238E27FC236}">
+                <a16:creationId xmlns:a16="http://schemas.microsoft.com/office/drawing/2014/main" id="{039667C6-293F-465B-958E-B7DA2F88559F}"/>
+              </a:ext>
+            </a:extLst>
+          </p:cNvPr>
+          <p:cNvSpPr/>
+          <p:nvPr/>
+        </p:nvSpPr>
+        <p:spPr>
+          <a:xfrm>
+            <a:off x="1510748" y="4499367"/>
+            <a:ext cx="228600" cy="218661"/>
+          </a:xfrm>
+          <a:prstGeom prst="ellipse">
+            <a:avLst/>
+          </a:prstGeom>
+          <a:noFill/>
+          <a:ln>
+            <a:solidFill>
+              <a:srgbClr val="FF0000"/>
+            </a:solidFill>
+          </a:ln>
+        </p:spPr>
+        <p:style>
+          <a:lnRef idx="2">
+            <a:schemeClr val="accent1">
+              <a:shade val="50000"/>
+            </a:schemeClr>
+          </a:lnRef>
+          <a:fillRef idx="1">
+            <a:schemeClr val="accent1"/>
+          </a:fillRef>
+          <a:effectRef idx="0">
+            <a:schemeClr val="accent1"/>
+          </a:effectRef>
+          <a:fontRef idx="minor">
+            <a:schemeClr val="lt1"/>
+          </a:fontRef>
+        </p:style>
+        <p:txBody>
+          <a:bodyPr rtlCol="0" anchor="ctr"/>
+          <a:lstStyle/>
+          <a:p>
+            <a:pPr algn="ctr"/>
+            <a:endParaRPr lang="de-DE"/>
+          </a:p>
+        </p:txBody>
+      </p:sp>
+      <p:sp>
+        <p:nvSpPr>
+          <p:cNvPr id="8" name="Textfeld 7">
+            <a:extLst>
+              <a:ext uri="{FF2B5EF4-FFF2-40B4-BE49-F238E27FC236}">
+                <a16:creationId xmlns:a16="http://schemas.microsoft.com/office/drawing/2014/main" id="{3C9285F7-FC58-4980-ADE7-E599FEDF69A5}"/>
+              </a:ext>
+            </a:extLst>
+          </p:cNvPr>
+          <p:cNvSpPr txBox="1"/>
+          <p:nvPr/>
+        </p:nvSpPr>
+        <p:spPr>
+          <a:xfrm>
+            <a:off x="1664805" y="4405907"/>
+            <a:ext cx="705678" cy="369332"/>
+          </a:xfrm>
+          <a:prstGeom prst="rect">
+            <a:avLst/>
+          </a:prstGeom>
+          <a:noFill/>
+        </p:spPr>
+        <p:txBody>
+          <a:bodyPr wrap="square" rtlCol="0">
+            <a:spAutoFit/>
+          </a:bodyPr>
+          <a:lstStyle/>
+          <a:p>
+            <a:r>
+              <a:rPr lang="de-DE" dirty="0"/>
+              <a:t> -47</a:t>
+            </a:r>
+          </a:p>
+        </p:txBody>
+      </p:sp>
+      <p:sp>
+        <p:nvSpPr>
+          <p:cNvPr id="9" name="Ellipse 8">
+            <a:extLst>
+              <a:ext uri="{FF2B5EF4-FFF2-40B4-BE49-F238E27FC236}">
+                <a16:creationId xmlns:a16="http://schemas.microsoft.com/office/drawing/2014/main" id="{947B7AD6-F9AC-43E9-9CF0-E5F224D706E8}"/>
+              </a:ext>
+            </a:extLst>
+          </p:cNvPr>
+          <p:cNvSpPr/>
+          <p:nvPr/>
+        </p:nvSpPr>
+        <p:spPr>
+          <a:xfrm>
+            <a:off x="1510748" y="4208401"/>
+            <a:ext cx="228600" cy="218661"/>
+          </a:xfrm>
+          <a:prstGeom prst="ellipse">
+            <a:avLst/>
+          </a:prstGeom>
+          <a:noFill/>
+          <a:ln>
+            <a:solidFill>
+              <a:srgbClr val="FF0000"/>
+            </a:solidFill>
+          </a:ln>
+        </p:spPr>
+        <p:style>
+          <a:lnRef idx="2">
+            <a:schemeClr val="accent1">
+              <a:shade val="50000"/>
+            </a:schemeClr>
+          </a:lnRef>
+          <a:fillRef idx="1">
+            <a:schemeClr val="accent1"/>
+          </a:fillRef>
+          <a:effectRef idx="0">
+            <a:schemeClr val="accent1"/>
+          </a:effectRef>
+          <a:fontRef idx="minor">
+            <a:schemeClr val="lt1"/>
+          </a:fontRef>
+        </p:style>
+        <p:txBody>
+          <a:bodyPr rtlCol="0" anchor="ctr"/>
+          <a:lstStyle/>
+          <a:p>
+            <a:pPr algn="ctr"/>
+            <a:endParaRPr lang="de-DE"/>
+          </a:p>
+        </p:txBody>
+      </p:sp>
+      <p:sp>
+        <p:nvSpPr>
+          <p:cNvPr id="10" name="Textfeld 9">
+            <a:extLst>
+              <a:ext uri="{FF2B5EF4-FFF2-40B4-BE49-F238E27FC236}">
+                <a16:creationId xmlns:a16="http://schemas.microsoft.com/office/drawing/2014/main" id="{04DE0F55-9C33-40AC-98CF-345740949C8F}"/>
+              </a:ext>
+            </a:extLst>
+          </p:cNvPr>
+          <p:cNvSpPr txBox="1"/>
+          <p:nvPr/>
+        </p:nvSpPr>
+        <p:spPr>
+          <a:xfrm>
+            <a:off x="1674744" y="4137803"/>
+            <a:ext cx="998882" cy="369332"/>
+          </a:xfrm>
+          <a:prstGeom prst="rect">
+            <a:avLst/>
+          </a:prstGeom>
+          <a:noFill/>
+        </p:spPr>
+        <p:txBody>
+          <a:bodyPr wrap="square" rtlCol="0">
+            <a:spAutoFit/>
+          </a:bodyPr>
+          <a:lstStyle/>
+          <a:p>
+            <a:r>
+              <a:rPr lang="de-DE" dirty="0"/>
+              <a:t> -39/ -42</a:t>
+            </a:r>
+          </a:p>
+        </p:txBody>
+      </p:sp>
+      <p:sp>
+        <p:nvSpPr>
+          <p:cNvPr id="11" name="Textfeld 10">
+            <a:extLst>
+              <a:ext uri="{FF2B5EF4-FFF2-40B4-BE49-F238E27FC236}">
+                <a16:creationId xmlns:a16="http://schemas.microsoft.com/office/drawing/2014/main" id="{E049FD8C-7ACB-4919-A782-6EBB973B6FA3}"/>
+              </a:ext>
+            </a:extLst>
+          </p:cNvPr>
+          <p:cNvSpPr txBox="1"/>
+          <p:nvPr/>
+        </p:nvSpPr>
+        <p:spPr>
+          <a:xfrm>
+            <a:off x="1124629" y="5437992"/>
+            <a:ext cx="897832" cy="369332"/>
+          </a:xfrm>
+          <a:prstGeom prst="rect">
+            <a:avLst/>
+          </a:prstGeom>
+          <a:noFill/>
+        </p:spPr>
+        <p:txBody>
+          <a:bodyPr wrap="square" rtlCol="0">
+            <a:spAutoFit/>
+          </a:bodyPr>
+          <a:lstStyle/>
+          <a:p>
+            <a:r>
+              <a:rPr lang="de-DE" dirty="0"/>
+              <a:t>-5 - -57 </a:t>
+            </a:r>
+          </a:p>
+        </p:txBody>
+      </p:sp>
+      <p:sp>
+        <p:nvSpPr>
+          <p:cNvPr id="13" name="Ellipse 12">
+            <a:extLst>
+              <a:ext uri="{FF2B5EF4-FFF2-40B4-BE49-F238E27FC236}">
+                <a16:creationId xmlns:a16="http://schemas.microsoft.com/office/drawing/2014/main" id="{4C3B32E4-2C82-426F-8003-BE99AEA3840D}"/>
+              </a:ext>
+            </a:extLst>
+          </p:cNvPr>
+          <p:cNvSpPr/>
+          <p:nvPr/>
+        </p:nvSpPr>
+        <p:spPr>
+          <a:xfrm>
+            <a:off x="3859592" y="4139166"/>
+            <a:ext cx="297627" cy="287896"/>
+          </a:xfrm>
+          <a:prstGeom prst="ellipse">
+            <a:avLst/>
+          </a:prstGeom>
+          <a:noFill/>
+          <a:ln>
+            <a:solidFill>
+              <a:srgbClr val="FF0000"/>
+            </a:solidFill>
+          </a:ln>
+        </p:spPr>
+        <p:style>
+          <a:lnRef idx="2">
+            <a:schemeClr val="accent1">
+              <a:shade val="50000"/>
+            </a:schemeClr>
+          </a:lnRef>
+          <a:fillRef idx="1">
+            <a:schemeClr val="accent1"/>
+          </a:fillRef>
+          <a:effectRef idx="0">
+            <a:schemeClr val="accent1"/>
+          </a:effectRef>
+          <a:fontRef idx="minor">
+            <a:schemeClr val="lt1"/>
+          </a:fontRef>
+        </p:style>
+        <p:txBody>
+          <a:bodyPr rtlCol="0" anchor="ctr"/>
+          <a:lstStyle/>
+          <a:p>
+            <a:pPr algn="ctr"/>
+            <a:endParaRPr lang="de-DE"/>
+          </a:p>
+        </p:txBody>
+      </p:sp>
+      <p:sp>
+        <p:nvSpPr>
+          <p:cNvPr id="14" name="Textfeld 13">
+            <a:extLst>
+              <a:ext uri="{FF2B5EF4-FFF2-40B4-BE49-F238E27FC236}">
+                <a16:creationId xmlns:a16="http://schemas.microsoft.com/office/drawing/2014/main" id="{FBDCB940-7B13-4B00-BA8D-EB6BA5206CC4}"/>
+              </a:ext>
+            </a:extLst>
+          </p:cNvPr>
+          <p:cNvSpPr txBox="1"/>
+          <p:nvPr/>
+        </p:nvSpPr>
+        <p:spPr>
+          <a:xfrm>
+            <a:off x="4075173" y="4101103"/>
+            <a:ext cx="998882" cy="369332"/>
+          </a:xfrm>
+          <a:prstGeom prst="rect">
+            <a:avLst/>
+          </a:prstGeom>
+          <a:noFill/>
+        </p:spPr>
+        <p:txBody>
+          <a:bodyPr wrap="square" rtlCol="0">
+            <a:spAutoFit/>
+          </a:bodyPr>
+          <a:lstStyle/>
+          <a:p>
+            <a:r>
+              <a:rPr lang="de-DE" dirty="0"/>
+              <a:t> -44/ -52</a:t>
+            </a:r>
+          </a:p>
+        </p:txBody>
+      </p:sp>
+      <p:sp>
+        <p:nvSpPr>
+          <p:cNvPr id="15" name="Ellipse 14">
+            <a:extLst>
+              <a:ext uri="{FF2B5EF4-FFF2-40B4-BE49-F238E27FC236}">
+                <a16:creationId xmlns:a16="http://schemas.microsoft.com/office/drawing/2014/main" id="{30A12F16-FA40-4B4B-A3EC-8F22C5913D47}"/>
+              </a:ext>
+            </a:extLst>
+          </p:cNvPr>
+          <p:cNvSpPr/>
+          <p:nvPr/>
+        </p:nvSpPr>
+        <p:spPr>
+          <a:xfrm>
+            <a:off x="3859591" y="4608697"/>
+            <a:ext cx="297627" cy="287896"/>
+          </a:xfrm>
+          <a:prstGeom prst="ellipse">
+            <a:avLst/>
+          </a:prstGeom>
+          <a:noFill/>
+          <a:ln>
+            <a:solidFill>
+              <a:srgbClr val="FF0000"/>
+            </a:solidFill>
+          </a:ln>
+        </p:spPr>
+        <p:style>
+          <a:lnRef idx="2">
+            <a:schemeClr val="accent1">
+              <a:shade val="50000"/>
+            </a:schemeClr>
+          </a:lnRef>
+          <a:fillRef idx="1">
+            <a:schemeClr val="accent1"/>
+          </a:fillRef>
+          <a:effectRef idx="0">
+            <a:schemeClr val="accent1"/>
+          </a:effectRef>
+          <a:fontRef idx="minor">
+            <a:schemeClr val="lt1"/>
+          </a:fontRef>
+        </p:style>
+        <p:txBody>
+          <a:bodyPr rtlCol="0" anchor="ctr"/>
+          <a:lstStyle/>
+          <a:p>
+            <a:pPr algn="ctr"/>
+            <a:endParaRPr lang="de-DE"/>
+          </a:p>
+        </p:txBody>
+      </p:sp>
+      <p:sp>
+        <p:nvSpPr>
+          <p:cNvPr id="16" name="Textfeld 15">
+            <a:extLst>
+              <a:ext uri="{FF2B5EF4-FFF2-40B4-BE49-F238E27FC236}">
+                <a16:creationId xmlns:a16="http://schemas.microsoft.com/office/drawing/2014/main" id="{D8DEF30F-D4A8-4BAA-A59F-1CECBBAB20BA}"/>
+              </a:ext>
+            </a:extLst>
+          </p:cNvPr>
+          <p:cNvSpPr txBox="1"/>
+          <p:nvPr/>
+        </p:nvSpPr>
+        <p:spPr>
+          <a:xfrm>
+            <a:off x="4075173" y="4561282"/>
+            <a:ext cx="998882" cy="369332"/>
+          </a:xfrm>
+          <a:prstGeom prst="rect">
+            <a:avLst/>
+          </a:prstGeom>
+          <a:noFill/>
+        </p:spPr>
+        <p:txBody>
+          <a:bodyPr wrap="square" rtlCol="0">
+            <a:spAutoFit/>
+          </a:bodyPr>
+          <a:lstStyle/>
+          <a:p>
+            <a:r>
+              <a:rPr lang="de-DE" dirty="0"/>
+              <a:t> -59/ -65</a:t>
+            </a:r>
+          </a:p>
+        </p:txBody>
+      </p:sp>
+      <p:sp>
+        <p:nvSpPr>
+          <p:cNvPr id="17" name="Textfeld 16">
+            <a:extLst>
+              <a:ext uri="{FF2B5EF4-FFF2-40B4-BE49-F238E27FC236}">
+                <a16:creationId xmlns:a16="http://schemas.microsoft.com/office/drawing/2014/main" id="{372EAA9D-DCAD-4FED-8246-476AF5EB0A2A}"/>
+              </a:ext>
+            </a:extLst>
+          </p:cNvPr>
+          <p:cNvSpPr txBox="1"/>
+          <p:nvPr/>
+        </p:nvSpPr>
+        <p:spPr>
+          <a:xfrm>
+            <a:off x="4157218" y="4904858"/>
+            <a:ext cx="705678" cy="369332"/>
+          </a:xfrm>
+          <a:prstGeom prst="rect">
+            <a:avLst/>
+          </a:prstGeom>
+          <a:noFill/>
+        </p:spPr>
+        <p:txBody>
+          <a:bodyPr wrap="square" rtlCol="0">
+            <a:spAutoFit/>
+          </a:bodyPr>
+          <a:lstStyle/>
+          <a:p>
+            <a:r>
+              <a:rPr lang="de-DE" dirty="0"/>
+              <a:t>-73</a:t>
+            </a:r>
+          </a:p>
+        </p:txBody>
+      </p:sp>
+      <p:sp>
+        <p:nvSpPr>
+          <p:cNvPr id="18" name="Ellipse 17">
+            <a:extLst>
+              <a:ext uri="{FF2B5EF4-FFF2-40B4-BE49-F238E27FC236}">
+                <a16:creationId xmlns:a16="http://schemas.microsoft.com/office/drawing/2014/main" id="{E1E34E33-DD0D-436A-AE37-AB5B4759F731}"/>
+              </a:ext>
+            </a:extLst>
+          </p:cNvPr>
+          <p:cNvSpPr/>
+          <p:nvPr/>
+        </p:nvSpPr>
+        <p:spPr>
+          <a:xfrm>
+            <a:off x="3887596" y="4985181"/>
+            <a:ext cx="228600" cy="218661"/>
+          </a:xfrm>
+          <a:prstGeom prst="ellipse">
+            <a:avLst/>
+          </a:prstGeom>
+          <a:noFill/>
+          <a:ln>
+            <a:solidFill>
+              <a:srgbClr val="FF0000"/>
+            </a:solidFill>
+          </a:ln>
+        </p:spPr>
+        <p:style>
+          <a:lnRef idx="2">
+            <a:schemeClr val="accent1">
+              <a:shade val="50000"/>
+            </a:schemeClr>
+          </a:lnRef>
+          <a:fillRef idx="1">
+            <a:schemeClr val="accent1"/>
+          </a:fillRef>
+          <a:effectRef idx="0">
+            <a:schemeClr val="accent1"/>
+          </a:effectRef>
+          <a:fontRef idx="minor">
+            <a:schemeClr val="lt1"/>
+          </a:fontRef>
+        </p:style>
+        <p:txBody>
+          <a:bodyPr rtlCol="0" anchor="ctr"/>
+          <a:lstStyle/>
+          <a:p>
+            <a:pPr algn="ctr"/>
+            <a:endParaRPr lang="de-DE"/>
+          </a:p>
+        </p:txBody>
+      </p:sp>
+      <p:sp>
+        <p:nvSpPr>
+          <p:cNvPr id="20" name="Ellipse 19">
+            <a:extLst>
+              <a:ext uri="{FF2B5EF4-FFF2-40B4-BE49-F238E27FC236}">
+                <a16:creationId xmlns:a16="http://schemas.microsoft.com/office/drawing/2014/main" id="{D6C27CBA-8650-4348-A403-7778FB0246FB}"/>
+              </a:ext>
+            </a:extLst>
+          </p:cNvPr>
+          <p:cNvSpPr/>
+          <p:nvPr/>
+        </p:nvSpPr>
+        <p:spPr>
+          <a:xfrm>
+            <a:off x="6236716" y="3801415"/>
+            <a:ext cx="297627" cy="287896"/>
+          </a:xfrm>
+          <a:prstGeom prst="ellipse">
+            <a:avLst/>
+          </a:prstGeom>
+          <a:noFill/>
+          <a:ln>
+            <a:solidFill>
+              <a:srgbClr val="FF0000"/>
+            </a:solidFill>
+          </a:ln>
+        </p:spPr>
+        <p:style>
+          <a:lnRef idx="2">
+            <a:schemeClr val="accent1">
+              <a:shade val="50000"/>
+            </a:schemeClr>
+          </a:lnRef>
+          <a:fillRef idx="1">
+            <a:schemeClr val="accent1"/>
+          </a:fillRef>
+          <a:effectRef idx="0">
+            <a:schemeClr val="accent1"/>
+          </a:effectRef>
+          <a:fontRef idx="minor">
+            <a:schemeClr val="lt1"/>
+          </a:fontRef>
+        </p:style>
+        <p:txBody>
+          <a:bodyPr rtlCol="0" anchor="ctr"/>
+          <a:lstStyle/>
+          <a:p>
+            <a:pPr algn="ctr"/>
+            <a:endParaRPr lang="de-DE"/>
+          </a:p>
+        </p:txBody>
+      </p:sp>
+      <p:sp>
+        <p:nvSpPr>
+          <p:cNvPr id="21" name="Textfeld 20">
+            <a:extLst>
+              <a:ext uri="{FF2B5EF4-FFF2-40B4-BE49-F238E27FC236}">
+                <a16:creationId xmlns:a16="http://schemas.microsoft.com/office/drawing/2014/main" id="{85B81533-73DD-48A5-BA64-853E326E7A19}"/>
+              </a:ext>
+            </a:extLst>
+          </p:cNvPr>
+          <p:cNvSpPr txBox="1"/>
+          <p:nvPr/>
+        </p:nvSpPr>
+        <p:spPr>
+          <a:xfrm>
+            <a:off x="6437894" y="3760697"/>
+            <a:ext cx="998882" cy="369332"/>
+          </a:xfrm>
+          <a:prstGeom prst="rect">
+            <a:avLst/>
+          </a:prstGeom>
+          <a:noFill/>
+        </p:spPr>
+        <p:txBody>
+          <a:bodyPr wrap="square" rtlCol="0">
+            <a:spAutoFit/>
+          </a:bodyPr>
+          <a:lstStyle/>
+          <a:p>
+            <a:r>
+              <a:rPr lang="de-DE" dirty="0"/>
+              <a:t> -24/ -28</a:t>
+            </a:r>
+          </a:p>
+        </p:txBody>
+      </p:sp>
+      <p:sp>
+        <p:nvSpPr>
+          <p:cNvPr id="22" name="Ellipse 21">
+            <a:extLst>
+              <a:ext uri="{FF2B5EF4-FFF2-40B4-BE49-F238E27FC236}">
+                <a16:creationId xmlns:a16="http://schemas.microsoft.com/office/drawing/2014/main" id="{7B9FA16D-780A-443D-85B5-B966FE88F18B}"/>
+              </a:ext>
+            </a:extLst>
+          </p:cNvPr>
+          <p:cNvSpPr/>
+          <p:nvPr/>
+        </p:nvSpPr>
+        <p:spPr>
+          <a:xfrm>
+            <a:off x="6236715" y="4143524"/>
+            <a:ext cx="297627" cy="287896"/>
+          </a:xfrm>
+          <a:prstGeom prst="ellipse">
+            <a:avLst/>
+          </a:prstGeom>
+          <a:noFill/>
+          <a:ln>
+            <a:solidFill>
+              <a:srgbClr val="FF0000"/>
+            </a:solidFill>
+          </a:ln>
+        </p:spPr>
+        <p:style>
+          <a:lnRef idx="2">
+            <a:schemeClr val="accent1">
+              <a:shade val="50000"/>
+            </a:schemeClr>
+          </a:lnRef>
+          <a:fillRef idx="1">
+            <a:schemeClr val="accent1"/>
+          </a:fillRef>
+          <a:effectRef idx="0">
+            <a:schemeClr val="accent1"/>
+          </a:effectRef>
+          <a:fontRef idx="minor">
+            <a:schemeClr val="lt1"/>
+          </a:fontRef>
+        </p:style>
+        <p:txBody>
+          <a:bodyPr rtlCol="0" anchor="ctr"/>
+          <a:lstStyle/>
+          <a:p>
+            <a:pPr algn="ctr"/>
+            <a:endParaRPr lang="de-DE"/>
+          </a:p>
+        </p:txBody>
+      </p:sp>
+      <p:sp>
+        <p:nvSpPr>
+          <p:cNvPr id="23" name="Textfeld 22">
+            <a:extLst>
+              <a:ext uri="{FF2B5EF4-FFF2-40B4-BE49-F238E27FC236}">
+                <a16:creationId xmlns:a16="http://schemas.microsoft.com/office/drawing/2014/main" id="{BE34C2FF-FC9D-4D2F-B4C8-9F6F68B11D47}"/>
+              </a:ext>
+            </a:extLst>
+          </p:cNvPr>
+          <p:cNvSpPr txBox="1"/>
+          <p:nvPr/>
+        </p:nvSpPr>
+        <p:spPr>
+          <a:xfrm>
+            <a:off x="6442676" y="4089355"/>
+            <a:ext cx="998882" cy="369332"/>
+          </a:xfrm>
+          <a:prstGeom prst="rect">
+            <a:avLst/>
+          </a:prstGeom>
+          <a:noFill/>
+        </p:spPr>
+        <p:txBody>
+          <a:bodyPr wrap="square" rtlCol="0">
+            <a:spAutoFit/>
+          </a:bodyPr>
+          <a:lstStyle/>
+          <a:p>
+            <a:r>
+              <a:rPr lang="de-DE" dirty="0"/>
+              <a:t> -31/ -35</a:t>
+            </a:r>
+          </a:p>
+        </p:txBody>
+      </p:sp>
+      <p:sp>
+        <p:nvSpPr>
+          <p:cNvPr id="24" name="Ellipse 23">
+            <a:extLst>
+              <a:ext uri="{FF2B5EF4-FFF2-40B4-BE49-F238E27FC236}">
+                <a16:creationId xmlns:a16="http://schemas.microsoft.com/office/drawing/2014/main" id="{09EFAE61-BE8D-4F49-9449-83B0173EE08D}"/>
+              </a:ext>
+            </a:extLst>
+          </p:cNvPr>
+          <p:cNvSpPr/>
+          <p:nvPr/>
+        </p:nvSpPr>
+        <p:spPr>
+          <a:xfrm>
+            <a:off x="6271228" y="4975447"/>
+            <a:ext cx="228600" cy="218661"/>
+          </a:xfrm>
+          <a:prstGeom prst="ellipse">
+            <a:avLst/>
+          </a:prstGeom>
+          <a:noFill/>
+          <a:ln>
+            <a:solidFill>
+              <a:srgbClr val="FF0000"/>
+            </a:solidFill>
+          </a:ln>
+        </p:spPr>
+        <p:style>
+          <a:lnRef idx="2">
+            <a:schemeClr val="accent1">
+              <a:shade val="50000"/>
+            </a:schemeClr>
+          </a:lnRef>
+          <a:fillRef idx="1">
+            <a:schemeClr val="accent1"/>
+          </a:fillRef>
+          <a:effectRef idx="0">
+            <a:schemeClr val="accent1"/>
+          </a:effectRef>
+          <a:fontRef idx="minor">
+            <a:schemeClr val="lt1"/>
+          </a:fontRef>
+        </p:style>
+        <p:txBody>
+          <a:bodyPr rtlCol="0" anchor="ctr"/>
+          <a:lstStyle/>
+          <a:p>
+            <a:pPr algn="ctr"/>
+            <a:endParaRPr lang="de-DE"/>
+          </a:p>
+        </p:txBody>
+      </p:sp>
+      <p:sp>
+        <p:nvSpPr>
+          <p:cNvPr id="25" name="Textfeld 24">
+            <a:extLst>
+              <a:ext uri="{FF2B5EF4-FFF2-40B4-BE49-F238E27FC236}">
+                <a16:creationId xmlns:a16="http://schemas.microsoft.com/office/drawing/2014/main" id="{3B0F4D24-7780-4F8A-AA0F-83A365EB6750}"/>
+              </a:ext>
+            </a:extLst>
+          </p:cNvPr>
+          <p:cNvSpPr txBox="1"/>
+          <p:nvPr/>
+        </p:nvSpPr>
+        <p:spPr>
+          <a:xfrm>
+            <a:off x="6534342" y="4931864"/>
+            <a:ext cx="705678" cy="369332"/>
+          </a:xfrm>
+          <a:prstGeom prst="rect">
+            <a:avLst/>
+          </a:prstGeom>
+          <a:noFill/>
+        </p:spPr>
+        <p:txBody>
+          <a:bodyPr wrap="square" rtlCol="0">
+            <a:spAutoFit/>
+          </a:bodyPr>
+          <a:lstStyle/>
+          <a:p>
+            <a:r>
+              <a:rPr lang="de-DE" dirty="0"/>
+              <a:t>-48</a:t>
+            </a:r>
+          </a:p>
+        </p:txBody>
+      </p:sp>
+      <p:sp>
+        <p:nvSpPr>
+          <p:cNvPr id="26" name="Textfeld 25">
+            <a:extLst>
+              <a:ext uri="{FF2B5EF4-FFF2-40B4-BE49-F238E27FC236}">
+                <a16:creationId xmlns:a16="http://schemas.microsoft.com/office/drawing/2014/main" id="{607C1E52-DA47-43CA-9A25-7DEA25FDCD3D}"/>
+              </a:ext>
+            </a:extLst>
+          </p:cNvPr>
+          <p:cNvSpPr txBox="1"/>
+          <p:nvPr/>
+        </p:nvSpPr>
+        <p:spPr>
+          <a:xfrm>
+            <a:off x="3559488" y="5437992"/>
+            <a:ext cx="897832" cy="369332"/>
+          </a:xfrm>
+          <a:prstGeom prst="rect">
+            <a:avLst/>
+          </a:prstGeom>
+          <a:noFill/>
+        </p:spPr>
+        <p:txBody>
+          <a:bodyPr wrap="square" rtlCol="0">
+            <a:spAutoFit/>
+          </a:bodyPr>
+          <a:lstStyle/>
+          <a:p>
+            <a:r>
+              <a:rPr lang="de-DE" dirty="0"/>
+              <a:t>-3 - -73 </a:t>
+            </a:r>
+          </a:p>
+        </p:txBody>
+      </p:sp>
+      <p:sp>
+        <p:nvSpPr>
+          <p:cNvPr id="27" name="Textfeld 26">
+            <a:extLst>
+              <a:ext uri="{FF2B5EF4-FFF2-40B4-BE49-F238E27FC236}">
+                <a16:creationId xmlns:a16="http://schemas.microsoft.com/office/drawing/2014/main" id="{8FA82B23-980E-47E5-B296-31060B20D22C}"/>
+              </a:ext>
+            </a:extLst>
+          </p:cNvPr>
+          <p:cNvSpPr txBox="1"/>
+          <p:nvPr/>
+        </p:nvSpPr>
+        <p:spPr>
+          <a:xfrm>
+            <a:off x="5936612" y="5437992"/>
+            <a:ext cx="897832" cy="369332"/>
+          </a:xfrm>
+          <a:prstGeom prst="rect">
+            <a:avLst/>
+          </a:prstGeom>
+          <a:noFill/>
+        </p:spPr>
+        <p:txBody>
+          <a:bodyPr wrap="square" rtlCol="0">
+            <a:spAutoFit/>
+          </a:bodyPr>
+          <a:lstStyle/>
+          <a:p>
+            <a:r>
+              <a:rPr lang="de-DE" dirty="0"/>
+              <a:t>-4 - -48 </a:t>
+            </a:r>
+          </a:p>
+        </p:txBody>
+      </p:sp>
+      <p:graphicFrame>
+        <p:nvGraphicFramePr>
+          <p:cNvPr id="28" name="Tabelle 27">
+            <a:extLst>
+              <a:ext uri="{FF2B5EF4-FFF2-40B4-BE49-F238E27FC236}">
+                <a16:creationId xmlns:a16="http://schemas.microsoft.com/office/drawing/2014/main" id="{B998889E-A1BD-4261-BCF0-DBDB4360B333}"/>
+              </a:ext>
+            </a:extLst>
+          </p:cNvPr>
+          <p:cNvGraphicFramePr>
+            <a:graphicFrameLocks noGrp="1"/>
+          </p:cNvGraphicFramePr>
           <p:nvPr>
-            <p:ph idx="1"/>
+            <p:extLst>
+              <p:ext uri="{D42A27DB-BD31-4B8C-83A1-F6EECF244321}">
+                <p14:modId xmlns:p14="http://schemas.microsoft.com/office/powerpoint/2010/main" val="3411494188"/>
+              </p:ext>
+            </p:extLst>
           </p:nvPr>
-        </p:nvSpPr>
-        <p:spPr/>
-        <p:txBody>
-          <a:bodyPr/>
-          <a:lstStyle/>
-          <a:p>
-            <a:r>
-              <a:rPr lang="de-DE" dirty="0" smtClean="0"/>
-              <a:t>TODO Marcel</a:t>
+        </p:nvGraphicFramePr>
+        <p:xfrm>
+          <a:off x="8389855" y="1888590"/>
+          <a:ext cx="3419836" cy="1483360"/>
+        </p:xfrm>
+        <a:graphic>
+          <a:graphicData uri="http://schemas.openxmlformats.org/drawingml/2006/table">
+            <a:tbl>
+              <a:tblPr firstRow="1" bandRow="1">
+                <a:tableStyleId>{5C22544A-7EE6-4342-B048-85BDC9FD1C3A}</a:tableStyleId>
+              </a:tblPr>
+              <a:tblGrid>
+                <a:gridCol w="1159498">
+                  <a:extLst>
+                    <a:ext uri="{9D8B030D-6E8A-4147-A177-3AD203B41FA5}">
+                      <a16:colId xmlns:a16="http://schemas.microsoft.com/office/drawing/2014/main" val="3286052476"/>
+                    </a:ext>
+                  </a:extLst>
+                </a:gridCol>
+                <a:gridCol w="2260338">
+                  <a:extLst>
+                    <a:ext uri="{9D8B030D-6E8A-4147-A177-3AD203B41FA5}">
+                      <a16:colId xmlns:a16="http://schemas.microsoft.com/office/drawing/2014/main" val="416868354"/>
+                    </a:ext>
+                  </a:extLst>
+                </a:gridCol>
+              </a:tblGrid>
+              <a:tr h="370840">
+                <a:tc>
+                  <a:txBody>
+                    <a:bodyPr/>
+                    <a:lstStyle/>
+                    <a:p>
+                      <a:r>
+                        <a:rPr lang="de-DE" dirty="0"/>
+                        <a:t>Modell</a:t>
+                      </a:r>
+                    </a:p>
+                  </a:txBody>
+                  <a:tcPr/>
+                </a:tc>
+                <a:tc>
+                  <a:txBody>
+                    <a:bodyPr/>
+                    <a:lstStyle/>
+                    <a:p>
+                      <a:r>
+                        <a:rPr lang="de-DE" dirty="0" err="1"/>
+                        <a:t>Outlier</a:t>
+                      </a:r>
+                      <a:r>
+                        <a:rPr lang="de-DE" dirty="0"/>
+                        <a:t> </a:t>
+                      </a:r>
+                      <a:r>
+                        <a:rPr lang="de-DE" dirty="0" err="1"/>
+                        <a:t>area</a:t>
+                      </a:r>
+                      <a:endParaRPr lang="de-DE" dirty="0"/>
+                    </a:p>
+                  </a:txBody>
+                  <a:tcPr/>
+                </a:tc>
+                <a:extLst>
+                  <a:ext uri="{0D108BD9-81ED-4DB2-BD59-A6C34878D82A}">
+                    <a16:rowId xmlns:a16="http://schemas.microsoft.com/office/drawing/2014/main" val="4118393735"/>
+                  </a:ext>
+                </a:extLst>
+              </a:tr>
+              <a:tr h="370840">
+                <a:tc>
+                  <a:txBody>
+                    <a:bodyPr/>
+                    <a:lstStyle/>
+                    <a:p>
+                      <a:r>
+                        <a:rPr lang="de-DE" dirty="0"/>
+                        <a:t>V4</a:t>
+                      </a:r>
+                    </a:p>
+                  </a:txBody>
+                  <a:tcPr/>
+                </a:tc>
+                <a:tc>
+                  <a:txBody>
+                    <a:bodyPr/>
+                    <a:lstStyle/>
+                    <a:p>
+                      <a:r>
+                        <a:rPr lang="de-DE" dirty="0"/>
+                        <a:t>15 bis 17</a:t>
+                      </a:r>
+                    </a:p>
+                  </a:txBody>
+                  <a:tcPr/>
+                </a:tc>
+                <a:extLst>
+                  <a:ext uri="{0D108BD9-81ED-4DB2-BD59-A6C34878D82A}">
+                    <a16:rowId xmlns:a16="http://schemas.microsoft.com/office/drawing/2014/main" val="3079720762"/>
+                  </a:ext>
+                </a:extLst>
+              </a:tr>
+              <a:tr h="370840">
+                <a:tc>
+                  <a:txBody>
+                    <a:bodyPr/>
+                    <a:lstStyle/>
+                    <a:p>
+                      <a:r>
+                        <a:rPr lang="de-DE" dirty="0"/>
+                        <a:t>V5</a:t>
+                      </a:r>
+                    </a:p>
+                  </a:txBody>
+                  <a:tcPr/>
+                </a:tc>
+                <a:tc>
+                  <a:txBody>
+                    <a:bodyPr/>
+                    <a:lstStyle/>
+                    <a:p>
+                      <a:r>
+                        <a:rPr lang="de-DE" dirty="0"/>
+                        <a:t>-38 bis -44 und -113</a:t>
+                      </a:r>
+                    </a:p>
+                  </a:txBody>
+                  <a:tcPr/>
+                </a:tc>
+                <a:extLst>
+                  <a:ext uri="{0D108BD9-81ED-4DB2-BD59-A6C34878D82A}">
+                    <a16:rowId xmlns:a16="http://schemas.microsoft.com/office/drawing/2014/main" val="1051949001"/>
+                  </a:ext>
+                </a:extLst>
+              </a:tr>
+              <a:tr h="370840">
+                <a:tc>
+                  <a:txBody>
+                    <a:bodyPr/>
+                    <a:lstStyle/>
+                    <a:p>
+                      <a:r>
+                        <a:rPr lang="de-DE" dirty="0"/>
+                        <a:t>V6</a:t>
+                      </a:r>
+                    </a:p>
+                  </a:txBody>
+                  <a:tcPr/>
+                </a:tc>
+                <a:tc>
+                  <a:txBody>
+                    <a:bodyPr/>
+                    <a:lstStyle/>
+                    <a:p>
+                      <a:r>
+                        <a:rPr lang="de-DE" dirty="0"/>
+                        <a:t>73</a:t>
+                      </a:r>
+                    </a:p>
+                  </a:txBody>
+                  <a:tcPr/>
+                </a:tc>
+                <a:extLst>
+                  <a:ext uri="{0D108BD9-81ED-4DB2-BD59-A6C34878D82A}">
+                    <a16:rowId xmlns:a16="http://schemas.microsoft.com/office/drawing/2014/main" val="259689644"/>
+                  </a:ext>
+                </a:extLst>
+              </a:tr>
+            </a:tbl>
+          </a:graphicData>
+        </a:graphic>
+      </p:graphicFrame>
+      <p:sp>
+        <p:nvSpPr>
+          <p:cNvPr id="29" name="Ellipse 28">
+            <a:extLst>
+              <a:ext uri="{FF2B5EF4-FFF2-40B4-BE49-F238E27FC236}">
+                <a16:creationId xmlns:a16="http://schemas.microsoft.com/office/drawing/2014/main" id="{4936322E-6B01-45E3-B19F-41654517902B}"/>
+              </a:ext>
+            </a:extLst>
+          </p:cNvPr>
+          <p:cNvSpPr/>
+          <p:nvPr/>
+        </p:nvSpPr>
+        <p:spPr>
+          <a:xfrm>
+            <a:off x="6271225" y="1939067"/>
+            <a:ext cx="228600" cy="218661"/>
+          </a:xfrm>
+          <a:prstGeom prst="ellipse">
+            <a:avLst/>
+          </a:prstGeom>
+          <a:noFill/>
+          <a:ln>
+            <a:solidFill>
+              <a:srgbClr val="FF0000"/>
+            </a:solidFill>
+          </a:ln>
+        </p:spPr>
+        <p:style>
+          <a:lnRef idx="2">
+            <a:schemeClr val="accent1">
+              <a:shade val="50000"/>
+            </a:schemeClr>
+          </a:lnRef>
+          <a:fillRef idx="1">
+            <a:schemeClr val="accent1"/>
+          </a:fillRef>
+          <a:effectRef idx="0">
+            <a:schemeClr val="accent1"/>
+          </a:effectRef>
+          <a:fontRef idx="minor">
+            <a:schemeClr val="lt1"/>
+          </a:fontRef>
+        </p:style>
+        <p:txBody>
+          <a:bodyPr rtlCol="0" anchor="ctr"/>
+          <a:lstStyle/>
+          <a:p>
+            <a:pPr algn="ctr"/>
+            <a:endParaRPr lang="de-DE"/>
+          </a:p>
+        </p:txBody>
+      </p:sp>
+      <p:sp>
+        <p:nvSpPr>
+          <p:cNvPr id="30" name="Textfeld 29">
+            <a:extLst>
+              <a:ext uri="{FF2B5EF4-FFF2-40B4-BE49-F238E27FC236}">
+                <a16:creationId xmlns:a16="http://schemas.microsoft.com/office/drawing/2014/main" id="{0B20A03A-D459-4A4B-87E1-13137339E5B8}"/>
+              </a:ext>
+            </a:extLst>
+          </p:cNvPr>
+          <p:cNvSpPr txBox="1"/>
+          <p:nvPr/>
+        </p:nvSpPr>
+        <p:spPr>
+          <a:xfrm>
+            <a:off x="6500459" y="1855742"/>
+            <a:ext cx="705678" cy="369332"/>
+          </a:xfrm>
+          <a:prstGeom prst="rect">
+            <a:avLst/>
+          </a:prstGeom>
+          <a:noFill/>
+        </p:spPr>
+        <p:txBody>
+          <a:bodyPr wrap="square" rtlCol="0">
+            <a:spAutoFit/>
+          </a:bodyPr>
+          <a:lstStyle/>
+          <a:p>
+            <a:r>
+              <a:rPr lang="de-DE" dirty="0"/>
+              <a:t>8</a:t>
+            </a:r>
+          </a:p>
+        </p:txBody>
+      </p:sp>
+      <p:graphicFrame>
+        <p:nvGraphicFramePr>
+          <p:cNvPr id="31" name="Tabelle 30">
+            <a:extLst>
+              <a:ext uri="{FF2B5EF4-FFF2-40B4-BE49-F238E27FC236}">
+                <a16:creationId xmlns:a16="http://schemas.microsoft.com/office/drawing/2014/main" id="{E83B697A-0FEA-4B3E-BDD0-19B8CB0C92B9}"/>
+              </a:ext>
+            </a:extLst>
+          </p:cNvPr>
+          <p:cNvGraphicFramePr>
+            <a:graphicFrameLocks noGrp="1"/>
+          </p:cNvGraphicFramePr>
+          <p:nvPr>
+            <p:extLst>
+              <p:ext uri="{D42A27DB-BD31-4B8C-83A1-F6EECF244321}">
+                <p14:modId xmlns:p14="http://schemas.microsoft.com/office/powerpoint/2010/main" val="2120412405"/>
+              </p:ext>
+            </p:extLst>
+          </p:nvPr>
+        </p:nvGraphicFramePr>
+        <p:xfrm>
+          <a:off x="8389855" y="3466721"/>
+          <a:ext cx="3419836" cy="1483360"/>
+        </p:xfrm>
+        <a:graphic>
+          <a:graphicData uri="http://schemas.openxmlformats.org/drawingml/2006/table">
+            <a:tbl>
+              <a:tblPr firstRow="1" bandRow="1">
+                <a:tableStyleId>{5C22544A-7EE6-4342-B048-85BDC9FD1C3A}</a:tableStyleId>
+              </a:tblPr>
+              <a:tblGrid>
+                <a:gridCol w="1159498">
+                  <a:extLst>
+                    <a:ext uri="{9D8B030D-6E8A-4147-A177-3AD203B41FA5}">
+                      <a16:colId xmlns:a16="http://schemas.microsoft.com/office/drawing/2014/main" val="3286052476"/>
+                    </a:ext>
+                  </a:extLst>
+                </a:gridCol>
+                <a:gridCol w="2260338">
+                  <a:extLst>
+                    <a:ext uri="{9D8B030D-6E8A-4147-A177-3AD203B41FA5}">
+                      <a16:colId xmlns:a16="http://schemas.microsoft.com/office/drawing/2014/main" val="416868354"/>
+                    </a:ext>
+                  </a:extLst>
+                </a:gridCol>
+              </a:tblGrid>
+              <a:tr h="370840">
+                <a:tc>
+                  <a:txBody>
+                    <a:bodyPr/>
+                    <a:lstStyle/>
+                    <a:p>
+                      <a:r>
+                        <a:rPr lang="de-DE" dirty="0"/>
+                        <a:t>Modell</a:t>
+                      </a:r>
+                    </a:p>
+                  </a:txBody>
+                  <a:tcPr/>
+                </a:tc>
+                <a:tc>
+                  <a:txBody>
+                    <a:bodyPr/>
+                    <a:lstStyle/>
+                    <a:p>
+                      <a:r>
+                        <a:rPr lang="de-DE" dirty="0" err="1"/>
+                        <a:t>Outlier</a:t>
+                      </a:r>
+                      <a:r>
+                        <a:rPr lang="de-DE" dirty="0"/>
+                        <a:t> </a:t>
+                      </a:r>
+                      <a:r>
+                        <a:rPr lang="de-DE" dirty="0" err="1"/>
+                        <a:t>area</a:t>
+                      </a:r>
+                      <a:endParaRPr lang="de-DE" dirty="0"/>
+                    </a:p>
+                  </a:txBody>
+                  <a:tcPr/>
+                </a:tc>
+                <a:extLst>
+                  <a:ext uri="{0D108BD9-81ED-4DB2-BD59-A6C34878D82A}">
+                    <a16:rowId xmlns:a16="http://schemas.microsoft.com/office/drawing/2014/main" val="4118393735"/>
+                  </a:ext>
+                </a:extLst>
+              </a:tr>
+              <a:tr h="370840">
+                <a:tc>
+                  <a:txBody>
+                    <a:bodyPr/>
+                    <a:lstStyle/>
+                    <a:p>
+                      <a:r>
+                        <a:rPr lang="de-DE" dirty="0"/>
+                        <a:t>V7</a:t>
+                      </a:r>
+                    </a:p>
+                  </a:txBody>
+                  <a:tcPr/>
+                </a:tc>
+                <a:tc>
+                  <a:txBody>
+                    <a:bodyPr/>
+                    <a:lstStyle/>
+                    <a:p>
+                      <a:r>
+                        <a:rPr lang="de-DE" dirty="0"/>
+                        <a:t>120</a:t>
+                      </a:r>
+                    </a:p>
+                  </a:txBody>
+                  <a:tcPr/>
+                </a:tc>
+                <a:extLst>
+                  <a:ext uri="{0D108BD9-81ED-4DB2-BD59-A6C34878D82A}">
+                    <a16:rowId xmlns:a16="http://schemas.microsoft.com/office/drawing/2014/main" val="3079720762"/>
+                  </a:ext>
+                </a:extLst>
+              </a:tr>
+              <a:tr h="370840">
+                <a:tc>
+                  <a:txBody>
+                    <a:bodyPr/>
+                    <a:lstStyle/>
+                    <a:p>
+                      <a:r>
+                        <a:rPr lang="de-DE" dirty="0"/>
+                        <a:t>V8</a:t>
+                      </a:r>
+                    </a:p>
+                  </a:txBody>
+                  <a:tcPr/>
+                </a:tc>
+                <a:tc>
+                  <a:txBody>
+                    <a:bodyPr/>
+                    <a:lstStyle/>
+                    <a:p>
+                      <a:r>
+                        <a:rPr lang="de-DE" dirty="0"/>
+                        <a:t>-37 - -42, -50 und -73</a:t>
+                      </a:r>
+                    </a:p>
+                  </a:txBody>
+                  <a:tcPr/>
+                </a:tc>
+                <a:extLst>
+                  <a:ext uri="{0D108BD9-81ED-4DB2-BD59-A6C34878D82A}">
+                    <a16:rowId xmlns:a16="http://schemas.microsoft.com/office/drawing/2014/main" val="1051949001"/>
+                  </a:ext>
+                </a:extLst>
+              </a:tr>
+              <a:tr h="370840">
+                <a:tc>
+                  <a:txBody>
+                    <a:bodyPr/>
+                    <a:lstStyle/>
+                    <a:p>
+                      <a:r>
+                        <a:rPr lang="de-DE" dirty="0"/>
+                        <a:t>V9</a:t>
+                      </a:r>
+                    </a:p>
+                  </a:txBody>
+                  <a:tcPr/>
+                </a:tc>
+                <a:tc>
+                  <a:txBody>
+                    <a:bodyPr/>
+                    <a:lstStyle/>
+                    <a:p>
+                      <a:r>
+                        <a:rPr lang="de-DE" dirty="0"/>
+                        <a:t>15</a:t>
+                      </a:r>
+                    </a:p>
+                  </a:txBody>
+                  <a:tcPr/>
+                </a:tc>
+                <a:extLst>
+                  <a:ext uri="{0D108BD9-81ED-4DB2-BD59-A6C34878D82A}">
+                    <a16:rowId xmlns:a16="http://schemas.microsoft.com/office/drawing/2014/main" val="259689644"/>
+                  </a:ext>
+                </a:extLst>
+              </a:tr>
+            </a:tbl>
+          </a:graphicData>
+        </a:graphic>
+      </p:graphicFrame>
+      <p:graphicFrame>
+        <p:nvGraphicFramePr>
+          <p:cNvPr id="32" name="Tabelle 31">
+            <a:extLst>
+              <a:ext uri="{FF2B5EF4-FFF2-40B4-BE49-F238E27FC236}">
+                <a16:creationId xmlns:a16="http://schemas.microsoft.com/office/drawing/2014/main" id="{E59B937D-49B9-4173-90B7-0A59102EB3A0}"/>
+              </a:ext>
+            </a:extLst>
+          </p:cNvPr>
+          <p:cNvGraphicFramePr>
+            <a:graphicFrameLocks noGrp="1"/>
+          </p:cNvGraphicFramePr>
+          <p:nvPr>
+            <p:extLst>
+              <p:ext uri="{D42A27DB-BD31-4B8C-83A1-F6EECF244321}">
+                <p14:modId xmlns:p14="http://schemas.microsoft.com/office/powerpoint/2010/main" val="2790275129"/>
+              </p:ext>
+            </p:extLst>
+          </p:nvPr>
+        </p:nvGraphicFramePr>
+        <p:xfrm>
+          <a:off x="8389855" y="5084777"/>
+          <a:ext cx="3419836" cy="1483360"/>
+        </p:xfrm>
+        <a:graphic>
+          <a:graphicData uri="http://schemas.openxmlformats.org/drawingml/2006/table">
+            <a:tbl>
+              <a:tblPr firstRow="1" bandRow="1">
+                <a:tableStyleId>{5C22544A-7EE6-4342-B048-85BDC9FD1C3A}</a:tableStyleId>
+              </a:tblPr>
+              <a:tblGrid>
+                <a:gridCol w="1159498">
+                  <a:extLst>
+                    <a:ext uri="{9D8B030D-6E8A-4147-A177-3AD203B41FA5}">
+                      <a16:colId xmlns:a16="http://schemas.microsoft.com/office/drawing/2014/main" val="3286052476"/>
+                    </a:ext>
+                  </a:extLst>
+                </a:gridCol>
+                <a:gridCol w="2260338">
+                  <a:extLst>
+                    <a:ext uri="{9D8B030D-6E8A-4147-A177-3AD203B41FA5}">
+                      <a16:colId xmlns:a16="http://schemas.microsoft.com/office/drawing/2014/main" val="416868354"/>
+                    </a:ext>
+                  </a:extLst>
+                </a:gridCol>
+              </a:tblGrid>
+              <a:tr h="370840">
+                <a:tc>
+                  <a:txBody>
+                    <a:bodyPr/>
+                    <a:lstStyle/>
+                    <a:p>
+                      <a:r>
+                        <a:rPr lang="de-DE" dirty="0"/>
+                        <a:t>Modell</a:t>
+                      </a:r>
+                    </a:p>
+                  </a:txBody>
+                  <a:tcPr/>
+                </a:tc>
+                <a:tc>
+                  <a:txBody>
+                    <a:bodyPr/>
+                    <a:lstStyle/>
+                    <a:p>
+                      <a:r>
+                        <a:rPr lang="de-DE" dirty="0" err="1"/>
+                        <a:t>Outlier</a:t>
+                      </a:r>
+                      <a:r>
+                        <a:rPr lang="de-DE" dirty="0"/>
+                        <a:t> </a:t>
+                      </a:r>
+                      <a:r>
+                        <a:rPr lang="de-DE" dirty="0" err="1"/>
+                        <a:t>area</a:t>
+                      </a:r>
+                      <a:endParaRPr lang="de-DE" dirty="0"/>
+                    </a:p>
+                  </a:txBody>
+                  <a:tcPr/>
+                </a:tc>
+                <a:extLst>
+                  <a:ext uri="{0D108BD9-81ED-4DB2-BD59-A6C34878D82A}">
+                    <a16:rowId xmlns:a16="http://schemas.microsoft.com/office/drawing/2014/main" val="4118393735"/>
+                  </a:ext>
+                </a:extLst>
+              </a:tr>
+              <a:tr h="370840">
+                <a:tc>
+                  <a:txBody>
+                    <a:bodyPr/>
+                    <a:lstStyle/>
+                    <a:p>
+                      <a:r>
+                        <a:rPr lang="de-DE" dirty="0"/>
+                        <a:t>V10</a:t>
+                      </a:r>
+                    </a:p>
+                  </a:txBody>
+                  <a:tcPr/>
+                </a:tc>
+                <a:tc>
+                  <a:txBody>
+                    <a:bodyPr/>
+                    <a:lstStyle/>
+                    <a:p>
+                      <a:r>
+                        <a:rPr lang="de-DE" dirty="0"/>
+                        <a:t>24 und -15</a:t>
+                      </a:r>
+                    </a:p>
+                  </a:txBody>
+                  <a:tcPr/>
+                </a:tc>
+                <a:extLst>
+                  <a:ext uri="{0D108BD9-81ED-4DB2-BD59-A6C34878D82A}">
+                    <a16:rowId xmlns:a16="http://schemas.microsoft.com/office/drawing/2014/main" val="3079720762"/>
+                  </a:ext>
+                </a:extLst>
+              </a:tr>
+              <a:tr h="370840">
+                <a:tc>
+                  <a:txBody>
+                    <a:bodyPr/>
+                    <a:lstStyle/>
+                    <a:p>
+                      <a:r>
+                        <a:rPr lang="de-DE" dirty="0"/>
+                        <a:t>V11</a:t>
+                      </a:r>
+                    </a:p>
+                  </a:txBody>
+                  <a:tcPr/>
+                </a:tc>
+                <a:tc>
+                  <a:txBody>
+                    <a:bodyPr/>
+                    <a:lstStyle/>
+                    <a:p>
+                      <a:r>
+                        <a:rPr lang="de-DE" dirty="0"/>
+                        <a:t>6 und 7</a:t>
+                      </a:r>
+                    </a:p>
+                  </a:txBody>
+                  <a:tcPr/>
+                </a:tc>
+                <a:extLst>
+                  <a:ext uri="{0D108BD9-81ED-4DB2-BD59-A6C34878D82A}">
+                    <a16:rowId xmlns:a16="http://schemas.microsoft.com/office/drawing/2014/main" val="1051949001"/>
+                  </a:ext>
+                </a:extLst>
+              </a:tr>
+              <a:tr h="370840">
+                <a:tc>
+                  <a:txBody>
+                    <a:bodyPr/>
+                    <a:lstStyle/>
+                    <a:p>
+                      <a:r>
+                        <a:rPr lang="de-DE" dirty="0"/>
+                        <a:t>V12</a:t>
+                      </a:r>
+                    </a:p>
+                  </a:txBody>
+                  <a:tcPr/>
+                </a:tc>
+                <a:tc>
+                  <a:txBody>
+                    <a:bodyPr/>
+                    <a:lstStyle/>
+                    <a:p>
+                      <a:r>
+                        <a:rPr lang="de-DE" dirty="0"/>
+                        <a:t>8 und -11 bis -15</a:t>
+                      </a:r>
+                    </a:p>
+                  </a:txBody>
+                  <a:tcPr/>
+                </a:tc>
+                <a:extLst>
+                  <a:ext uri="{0D108BD9-81ED-4DB2-BD59-A6C34878D82A}">
+                    <a16:rowId xmlns:a16="http://schemas.microsoft.com/office/drawing/2014/main" val="259689644"/>
+                  </a:ext>
+                </a:extLst>
+              </a:tr>
+            </a:tbl>
+          </a:graphicData>
+        </a:graphic>
+      </p:graphicFrame>
+      <p:sp>
+        <p:nvSpPr>
+          <p:cNvPr id="33" name="Textfeld 32">
+            <a:extLst>
+              <a:ext uri="{FF2B5EF4-FFF2-40B4-BE49-F238E27FC236}">
+                <a16:creationId xmlns:a16="http://schemas.microsoft.com/office/drawing/2014/main" id="{DBE6E839-4E8C-41CC-A31C-B7CDD604E19E}"/>
+              </a:ext>
+            </a:extLst>
+          </p:cNvPr>
+          <p:cNvSpPr txBox="1"/>
+          <p:nvPr/>
+        </p:nvSpPr>
+        <p:spPr>
+          <a:xfrm>
+            <a:off x="1124629" y="5835191"/>
+            <a:ext cx="6793886" cy="923330"/>
+          </a:xfrm>
+          <a:prstGeom prst="rect">
+            <a:avLst/>
+          </a:prstGeom>
+          <a:noFill/>
+        </p:spPr>
+        <p:txBody>
+          <a:bodyPr wrap="square" rtlCol="0">
+            <a:spAutoFit/>
+          </a:bodyPr>
+          <a:lstStyle/>
+          <a:p>
+            <a:r>
+              <a:rPr lang="en-US" b="1" dirty="0"/>
+              <a:t>Notes:</a:t>
+            </a:r>
+          </a:p>
+          <a:p>
+            <a:pPr marL="285750" indent="-285750">
+              <a:buFont typeface="Arial" panose="020B0604020202020204" pitchFamily="34" charset="0"/>
+              <a:buChar char="•"/>
+            </a:pPr>
+            <a:r>
+              <a:rPr lang="en-US" dirty="0"/>
+              <a:t>Outliers in the models (red area) are not removed because of insufficient data</a:t>
+            </a:r>
+          </a:p>
+        </p:txBody>
+      </p:sp>
+      <p:sp>
+        <p:nvSpPr>
+          <p:cNvPr id="34" name="Textfeld 33">
+            <a:extLst>
+              <a:ext uri="{FF2B5EF4-FFF2-40B4-BE49-F238E27FC236}">
+                <a16:creationId xmlns:a16="http://schemas.microsoft.com/office/drawing/2014/main" id="{9E1278BC-AD08-408B-819E-A0750F6C6A2C}"/>
+              </a:ext>
+            </a:extLst>
+          </p:cNvPr>
+          <p:cNvSpPr txBox="1"/>
+          <p:nvPr/>
+        </p:nvSpPr>
+        <p:spPr>
+          <a:xfrm>
+            <a:off x="8389855" y="1456052"/>
+            <a:ext cx="3478086" cy="369332"/>
+          </a:xfrm>
+          <a:prstGeom prst="rect">
+            <a:avLst/>
+          </a:prstGeom>
+          <a:noFill/>
+        </p:spPr>
+        <p:txBody>
+          <a:bodyPr wrap="square" rtlCol="0">
+            <a:spAutoFit/>
+          </a:bodyPr>
+          <a:lstStyle/>
+          <a:p>
+            <a:r>
+              <a:rPr lang="de-DE" b="1" dirty="0" err="1"/>
+              <a:t>Outliers</a:t>
+            </a:r>
+            <a:r>
+              <a:rPr lang="de-DE" b="1" dirty="0"/>
+              <a:t> </a:t>
+            </a:r>
+            <a:r>
+              <a:rPr lang="de-DE" b="1" dirty="0" err="1"/>
+              <a:t>to</a:t>
+            </a:r>
+            <a:r>
+              <a:rPr lang="de-DE" b="1" dirty="0"/>
+              <a:t> </a:t>
+            </a:r>
+            <a:r>
+              <a:rPr lang="de-DE" b="1" dirty="0" err="1"/>
+              <a:t>remove</a:t>
+            </a:r>
+            <a:r>
+              <a:rPr lang="de-DE" b="1" dirty="0"/>
+              <a:t>:</a:t>
             </a:r>
             <a:endParaRPr lang="de-DE" dirty="0"/>
           </a:p>
@@ -7280,14 +9356,13 @@
           <a:lstStyle/>
           <a:p>
             <a:r>
-              <a:rPr lang="de-DE" dirty="0" err="1" smtClean="0"/>
+              <a:rPr lang="de-DE" dirty="0" err="1"/>
               <a:t>Outlier</a:t>
             </a:r>
             <a:r>
-              <a:rPr lang="de-DE" dirty="0" smtClean="0"/>
+              <a:rPr lang="de-DE" dirty="0"/>
               <a:t> Ergebnisse</a:t>
             </a:r>
-            <a:endParaRPr lang="de-DE" dirty="0"/>
           </a:p>
         </p:txBody>
       </p:sp>
@@ -7307,10 +9382,9 @@
           <a:lstStyle/>
           <a:p>
             <a:r>
-              <a:rPr lang="de-DE" dirty="0" smtClean="0"/>
+              <a:rPr lang="de-DE" dirty="0"/>
               <a:t>TODO Jan</a:t>
             </a:r>
-            <a:endParaRPr lang="de-DE" dirty="0"/>
           </a:p>
         </p:txBody>
       </p:sp>
@@ -7424,10 +9498,6 @@
               <a:r>
                 <a:rPr lang="de-DE" sz="1400" dirty="0" err="1"/>
                 <a:t>Full</a:t>
-              </a:r>
-              <a:r>
-                <a:rPr lang="de-DE" sz="1400" dirty="0"/>
-                <a:t/>
               </a:r>
               <a:br>
                 <a:rPr lang="de-DE" sz="1400" dirty="0"/>
@@ -7487,10 +9557,6 @@
               <a:r>
                 <a:rPr lang="de-DE" sz="1400" dirty="0" err="1"/>
                 <a:t>Scaled</a:t>
-              </a:r>
-              <a:r>
-                <a:rPr lang="de-DE" sz="1400" dirty="0"/>
-                <a:t/>
               </a:r>
               <a:br>
                 <a:rPr lang="de-DE" sz="1400" dirty="0"/>
@@ -8982,4 +11048,299 @@
     </a:ext>
   </a:extLst>
 </a:theme>
+</file>
+
+<file path=ppt/theme/theme2.xml><?xml version="1.0" encoding="utf-8"?>
+<a:theme xmlns:a="http://schemas.openxmlformats.org/drawingml/2006/main" name="Office">
+  <a:themeElements>
+    <a:clrScheme name="Office">
+      <a:dk1>
+        <a:sysClr val="windowText" lastClr="000000"/>
+      </a:dk1>
+      <a:lt1>
+        <a:sysClr val="window" lastClr="FFFFFF"/>
+      </a:lt1>
+      <a:dk2>
+        <a:srgbClr val="44546A"/>
+      </a:dk2>
+      <a:lt2>
+        <a:srgbClr val="E7E6E6"/>
+      </a:lt2>
+      <a:accent1>
+        <a:srgbClr val="4472C4"/>
+      </a:accent1>
+      <a:accent2>
+        <a:srgbClr val="ED7D31"/>
+      </a:accent2>
+      <a:accent3>
+        <a:srgbClr val="A5A5A5"/>
+      </a:accent3>
+      <a:accent4>
+        <a:srgbClr val="FFC000"/>
+      </a:accent4>
+      <a:accent5>
+        <a:srgbClr val="5B9BD5"/>
+      </a:accent5>
+      <a:accent6>
+        <a:srgbClr val="70AD47"/>
+      </a:accent6>
+      <a:hlink>
+        <a:srgbClr val="0563C1"/>
+      </a:hlink>
+      <a:folHlink>
+        <a:srgbClr val="954F72"/>
+      </a:folHlink>
+    </a:clrScheme>
+    <a:fontScheme name="Office">
+      <a:majorFont>
+        <a:latin typeface="Calibri Light" panose="020F0302020204030204"/>
+        <a:ea typeface=""/>
+        <a:cs typeface=""/>
+        <a:font script="Jpan" typeface="游ゴシック Light"/>
+        <a:font script="Hang" typeface="맑은 고딕"/>
+        <a:font script="Hans" typeface="等线 Light"/>
+        <a:font script="Hant" typeface="新細明體"/>
+        <a:font script="Arab" typeface="Times New Roman"/>
+        <a:font script="Hebr" typeface="Times New Roman"/>
+        <a:font script="Thai" typeface="Angsana New"/>
+        <a:font script="Ethi" typeface="Nyala"/>
+        <a:font script="Beng" typeface="Vrinda"/>
+        <a:font script="Gujr" typeface="Shruti"/>
+        <a:font script="Khmr" typeface="MoolBoran"/>
+        <a:font script="Knda" typeface="Tunga"/>
+        <a:font script="Guru" typeface="Raavi"/>
+        <a:font script="Cans" typeface="Euphemia"/>
+        <a:font script="Cher" typeface="Plantagenet Cherokee"/>
+        <a:font script="Yiii" typeface="Microsoft Yi Baiti"/>
+        <a:font script="Tibt" typeface="Microsoft Himalaya"/>
+        <a:font script="Thaa" typeface="MV Boli"/>
+        <a:font script="Deva" typeface="Mangal"/>
+        <a:font script="Telu" typeface="Gautami"/>
+        <a:font script="Taml" typeface="Latha"/>
+        <a:font script="Syrc" typeface="Estrangelo Edessa"/>
+        <a:font script="Orya" typeface="Kalinga"/>
+        <a:font script="Mlym" typeface="Kartika"/>
+        <a:font script="Laoo" typeface="DokChampa"/>
+        <a:font script="Sinh" typeface="Iskoola Pota"/>
+        <a:font script="Mong" typeface="Mongolian Baiti"/>
+        <a:font script="Viet" typeface="Times New Roman"/>
+        <a:font script="Uigh" typeface="Microsoft Uighur"/>
+        <a:font script="Geor" typeface="Sylfaen"/>
+        <a:font script="Armn" typeface="Arial"/>
+        <a:font script="Bugi" typeface="Leelawadee UI"/>
+        <a:font script="Bopo" typeface="Microsoft JhengHei"/>
+        <a:font script="Java" typeface="Javanese Text"/>
+        <a:font script="Lisu" typeface="Segoe UI"/>
+        <a:font script="Mymr" typeface="Myanmar Text"/>
+        <a:font script="Nkoo" typeface="Ebrima"/>
+        <a:font script="Olck" typeface="Nirmala UI"/>
+        <a:font script="Osma" typeface="Ebrima"/>
+        <a:font script="Phag" typeface="Phagspa"/>
+        <a:font script="Syrn" typeface="Estrangelo Edessa"/>
+        <a:font script="Syrj" typeface="Estrangelo Edessa"/>
+        <a:font script="Syre" typeface="Estrangelo Edessa"/>
+        <a:font script="Sora" typeface="Nirmala UI"/>
+        <a:font script="Tale" typeface="Microsoft Tai Le"/>
+        <a:font script="Talu" typeface="Microsoft New Tai Lue"/>
+        <a:font script="Tfng" typeface="Ebrima"/>
+      </a:majorFont>
+      <a:minorFont>
+        <a:latin typeface="Calibri" panose="020F0502020204030204"/>
+        <a:ea typeface=""/>
+        <a:cs typeface=""/>
+        <a:font script="Jpan" typeface="游ゴシック"/>
+        <a:font script="Hang" typeface="맑은 고딕"/>
+        <a:font script="Hans" typeface="等线"/>
+        <a:font script="Hant" typeface="新細明體"/>
+        <a:font script="Arab" typeface="Arial"/>
+        <a:font script="Hebr" typeface="Arial"/>
+        <a:font script="Thai" typeface="Cordia New"/>
+        <a:font script="Ethi" typeface="Nyala"/>
+        <a:font script="Beng" typeface="Vrinda"/>
+        <a:font script="Gujr" typeface="Shruti"/>
+        <a:font script="Khmr" typeface="DaunPenh"/>
+        <a:font script="Knda" typeface="Tunga"/>
+        <a:font script="Guru" typeface="Raavi"/>
+        <a:font script="Cans" typeface="Euphemia"/>
+        <a:font script="Cher" typeface="Plantagenet Cherokee"/>
+        <a:font script="Yiii" typeface="Microsoft Yi Baiti"/>
+        <a:font script="Tibt" typeface="Microsoft Himalaya"/>
+        <a:font script="Thaa" typeface="MV Boli"/>
+        <a:font script="Deva" typeface="Mangal"/>
+        <a:font script="Telu" typeface="Gautami"/>
+        <a:font script="Taml" typeface="Latha"/>
+        <a:font script="Syrc" typeface="Estrangelo Edessa"/>
+        <a:font script="Orya" typeface="Kalinga"/>
+        <a:font script="Mlym" typeface="Kartika"/>
+        <a:font script="Laoo" typeface="DokChampa"/>
+        <a:font script="Sinh" typeface="Iskoola Pota"/>
+        <a:font script="Mong" typeface="Mongolian Baiti"/>
+        <a:font script="Viet" typeface="Arial"/>
+        <a:font script="Uigh" typeface="Microsoft Uighur"/>
+        <a:font script="Geor" typeface="Sylfaen"/>
+        <a:font script="Armn" typeface="Arial"/>
+        <a:font script="Bugi" typeface="Leelawadee UI"/>
+        <a:font script="Bopo" typeface="Microsoft JhengHei"/>
+        <a:font script="Java" typeface="Javanese Text"/>
+        <a:font script="Lisu" typeface="Segoe UI"/>
+        <a:font script="Mymr" typeface="Myanmar Text"/>
+        <a:font script="Nkoo" typeface="Ebrima"/>
+        <a:font script="Olck" typeface="Nirmala UI"/>
+        <a:font script="Osma" typeface="Ebrima"/>
+        <a:font script="Phag" typeface="Phagspa"/>
+        <a:font script="Syrn" typeface="Estrangelo Edessa"/>
+        <a:font script="Syrj" typeface="Estrangelo Edessa"/>
+        <a:font script="Syre" typeface="Estrangelo Edessa"/>
+        <a:font script="Sora" typeface="Nirmala UI"/>
+        <a:font script="Tale" typeface="Microsoft Tai Le"/>
+        <a:font script="Talu" typeface="Microsoft New Tai Lue"/>
+        <a:font script="Tfng" typeface="Ebrima"/>
+      </a:minorFont>
+    </a:fontScheme>
+    <a:fmtScheme name="Office">
+      <a:fillStyleLst>
+        <a:solidFill>
+          <a:schemeClr val="phClr"/>
+        </a:solidFill>
+        <a:gradFill rotWithShape="1">
+          <a:gsLst>
+            <a:gs pos="0">
+              <a:schemeClr val="phClr">
+                <a:lumMod val="110000"/>
+                <a:satMod val="105000"/>
+                <a:tint val="67000"/>
+              </a:schemeClr>
+            </a:gs>
+            <a:gs pos="50000">
+              <a:schemeClr val="phClr">
+                <a:lumMod val="105000"/>
+                <a:satMod val="103000"/>
+                <a:tint val="73000"/>
+              </a:schemeClr>
+            </a:gs>
+            <a:gs pos="100000">
+              <a:schemeClr val="phClr">
+                <a:lumMod val="105000"/>
+                <a:satMod val="109000"/>
+                <a:tint val="81000"/>
+              </a:schemeClr>
+            </a:gs>
+          </a:gsLst>
+          <a:lin ang="5400000" scaled="0"/>
+        </a:gradFill>
+        <a:gradFill rotWithShape="1">
+          <a:gsLst>
+            <a:gs pos="0">
+              <a:schemeClr val="phClr">
+                <a:satMod val="103000"/>
+                <a:lumMod val="102000"/>
+                <a:tint val="94000"/>
+              </a:schemeClr>
+            </a:gs>
+            <a:gs pos="50000">
+              <a:schemeClr val="phClr">
+                <a:satMod val="110000"/>
+                <a:lumMod val="100000"/>
+                <a:shade val="100000"/>
+              </a:schemeClr>
+            </a:gs>
+            <a:gs pos="100000">
+              <a:schemeClr val="phClr">
+                <a:lumMod val="99000"/>
+                <a:satMod val="120000"/>
+                <a:shade val="78000"/>
+              </a:schemeClr>
+            </a:gs>
+          </a:gsLst>
+          <a:lin ang="5400000" scaled="0"/>
+        </a:gradFill>
+      </a:fillStyleLst>
+      <a:lnStyleLst>
+        <a:ln w="6350" cap="flat" cmpd="sng" algn="ctr">
+          <a:solidFill>
+            <a:schemeClr val="phClr"/>
+          </a:solidFill>
+          <a:prstDash val="solid"/>
+          <a:miter lim="800000"/>
+        </a:ln>
+        <a:ln w="12700" cap="flat" cmpd="sng" algn="ctr">
+          <a:solidFill>
+            <a:schemeClr val="phClr"/>
+          </a:solidFill>
+          <a:prstDash val="solid"/>
+          <a:miter lim="800000"/>
+        </a:ln>
+        <a:ln w="19050" cap="flat" cmpd="sng" algn="ctr">
+          <a:solidFill>
+            <a:schemeClr val="phClr"/>
+          </a:solidFill>
+          <a:prstDash val="solid"/>
+          <a:miter lim="800000"/>
+        </a:ln>
+      </a:lnStyleLst>
+      <a:effectStyleLst>
+        <a:effectStyle>
+          <a:effectLst/>
+        </a:effectStyle>
+        <a:effectStyle>
+          <a:effectLst/>
+        </a:effectStyle>
+        <a:effectStyle>
+          <a:effectLst>
+            <a:outerShdw blurRad="57150" dist="19050" dir="5400000" algn="ctr" rotWithShape="0">
+              <a:srgbClr val="000000">
+                <a:alpha val="63000"/>
+              </a:srgbClr>
+            </a:outerShdw>
+          </a:effectLst>
+        </a:effectStyle>
+      </a:effectStyleLst>
+      <a:bgFillStyleLst>
+        <a:solidFill>
+          <a:schemeClr val="phClr"/>
+        </a:solidFill>
+        <a:solidFill>
+          <a:schemeClr val="phClr">
+            <a:tint val="95000"/>
+            <a:satMod val="170000"/>
+          </a:schemeClr>
+        </a:solidFill>
+        <a:gradFill rotWithShape="1">
+          <a:gsLst>
+            <a:gs pos="0">
+              <a:schemeClr val="phClr">
+                <a:tint val="93000"/>
+                <a:satMod val="150000"/>
+                <a:shade val="98000"/>
+                <a:lumMod val="102000"/>
+              </a:schemeClr>
+            </a:gs>
+            <a:gs pos="50000">
+              <a:schemeClr val="phClr">
+                <a:tint val="98000"/>
+                <a:satMod val="130000"/>
+                <a:shade val="90000"/>
+                <a:lumMod val="103000"/>
+              </a:schemeClr>
+            </a:gs>
+            <a:gs pos="100000">
+              <a:schemeClr val="phClr">
+                <a:shade val="63000"/>
+                <a:satMod val="120000"/>
+              </a:schemeClr>
+            </a:gs>
+          </a:gsLst>
+          <a:lin ang="5400000" scaled="0"/>
+        </a:gradFill>
+      </a:bgFillStyleLst>
+    </a:fmtScheme>
+  </a:themeElements>
+  <a:objectDefaults/>
+  <a:extraClrSchemeLst/>
+  <a:extLst>
+    <a:ext uri="{05A4C25C-085E-4340-85A3-A5531E510DB2}">
+      <thm15:themeFamily xmlns:thm15="http://schemas.microsoft.com/office/thememl/2012/main" name="Office Theme" id="{62F939B6-93AF-4DB8-9C6B-D6C7DFDC589F}" vid="{4A3C46E8-61CC-4603-A589-7422A47A8E4A}"/>
+    </a:ext>
+  </a:extLst>
+</a:theme>
 </file>